--- a/Distributed System.pptx
+++ b/Distributed System.pptx
@@ -5,10 +5,10 @@
     <p:sldMasterId id="2147483756" r:id="rId4"/>
   </p:sldMasterIdLst>
   <p:notesMasterIdLst>
-    <p:notesMasterId r:id="rId62"/>
+    <p:notesMasterId r:id="rId42"/>
   </p:notesMasterIdLst>
   <p:handoutMasterIdLst>
-    <p:handoutMasterId r:id="rId63"/>
+    <p:handoutMasterId r:id="rId43"/>
   </p:handoutMasterIdLst>
   <p:sldIdLst>
     <p:sldId id="267" r:id="rId5"/>
@@ -48,26 +48,6 @@
     <p:sldId id="332" r:id="rId39"/>
     <p:sldId id="333" r:id="rId40"/>
     <p:sldId id="334" r:id="rId41"/>
-    <p:sldId id="287" r:id="rId42"/>
-    <p:sldId id="288" r:id="rId43"/>
-    <p:sldId id="286" r:id="rId44"/>
-    <p:sldId id="284" r:id="rId45"/>
-    <p:sldId id="285" r:id="rId46"/>
-    <p:sldId id="289" r:id="rId47"/>
-    <p:sldId id="290" r:id="rId48"/>
-    <p:sldId id="292" r:id="rId49"/>
-    <p:sldId id="293" r:id="rId50"/>
-    <p:sldId id="294" r:id="rId51"/>
-    <p:sldId id="295" r:id="rId52"/>
-    <p:sldId id="296" r:id="rId53"/>
-    <p:sldId id="298" r:id="rId54"/>
-    <p:sldId id="299" r:id="rId55"/>
-    <p:sldId id="297" r:id="rId56"/>
-    <p:sldId id="279" r:id="rId57"/>
-    <p:sldId id="280" r:id="rId58"/>
-    <p:sldId id="281" r:id="rId59"/>
-    <p:sldId id="282" r:id="rId60"/>
-    <p:sldId id="277" r:id="rId61"/>
   </p:sldIdLst>
   <p:sldSz cx="12188825" cy="6858000"/>
   <p:notesSz cx="6858000" cy="9144000"/>
@@ -197,976 +177,6 @@
     </p:ext>
   </p:extLst>
 </p:presentation>
-</file>
-
-<file path=ppt/charts/chart1.xml><?xml version="1.0" encoding="utf-8"?>
-<c:chartSpace xmlns:c="http://schemas.openxmlformats.org/drawingml/2006/chart" xmlns:a="http://schemas.openxmlformats.org/drawingml/2006/main" xmlns:r="http://schemas.openxmlformats.org/officeDocument/2006/relationships" xmlns:c16r2="http://schemas.microsoft.com/office/drawing/2015/06/chart">
-  <c:date1904 val="0"/>
-  <c:lang val="en-US"/>
-  <c:roundedCorners val="0"/>
-  <mc:AlternateContent xmlns:mc="http://schemas.openxmlformats.org/markup-compatibility/2006">
-    <mc:Choice xmlns:c14="http://schemas.microsoft.com/office/drawing/2007/8/2/chart" Requires="c14">
-      <c14:style val="102"/>
-    </mc:Choice>
-    <mc:Fallback>
-      <c:style val="2"/>
-    </mc:Fallback>
-  </mc:AlternateContent>
-  <c:chart>
-    <c:autoTitleDeleted val="1"/>
-    <c:plotArea>
-      <c:layout/>
-      <c:barChart>
-        <c:barDir val="col"/>
-        <c:grouping val="clustered"/>
-        <c:varyColors val="0"/>
-        <c:ser>
-          <c:idx val="0"/>
-          <c:order val="0"/>
-          <c:tx>
-            <c:strRef>
-              <c:f>Sheet1!$B$1</c:f>
-              <c:strCache>
-                <c:ptCount val="1"/>
-                <c:pt idx="0">
-                  <c:v>Series 1</c:v>
-                </c:pt>
-              </c:strCache>
-            </c:strRef>
-          </c:tx>
-          <c:spPr>
-            <a:solidFill>
-              <a:schemeClr val="accent1"/>
-            </a:solidFill>
-            <a:ln>
-              <a:noFill/>
-            </a:ln>
-            <a:effectLst/>
-          </c:spPr>
-          <c:invertIfNegative val="0"/>
-          <c:cat>
-            <c:strRef>
-              <c:f>Sheet1!$A$2:$A$5</c:f>
-              <c:strCache>
-                <c:ptCount val="4"/>
-                <c:pt idx="0">
-                  <c:v>Category 1</c:v>
-                </c:pt>
-                <c:pt idx="1">
-                  <c:v>Category 2</c:v>
-                </c:pt>
-                <c:pt idx="2">
-                  <c:v>Category 3</c:v>
-                </c:pt>
-                <c:pt idx="3">
-                  <c:v>Category 4</c:v>
-                </c:pt>
-              </c:strCache>
-            </c:strRef>
-          </c:cat>
-          <c:val>
-            <c:numRef>
-              <c:f>Sheet1!$B$2:$B$5</c:f>
-              <c:numCache>
-                <c:formatCode>General</c:formatCode>
-                <c:ptCount val="4"/>
-                <c:pt idx="0">
-                  <c:v>4.3</c:v>
-                </c:pt>
-                <c:pt idx="1">
-                  <c:v>2.5</c:v>
-                </c:pt>
-                <c:pt idx="2">
-                  <c:v>3.5</c:v>
-                </c:pt>
-                <c:pt idx="3">
-                  <c:v>4.5</c:v>
-                </c:pt>
-              </c:numCache>
-            </c:numRef>
-          </c:val>
-          <c:extLst>
-            <c:ext xmlns:c16="http://schemas.microsoft.com/office/drawing/2014/chart" uri="{C3380CC4-5D6E-409C-BE32-E72D297353CC}">
-              <c16:uniqueId val="{00000000-3514-4EFA-8242-05C3FB47F50E}"/>
-            </c:ext>
-          </c:extLst>
-        </c:ser>
-        <c:ser>
-          <c:idx val="1"/>
-          <c:order val="1"/>
-          <c:tx>
-            <c:strRef>
-              <c:f>Sheet1!$C$1</c:f>
-              <c:strCache>
-                <c:ptCount val="1"/>
-                <c:pt idx="0">
-                  <c:v>Series 2</c:v>
-                </c:pt>
-              </c:strCache>
-            </c:strRef>
-          </c:tx>
-          <c:spPr>
-            <a:solidFill>
-              <a:schemeClr val="accent2"/>
-            </a:solidFill>
-            <a:ln>
-              <a:noFill/>
-            </a:ln>
-            <a:effectLst/>
-          </c:spPr>
-          <c:invertIfNegative val="0"/>
-          <c:cat>
-            <c:strRef>
-              <c:f>Sheet1!$A$2:$A$5</c:f>
-              <c:strCache>
-                <c:ptCount val="4"/>
-                <c:pt idx="0">
-                  <c:v>Category 1</c:v>
-                </c:pt>
-                <c:pt idx="1">
-                  <c:v>Category 2</c:v>
-                </c:pt>
-                <c:pt idx="2">
-                  <c:v>Category 3</c:v>
-                </c:pt>
-                <c:pt idx="3">
-                  <c:v>Category 4</c:v>
-                </c:pt>
-              </c:strCache>
-            </c:strRef>
-          </c:cat>
-          <c:val>
-            <c:numRef>
-              <c:f>Sheet1!$C$2:$C$5</c:f>
-              <c:numCache>
-                <c:formatCode>General</c:formatCode>
-                <c:ptCount val="4"/>
-                <c:pt idx="0">
-                  <c:v>2.4</c:v>
-                </c:pt>
-                <c:pt idx="1">
-                  <c:v>4.4000000000000004</c:v>
-                </c:pt>
-                <c:pt idx="2">
-                  <c:v>1.8</c:v>
-                </c:pt>
-                <c:pt idx="3">
-                  <c:v>2.8</c:v>
-                </c:pt>
-              </c:numCache>
-            </c:numRef>
-          </c:val>
-          <c:extLst>
-            <c:ext xmlns:c16="http://schemas.microsoft.com/office/drawing/2014/chart" uri="{C3380CC4-5D6E-409C-BE32-E72D297353CC}">
-              <c16:uniqueId val="{00000001-3514-4EFA-8242-05C3FB47F50E}"/>
-            </c:ext>
-          </c:extLst>
-        </c:ser>
-        <c:ser>
-          <c:idx val="2"/>
-          <c:order val="2"/>
-          <c:tx>
-            <c:strRef>
-              <c:f>Sheet1!$D$1</c:f>
-              <c:strCache>
-                <c:ptCount val="1"/>
-                <c:pt idx="0">
-                  <c:v>Series 3</c:v>
-                </c:pt>
-              </c:strCache>
-            </c:strRef>
-          </c:tx>
-          <c:spPr>
-            <a:solidFill>
-              <a:schemeClr val="accent3"/>
-            </a:solidFill>
-            <a:ln>
-              <a:noFill/>
-            </a:ln>
-            <a:effectLst/>
-          </c:spPr>
-          <c:invertIfNegative val="0"/>
-          <c:cat>
-            <c:strRef>
-              <c:f>Sheet1!$A$2:$A$5</c:f>
-              <c:strCache>
-                <c:ptCount val="4"/>
-                <c:pt idx="0">
-                  <c:v>Category 1</c:v>
-                </c:pt>
-                <c:pt idx="1">
-                  <c:v>Category 2</c:v>
-                </c:pt>
-                <c:pt idx="2">
-                  <c:v>Category 3</c:v>
-                </c:pt>
-                <c:pt idx="3">
-                  <c:v>Category 4</c:v>
-                </c:pt>
-              </c:strCache>
-            </c:strRef>
-          </c:cat>
-          <c:val>
-            <c:numRef>
-              <c:f>Sheet1!$D$2:$D$5</c:f>
-              <c:numCache>
-                <c:formatCode>General</c:formatCode>
-                <c:ptCount val="4"/>
-                <c:pt idx="0">
-                  <c:v>2</c:v>
-                </c:pt>
-                <c:pt idx="1">
-                  <c:v>2</c:v>
-                </c:pt>
-                <c:pt idx="2">
-                  <c:v>3</c:v>
-                </c:pt>
-                <c:pt idx="3">
-                  <c:v>5</c:v>
-                </c:pt>
-              </c:numCache>
-            </c:numRef>
-          </c:val>
-          <c:extLst>
-            <c:ext xmlns:c16="http://schemas.microsoft.com/office/drawing/2014/chart" uri="{C3380CC4-5D6E-409C-BE32-E72D297353CC}">
-              <c16:uniqueId val="{00000002-3514-4EFA-8242-05C3FB47F50E}"/>
-            </c:ext>
-          </c:extLst>
-        </c:ser>
-        <c:dLbls>
-          <c:showLegendKey val="0"/>
-          <c:showVal val="0"/>
-          <c:showCatName val="0"/>
-          <c:showSerName val="0"/>
-          <c:showPercent val="0"/>
-          <c:showBubbleSize val="0"/>
-        </c:dLbls>
-        <c:gapWidth val="199"/>
-        <c:axId val="603895568"/>
-        <c:axId val="603889296"/>
-      </c:barChart>
-      <c:catAx>
-        <c:axId val="603895568"/>
-        <c:scaling>
-          <c:orientation val="minMax"/>
-        </c:scaling>
-        <c:delete val="0"/>
-        <c:axPos val="b"/>
-        <c:numFmt formatCode="General" sourceLinked="1"/>
-        <c:majorTickMark val="none"/>
-        <c:minorTickMark val="none"/>
-        <c:tickLblPos val="nextTo"/>
-        <c:spPr>
-          <a:noFill/>
-          <a:ln w="9525" cap="flat" cmpd="sng" algn="ctr">
-            <a:solidFill>
-              <a:schemeClr val="tx1">
-                <a:lumMod val="15000"/>
-                <a:lumOff val="85000"/>
-              </a:schemeClr>
-            </a:solidFill>
-            <a:round/>
-          </a:ln>
-          <a:effectLst/>
-        </c:spPr>
-        <c:txPr>
-          <a:bodyPr rot="-60000000" spcFirstLastPara="1" vertOverflow="ellipsis" vert="horz" wrap="square" anchor="ctr" anchorCtr="1"/>
-          <a:lstStyle/>
-          <a:p>
-            <a:pPr>
-              <a:defRPr sz="1197" b="0" i="0" u="none" strike="noStrike" kern="1200" cap="none" spc="0" normalizeH="0" baseline="0">
-                <a:solidFill>
-                  <a:schemeClr val="tx1">
-                    <a:lumMod val="65000"/>
-                    <a:lumOff val="35000"/>
-                  </a:schemeClr>
-                </a:solidFill>
-                <a:latin typeface="+mn-lt"/>
-                <a:ea typeface="+mn-ea"/>
-                <a:cs typeface="+mn-cs"/>
-              </a:defRPr>
-            </a:pPr>
-            <a:endParaRPr lang="en-US"/>
-          </a:p>
-        </c:txPr>
-        <c:crossAx val="603889296"/>
-        <c:crosses val="autoZero"/>
-        <c:auto val="1"/>
-        <c:lblAlgn val="ctr"/>
-        <c:lblOffset val="100"/>
-        <c:noMultiLvlLbl val="0"/>
-      </c:catAx>
-      <c:valAx>
-        <c:axId val="603889296"/>
-        <c:scaling>
-          <c:orientation val="minMax"/>
-        </c:scaling>
-        <c:delete val="0"/>
-        <c:axPos val="l"/>
-        <c:majorGridlines>
-          <c:spPr>
-            <a:ln w="9525" cap="flat" cmpd="sng" algn="ctr">
-              <a:solidFill>
-                <a:schemeClr val="tx1">
-                  <a:lumMod val="15000"/>
-                  <a:lumOff val="85000"/>
-                </a:schemeClr>
-              </a:solidFill>
-              <a:round/>
-            </a:ln>
-            <a:effectLst/>
-          </c:spPr>
-        </c:majorGridlines>
-        <c:minorGridlines>
-          <c:spPr>
-            <a:ln w="9525" cap="flat" cmpd="sng" algn="ctr">
-              <a:solidFill>
-                <a:schemeClr val="tx1">
-                  <a:lumMod val="5000"/>
-                  <a:lumOff val="95000"/>
-                </a:schemeClr>
-              </a:solidFill>
-              <a:round/>
-            </a:ln>
-            <a:effectLst/>
-          </c:spPr>
-        </c:minorGridlines>
-        <c:numFmt formatCode="General" sourceLinked="1"/>
-        <c:majorTickMark val="none"/>
-        <c:minorTickMark val="none"/>
-        <c:tickLblPos val="nextTo"/>
-        <c:spPr>
-          <a:noFill/>
-          <a:ln>
-            <a:noFill/>
-          </a:ln>
-          <a:effectLst/>
-        </c:spPr>
-        <c:txPr>
-          <a:bodyPr rot="-60000000" spcFirstLastPara="1" vertOverflow="ellipsis" vert="horz" wrap="square" anchor="ctr" anchorCtr="1"/>
-          <a:lstStyle/>
-          <a:p>
-            <a:pPr>
-              <a:defRPr sz="1197" b="0" i="0" u="none" strike="noStrike" kern="1200" baseline="0">
-                <a:solidFill>
-                  <a:schemeClr val="tx1">
-                    <a:lumMod val="65000"/>
-                    <a:lumOff val="35000"/>
-                  </a:schemeClr>
-                </a:solidFill>
-                <a:latin typeface="+mn-lt"/>
-                <a:ea typeface="+mn-ea"/>
-                <a:cs typeface="+mn-cs"/>
-              </a:defRPr>
-            </a:pPr>
-            <a:endParaRPr lang="en-US"/>
-          </a:p>
-        </c:txPr>
-        <c:crossAx val="603895568"/>
-        <c:crosses val="autoZero"/>
-        <c:crossBetween val="between"/>
-      </c:valAx>
-      <c:spPr>
-        <a:noFill/>
-        <a:ln>
-          <a:noFill/>
-        </a:ln>
-        <a:effectLst/>
-      </c:spPr>
-    </c:plotArea>
-    <c:legend>
-      <c:legendPos val="t"/>
-      <c:overlay val="0"/>
-      <c:spPr>
-        <a:noFill/>
-        <a:ln>
-          <a:noFill/>
-        </a:ln>
-        <a:effectLst/>
-      </c:spPr>
-      <c:txPr>
-        <a:bodyPr rot="0" spcFirstLastPara="1" vertOverflow="ellipsis" vert="horz" wrap="square" anchor="ctr" anchorCtr="1"/>
-        <a:lstStyle/>
-        <a:p>
-          <a:pPr>
-            <a:defRPr sz="1197" b="0" i="0" u="none" strike="noStrike" kern="1200" baseline="0">
-              <a:solidFill>
-                <a:schemeClr val="tx1">
-                  <a:lumMod val="65000"/>
-                  <a:lumOff val="35000"/>
-                </a:schemeClr>
-              </a:solidFill>
-              <a:latin typeface="+mn-lt"/>
-              <a:ea typeface="+mn-ea"/>
-              <a:cs typeface="+mn-cs"/>
-            </a:defRPr>
-          </a:pPr>
-          <a:endParaRPr lang="en-US"/>
-        </a:p>
-      </c:txPr>
-    </c:legend>
-    <c:plotVisOnly val="1"/>
-    <c:dispBlanksAs val="gap"/>
-    <c:showDLblsOverMax val="0"/>
-  </c:chart>
-  <c:spPr>
-    <a:noFill/>
-    <a:ln>
-      <a:noFill/>
-    </a:ln>
-    <a:effectLst/>
-  </c:spPr>
-  <c:txPr>
-    <a:bodyPr/>
-    <a:lstStyle/>
-    <a:p>
-      <a:pPr>
-        <a:defRPr/>
-      </a:pPr>
-      <a:endParaRPr lang="en-US"/>
-    </a:p>
-  </c:txPr>
-  <c:externalData r:id="rId3">
-    <c:autoUpdate val="0"/>
-  </c:externalData>
-</c:chartSpace>
-</file>
-
-<file path=ppt/charts/colors1.xml><?xml version="1.0" encoding="utf-8"?>
-<cs:colorStyle xmlns:cs="http://schemas.microsoft.com/office/drawing/2012/chartStyle" xmlns:a="http://schemas.openxmlformats.org/drawingml/2006/main" meth="cycle" id="10">
-  <a:schemeClr val="accent1"/>
-  <a:schemeClr val="accent2"/>
-  <a:schemeClr val="accent3"/>
-  <a:schemeClr val="accent4"/>
-  <a:schemeClr val="accent5"/>
-  <a:schemeClr val="accent6"/>
-  <cs:variation/>
-  <cs:variation>
-    <a:lumMod val="60000"/>
-  </cs:variation>
-  <cs:variation>
-    <a:lumMod val="80000"/>
-    <a:lumOff val="20000"/>
-  </cs:variation>
-  <cs:variation>
-    <a:lumMod val="80000"/>
-  </cs:variation>
-  <cs:variation>
-    <a:lumMod val="60000"/>
-    <a:lumOff val="40000"/>
-  </cs:variation>
-  <cs:variation>
-    <a:lumMod val="50000"/>
-  </cs:variation>
-  <cs:variation>
-    <a:lumMod val="70000"/>
-    <a:lumOff val="30000"/>
-  </cs:variation>
-  <cs:variation>
-    <a:lumMod val="70000"/>
-  </cs:variation>
-  <cs:variation>
-    <a:lumMod val="50000"/>
-    <a:lumOff val="50000"/>
-  </cs:variation>
-</cs:colorStyle>
-</file>
-
-<file path=ppt/charts/style1.xml><?xml version="1.0" encoding="utf-8"?>
-<cs:chartStyle xmlns:cs="http://schemas.microsoft.com/office/drawing/2012/chartStyle" xmlns:a="http://schemas.openxmlformats.org/drawingml/2006/main" id="212">
-  <cs:axisTitle>
-    <cs:lnRef idx="0"/>
-    <cs:fillRef idx="0"/>
-    <cs:effectRef idx="0"/>
-    <cs:fontRef idx="minor">
-      <a:schemeClr val="tx1">
-        <a:lumMod val="65000"/>
-        <a:lumOff val="35000"/>
-      </a:schemeClr>
-    </cs:fontRef>
-    <cs:defRPr sz="1197" kern="1200" cap="all"/>
-  </cs:axisTitle>
-  <cs:categoryAxis>
-    <cs:lnRef idx="0"/>
-    <cs:fillRef idx="0"/>
-    <cs:effectRef idx="0"/>
-    <cs:fontRef idx="minor">
-      <a:schemeClr val="tx1">
-        <a:lumMod val="65000"/>
-        <a:lumOff val="35000"/>
-      </a:schemeClr>
-    </cs:fontRef>
-    <cs:spPr>
-      <a:ln w="9525" cap="flat" cmpd="sng" algn="ctr">
-        <a:solidFill>
-          <a:schemeClr val="tx1">
-            <a:lumMod val="15000"/>
-            <a:lumOff val="85000"/>
-          </a:schemeClr>
-        </a:solidFill>
-        <a:round/>
-      </a:ln>
-    </cs:spPr>
-    <cs:defRPr sz="1197" b="0" kern="1200" cap="none" spc="0" normalizeH="0" baseline="0"/>
-  </cs:categoryAxis>
-  <cs:chartArea mods="allowNoFillOverride allowNoLineOverride">
-    <cs:lnRef idx="0"/>
-    <cs:fillRef idx="0"/>
-    <cs:effectRef idx="0"/>
-    <cs:fontRef idx="minor">
-      <a:schemeClr val="dk1"/>
-    </cs:fontRef>
-    <cs:spPr>
-      <a:solidFill>
-        <a:schemeClr val="bg1"/>
-      </a:solidFill>
-      <a:ln w="9525" cap="flat" cmpd="sng" algn="ctr">
-        <a:solidFill>
-          <a:schemeClr val="tx1">
-            <a:lumMod val="15000"/>
-            <a:lumOff val="85000"/>
-          </a:schemeClr>
-        </a:solidFill>
-        <a:round/>
-      </a:ln>
-    </cs:spPr>
-    <cs:defRPr sz="1197" kern="1200"/>
-  </cs:chartArea>
-  <cs:dataLabel>
-    <cs:lnRef idx="0"/>
-    <cs:fillRef idx="0"/>
-    <cs:effectRef idx="0"/>
-    <cs:fontRef idx="minor">
-      <a:schemeClr val="tx1">
-        <a:lumMod val="75000"/>
-        <a:lumOff val="25000"/>
-      </a:schemeClr>
-    </cs:fontRef>
-    <cs:defRPr sz="1197" kern="1200"/>
-  </cs:dataLabel>
-  <cs:dataLabelCallout>
-    <cs:lnRef idx="0"/>
-    <cs:fillRef idx="0"/>
-    <cs:effectRef idx="0"/>
-    <cs:fontRef idx="minor">
-      <a:schemeClr val="dk1">
-        <a:lumMod val="75000"/>
-        <a:lumOff val="25000"/>
-      </a:schemeClr>
-    </cs:fontRef>
-    <cs:spPr>
-      <a:solidFill>
-        <a:schemeClr val="dk1">
-          <a:lumMod val="15000"/>
-          <a:lumOff val="85000"/>
-        </a:schemeClr>
-      </a:solidFill>
-    </cs:spPr>
-    <cs:defRPr sz="1197" kern="1200"/>
-  </cs:dataLabelCallout>
-  <cs:dataPoint>
-    <cs:lnRef idx="0"/>
-    <cs:fillRef idx="0">
-      <cs:styleClr val="auto"/>
-    </cs:fillRef>
-    <cs:effectRef idx="0"/>
-    <cs:fontRef idx="minor">
-      <a:schemeClr val="dk1"/>
-    </cs:fontRef>
-    <cs:spPr>
-      <a:solidFill>
-        <a:schemeClr val="phClr"/>
-      </a:solidFill>
-    </cs:spPr>
-  </cs:dataPoint>
-  <cs:dataPoint3D>
-    <cs:lnRef idx="0"/>
-    <cs:fillRef idx="0">
-      <cs:styleClr val="auto"/>
-    </cs:fillRef>
-    <cs:effectRef idx="0"/>
-    <cs:fontRef idx="minor">
-      <a:schemeClr val="dk1"/>
-    </cs:fontRef>
-    <cs:spPr>
-      <a:solidFill>
-        <a:schemeClr val="phClr"/>
-      </a:solidFill>
-    </cs:spPr>
-  </cs:dataPoint3D>
-  <cs:dataPointLine>
-    <cs:lnRef idx="0">
-      <cs:styleClr val="auto"/>
-    </cs:lnRef>
-    <cs:fillRef idx="0"/>
-    <cs:effectRef idx="0"/>
-    <cs:fontRef idx="minor">
-      <a:schemeClr val="dk1"/>
-    </cs:fontRef>
-    <cs:spPr>
-      <a:ln w="38100" cap="rnd">
-        <a:solidFill>
-          <a:schemeClr val="phClr"/>
-        </a:solidFill>
-        <a:round/>
-      </a:ln>
-    </cs:spPr>
-  </cs:dataPointLine>
-  <cs:dataPointMarker>
-    <cs:lnRef idx="0"/>
-    <cs:fillRef idx="0">
-      <cs:styleClr val="auto"/>
-    </cs:fillRef>
-    <cs:effectRef idx="0"/>
-    <cs:fontRef idx="minor">
-      <a:schemeClr val="dk1"/>
-    </cs:fontRef>
-    <cs:spPr>
-      <a:solidFill>
-        <a:schemeClr val="phClr"/>
-      </a:solidFill>
-    </cs:spPr>
-  </cs:dataPointMarker>
-  <cs:dataPointMarkerLayout symbol="circle" size="8"/>
-  <cs:dataPointWireframe>
-    <cs:lnRef idx="0">
-      <cs:styleClr val="auto"/>
-    </cs:lnRef>
-    <cs:fillRef idx="0"/>
-    <cs:effectRef idx="0"/>
-    <cs:fontRef idx="minor">
-      <a:schemeClr val="dk1"/>
-    </cs:fontRef>
-    <cs:spPr>
-      <a:ln w="9525" cap="rnd">
-        <a:solidFill>
-          <a:schemeClr val="phClr"/>
-        </a:solidFill>
-        <a:round/>
-      </a:ln>
-    </cs:spPr>
-  </cs:dataPointWireframe>
-  <cs:dataTable>
-    <cs:lnRef idx="0"/>
-    <cs:fillRef idx="0"/>
-    <cs:effectRef idx="0"/>
-    <cs:fontRef idx="minor">
-      <a:schemeClr val="tx1">
-        <a:lumMod val="65000"/>
-        <a:lumOff val="35000"/>
-      </a:schemeClr>
-    </cs:fontRef>
-    <cs:spPr>
-      <a:ln w="9525">
-        <a:solidFill>
-          <a:schemeClr val="tx1">
-            <a:lumMod val="15000"/>
-            <a:lumOff val="85000"/>
-          </a:schemeClr>
-        </a:solidFill>
-      </a:ln>
-    </cs:spPr>
-    <cs:defRPr sz="1197" kern="1200"/>
-  </cs:dataTable>
-  <cs:downBar>
-    <cs:lnRef idx="0"/>
-    <cs:fillRef idx="0"/>
-    <cs:effectRef idx="0"/>
-    <cs:fontRef idx="minor">
-      <a:schemeClr val="dk1"/>
-    </cs:fontRef>
-    <cs:spPr>
-      <a:solidFill>
-        <a:schemeClr val="dk1">
-          <a:lumMod val="75000"/>
-          <a:lumOff val="25000"/>
-        </a:schemeClr>
-      </a:solidFill>
-      <a:ln w="9525">
-        <a:solidFill>
-          <a:schemeClr val="tx1">
-            <a:lumMod val="50000"/>
-            <a:lumOff val="50000"/>
-          </a:schemeClr>
-        </a:solidFill>
-      </a:ln>
-    </cs:spPr>
-  </cs:downBar>
-  <cs:dropLine>
-    <cs:lnRef idx="0"/>
-    <cs:fillRef idx="0"/>
-    <cs:effectRef idx="0"/>
-    <cs:fontRef idx="minor">
-      <a:schemeClr val="dk1"/>
-    </cs:fontRef>
-    <cs:spPr>
-      <a:ln w="9525">
-        <a:solidFill>
-          <a:schemeClr val="tx1">
-            <a:lumMod val="50000"/>
-            <a:lumOff val="50000"/>
-          </a:schemeClr>
-        </a:solidFill>
-        <a:prstDash val="dash"/>
-      </a:ln>
-    </cs:spPr>
-  </cs:dropLine>
-  <cs:errorBar>
-    <cs:lnRef idx="0"/>
-    <cs:fillRef idx="0"/>
-    <cs:effectRef idx="0"/>
-    <cs:fontRef idx="minor">
-      <a:schemeClr val="dk1"/>
-    </cs:fontRef>
-    <cs:spPr>
-      <a:ln w="9525">
-        <a:solidFill>
-          <a:schemeClr val="tx1">
-            <a:lumMod val="50000"/>
-            <a:lumOff val="50000"/>
-          </a:schemeClr>
-        </a:solidFill>
-        <a:round/>
-      </a:ln>
-    </cs:spPr>
-  </cs:errorBar>
-  <cs:floor>
-    <cs:lnRef idx="0"/>
-    <cs:fillRef idx="0"/>
-    <cs:effectRef idx="0"/>
-    <cs:fontRef idx="minor">
-      <a:schemeClr val="dk1"/>
-    </cs:fontRef>
-  </cs:floor>
-  <cs:gridlineMajor>
-    <cs:lnRef idx="0"/>
-    <cs:fillRef idx="0"/>
-    <cs:effectRef idx="0"/>
-    <cs:fontRef idx="minor">
-      <a:schemeClr val="dk1"/>
-    </cs:fontRef>
-    <cs:spPr>
-      <a:ln w="9525" cap="flat" cmpd="sng" algn="ctr">
-        <a:solidFill>
-          <a:schemeClr val="tx1">
-            <a:lumMod val="15000"/>
-            <a:lumOff val="85000"/>
-          </a:schemeClr>
-        </a:solidFill>
-        <a:round/>
-      </a:ln>
-    </cs:spPr>
-  </cs:gridlineMajor>
-  <cs:gridlineMinor>
-    <cs:lnRef idx="0"/>
-    <cs:fillRef idx="0"/>
-    <cs:effectRef idx="0"/>
-    <cs:fontRef idx="minor">
-      <a:schemeClr val="dk1"/>
-    </cs:fontRef>
-    <cs:spPr>
-      <a:ln w="9525" cap="flat" cmpd="sng" algn="ctr">
-        <a:solidFill>
-          <a:schemeClr val="tx1">
-            <a:lumMod val="5000"/>
-            <a:lumOff val="95000"/>
-          </a:schemeClr>
-        </a:solidFill>
-        <a:round/>
-      </a:ln>
-    </cs:spPr>
-  </cs:gridlineMinor>
-  <cs:hiLoLine>
-    <cs:lnRef idx="0"/>
-    <cs:fillRef idx="0"/>
-    <cs:effectRef idx="0"/>
-    <cs:fontRef idx="minor">
-      <a:schemeClr val="dk1"/>
-    </cs:fontRef>
-    <cs:spPr>
-      <a:ln w="9525">
-        <a:solidFill>
-          <a:schemeClr val="tx1">
-            <a:lumMod val="50000"/>
-            <a:lumOff val="50000"/>
-          </a:schemeClr>
-        </a:solidFill>
-        <a:prstDash val="dash"/>
-      </a:ln>
-    </cs:spPr>
-  </cs:hiLoLine>
-  <cs:leaderLine>
-    <cs:lnRef idx="0"/>
-    <cs:fillRef idx="0"/>
-    <cs:effectRef idx="0"/>
-    <cs:fontRef idx="minor">
-      <a:schemeClr val="dk1"/>
-    </cs:fontRef>
-    <cs:spPr>
-      <a:ln w="9525">
-        <a:solidFill>
-          <a:schemeClr val="tx1">
-            <a:lumMod val="35000"/>
-            <a:lumOff val="65000"/>
-          </a:schemeClr>
-        </a:solidFill>
-      </a:ln>
-    </cs:spPr>
-  </cs:leaderLine>
-  <cs:legend>
-    <cs:lnRef idx="0"/>
-    <cs:fillRef idx="0"/>
-    <cs:effectRef idx="0"/>
-    <cs:fontRef idx="minor">
-      <a:schemeClr val="tx1">
-        <a:lumMod val="65000"/>
-        <a:lumOff val="35000"/>
-      </a:schemeClr>
-    </cs:fontRef>
-    <cs:defRPr sz="1197" kern="1200"/>
-  </cs:legend>
-  <cs:plotArea mods="allowNoFillOverride allowNoLineOverride">
-    <cs:lnRef idx="0"/>
-    <cs:fillRef idx="0"/>
-    <cs:effectRef idx="0"/>
-    <cs:fontRef idx="minor">
-      <a:schemeClr val="dk1"/>
-    </cs:fontRef>
-  </cs:plotArea>
-  <cs:plotArea3D mods="allowNoFillOverride allowNoLineOverride">
-    <cs:lnRef idx="0"/>
-    <cs:fillRef idx="0"/>
-    <cs:effectRef idx="0"/>
-    <cs:fontRef idx="minor">
-      <a:schemeClr val="dk1"/>
-    </cs:fontRef>
-  </cs:plotArea3D>
-  <cs:seriesAxis>
-    <cs:lnRef idx="0"/>
-    <cs:fillRef idx="0"/>
-    <cs:effectRef idx="0"/>
-    <cs:fontRef idx="minor">
-      <a:schemeClr val="tx1">
-        <a:lumMod val="65000"/>
-        <a:lumOff val="35000"/>
-      </a:schemeClr>
-    </cs:fontRef>
-    <cs:spPr>
-      <a:ln w="9525" cap="flat" cmpd="sng" algn="ctr">
-        <a:solidFill>
-          <a:schemeClr val="tx1">
-            <a:lumMod val="15000"/>
-            <a:lumOff val="85000"/>
-          </a:schemeClr>
-        </a:solidFill>
-        <a:round/>
-      </a:ln>
-    </cs:spPr>
-    <cs:defRPr sz="1197" kern="1200"/>
-  </cs:seriesAxis>
-  <cs:seriesLine>
-    <cs:lnRef idx="0"/>
-    <cs:fillRef idx="0"/>
-    <cs:effectRef idx="0"/>
-    <cs:fontRef idx="minor">
-      <a:schemeClr val="dk1"/>
-    </cs:fontRef>
-    <cs:spPr>
-      <a:ln w="9525">
-        <a:solidFill>
-          <a:schemeClr val="tx1">
-            <a:lumMod val="35000"/>
-            <a:lumOff val="65000"/>
-          </a:schemeClr>
-        </a:solidFill>
-        <a:round/>
-      </a:ln>
-    </cs:spPr>
-  </cs:seriesLine>
-  <cs:title>
-    <cs:lnRef idx="0"/>
-    <cs:fillRef idx="0"/>
-    <cs:effectRef idx="0"/>
-    <cs:fontRef idx="major">
-      <a:schemeClr val="tx1">
-        <a:lumMod val="65000"/>
-        <a:lumOff val="35000"/>
-      </a:schemeClr>
-    </cs:fontRef>
-    <cs:defRPr sz="2200" b="0" kern="1200" cap="none" spc="0" normalizeH="0" baseline="0"/>
-  </cs:title>
-  <cs:trendline>
-    <cs:lnRef idx="0">
-      <cs:styleClr val="auto"/>
-    </cs:lnRef>
-    <cs:fillRef idx="0"/>
-    <cs:effectRef idx="0"/>
-    <cs:fontRef idx="minor">
-      <a:schemeClr val="dk1"/>
-    </cs:fontRef>
-    <cs:spPr>
-      <a:ln w="19050" cap="rnd">
-        <a:solidFill>
-          <a:schemeClr val="phClr"/>
-        </a:solidFill>
-        <a:round/>
-      </a:ln>
-    </cs:spPr>
-  </cs:trendline>
-  <cs:trendlineLabel>
-    <cs:lnRef idx="0"/>
-    <cs:fillRef idx="0"/>
-    <cs:effectRef idx="0"/>
-    <cs:fontRef idx="minor">
-      <a:schemeClr val="tx1">
-        <a:lumMod val="65000"/>
-        <a:lumOff val="35000"/>
-      </a:schemeClr>
-    </cs:fontRef>
-    <cs:defRPr sz="1197" kern="1200"/>
-  </cs:trendlineLabel>
-  <cs:upBar>
-    <cs:lnRef idx="0"/>
-    <cs:fillRef idx="0"/>
-    <cs:effectRef idx="0"/>
-    <cs:fontRef idx="minor">
-      <a:schemeClr val="dk1"/>
-    </cs:fontRef>
-    <cs:spPr>
-      <a:solidFill>
-        <a:schemeClr val="lt1"/>
-      </a:solidFill>
-      <a:ln w="9525">
-        <a:solidFill>
-          <a:schemeClr val="tx1">
-            <a:lumMod val="50000"/>
-            <a:lumOff val="50000"/>
-          </a:schemeClr>
-        </a:solidFill>
-      </a:ln>
-    </cs:spPr>
-  </cs:upBar>
-  <cs:valueAxis>
-    <cs:lnRef idx="0"/>
-    <cs:fillRef idx="0"/>
-    <cs:effectRef idx="0"/>
-    <cs:fontRef idx="minor">
-      <a:schemeClr val="tx1">
-        <a:lumMod val="65000"/>
-        <a:lumOff val="35000"/>
-      </a:schemeClr>
-    </cs:fontRef>
-    <cs:defRPr sz="1197" kern="1200"/>
-  </cs:valueAxis>
-  <cs:wall>
-    <cs:lnRef idx="0"/>
-    <cs:fillRef idx="0"/>
-    <cs:effectRef idx="0"/>
-    <cs:fontRef idx="minor">
-      <a:schemeClr val="dk1"/>
-    </cs:fontRef>
-  </cs:wall>
-</cs:chartStyle>
 </file>
 
 <file path=ppt/diagrams/colors1.xml><?xml version="1.0" encoding="utf-8"?>
@@ -2038,788 +1048,6 @@
 </dgm:colorsDef>
 </file>
 
-<file path=ppt/diagrams/colors2.xml><?xml version="1.0" encoding="utf-8"?>
-<dgm:colorsDef xmlns:dgm="http://schemas.openxmlformats.org/drawingml/2006/diagram" xmlns:a="http://schemas.openxmlformats.org/drawingml/2006/main" uniqueId="urn:microsoft.com/office/officeart/2005/8/colors/colorful3">
-  <dgm:title val=""/>
-  <dgm:desc val=""/>
-  <dgm:catLst>
-    <dgm:cat type="colorful" pri="10300"/>
-  </dgm:catLst>
-  <dgm:styleLbl name="node0">
-    <dgm:fillClrLst meth="repeat">
-      <a:schemeClr val="accent2"/>
-    </dgm:fillClrLst>
-    <dgm:linClrLst meth="repeat">
-      <a:schemeClr val="lt1"/>
-    </dgm:linClrLst>
-    <dgm:effectClrLst/>
-    <dgm:txLinClrLst/>
-    <dgm:txFillClrLst/>
-    <dgm:txEffectClrLst/>
-  </dgm:styleLbl>
-  <dgm:styleLbl name="node1">
-    <dgm:fillClrLst>
-      <a:schemeClr val="accent3"/>
-      <a:schemeClr val="accent4"/>
-    </dgm:fillClrLst>
-    <dgm:linClrLst meth="repeat">
-      <a:schemeClr val="lt1"/>
-    </dgm:linClrLst>
-    <dgm:effectClrLst/>
-    <dgm:txLinClrLst/>
-    <dgm:txFillClrLst/>
-    <dgm:txEffectClrLst/>
-  </dgm:styleLbl>
-  <dgm:styleLbl name="alignNode1">
-    <dgm:fillClrLst>
-      <a:schemeClr val="accent3"/>
-      <a:schemeClr val="accent4"/>
-    </dgm:fillClrLst>
-    <dgm:linClrLst>
-      <a:schemeClr val="accent3"/>
-      <a:schemeClr val="accent4"/>
-    </dgm:linClrLst>
-    <dgm:effectClrLst/>
-    <dgm:txLinClrLst/>
-    <dgm:txFillClrLst/>
-    <dgm:txEffectClrLst/>
-  </dgm:styleLbl>
-  <dgm:styleLbl name="lnNode1">
-    <dgm:fillClrLst>
-      <a:schemeClr val="accent3"/>
-      <a:schemeClr val="accent4"/>
-    </dgm:fillClrLst>
-    <dgm:linClrLst meth="repeat">
-      <a:schemeClr val="lt1"/>
-    </dgm:linClrLst>
-    <dgm:effectClrLst/>
-    <dgm:txLinClrLst/>
-    <dgm:txFillClrLst/>
-    <dgm:txEffectClrLst/>
-  </dgm:styleLbl>
-  <dgm:styleLbl name="vennNode1">
-    <dgm:fillClrLst>
-      <a:schemeClr val="accent3">
-        <a:alpha val="50000"/>
-      </a:schemeClr>
-      <a:schemeClr val="accent4">
-        <a:alpha val="50000"/>
-      </a:schemeClr>
-    </dgm:fillClrLst>
-    <dgm:linClrLst meth="repeat">
-      <a:schemeClr val="lt1"/>
-    </dgm:linClrLst>
-    <dgm:effectClrLst/>
-    <dgm:txLinClrLst/>
-    <dgm:txFillClrLst/>
-    <dgm:txEffectClrLst/>
-  </dgm:styleLbl>
-  <dgm:styleLbl name="node2">
-    <dgm:fillClrLst>
-      <a:schemeClr val="accent4"/>
-    </dgm:fillClrLst>
-    <dgm:linClrLst meth="repeat">
-      <a:schemeClr val="lt1"/>
-    </dgm:linClrLst>
-    <dgm:effectClrLst/>
-    <dgm:txLinClrLst/>
-    <dgm:txFillClrLst/>
-    <dgm:txEffectClrLst/>
-  </dgm:styleLbl>
-  <dgm:styleLbl name="node3">
-    <dgm:fillClrLst>
-      <a:schemeClr val="accent5"/>
-    </dgm:fillClrLst>
-    <dgm:linClrLst meth="repeat">
-      <a:schemeClr val="lt1"/>
-    </dgm:linClrLst>
-    <dgm:effectClrLst/>
-    <dgm:txLinClrLst/>
-    <dgm:txFillClrLst/>
-    <dgm:txEffectClrLst/>
-  </dgm:styleLbl>
-  <dgm:styleLbl name="node4">
-    <dgm:fillClrLst>
-      <a:schemeClr val="accent6"/>
-    </dgm:fillClrLst>
-    <dgm:linClrLst meth="repeat">
-      <a:schemeClr val="lt1"/>
-    </dgm:linClrLst>
-    <dgm:effectClrLst/>
-    <dgm:txLinClrLst/>
-    <dgm:txFillClrLst/>
-    <dgm:txEffectClrLst/>
-  </dgm:styleLbl>
-  <dgm:styleLbl name="fgImgPlace1">
-    <dgm:fillClrLst>
-      <a:schemeClr val="accent3">
-        <a:tint val="50000"/>
-      </a:schemeClr>
-      <a:schemeClr val="accent4">
-        <a:tint val="50000"/>
-      </a:schemeClr>
-    </dgm:fillClrLst>
-    <dgm:linClrLst meth="repeat">
-      <a:schemeClr val="lt1"/>
-    </dgm:linClrLst>
-    <dgm:effectClrLst/>
-    <dgm:txLinClrLst/>
-    <dgm:txFillClrLst meth="repeat">
-      <a:schemeClr val="lt1"/>
-    </dgm:txFillClrLst>
-    <dgm:txEffectClrLst/>
-  </dgm:styleLbl>
-  <dgm:styleLbl name="alignImgPlace1">
-    <dgm:fillClrLst>
-      <a:schemeClr val="accent3">
-        <a:tint val="50000"/>
-      </a:schemeClr>
-      <a:schemeClr val="accent4">
-        <a:tint val="20000"/>
-      </a:schemeClr>
-    </dgm:fillClrLst>
-    <dgm:linClrLst meth="repeat">
-      <a:schemeClr val="lt1"/>
-    </dgm:linClrLst>
-    <dgm:effectClrLst/>
-    <dgm:txLinClrLst/>
-    <dgm:txFillClrLst meth="repeat">
-      <a:schemeClr val="lt1"/>
-    </dgm:txFillClrLst>
-    <dgm:txEffectClrLst/>
-  </dgm:styleLbl>
-  <dgm:styleLbl name="bgImgPlace1">
-    <dgm:fillClrLst>
-      <a:schemeClr val="accent3">
-        <a:tint val="50000"/>
-      </a:schemeClr>
-      <a:schemeClr val="accent4">
-        <a:tint val="20000"/>
-      </a:schemeClr>
-    </dgm:fillClrLst>
-    <dgm:linClrLst meth="repeat">
-      <a:schemeClr val="lt1"/>
-    </dgm:linClrLst>
-    <dgm:effectClrLst/>
-    <dgm:txLinClrLst/>
-    <dgm:txFillClrLst meth="repeat">
-      <a:schemeClr val="lt1"/>
-    </dgm:txFillClrLst>
-    <dgm:txEffectClrLst/>
-  </dgm:styleLbl>
-  <dgm:styleLbl name="sibTrans2D1">
-    <dgm:fillClrLst>
-      <a:schemeClr val="accent3"/>
-      <a:schemeClr val="accent4"/>
-    </dgm:fillClrLst>
-    <dgm:linClrLst meth="repeat">
-      <a:schemeClr val="lt1"/>
-    </dgm:linClrLst>
-    <dgm:effectClrLst/>
-    <dgm:txLinClrLst/>
-    <dgm:txFillClrLst/>
-    <dgm:txEffectClrLst/>
-  </dgm:styleLbl>
-  <dgm:styleLbl name="fgSibTrans2D1">
-    <dgm:fillClrLst>
-      <a:schemeClr val="accent3"/>
-      <a:schemeClr val="accent4"/>
-    </dgm:fillClrLst>
-    <dgm:linClrLst meth="repeat">
-      <a:schemeClr val="lt1"/>
-    </dgm:linClrLst>
-    <dgm:effectClrLst/>
-    <dgm:txLinClrLst/>
-    <dgm:txFillClrLst meth="repeat">
-      <a:schemeClr val="lt1"/>
-    </dgm:txFillClrLst>
-    <dgm:txEffectClrLst/>
-  </dgm:styleLbl>
-  <dgm:styleLbl name="bgSibTrans2D1">
-    <dgm:fillClrLst>
-      <a:schemeClr val="accent3"/>
-      <a:schemeClr val="accent4"/>
-    </dgm:fillClrLst>
-    <dgm:linClrLst meth="repeat">
-      <a:schemeClr val="lt1"/>
-    </dgm:linClrLst>
-    <dgm:effectClrLst/>
-    <dgm:txLinClrLst/>
-    <dgm:txFillClrLst meth="repeat">
-      <a:schemeClr val="lt1"/>
-    </dgm:txFillClrLst>
-    <dgm:txEffectClrLst/>
-  </dgm:styleLbl>
-  <dgm:styleLbl name="sibTrans1D1">
-    <dgm:fillClrLst/>
-    <dgm:linClrLst>
-      <a:schemeClr val="accent3"/>
-      <a:schemeClr val="accent4"/>
-    </dgm:linClrLst>
-    <dgm:effectClrLst/>
-    <dgm:txLinClrLst/>
-    <dgm:txFillClrLst meth="repeat">
-      <a:schemeClr val="tx1"/>
-    </dgm:txFillClrLst>
-    <dgm:txEffectClrLst/>
-  </dgm:styleLbl>
-  <dgm:styleLbl name="callout">
-    <dgm:fillClrLst meth="repeat">
-      <a:schemeClr val="accent3"/>
-    </dgm:fillClrLst>
-    <dgm:linClrLst meth="repeat">
-      <a:schemeClr val="accent3">
-        <a:tint val="50000"/>
-      </a:schemeClr>
-    </dgm:linClrLst>
-    <dgm:effectClrLst/>
-    <dgm:txLinClrLst/>
-    <dgm:txFillClrLst meth="repeat">
-      <a:schemeClr val="tx1"/>
-    </dgm:txFillClrLst>
-    <dgm:txEffectClrLst/>
-  </dgm:styleLbl>
-  <dgm:styleLbl name="asst0">
-    <dgm:fillClrLst meth="repeat">
-      <a:schemeClr val="accent3"/>
-    </dgm:fillClrLst>
-    <dgm:linClrLst meth="repeat">
-      <a:schemeClr val="lt1">
-        <a:shade val="80000"/>
-      </a:schemeClr>
-    </dgm:linClrLst>
-    <dgm:effectClrLst/>
-    <dgm:txLinClrLst/>
-    <dgm:txFillClrLst/>
-    <dgm:txEffectClrLst/>
-  </dgm:styleLbl>
-  <dgm:styleLbl name="asst1">
-    <dgm:fillClrLst meth="repeat">
-      <a:schemeClr val="accent4"/>
-    </dgm:fillClrLst>
-    <dgm:linClrLst meth="repeat">
-      <a:schemeClr val="lt1">
-        <a:shade val="80000"/>
-      </a:schemeClr>
-    </dgm:linClrLst>
-    <dgm:effectClrLst/>
-    <dgm:txLinClrLst/>
-    <dgm:txFillClrLst/>
-    <dgm:txEffectClrLst/>
-  </dgm:styleLbl>
-  <dgm:styleLbl name="asst2">
-    <dgm:fillClrLst>
-      <a:schemeClr val="accent5"/>
-    </dgm:fillClrLst>
-    <dgm:linClrLst meth="repeat">
-      <a:schemeClr val="lt1"/>
-    </dgm:linClrLst>
-    <dgm:effectClrLst/>
-    <dgm:txLinClrLst/>
-    <dgm:txFillClrLst/>
-    <dgm:txEffectClrLst/>
-  </dgm:styleLbl>
-  <dgm:styleLbl name="asst3">
-    <dgm:fillClrLst>
-      <a:schemeClr val="accent6"/>
-    </dgm:fillClrLst>
-    <dgm:linClrLst meth="repeat">
-      <a:schemeClr val="lt1"/>
-    </dgm:linClrLst>
-    <dgm:effectClrLst/>
-    <dgm:txLinClrLst/>
-    <dgm:txFillClrLst/>
-    <dgm:txEffectClrLst/>
-  </dgm:styleLbl>
-  <dgm:styleLbl name="asst4">
-    <dgm:fillClrLst>
-      <a:schemeClr val="accent1"/>
-    </dgm:fillClrLst>
-    <dgm:linClrLst meth="repeat">
-      <a:schemeClr val="lt1"/>
-    </dgm:linClrLst>
-    <dgm:effectClrLst/>
-    <dgm:txLinClrLst/>
-    <dgm:txFillClrLst/>
-    <dgm:txEffectClrLst/>
-  </dgm:styleLbl>
-  <dgm:styleLbl name="parChTrans2D1">
-    <dgm:fillClrLst meth="repeat">
-      <a:schemeClr val="accent2"/>
-    </dgm:fillClrLst>
-    <dgm:linClrLst meth="repeat">
-      <a:schemeClr val="lt1"/>
-    </dgm:linClrLst>
-    <dgm:effectClrLst/>
-    <dgm:txLinClrLst/>
-    <dgm:txFillClrLst meth="repeat">
-      <a:schemeClr val="lt1"/>
-    </dgm:txFillClrLst>
-    <dgm:txEffectClrLst/>
-  </dgm:styleLbl>
-  <dgm:styleLbl name="parChTrans2D2">
-    <dgm:fillClrLst meth="repeat">
-      <a:schemeClr val="accent3"/>
-    </dgm:fillClrLst>
-    <dgm:linClrLst meth="repeat">
-      <a:schemeClr val="lt1"/>
-    </dgm:linClrLst>
-    <dgm:effectClrLst/>
-    <dgm:txLinClrLst/>
-    <dgm:txFillClrLst/>
-    <dgm:txEffectClrLst/>
-  </dgm:styleLbl>
-  <dgm:styleLbl name="parChTrans2D3">
-    <dgm:fillClrLst meth="repeat">
-      <a:schemeClr val="accent4"/>
-    </dgm:fillClrLst>
-    <dgm:linClrLst meth="repeat">
-      <a:schemeClr val="lt1"/>
-    </dgm:linClrLst>
-    <dgm:effectClrLst/>
-    <dgm:txLinClrLst/>
-    <dgm:txFillClrLst/>
-    <dgm:txEffectClrLst/>
-  </dgm:styleLbl>
-  <dgm:styleLbl name="parChTrans2D4">
-    <dgm:fillClrLst meth="repeat">
-      <a:schemeClr val="accent5"/>
-    </dgm:fillClrLst>
-    <dgm:linClrLst meth="repeat">
-      <a:schemeClr val="lt1"/>
-    </dgm:linClrLst>
-    <dgm:effectClrLst/>
-    <dgm:txLinClrLst/>
-    <dgm:txFillClrLst meth="repeat">
-      <a:schemeClr val="lt1"/>
-    </dgm:txFillClrLst>
-    <dgm:txEffectClrLst/>
-  </dgm:styleLbl>
-  <dgm:styleLbl name="parChTrans1D1">
-    <dgm:fillClrLst meth="repeat">
-      <a:schemeClr val="accent3"/>
-    </dgm:fillClrLst>
-    <dgm:linClrLst meth="repeat">
-      <a:schemeClr val="accent3"/>
-    </dgm:linClrLst>
-    <dgm:effectClrLst/>
-    <dgm:txLinClrLst/>
-    <dgm:txFillClrLst meth="repeat">
-      <a:schemeClr val="tx1"/>
-    </dgm:txFillClrLst>
-    <dgm:txEffectClrLst/>
-  </dgm:styleLbl>
-  <dgm:styleLbl name="parChTrans1D2">
-    <dgm:fillClrLst meth="repeat">
-      <a:schemeClr val="accent2">
-        <a:tint val="90000"/>
-      </a:schemeClr>
-    </dgm:fillClrLst>
-    <dgm:linClrLst meth="repeat">
-      <a:schemeClr val="accent4"/>
-    </dgm:linClrLst>
-    <dgm:effectClrLst/>
-    <dgm:txLinClrLst/>
-    <dgm:txFillClrLst meth="repeat">
-      <a:schemeClr val="tx1"/>
-    </dgm:txFillClrLst>
-    <dgm:txEffectClrLst/>
-  </dgm:styleLbl>
-  <dgm:styleLbl name="parChTrans1D3">
-    <dgm:fillClrLst meth="repeat">
-      <a:schemeClr val="accent2">
-        <a:tint val="70000"/>
-      </a:schemeClr>
-    </dgm:fillClrLst>
-    <dgm:linClrLst meth="repeat">
-      <a:schemeClr val="accent5"/>
-    </dgm:linClrLst>
-    <dgm:effectClrLst/>
-    <dgm:txLinClrLst/>
-    <dgm:txFillClrLst meth="repeat">
-      <a:schemeClr val="tx1"/>
-    </dgm:txFillClrLst>
-    <dgm:txEffectClrLst/>
-  </dgm:styleLbl>
-  <dgm:styleLbl name="parChTrans1D4">
-    <dgm:fillClrLst meth="repeat">
-      <a:schemeClr val="accent6">
-        <a:tint val="50000"/>
-      </a:schemeClr>
-    </dgm:fillClrLst>
-    <dgm:linClrLst meth="repeat">
-      <a:schemeClr val="accent6"/>
-    </dgm:linClrLst>
-    <dgm:effectClrLst/>
-    <dgm:txLinClrLst/>
-    <dgm:txFillClrLst meth="repeat">
-      <a:schemeClr val="tx1"/>
-    </dgm:txFillClrLst>
-    <dgm:txEffectClrLst/>
-  </dgm:styleLbl>
-  <dgm:styleLbl name="fgAcc1">
-    <dgm:fillClrLst meth="repeat">
-      <a:schemeClr val="lt1">
-        <a:alpha val="90000"/>
-      </a:schemeClr>
-    </dgm:fillClrLst>
-    <dgm:linClrLst>
-      <a:schemeClr val="accent3"/>
-      <a:schemeClr val="accent4"/>
-    </dgm:linClrLst>
-    <dgm:effectClrLst/>
-    <dgm:txLinClrLst/>
-    <dgm:txFillClrLst meth="repeat">
-      <a:schemeClr val="dk1"/>
-    </dgm:txFillClrLst>
-    <dgm:txEffectClrLst/>
-  </dgm:styleLbl>
-  <dgm:styleLbl name="conFgAcc1">
-    <dgm:fillClrLst meth="repeat">
-      <a:schemeClr val="lt1">
-        <a:alpha val="90000"/>
-      </a:schemeClr>
-    </dgm:fillClrLst>
-    <dgm:linClrLst>
-      <a:schemeClr val="accent3"/>
-      <a:schemeClr val="accent4"/>
-    </dgm:linClrLst>
-    <dgm:effectClrLst/>
-    <dgm:txLinClrLst/>
-    <dgm:txFillClrLst meth="repeat">
-      <a:schemeClr val="dk1"/>
-    </dgm:txFillClrLst>
-    <dgm:txEffectClrLst/>
-  </dgm:styleLbl>
-  <dgm:styleLbl name="alignAcc1">
-    <dgm:fillClrLst meth="repeat">
-      <a:schemeClr val="lt1">
-        <a:alpha val="90000"/>
-      </a:schemeClr>
-    </dgm:fillClrLst>
-    <dgm:linClrLst>
-      <a:schemeClr val="accent3"/>
-      <a:schemeClr val="accent4"/>
-    </dgm:linClrLst>
-    <dgm:effectClrLst/>
-    <dgm:txLinClrLst/>
-    <dgm:txFillClrLst meth="repeat">
-      <a:schemeClr val="dk1"/>
-    </dgm:txFillClrLst>
-    <dgm:txEffectClrLst/>
-  </dgm:styleLbl>
-  <dgm:styleLbl name="trAlignAcc1">
-    <dgm:fillClrLst meth="repeat">
-      <a:schemeClr val="lt1">
-        <a:alpha val="40000"/>
-      </a:schemeClr>
-    </dgm:fillClrLst>
-    <dgm:linClrLst meth="repeat">
-      <a:schemeClr val="accent2"/>
-    </dgm:linClrLst>
-    <dgm:effectClrLst/>
-    <dgm:txLinClrLst/>
-    <dgm:txFillClrLst meth="repeat">
-      <a:schemeClr val="dk1"/>
-    </dgm:txFillClrLst>
-    <dgm:txEffectClrLst/>
-  </dgm:styleLbl>
-  <dgm:styleLbl name="bgAcc1">
-    <dgm:fillClrLst meth="repeat">
-      <a:schemeClr val="lt1">
-        <a:alpha val="90000"/>
-      </a:schemeClr>
-    </dgm:fillClrLst>
-    <dgm:linClrLst>
-      <a:schemeClr val="accent3"/>
-      <a:schemeClr val="accent4"/>
-    </dgm:linClrLst>
-    <dgm:effectClrLst/>
-    <dgm:txLinClrLst/>
-    <dgm:txFillClrLst meth="repeat">
-      <a:schemeClr val="dk1"/>
-    </dgm:txFillClrLst>
-    <dgm:txEffectClrLst/>
-  </dgm:styleLbl>
-  <dgm:styleLbl name="solidFgAcc1">
-    <dgm:fillClrLst meth="repeat">
-      <a:schemeClr val="lt1"/>
-    </dgm:fillClrLst>
-    <dgm:linClrLst>
-      <a:schemeClr val="accent3"/>
-      <a:schemeClr val="accent4"/>
-    </dgm:linClrLst>
-    <dgm:effectClrLst/>
-    <dgm:txLinClrLst/>
-    <dgm:txFillClrLst meth="repeat">
-      <a:schemeClr val="dk1"/>
-    </dgm:txFillClrLst>
-    <dgm:txEffectClrLst/>
-  </dgm:styleLbl>
-  <dgm:styleLbl name="solidAlignAcc1">
-    <dgm:fillClrLst meth="repeat">
-      <a:schemeClr val="lt1"/>
-    </dgm:fillClrLst>
-    <dgm:linClrLst>
-      <a:schemeClr val="accent3"/>
-      <a:schemeClr val="accent4"/>
-    </dgm:linClrLst>
-    <dgm:effectClrLst/>
-    <dgm:txLinClrLst/>
-    <dgm:txFillClrLst meth="repeat">
-      <a:schemeClr val="dk1"/>
-    </dgm:txFillClrLst>
-    <dgm:txEffectClrLst/>
-  </dgm:styleLbl>
-  <dgm:styleLbl name="solidBgAcc1">
-    <dgm:fillClrLst meth="repeat">
-      <a:schemeClr val="lt1"/>
-    </dgm:fillClrLst>
-    <dgm:linClrLst>
-      <a:schemeClr val="accent3"/>
-      <a:schemeClr val="accent4"/>
-    </dgm:linClrLst>
-    <dgm:effectClrLst/>
-    <dgm:txLinClrLst/>
-    <dgm:txFillClrLst meth="repeat">
-      <a:schemeClr val="dk1"/>
-    </dgm:txFillClrLst>
-    <dgm:txEffectClrLst/>
-  </dgm:styleLbl>
-  <dgm:styleLbl name="fgAccFollowNode1">
-    <dgm:fillClrLst>
-      <a:schemeClr val="accent3">
-        <a:tint val="40000"/>
-        <a:alpha val="90000"/>
-      </a:schemeClr>
-      <a:schemeClr val="accent4">
-        <a:tint val="40000"/>
-        <a:alpha val="90000"/>
-      </a:schemeClr>
-    </dgm:fillClrLst>
-    <dgm:linClrLst>
-      <a:schemeClr val="accent3">
-        <a:tint val="40000"/>
-        <a:alpha val="90000"/>
-      </a:schemeClr>
-      <a:schemeClr val="accent4">
-        <a:tint val="40000"/>
-        <a:alpha val="90000"/>
-      </a:schemeClr>
-    </dgm:linClrLst>
-    <dgm:effectClrLst/>
-    <dgm:txLinClrLst/>
-    <dgm:txFillClrLst meth="repeat">
-      <a:schemeClr val="dk1"/>
-    </dgm:txFillClrLst>
-    <dgm:txEffectClrLst/>
-  </dgm:styleLbl>
-  <dgm:styleLbl name="alignAccFollowNode1">
-    <dgm:fillClrLst>
-      <a:schemeClr val="accent3">
-        <a:tint val="40000"/>
-        <a:alpha val="90000"/>
-      </a:schemeClr>
-      <a:schemeClr val="accent4">
-        <a:tint val="40000"/>
-        <a:alpha val="90000"/>
-      </a:schemeClr>
-    </dgm:fillClrLst>
-    <dgm:linClrLst>
-      <a:schemeClr val="accent3">
-        <a:tint val="40000"/>
-        <a:alpha val="90000"/>
-      </a:schemeClr>
-      <a:schemeClr val="accent4">
-        <a:tint val="40000"/>
-        <a:alpha val="90000"/>
-      </a:schemeClr>
-    </dgm:linClrLst>
-    <dgm:effectClrLst/>
-    <dgm:txLinClrLst/>
-    <dgm:txFillClrLst meth="repeat">
-      <a:schemeClr val="dk1"/>
-    </dgm:txFillClrLst>
-    <dgm:txEffectClrLst/>
-  </dgm:styleLbl>
-  <dgm:styleLbl name="bgAccFollowNode1">
-    <dgm:fillClrLst>
-      <a:schemeClr val="accent3">
-        <a:tint val="40000"/>
-        <a:alpha val="90000"/>
-      </a:schemeClr>
-      <a:schemeClr val="accent4">
-        <a:tint val="40000"/>
-        <a:alpha val="90000"/>
-      </a:schemeClr>
-    </dgm:fillClrLst>
-    <dgm:linClrLst>
-      <a:schemeClr val="accent3">
-        <a:tint val="40000"/>
-        <a:alpha val="90000"/>
-      </a:schemeClr>
-      <a:schemeClr val="accent4">
-        <a:tint val="40000"/>
-        <a:alpha val="90000"/>
-      </a:schemeClr>
-    </dgm:linClrLst>
-    <dgm:effectClrLst/>
-    <dgm:txLinClrLst/>
-    <dgm:txFillClrLst meth="repeat">
-      <a:schemeClr val="dk1"/>
-    </dgm:txFillClrLst>
-    <dgm:txEffectClrLst/>
-  </dgm:styleLbl>
-  <dgm:styleLbl name="fgAcc0">
-    <dgm:fillClrLst meth="repeat">
-      <a:schemeClr val="lt1">
-        <a:alpha val="90000"/>
-      </a:schemeClr>
-    </dgm:fillClrLst>
-    <dgm:linClrLst>
-      <a:schemeClr val="accent2"/>
-    </dgm:linClrLst>
-    <dgm:effectClrLst/>
-    <dgm:txLinClrLst/>
-    <dgm:txFillClrLst meth="repeat">
-      <a:schemeClr val="dk1"/>
-    </dgm:txFillClrLst>
-    <dgm:txEffectClrLst/>
-  </dgm:styleLbl>
-  <dgm:styleLbl name="fgAcc2">
-    <dgm:fillClrLst meth="repeat">
-      <a:schemeClr val="lt1">
-        <a:alpha val="90000"/>
-      </a:schemeClr>
-    </dgm:fillClrLst>
-    <dgm:linClrLst>
-      <a:schemeClr val="accent4"/>
-    </dgm:linClrLst>
-    <dgm:effectClrLst/>
-    <dgm:txLinClrLst/>
-    <dgm:txFillClrLst meth="repeat">
-      <a:schemeClr val="dk1"/>
-    </dgm:txFillClrLst>
-    <dgm:txEffectClrLst/>
-  </dgm:styleLbl>
-  <dgm:styleLbl name="fgAcc3">
-    <dgm:fillClrLst meth="repeat">
-      <a:schemeClr val="lt1">
-        <a:alpha val="90000"/>
-      </a:schemeClr>
-    </dgm:fillClrLst>
-    <dgm:linClrLst>
-      <a:schemeClr val="accent5"/>
-    </dgm:linClrLst>
-    <dgm:effectClrLst/>
-    <dgm:txLinClrLst/>
-    <dgm:txFillClrLst meth="repeat">
-      <a:schemeClr val="dk1"/>
-    </dgm:txFillClrLst>
-    <dgm:txEffectClrLst/>
-  </dgm:styleLbl>
-  <dgm:styleLbl name="fgAcc4">
-    <dgm:fillClrLst meth="repeat">
-      <a:schemeClr val="lt1">
-        <a:alpha val="90000"/>
-      </a:schemeClr>
-    </dgm:fillClrLst>
-    <dgm:linClrLst>
-      <a:schemeClr val="accent6"/>
-    </dgm:linClrLst>
-    <dgm:effectClrLst/>
-    <dgm:txLinClrLst/>
-    <dgm:txFillClrLst meth="repeat">
-      <a:schemeClr val="dk1"/>
-    </dgm:txFillClrLst>
-    <dgm:txEffectClrLst/>
-  </dgm:styleLbl>
-  <dgm:styleLbl name="bgShp">
-    <dgm:fillClrLst meth="repeat">
-      <a:schemeClr val="accent3">
-        <a:tint val="40000"/>
-      </a:schemeClr>
-    </dgm:fillClrLst>
-    <dgm:linClrLst meth="repeat">
-      <a:schemeClr val="dk1"/>
-    </dgm:linClrLst>
-    <dgm:effectClrLst/>
-    <dgm:txLinClrLst/>
-    <dgm:txFillClrLst meth="repeat">
-      <a:schemeClr val="dk1"/>
-    </dgm:txFillClrLst>
-    <dgm:txEffectClrLst/>
-  </dgm:styleLbl>
-  <dgm:styleLbl name="dkBgShp">
-    <dgm:fillClrLst meth="repeat">
-      <a:schemeClr val="accent3">
-        <a:shade val="90000"/>
-      </a:schemeClr>
-    </dgm:fillClrLst>
-    <dgm:linClrLst meth="repeat">
-      <a:schemeClr val="dk1"/>
-    </dgm:linClrLst>
-    <dgm:effectClrLst/>
-    <dgm:txLinClrLst/>
-    <dgm:txFillClrLst meth="repeat">
-      <a:schemeClr val="lt1"/>
-    </dgm:txFillClrLst>
-    <dgm:txEffectClrLst/>
-  </dgm:styleLbl>
-  <dgm:styleLbl name="trBgShp">
-    <dgm:fillClrLst meth="repeat">
-      <a:schemeClr val="accent2">
-        <a:tint val="50000"/>
-        <a:alpha val="40000"/>
-      </a:schemeClr>
-    </dgm:fillClrLst>
-    <dgm:linClrLst meth="repeat">
-      <a:schemeClr val="accent3"/>
-    </dgm:linClrLst>
-    <dgm:effectClrLst/>
-    <dgm:txLinClrLst/>
-    <dgm:txFillClrLst meth="repeat">
-      <a:schemeClr val="lt1"/>
-    </dgm:txFillClrLst>
-    <dgm:txEffectClrLst/>
-  </dgm:styleLbl>
-  <dgm:styleLbl name="fgShp">
-    <dgm:fillClrLst meth="repeat">
-      <a:schemeClr val="accent3">
-        <a:tint val="40000"/>
-      </a:schemeClr>
-    </dgm:fillClrLst>
-    <dgm:linClrLst meth="repeat">
-      <a:schemeClr val="lt1"/>
-    </dgm:linClrLst>
-    <dgm:effectClrLst/>
-    <dgm:txLinClrLst/>
-    <dgm:txFillClrLst meth="repeat">
-      <a:schemeClr val="dk1"/>
-    </dgm:txFillClrLst>
-    <dgm:txEffectClrLst/>
-  </dgm:styleLbl>
-  <dgm:styleLbl name="revTx">
-    <dgm:fillClrLst meth="repeat">
-      <a:schemeClr val="lt1">
-        <a:alpha val="0"/>
-      </a:schemeClr>
-    </dgm:fillClrLst>
-    <dgm:linClrLst meth="repeat">
-      <a:schemeClr val="dk1">
-        <a:alpha val="0"/>
-      </a:schemeClr>
-    </dgm:linClrLst>
-    <dgm:effectClrLst/>
-    <dgm:txLinClrLst/>
-    <dgm:txFillClrLst meth="repeat">
-      <a:schemeClr val="tx1"/>
-    </dgm:txFillClrLst>
-    <dgm:txEffectClrLst/>
-  </dgm:styleLbl>
-</dgm:colorsDef>
-</file>
-
 <file path=ppt/diagrams/data1.xml><?xml version="1.0" encoding="utf-8"?>
 <dgm:dataModel xmlns:dgm="http://schemas.openxmlformats.org/drawingml/2006/diagram" xmlns:a="http://schemas.openxmlformats.org/drawingml/2006/main">
   <dgm:ptLst>
@@ -3143,464 +1371,6 @@
     <dgm:cxn modelId="{6CC75C47-1FC4-455B-87A5-36C80559C0EC}" type="presParOf" srcId="{B3AF008A-DA37-46B3-9501-E98B3CA9BABE}" destId="{B816B365-D34E-4BC7-8A55-46A9F7BA38D8}" srcOrd="7" destOrd="0" presId="urn:microsoft.com/office/officeart/2005/8/layout/radial5"/>
     <dgm:cxn modelId="{C7B2DA65-BB62-479B-A7B4-A9B4E46CF15E}" type="presParOf" srcId="{B816B365-D34E-4BC7-8A55-46A9F7BA38D8}" destId="{75CEF2C2-0BAD-495E-9F91-B6465DEE42AB}" srcOrd="0" destOrd="0" presId="urn:microsoft.com/office/officeart/2005/8/layout/radial5"/>
     <dgm:cxn modelId="{F505BB07-6C45-42D0-BF58-4527696C908E}" type="presParOf" srcId="{B3AF008A-DA37-46B3-9501-E98B3CA9BABE}" destId="{C052D023-EB5F-4901-9D3F-0CEA8C2F5F4B}" srcOrd="8" destOrd="0" presId="urn:microsoft.com/office/officeart/2005/8/layout/radial5"/>
-  </dgm:cxnLst>
-  <dgm:bg/>
-  <dgm:whole/>
-  <dgm:extLst>
-    <a:ext uri="http://schemas.microsoft.com/office/drawing/2008/diagram">
-      <dsp:dataModelExt xmlns:dsp="http://schemas.microsoft.com/office/drawing/2008/diagram" relId="rId6" minVer="http://schemas.openxmlformats.org/drawingml/2006/diagram"/>
-    </a:ext>
-  </dgm:extLst>
-</dgm:dataModel>
-</file>
-
-<file path=ppt/diagrams/data2.xml><?xml version="1.0" encoding="utf-8"?>
-<dgm:dataModel xmlns:dgm="http://schemas.openxmlformats.org/drawingml/2006/diagram" xmlns:a="http://schemas.openxmlformats.org/drawingml/2006/main">
-  <dgm:ptLst>
-    <dgm:pt modelId="{3F442EA2-39BA-4C9A-AD59-755D4917D532}" type="doc">
-      <dgm:prSet loTypeId="urn:microsoft.com/office/officeart/2005/8/layout/list1" loCatId="list" qsTypeId="urn:microsoft.com/office/officeart/2005/8/quickstyle/simple1" qsCatId="simple" csTypeId="urn:microsoft.com/office/officeart/2005/8/colors/colorful3" csCatId="colorful" phldr="1"/>
-      <dgm:spPr/>
-      <dgm:t>
-        <a:bodyPr/>
-        <a:lstStyle/>
-        <a:p>
-          <a:endParaRPr lang="en-US"/>
-        </a:p>
-      </dgm:t>
-    </dgm:pt>
-    <dgm:pt modelId="{4DF9FE7B-F642-4898-A360-D4E3814E1A3D}">
-      <dgm:prSet phldrT="[Text]"/>
-      <dgm:spPr/>
-      <dgm:t>
-        <a:bodyPr/>
-        <a:lstStyle/>
-        <a:p>
-          <a:r>
-            <a:rPr lang="en-US"/>
-            <a:t>Group A</a:t>
-          </a:r>
-          <a:endParaRPr lang="en-US" dirty="0"/>
-        </a:p>
-      </dgm:t>
-    </dgm:pt>
-    <dgm:pt modelId="{1C10F06D-860A-4604-A7AD-02E614FE3976}" type="parTrans" cxnId="{EBD8BE8D-6018-43E2-B081-034BB5656EB6}">
-      <dgm:prSet/>
-      <dgm:spPr/>
-      <dgm:t>
-        <a:bodyPr/>
-        <a:lstStyle/>
-        <a:p>
-          <a:endParaRPr lang="en-US"/>
-        </a:p>
-      </dgm:t>
-    </dgm:pt>
-    <dgm:pt modelId="{43C18EFF-81FC-4D70-8C6B-E95FF3730413}" type="sibTrans" cxnId="{EBD8BE8D-6018-43E2-B081-034BB5656EB6}">
-      <dgm:prSet/>
-      <dgm:spPr/>
-      <dgm:t>
-        <a:bodyPr/>
-        <a:lstStyle/>
-        <a:p>
-          <a:endParaRPr lang="en-US"/>
-        </a:p>
-      </dgm:t>
-    </dgm:pt>
-    <dgm:pt modelId="{EFF2750D-B4B3-474C-8B62-8B638DC31F7E}">
-      <dgm:prSet phldrT="[Text]"/>
-      <dgm:spPr/>
-      <dgm:t>
-        <a:bodyPr/>
-        <a:lstStyle/>
-        <a:p>
-          <a:r>
-            <a:rPr lang="en-US" dirty="0"/>
-            <a:t>Task 1</a:t>
-          </a:r>
-        </a:p>
-      </dgm:t>
-    </dgm:pt>
-    <dgm:pt modelId="{AEBC78E6-CDDC-4C8F-A157-3C51E907FACD}" type="parTrans" cxnId="{A058DDA2-48CA-4E5B-B389-F71A59C262B0}">
-      <dgm:prSet/>
-      <dgm:spPr/>
-      <dgm:t>
-        <a:bodyPr/>
-        <a:lstStyle/>
-        <a:p>
-          <a:endParaRPr lang="en-US"/>
-        </a:p>
-      </dgm:t>
-    </dgm:pt>
-    <dgm:pt modelId="{75C067D7-FCD2-4969-8F27-4BBDA88E75ED}" type="sibTrans" cxnId="{A058DDA2-48CA-4E5B-B389-F71A59C262B0}">
-      <dgm:prSet/>
-      <dgm:spPr/>
-      <dgm:t>
-        <a:bodyPr/>
-        <a:lstStyle/>
-        <a:p>
-          <a:endParaRPr lang="en-US"/>
-        </a:p>
-      </dgm:t>
-    </dgm:pt>
-    <dgm:pt modelId="{789CD6DB-3A68-4A41-90BD-4F0CBB3617D1}">
-      <dgm:prSet phldrT="[Text]"/>
-      <dgm:spPr/>
-      <dgm:t>
-        <a:bodyPr/>
-        <a:lstStyle/>
-        <a:p>
-          <a:r>
-            <a:rPr lang="en-US" dirty="0"/>
-            <a:t>Task 2</a:t>
-          </a:r>
-        </a:p>
-      </dgm:t>
-    </dgm:pt>
-    <dgm:pt modelId="{C0BEB5FF-8DFB-40B9-A228-C0C6097DDDC4}" type="parTrans" cxnId="{62C10234-45D3-426A-8820-4C0D1D8CBA21}">
-      <dgm:prSet/>
-      <dgm:spPr/>
-      <dgm:t>
-        <a:bodyPr/>
-        <a:lstStyle/>
-        <a:p>
-          <a:endParaRPr lang="en-US"/>
-        </a:p>
-      </dgm:t>
-    </dgm:pt>
-    <dgm:pt modelId="{1A702531-A59F-4EE2-8246-E2EB0955D8B1}" type="sibTrans" cxnId="{62C10234-45D3-426A-8820-4C0D1D8CBA21}">
-      <dgm:prSet/>
-      <dgm:spPr/>
-      <dgm:t>
-        <a:bodyPr/>
-        <a:lstStyle/>
-        <a:p>
-          <a:endParaRPr lang="en-US"/>
-        </a:p>
-      </dgm:t>
-    </dgm:pt>
-    <dgm:pt modelId="{3929B1E1-4BC4-4C73-ABE8-27CEF96A3652}">
-      <dgm:prSet phldrT="[Text]"/>
-      <dgm:spPr/>
-      <dgm:t>
-        <a:bodyPr/>
-        <a:lstStyle/>
-        <a:p>
-          <a:r>
-            <a:rPr lang="en-US" dirty="0"/>
-            <a:t>Group B</a:t>
-          </a:r>
-        </a:p>
-      </dgm:t>
-    </dgm:pt>
-    <dgm:pt modelId="{F356CC76-9117-4B79-A270-BBBAFD3E9C79}" type="parTrans" cxnId="{1339090C-9A95-4C05-841C-FA3AF987601B}">
-      <dgm:prSet/>
-      <dgm:spPr/>
-      <dgm:t>
-        <a:bodyPr/>
-        <a:lstStyle/>
-        <a:p>
-          <a:endParaRPr lang="en-US"/>
-        </a:p>
-      </dgm:t>
-    </dgm:pt>
-    <dgm:pt modelId="{19BA0C22-38BB-4E9F-89D5-0FF5FF9F12CE}" type="sibTrans" cxnId="{1339090C-9A95-4C05-841C-FA3AF987601B}">
-      <dgm:prSet/>
-      <dgm:spPr/>
-      <dgm:t>
-        <a:bodyPr/>
-        <a:lstStyle/>
-        <a:p>
-          <a:endParaRPr lang="en-US"/>
-        </a:p>
-      </dgm:t>
-    </dgm:pt>
-    <dgm:pt modelId="{99E0600D-9954-43F4-8926-13B8777FAAA1}">
-      <dgm:prSet phldrT="[Text]"/>
-      <dgm:spPr/>
-      <dgm:t>
-        <a:bodyPr/>
-        <a:lstStyle/>
-        <a:p>
-          <a:r>
-            <a:rPr lang="en-US" dirty="0"/>
-            <a:t>Task 1</a:t>
-          </a:r>
-        </a:p>
-      </dgm:t>
-    </dgm:pt>
-    <dgm:pt modelId="{BE23F476-2C5C-42ED-BF2B-CD5FC7ADDDF6}" type="parTrans" cxnId="{09FCCB9D-A30A-4326-970E-26252D39327F}">
-      <dgm:prSet/>
-      <dgm:spPr/>
-      <dgm:t>
-        <a:bodyPr/>
-        <a:lstStyle/>
-        <a:p>
-          <a:endParaRPr lang="en-US"/>
-        </a:p>
-      </dgm:t>
-    </dgm:pt>
-    <dgm:pt modelId="{C44937DC-4907-4769-AA8B-1B3E7391D7B0}" type="sibTrans" cxnId="{09FCCB9D-A30A-4326-970E-26252D39327F}">
-      <dgm:prSet/>
-      <dgm:spPr/>
-      <dgm:t>
-        <a:bodyPr/>
-        <a:lstStyle/>
-        <a:p>
-          <a:endParaRPr lang="en-US"/>
-        </a:p>
-      </dgm:t>
-    </dgm:pt>
-    <dgm:pt modelId="{0791135C-9DAB-47F6-BE9C-A3E56A2DDA50}">
-      <dgm:prSet phldrT="[Text]"/>
-      <dgm:spPr/>
-      <dgm:t>
-        <a:bodyPr/>
-        <a:lstStyle/>
-        <a:p>
-          <a:r>
-            <a:rPr lang="en-US" dirty="0"/>
-            <a:t>Task 2</a:t>
-          </a:r>
-        </a:p>
-      </dgm:t>
-    </dgm:pt>
-    <dgm:pt modelId="{D6057E63-9793-4991-97C1-30FC405E95A5}" type="parTrans" cxnId="{B3B26E9A-58E5-497B-BD59-F5567958C609}">
-      <dgm:prSet/>
-      <dgm:spPr/>
-      <dgm:t>
-        <a:bodyPr/>
-        <a:lstStyle/>
-        <a:p>
-          <a:endParaRPr lang="en-US"/>
-        </a:p>
-      </dgm:t>
-    </dgm:pt>
-    <dgm:pt modelId="{B670C2A7-83CB-4F4C-BC19-A3A7C066A822}" type="sibTrans" cxnId="{B3B26E9A-58E5-497B-BD59-F5567958C609}">
-      <dgm:prSet/>
-      <dgm:spPr/>
-      <dgm:t>
-        <a:bodyPr/>
-        <a:lstStyle/>
-        <a:p>
-          <a:endParaRPr lang="en-US"/>
-        </a:p>
-      </dgm:t>
-    </dgm:pt>
-    <dgm:pt modelId="{60CDF8D0-D4FC-4467-A51E-79C5A58B0B2C}">
-      <dgm:prSet phldrT="[Text]"/>
-      <dgm:spPr/>
-      <dgm:t>
-        <a:bodyPr/>
-        <a:lstStyle/>
-        <a:p>
-          <a:r>
-            <a:rPr lang="en-US" dirty="0"/>
-            <a:t>Group C</a:t>
-          </a:r>
-        </a:p>
-      </dgm:t>
-    </dgm:pt>
-    <dgm:pt modelId="{E12A269F-AB82-486A-9077-80F2BBBE48C2}" type="parTrans" cxnId="{2BA65DEC-E719-4ED3-8135-48349D42DD04}">
-      <dgm:prSet/>
-      <dgm:spPr/>
-      <dgm:t>
-        <a:bodyPr/>
-        <a:lstStyle/>
-        <a:p>
-          <a:endParaRPr lang="en-US"/>
-        </a:p>
-      </dgm:t>
-    </dgm:pt>
-    <dgm:pt modelId="{3F7FD59D-A716-4310-A89A-AB6F740D9FFF}" type="sibTrans" cxnId="{2BA65DEC-E719-4ED3-8135-48349D42DD04}">
-      <dgm:prSet/>
-      <dgm:spPr/>
-      <dgm:t>
-        <a:bodyPr/>
-        <a:lstStyle/>
-        <a:p>
-          <a:endParaRPr lang="en-US"/>
-        </a:p>
-      </dgm:t>
-    </dgm:pt>
-    <dgm:pt modelId="{50629C12-7464-4473-ADEF-1A284F8A9957}">
-      <dgm:prSet phldrT="[Text]"/>
-      <dgm:spPr/>
-      <dgm:t>
-        <a:bodyPr/>
-        <a:lstStyle/>
-        <a:p>
-          <a:r>
-            <a:rPr lang="en-US" dirty="0"/>
-            <a:t>Task 1</a:t>
-          </a:r>
-        </a:p>
-      </dgm:t>
-    </dgm:pt>
-    <dgm:pt modelId="{9D1CB46C-0CFA-4B27-9224-267431FBD094}" type="parTrans" cxnId="{1D32FCC9-657C-4348-9C0D-52115D559FEB}">
-      <dgm:prSet/>
-      <dgm:spPr/>
-      <dgm:t>
-        <a:bodyPr/>
-        <a:lstStyle/>
-        <a:p>
-          <a:endParaRPr lang="en-US"/>
-        </a:p>
-      </dgm:t>
-    </dgm:pt>
-    <dgm:pt modelId="{4576BCC5-0598-4332-A2E7-87AC3ADD4EB8}" type="sibTrans" cxnId="{1D32FCC9-657C-4348-9C0D-52115D559FEB}">
-      <dgm:prSet/>
-      <dgm:spPr/>
-      <dgm:t>
-        <a:bodyPr/>
-        <a:lstStyle/>
-        <a:p>
-          <a:endParaRPr lang="en-US"/>
-        </a:p>
-      </dgm:t>
-    </dgm:pt>
-    <dgm:pt modelId="{E6A445EE-D086-4B01-B491-D67950A5A065}" type="pres">
-      <dgm:prSet presAssocID="{3F442EA2-39BA-4C9A-AD59-755D4917D532}" presName="linear" presStyleCnt="0">
-        <dgm:presLayoutVars>
-          <dgm:dir/>
-          <dgm:animLvl val="lvl"/>
-          <dgm:resizeHandles val="exact"/>
-        </dgm:presLayoutVars>
-      </dgm:prSet>
-      <dgm:spPr/>
-    </dgm:pt>
-    <dgm:pt modelId="{6D3A9625-D3EB-4CA1-AB05-34452283708A}" type="pres">
-      <dgm:prSet presAssocID="{4DF9FE7B-F642-4898-A360-D4E3814E1A3D}" presName="parentLin" presStyleCnt="0"/>
-      <dgm:spPr/>
-    </dgm:pt>
-    <dgm:pt modelId="{7E290D25-335D-4339-A8E8-B036E46B5EB5}" type="pres">
-      <dgm:prSet presAssocID="{4DF9FE7B-F642-4898-A360-D4E3814E1A3D}" presName="parentLeftMargin" presStyleLbl="node1" presStyleIdx="0" presStyleCnt="3"/>
-      <dgm:spPr/>
-    </dgm:pt>
-    <dgm:pt modelId="{674922F1-7266-4681-AD4F-1C618A5FFF23}" type="pres">
-      <dgm:prSet presAssocID="{4DF9FE7B-F642-4898-A360-D4E3814E1A3D}" presName="parentText" presStyleLbl="node1" presStyleIdx="0" presStyleCnt="3">
-        <dgm:presLayoutVars>
-          <dgm:chMax val="0"/>
-          <dgm:bulletEnabled val="1"/>
-        </dgm:presLayoutVars>
-      </dgm:prSet>
-      <dgm:spPr/>
-    </dgm:pt>
-    <dgm:pt modelId="{96C29850-0672-4B77-B5DE-2E1563038631}" type="pres">
-      <dgm:prSet presAssocID="{4DF9FE7B-F642-4898-A360-D4E3814E1A3D}" presName="negativeSpace" presStyleCnt="0"/>
-      <dgm:spPr/>
-    </dgm:pt>
-    <dgm:pt modelId="{80259B02-529C-422B-91BE-D70198BA9F6C}" type="pres">
-      <dgm:prSet presAssocID="{4DF9FE7B-F642-4898-A360-D4E3814E1A3D}" presName="childText" presStyleLbl="conFgAcc1" presStyleIdx="0" presStyleCnt="3">
-        <dgm:presLayoutVars>
-          <dgm:bulletEnabled val="1"/>
-        </dgm:presLayoutVars>
-      </dgm:prSet>
-      <dgm:spPr/>
-    </dgm:pt>
-    <dgm:pt modelId="{E53EFB4E-D3DB-42E1-82AC-148F7D29254F}" type="pres">
-      <dgm:prSet presAssocID="{43C18EFF-81FC-4D70-8C6B-E95FF3730413}" presName="spaceBetweenRectangles" presStyleCnt="0"/>
-      <dgm:spPr/>
-    </dgm:pt>
-    <dgm:pt modelId="{07AC1C38-F728-4390-9C76-57A49ED97DBB}" type="pres">
-      <dgm:prSet presAssocID="{3929B1E1-4BC4-4C73-ABE8-27CEF96A3652}" presName="parentLin" presStyleCnt="0"/>
-      <dgm:spPr/>
-    </dgm:pt>
-    <dgm:pt modelId="{D0037F0D-DB9A-4BA4-97B4-D939B26E14DA}" type="pres">
-      <dgm:prSet presAssocID="{3929B1E1-4BC4-4C73-ABE8-27CEF96A3652}" presName="parentLeftMargin" presStyleLbl="node1" presStyleIdx="0" presStyleCnt="3"/>
-      <dgm:spPr/>
-    </dgm:pt>
-    <dgm:pt modelId="{21EEBBE2-729F-4D85-8CAE-C2B30FF126D2}" type="pres">
-      <dgm:prSet presAssocID="{3929B1E1-4BC4-4C73-ABE8-27CEF96A3652}" presName="parentText" presStyleLbl="node1" presStyleIdx="1" presStyleCnt="3">
-        <dgm:presLayoutVars>
-          <dgm:chMax val="0"/>
-          <dgm:bulletEnabled val="1"/>
-        </dgm:presLayoutVars>
-      </dgm:prSet>
-      <dgm:spPr/>
-    </dgm:pt>
-    <dgm:pt modelId="{AACB3FAF-C320-430D-84D4-71BA6D1761D1}" type="pres">
-      <dgm:prSet presAssocID="{3929B1E1-4BC4-4C73-ABE8-27CEF96A3652}" presName="negativeSpace" presStyleCnt="0"/>
-      <dgm:spPr/>
-    </dgm:pt>
-    <dgm:pt modelId="{5282638F-EFF2-4770-BB1A-21455422E45D}" type="pres">
-      <dgm:prSet presAssocID="{3929B1E1-4BC4-4C73-ABE8-27CEF96A3652}" presName="childText" presStyleLbl="conFgAcc1" presStyleIdx="1" presStyleCnt="3">
-        <dgm:presLayoutVars>
-          <dgm:bulletEnabled val="1"/>
-        </dgm:presLayoutVars>
-      </dgm:prSet>
-      <dgm:spPr/>
-    </dgm:pt>
-    <dgm:pt modelId="{8CE827AA-77D8-4146-A665-00110A17769E}" type="pres">
-      <dgm:prSet presAssocID="{19BA0C22-38BB-4E9F-89D5-0FF5FF9F12CE}" presName="spaceBetweenRectangles" presStyleCnt="0"/>
-      <dgm:spPr/>
-    </dgm:pt>
-    <dgm:pt modelId="{34C9EE47-81AF-461E-8292-AB107AA0D367}" type="pres">
-      <dgm:prSet presAssocID="{60CDF8D0-D4FC-4467-A51E-79C5A58B0B2C}" presName="parentLin" presStyleCnt="0"/>
-      <dgm:spPr/>
-    </dgm:pt>
-    <dgm:pt modelId="{864CB39B-29F9-473D-90E5-0686D86E278F}" type="pres">
-      <dgm:prSet presAssocID="{60CDF8D0-D4FC-4467-A51E-79C5A58B0B2C}" presName="parentLeftMargin" presStyleLbl="node1" presStyleIdx="1" presStyleCnt="3"/>
-      <dgm:spPr/>
-    </dgm:pt>
-    <dgm:pt modelId="{5B203A22-00AF-46E7-9415-C6DAFD7E01CC}" type="pres">
-      <dgm:prSet presAssocID="{60CDF8D0-D4FC-4467-A51E-79C5A58B0B2C}" presName="parentText" presStyleLbl="node1" presStyleIdx="2" presStyleCnt="3">
-        <dgm:presLayoutVars>
-          <dgm:chMax val="0"/>
-          <dgm:bulletEnabled val="1"/>
-        </dgm:presLayoutVars>
-      </dgm:prSet>
-      <dgm:spPr/>
-    </dgm:pt>
-    <dgm:pt modelId="{DF9C1F84-81DE-4E5D-9537-C2D1A211B8B6}" type="pres">
-      <dgm:prSet presAssocID="{60CDF8D0-D4FC-4467-A51E-79C5A58B0B2C}" presName="negativeSpace" presStyleCnt="0"/>
-      <dgm:spPr/>
-    </dgm:pt>
-    <dgm:pt modelId="{964E6811-5072-4466-B721-689C35A65029}" type="pres">
-      <dgm:prSet presAssocID="{60CDF8D0-D4FC-4467-A51E-79C5A58B0B2C}" presName="childText" presStyleLbl="conFgAcc1" presStyleIdx="2" presStyleCnt="3">
-        <dgm:presLayoutVars>
-          <dgm:bulletEnabled val="1"/>
-        </dgm:presLayoutVars>
-      </dgm:prSet>
-      <dgm:spPr/>
-    </dgm:pt>
-  </dgm:ptLst>
-  <dgm:cxnLst>
-    <dgm:cxn modelId="{1339090C-9A95-4C05-841C-FA3AF987601B}" srcId="{3F442EA2-39BA-4C9A-AD59-755D4917D532}" destId="{3929B1E1-4BC4-4C73-ABE8-27CEF96A3652}" srcOrd="1" destOrd="0" parTransId="{F356CC76-9117-4B79-A270-BBBAFD3E9C79}" sibTransId="{19BA0C22-38BB-4E9F-89D5-0FF5FF9F12CE}"/>
-    <dgm:cxn modelId="{EF39DC10-C489-4F29-BCDA-31D69D3CEE27}" type="presOf" srcId="{60CDF8D0-D4FC-4467-A51E-79C5A58B0B2C}" destId="{5B203A22-00AF-46E7-9415-C6DAFD7E01CC}" srcOrd="1" destOrd="0" presId="urn:microsoft.com/office/officeart/2005/8/layout/list1"/>
-    <dgm:cxn modelId="{91E8EE10-A24D-4E72-918C-DFE8B8A56CE9}" type="presOf" srcId="{EFF2750D-B4B3-474C-8B62-8B638DC31F7E}" destId="{80259B02-529C-422B-91BE-D70198BA9F6C}" srcOrd="0" destOrd="0" presId="urn:microsoft.com/office/officeart/2005/8/layout/list1"/>
-    <dgm:cxn modelId="{D777451D-9818-431F-B600-33C7C8A40A98}" type="presOf" srcId="{3929B1E1-4BC4-4C73-ABE8-27CEF96A3652}" destId="{21EEBBE2-729F-4D85-8CAE-C2B30FF126D2}" srcOrd="1" destOrd="0" presId="urn:microsoft.com/office/officeart/2005/8/layout/list1"/>
-    <dgm:cxn modelId="{3F41141F-3FE3-4E69-BA1B-B1022C76134F}" type="presOf" srcId="{0791135C-9DAB-47F6-BE9C-A3E56A2DDA50}" destId="{5282638F-EFF2-4770-BB1A-21455422E45D}" srcOrd="0" destOrd="1" presId="urn:microsoft.com/office/officeart/2005/8/layout/list1"/>
-    <dgm:cxn modelId="{F7E95423-786D-404D-8158-68B1C89303BF}" type="presOf" srcId="{4DF9FE7B-F642-4898-A360-D4E3814E1A3D}" destId="{7E290D25-335D-4339-A8E8-B036E46B5EB5}" srcOrd="0" destOrd="0" presId="urn:microsoft.com/office/officeart/2005/8/layout/list1"/>
-    <dgm:cxn modelId="{62C10234-45D3-426A-8820-4C0D1D8CBA21}" srcId="{4DF9FE7B-F642-4898-A360-D4E3814E1A3D}" destId="{789CD6DB-3A68-4A41-90BD-4F0CBB3617D1}" srcOrd="1" destOrd="0" parTransId="{C0BEB5FF-8DFB-40B9-A228-C0C6097DDDC4}" sibTransId="{1A702531-A59F-4EE2-8246-E2EB0955D8B1}"/>
-    <dgm:cxn modelId="{3E379D5E-3519-4604-8C91-9AEBC1B5DA6A}" type="presOf" srcId="{60CDF8D0-D4FC-4467-A51E-79C5A58B0B2C}" destId="{864CB39B-29F9-473D-90E5-0686D86E278F}" srcOrd="0" destOrd="0" presId="urn:microsoft.com/office/officeart/2005/8/layout/list1"/>
-    <dgm:cxn modelId="{E694B157-BB09-40E7-9144-6278540E0676}" type="presOf" srcId="{789CD6DB-3A68-4A41-90BD-4F0CBB3617D1}" destId="{80259B02-529C-422B-91BE-D70198BA9F6C}" srcOrd="0" destOrd="1" presId="urn:microsoft.com/office/officeart/2005/8/layout/list1"/>
-    <dgm:cxn modelId="{E12E128A-D14B-4DAD-B3C2-4C2D815371A8}" type="presOf" srcId="{3929B1E1-4BC4-4C73-ABE8-27CEF96A3652}" destId="{D0037F0D-DB9A-4BA4-97B4-D939B26E14DA}" srcOrd="0" destOrd="0" presId="urn:microsoft.com/office/officeart/2005/8/layout/list1"/>
-    <dgm:cxn modelId="{EBD8BE8D-6018-43E2-B081-034BB5656EB6}" srcId="{3F442EA2-39BA-4C9A-AD59-755D4917D532}" destId="{4DF9FE7B-F642-4898-A360-D4E3814E1A3D}" srcOrd="0" destOrd="0" parTransId="{1C10F06D-860A-4604-A7AD-02E614FE3976}" sibTransId="{43C18EFF-81FC-4D70-8C6B-E95FF3730413}"/>
-    <dgm:cxn modelId="{B3B26E9A-58E5-497B-BD59-F5567958C609}" srcId="{3929B1E1-4BC4-4C73-ABE8-27CEF96A3652}" destId="{0791135C-9DAB-47F6-BE9C-A3E56A2DDA50}" srcOrd="1" destOrd="0" parTransId="{D6057E63-9793-4991-97C1-30FC405E95A5}" sibTransId="{B670C2A7-83CB-4F4C-BC19-A3A7C066A822}"/>
-    <dgm:cxn modelId="{09FCCB9D-A30A-4326-970E-26252D39327F}" srcId="{3929B1E1-4BC4-4C73-ABE8-27CEF96A3652}" destId="{99E0600D-9954-43F4-8926-13B8777FAAA1}" srcOrd="0" destOrd="0" parTransId="{BE23F476-2C5C-42ED-BF2B-CD5FC7ADDDF6}" sibTransId="{C44937DC-4907-4769-AA8B-1B3E7391D7B0}"/>
-    <dgm:cxn modelId="{A058DDA2-48CA-4E5B-B389-F71A59C262B0}" srcId="{4DF9FE7B-F642-4898-A360-D4E3814E1A3D}" destId="{EFF2750D-B4B3-474C-8B62-8B638DC31F7E}" srcOrd="0" destOrd="0" parTransId="{AEBC78E6-CDDC-4C8F-A157-3C51E907FACD}" sibTransId="{75C067D7-FCD2-4969-8F27-4BBDA88E75ED}"/>
-    <dgm:cxn modelId="{FC3C0DB7-9FD1-4688-8024-16D6F63718C0}" type="presOf" srcId="{99E0600D-9954-43F4-8926-13B8777FAAA1}" destId="{5282638F-EFF2-4770-BB1A-21455422E45D}" srcOrd="0" destOrd="0" presId="urn:microsoft.com/office/officeart/2005/8/layout/list1"/>
-    <dgm:cxn modelId="{133AB3BA-08EC-432D-814B-0243B8AEAE27}" type="presOf" srcId="{3F442EA2-39BA-4C9A-AD59-755D4917D532}" destId="{E6A445EE-D086-4B01-B491-D67950A5A065}" srcOrd="0" destOrd="0" presId="urn:microsoft.com/office/officeart/2005/8/layout/list1"/>
-    <dgm:cxn modelId="{9F679DC2-6B0E-43AA-A414-29A0BEBDE7EB}" type="presOf" srcId="{50629C12-7464-4473-ADEF-1A284F8A9957}" destId="{964E6811-5072-4466-B721-689C35A65029}" srcOrd="0" destOrd="0" presId="urn:microsoft.com/office/officeart/2005/8/layout/list1"/>
-    <dgm:cxn modelId="{1D32FCC9-657C-4348-9C0D-52115D559FEB}" srcId="{60CDF8D0-D4FC-4467-A51E-79C5A58B0B2C}" destId="{50629C12-7464-4473-ADEF-1A284F8A9957}" srcOrd="0" destOrd="0" parTransId="{9D1CB46C-0CFA-4B27-9224-267431FBD094}" sibTransId="{4576BCC5-0598-4332-A2E7-87AC3ADD4EB8}"/>
-    <dgm:cxn modelId="{2BA65DEC-E719-4ED3-8135-48349D42DD04}" srcId="{3F442EA2-39BA-4C9A-AD59-755D4917D532}" destId="{60CDF8D0-D4FC-4467-A51E-79C5A58B0B2C}" srcOrd="2" destOrd="0" parTransId="{E12A269F-AB82-486A-9077-80F2BBBE48C2}" sibTransId="{3F7FD59D-A716-4310-A89A-AB6F740D9FFF}"/>
-    <dgm:cxn modelId="{3A76F5FD-AC51-43D5-A60D-6EA2DBBDF0F6}" type="presOf" srcId="{4DF9FE7B-F642-4898-A360-D4E3814E1A3D}" destId="{674922F1-7266-4681-AD4F-1C618A5FFF23}" srcOrd="1" destOrd="0" presId="urn:microsoft.com/office/officeart/2005/8/layout/list1"/>
-    <dgm:cxn modelId="{7C96F733-1FEB-4464-AFE2-A6FFE050E7F5}" type="presParOf" srcId="{E6A445EE-D086-4B01-B491-D67950A5A065}" destId="{6D3A9625-D3EB-4CA1-AB05-34452283708A}" srcOrd="0" destOrd="0" presId="urn:microsoft.com/office/officeart/2005/8/layout/list1"/>
-    <dgm:cxn modelId="{52625C28-CB81-4E22-A0FD-8E29373E6B1B}" type="presParOf" srcId="{6D3A9625-D3EB-4CA1-AB05-34452283708A}" destId="{7E290D25-335D-4339-A8E8-B036E46B5EB5}" srcOrd="0" destOrd="0" presId="urn:microsoft.com/office/officeart/2005/8/layout/list1"/>
-    <dgm:cxn modelId="{B0C612E2-3EE1-400E-AE2C-6D7A4CC4C27B}" type="presParOf" srcId="{6D3A9625-D3EB-4CA1-AB05-34452283708A}" destId="{674922F1-7266-4681-AD4F-1C618A5FFF23}" srcOrd="1" destOrd="0" presId="urn:microsoft.com/office/officeart/2005/8/layout/list1"/>
-    <dgm:cxn modelId="{4744E578-4CB5-48E8-A0C6-86520C5FA672}" type="presParOf" srcId="{E6A445EE-D086-4B01-B491-D67950A5A065}" destId="{96C29850-0672-4B77-B5DE-2E1563038631}" srcOrd="1" destOrd="0" presId="urn:microsoft.com/office/officeart/2005/8/layout/list1"/>
-    <dgm:cxn modelId="{9B31D144-B860-4AE0-AA2A-C3C20A8603D5}" type="presParOf" srcId="{E6A445EE-D086-4B01-B491-D67950A5A065}" destId="{80259B02-529C-422B-91BE-D70198BA9F6C}" srcOrd="2" destOrd="0" presId="urn:microsoft.com/office/officeart/2005/8/layout/list1"/>
-    <dgm:cxn modelId="{7C89F48A-EAC4-44E9-B2C3-D6045323FD07}" type="presParOf" srcId="{E6A445EE-D086-4B01-B491-D67950A5A065}" destId="{E53EFB4E-D3DB-42E1-82AC-148F7D29254F}" srcOrd="3" destOrd="0" presId="urn:microsoft.com/office/officeart/2005/8/layout/list1"/>
-    <dgm:cxn modelId="{BD05F436-0254-432E-8B09-A17511FE268A}" type="presParOf" srcId="{E6A445EE-D086-4B01-B491-D67950A5A065}" destId="{07AC1C38-F728-4390-9C76-57A49ED97DBB}" srcOrd="4" destOrd="0" presId="urn:microsoft.com/office/officeart/2005/8/layout/list1"/>
-    <dgm:cxn modelId="{C0A0D860-DA07-4CBB-91A5-F43E0D04FCF4}" type="presParOf" srcId="{07AC1C38-F728-4390-9C76-57A49ED97DBB}" destId="{D0037F0D-DB9A-4BA4-97B4-D939B26E14DA}" srcOrd="0" destOrd="0" presId="urn:microsoft.com/office/officeart/2005/8/layout/list1"/>
-    <dgm:cxn modelId="{7E09DDEB-EE25-4606-A71C-7D9B4BBA2CC8}" type="presParOf" srcId="{07AC1C38-F728-4390-9C76-57A49ED97DBB}" destId="{21EEBBE2-729F-4D85-8CAE-C2B30FF126D2}" srcOrd="1" destOrd="0" presId="urn:microsoft.com/office/officeart/2005/8/layout/list1"/>
-    <dgm:cxn modelId="{16B4A5AA-CD57-4E81-BD9D-EA0185BCFB1E}" type="presParOf" srcId="{E6A445EE-D086-4B01-B491-D67950A5A065}" destId="{AACB3FAF-C320-430D-84D4-71BA6D1761D1}" srcOrd="5" destOrd="0" presId="urn:microsoft.com/office/officeart/2005/8/layout/list1"/>
-    <dgm:cxn modelId="{87A76DD9-C373-44C0-9414-15DC155EA76E}" type="presParOf" srcId="{E6A445EE-D086-4B01-B491-D67950A5A065}" destId="{5282638F-EFF2-4770-BB1A-21455422E45D}" srcOrd="6" destOrd="0" presId="urn:microsoft.com/office/officeart/2005/8/layout/list1"/>
-    <dgm:cxn modelId="{0755B841-50A5-42EE-A8F3-8B0D460B67BC}" type="presParOf" srcId="{E6A445EE-D086-4B01-B491-D67950A5A065}" destId="{8CE827AA-77D8-4146-A665-00110A17769E}" srcOrd="7" destOrd="0" presId="urn:microsoft.com/office/officeart/2005/8/layout/list1"/>
-    <dgm:cxn modelId="{07113AD3-C775-48C9-830E-576F0EE07749}" type="presParOf" srcId="{E6A445EE-D086-4B01-B491-D67950A5A065}" destId="{34C9EE47-81AF-461E-8292-AB107AA0D367}" srcOrd="8" destOrd="0" presId="urn:microsoft.com/office/officeart/2005/8/layout/list1"/>
-    <dgm:cxn modelId="{4B7DC143-6BA8-45DE-B0C7-421B9E9D50BD}" type="presParOf" srcId="{34C9EE47-81AF-461E-8292-AB107AA0D367}" destId="{864CB39B-29F9-473D-90E5-0686D86E278F}" srcOrd="0" destOrd="0" presId="urn:microsoft.com/office/officeart/2005/8/layout/list1"/>
-    <dgm:cxn modelId="{5D8F5A1E-4827-449A-B310-63F6F8A02B3B}" type="presParOf" srcId="{34C9EE47-81AF-461E-8292-AB107AA0D367}" destId="{5B203A22-00AF-46E7-9415-C6DAFD7E01CC}" srcOrd="1" destOrd="0" presId="urn:microsoft.com/office/officeart/2005/8/layout/list1"/>
-    <dgm:cxn modelId="{1F844143-3020-41F3-A2B1-36CB25F670B9}" type="presParOf" srcId="{E6A445EE-D086-4B01-B491-D67950A5A065}" destId="{DF9C1F84-81DE-4E5D-9537-C2D1A211B8B6}" srcOrd="9" destOrd="0" presId="urn:microsoft.com/office/officeart/2005/8/layout/list1"/>
-    <dgm:cxn modelId="{361E8493-E05B-46F9-A5FF-F03C8BA97CD5}" type="presParOf" srcId="{E6A445EE-D086-4B01-B491-D67950A5A065}" destId="{964E6811-5072-4466-B721-689C35A65029}" srcOrd="10" destOrd="0" presId="urn:microsoft.com/office/officeart/2005/8/layout/list1"/>
   </dgm:cxnLst>
   <dgm:bg/>
   <dgm:whole/>
@@ -4287,520 +2057,6 @@
 </dsp:drawing>
 </file>
 
-<file path=ppt/diagrams/drawing2.xml><?xml version="1.0" encoding="utf-8"?>
-<dsp:drawing xmlns:dgm="http://schemas.openxmlformats.org/drawingml/2006/diagram" xmlns:dsp="http://schemas.microsoft.com/office/drawing/2008/diagram" xmlns:a="http://schemas.openxmlformats.org/drawingml/2006/main">
-  <dsp:spTree>
-    <dsp:nvGrpSpPr>
-      <dsp:cNvPr id="0" name=""/>
-      <dsp:cNvGrpSpPr/>
-    </dsp:nvGrpSpPr>
-    <dsp:grpSpPr/>
-    <dsp:sp modelId="{80259B02-529C-422B-91BE-D70198BA9F6C}">
-      <dsp:nvSpPr>
-        <dsp:cNvPr id="0" name=""/>
-        <dsp:cNvSpPr/>
-      </dsp:nvSpPr>
-      <dsp:spPr>
-        <a:xfrm>
-          <a:off x="0" y="379567"/>
-          <a:ext cx="4773612" cy="1107225"/>
-        </a:xfrm>
-        <a:prstGeom prst="rect">
-          <a:avLst/>
-        </a:prstGeom>
-        <a:solidFill>
-          <a:schemeClr val="lt1">
-            <a:alpha val="90000"/>
-            <a:hueOff val="0"/>
-            <a:satOff val="0"/>
-            <a:lumOff val="0"/>
-            <a:alphaOff val="0"/>
-          </a:schemeClr>
-        </a:solidFill>
-        <a:ln w="12700" cap="flat" cmpd="sng" algn="ctr">
-          <a:solidFill>
-            <a:schemeClr val="accent3">
-              <a:hueOff val="0"/>
-              <a:satOff val="0"/>
-              <a:lumOff val="0"/>
-              <a:alphaOff val="0"/>
-            </a:schemeClr>
-          </a:solidFill>
-          <a:prstDash val="solid"/>
-          <a:miter lim="800000"/>
-        </a:ln>
-        <a:effectLst/>
-      </dsp:spPr>
-      <dsp:style>
-        <a:lnRef idx="2">
-          <a:scrgbClr r="0" g="0" b="0"/>
-        </a:lnRef>
-        <a:fillRef idx="1">
-          <a:scrgbClr r="0" g="0" b="0"/>
-        </a:fillRef>
-        <a:effectRef idx="0">
-          <a:scrgbClr r="0" g="0" b="0"/>
-        </a:effectRef>
-        <a:fontRef idx="minor"/>
-      </dsp:style>
-      <dsp:txBody>
-        <a:bodyPr spcFirstLastPara="0" vert="horz" wrap="square" lIns="370485" tIns="395732" rIns="370485" bIns="135128" numCol="1" spcCol="1270" anchor="t" anchorCtr="0">
-          <a:noAutofit/>
-        </a:bodyPr>
-        <a:lstStyle/>
-        <a:p>
-          <a:pPr marL="171450" lvl="1" indent="-171450" algn="l" defTabSz="844550">
-            <a:lnSpc>
-              <a:spcPct val="90000"/>
-            </a:lnSpc>
-            <a:spcBef>
-              <a:spcPct val="0"/>
-            </a:spcBef>
-            <a:spcAft>
-              <a:spcPct val="15000"/>
-            </a:spcAft>
-            <a:buChar char="•"/>
-          </a:pPr>
-          <a:r>
-            <a:rPr lang="en-US" sz="1900" kern="1200" dirty="0"/>
-            <a:t>Task 1</a:t>
-          </a:r>
-        </a:p>
-        <a:p>
-          <a:pPr marL="171450" lvl="1" indent="-171450" algn="l" defTabSz="844550">
-            <a:lnSpc>
-              <a:spcPct val="90000"/>
-            </a:lnSpc>
-            <a:spcBef>
-              <a:spcPct val="0"/>
-            </a:spcBef>
-            <a:spcAft>
-              <a:spcPct val="15000"/>
-            </a:spcAft>
-            <a:buChar char="•"/>
-          </a:pPr>
-          <a:r>
-            <a:rPr lang="en-US" sz="1900" kern="1200" dirty="0"/>
-            <a:t>Task 2</a:t>
-          </a:r>
-        </a:p>
-      </dsp:txBody>
-      <dsp:txXfrm>
-        <a:off x="0" y="379567"/>
-        <a:ext cx="4773612" cy="1107225"/>
-      </dsp:txXfrm>
-    </dsp:sp>
-    <dsp:sp modelId="{674922F1-7266-4681-AD4F-1C618A5FFF23}">
-      <dsp:nvSpPr>
-        <dsp:cNvPr id="0" name=""/>
-        <dsp:cNvSpPr/>
-      </dsp:nvSpPr>
-      <dsp:spPr>
-        <a:xfrm>
-          <a:off x="238680" y="99127"/>
-          <a:ext cx="3341528" cy="560880"/>
-        </a:xfrm>
-        <a:prstGeom prst="roundRect">
-          <a:avLst/>
-        </a:prstGeom>
-        <a:solidFill>
-          <a:schemeClr val="accent3">
-            <a:hueOff val="0"/>
-            <a:satOff val="0"/>
-            <a:lumOff val="0"/>
-            <a:alphaOff val="0"/>
-          </a:schemeClr>
-        </a:solidFill>
-        <a:ln w="12700" cap="flat" cmpd="sng" algn="ctr">
-          <a:solidFill>
-            <a:schemeClr val="lt1">
-              <a:hueOff val="0"/>
-              <a:satOff val="0"/>
-              <a:lumOff val="0"/>
-              <a:alphaOff val="0"/>
-            </a:schemeClr>
-          </a:solidFill>
-          <a:prstDash val="solid"/>
-          <a:miter lim="800000"/>
-        </a:ln>
-        <a:effectLst/>
-      </dsp:spPr>
-      <dsp:style>
-        <a:lnRef idx="2">
-          <a:scrgbClr r="0" g="0" b="0"/>
-        </a:lnRef>
-        <a:fillRef idx="1">
-          <a:scrgbClr r="0" g="0" b="0"/>
-        </a:fillRef>
-        <a:effectRef idx="0">
-          <a:scrgbClr r="0" g="0" b="0"/>
-        </a:effectRef>
-        <a:fontRef idx="minor">
-          <a:schemeClr val="lt1"/>
-        </a:fontRef>
-      </dsp:style>
-      <dsp:txBody>
-        <a:bodyPr spcFirstLastPara="0" vert="horz" wrap="square" lIns="126302" tIns="0" rIns="126302" bIns="0" numCol="1" spcCol="1270" anchor="ctr" anchorCtr="0">
-          <a:noAutofit/>
-        </a:bodyPr>
-        <a:lstStyle/>
-        <a:p>
-          <a:pPr marL="0" lvl="0" indent="0" algn="l" defTabSz="844550">
-            <a:lnSpc>
-              <a:spcPct val="90000"/>
-            </a:lnSpc>
-            <a:spcBef>
-              <a:spcPct val="0"/>
-            </a:spcBef>
-            <a:spcAft>
-              <a:spcPct val="35000"/>
-            </a:spcAft>
-            <a:buNone/>
-          </a:pPr>
-          <a:r>
-            <a:rPr lang="en-US" sz="1900" kern="1200"/>
-            <a:t>Group A</a:t>
-          </a:r>
-          <a:endParaRPr lang="en-US" sz="1900" kern="1200" dirty="0"/>
-        </a:p>
-      </dsp:txBody>
-      <dsp:txXfrm>
-        <a:off x="266060" y="126507"/>
-        <a:ext cx="3286768" cy="506120"/>
-      </dsp:txXfrm>
-    </dsp:sp>
-    <dsp:sp modelId="{5282638F-EFF2-4770-BB1A-21455422E45D}">
-      <dsp:nvSpPr>
-        <dsp:cNvPr id="0" name=""/>
-        <dsp:cNvSpPr/>
-      </dsp:nvSpPr>
-      <dsp:spPr>
-        <a:xfrm>
-          <a:off x="0" y="1869832"/>
-          <a:ext cx="4773612" cy="1107225"/>
-        </a:xfrm>
-        <a:prstGeom prst="rect">
-          <a:avLst/>
-        </a:prstGeom>
-        <a:solidFill>
-          <a:schemeClr val="lt1">
-            <a:alpha val="90000"/>
-            <a:hueOff val="0"/>
-            <a:satOff val="0"/>
-            <a:lumOff val="0"/>
-            <a:alphaOff val="0"/>
-          </a:schemeClr>
-        </a:solidFill>
-        <a:ln w="12700" cap="flat" cmpd="sng" algn="ctr">
-          <a:solidFill>
-            <a:schemeClr val="accent3">
-              <a:hueOff val="6261207"/>
-              <a:satOff val="-33630"/>
-              <a:lumOff val="589"/>
-              <a:alphaOff val="0"/>
-            </a:schemeClr>
-          </a:solidFill>
-          <a:prstDash val="solid"/>
-          <a:miter lim="800000"/>
-        </a:ln>
-        <a:effectLst/>
-      </dsp:spPr>
-      <dsp:style>
-        <a:lnRef idx="2">
-          <a:scrgbClr r="0" g="0" b="0"/>
-        </a:lnRef>
-        <a:fillRef idx="1">
-          <a:scrgbClr r="0" g="0" b="0"/>
-        </a:fillRef>
-        <a:effectRef idx="0">
-          <a:scrgbClr r="0" g="0" b="0"/>
-        </a:effectRef>
-        <a:fontRef idx="minor"/>
-      </dsp:style>
-      <dsp:txBody>
-        <a:bodyPr spcFirstLastPara="0" vert="horz" wrap="square" lIns="370485" tIns="395732" rIns="370485" bIns="135128" numCol="1" spcCol="1270" anchor="t" anchorCtr="0">
-          <a:noAutofit/>
-        </a:bodyPr>
-        <a:lstStyle/>
-        <a:p>
-          <a:pPr marL="171450" lvl="1" indent="-171450" algn="l" defTabSz="844550">
-            <a:lnSpc>
-              <a:spcPct val="90000"/>
-            </a:lnSpc>
-            <a:spcBef>
-              <a:spcPct val="0"/>
-            </a:spcBef>
-            <a:spcAft>
-              <a:spcPct val="15000"/>
-            </a:spcAft>
-            <a:buChar char="•"/>
-          </a:pPr>
-          <a:r>
-            <a:rPr lang="en-US" sz="1900" kern="1200" dirty="0"/>
-            <a:t>Task 1</a:t>
-          </a:r>
-        </a:p>
-        <a:p>
-          <a:pPr marL="171450" lvl="1" indent="-171450" algn="l" defTabSz="844550">
-            <a:lnSpc>
-              <a:spcPct val="90000"/>
-            </a:lnSpc>
-            <a:spcBef>
-              <a:spcPct val="0"/>
-            </a:spcBef>
-            <a:spcAft>
-              <a:spcPct val="15000"/>
-            </a:spcAft>
-            <a:buChar char="•"/>
-          </a:pPr>
-          <a:r>
-            <a:rPr lang="en-US" sz="1900" kern="1200" dirty="0"/>
-            <a:t>Task 2</a:t>
-          </a:r>
-        </a:p>
-      </dsp:txBody>
-      <dsp:txXfrm>
-        <a:off x="0" y="1869832"/>
-        <a:ext cx="4773612" cy="1107225"/>
-      </dsp:txXfrm>
-    </dsp:sp>
-    <dsp:sp modelId="{21EEBBE2-729F-4D85-8CAE-C2B30FF126D2}">
-      <dsp:nvSpPr>
-        <dsp:cNvPr id="0" name=""/>
-        <dsp:cNvSpPr/>
-      </dsp:nvSpPr>
-      <dsp:spPr>
-        <a:xfrm>
-          <a:off x="238680" y="1589392"/>
-          <a:ext cx="3341528" cy="560880"/>
-        </a:xfrm>
-        <a:prstGeom prst="roundRect">
-          <a:avLst/>
-        </a:prstGeom>
-        <a:solidFill>
-          <a:schemeClr val="accent3">
-            <a:hueOff val="6261207"/>
-            <a:satOff val="-33630"/>
-            <a:lumOff val="589"/>
-            <a:alphaOff val="0"/>
-          </a:schemeClr>
-        </a:solidFill>
-        <a:ln w="12700" cap="flat" cmpd="sng" algn="ctr">
-          <a:solidFill>
-            <a:schemeClr val="lt1">
-              <a:hueOff val="0"/>
-              <a:satOff val="0"/>
-              <a:lumOff val="0"/>
-              <a:alphaOff val="0"/>
-            </a:schemeClr>
-          </a:solidFill>
-          <a:prstDash val="solid"/>
-          <a:miter lim="800000"/>
-        </a:ln>
-        <a:effectLst/>
-      </dsp:spPr>
-      <dsp:style>
-        <a:lnRef idx="2">
-          <a:scrgbClr r="0" g="0" b="0"/>
-        </a:lnRef>
-        <a:fillRef idx="1">
-          <a:scrgbClr r="0" g="0" b="0"/>
-        </a:fillRef>
-        <a:effectRef idx="0">
-          <a:scrgbClr r="0" g="0" b="0"/>
-        </a:effectRef>
-        <a:fontRef idx="minor">
-          <a:schemeClr val="lt1"/>
-        </a:fontRef>
-      </dsp:style>
-      <dsp:txBody>
-        <a:bodyPr spcFirstLastPara="0" vert="horz" wrap="square" lIns="126302" tIns="0" rIns="126302" bIns="0" numCol="1" spcCol="1270" anchor="ctr" anchorCtr="0">
-          <a:noAutofit/>
-        </a:bodyPr>
-        <a:lstStyle/>
-        <a:p>
-          <a:pPr marL="0" lvl="0" indent="0" algn="l" defTabSz="844550">
-            <a:lnSpc>
-              <a:spcPct val="90000"/>
-            </a:lnSpc>
-            <a:spcBef>
-              <a:spcPct val="0"/>
-            </a:spcBef>
-            <a:spcAft>
-              <a:spcPct val="35000"/>
-            </a:spcAft>
-            <a:buNone/>
-          </a:pPr>
-          <a:r>
-            <a:rPr lang="en-US" sz="1900" kern="1200" dirty="0"/>
-            <a:t>Group B</a:t>
-          </a:r>
-        </a:p>
-      </dsp:txBody>
-      <dsp:txXfrm>
-        <a:off x="266060" y="1616772"/>
-        <a:ext cx="3286768" cy="506120"/>
-      </dsp:txXfrm>
-    </dsp:sp>
-    <dsp:sp modelId="{964E6811-5072-4466-B721-689C35A65029}">
-      <dsp:nvSpPr>
-        <dsp:cNvPr id="0" name=""/>
-        <dsp:cNvSpPr/>
-      </dsp:nvSpPr>
-      <dsp:spPr>
-        <a:xfrm>
-          <a:off x="0" y="3360097"/>
-          <a:ext cx="4773612" cy="807975"/>
-        </a:xfrm>
-        <a:prstGeom prst="rect">
-          <a:avLst/>
-        </a:prstGeom>
-        <a:solidFill>
-          <a:schemeClr val="lt1">
-            <a:alpha val="90000"/>
-            <a:hueOff val="0"/>
-            <a:satOff val="0"/>
-            <a:lumOff val="0"/>
-            <a:alphaOff val="0"/>
-          </a:schemeClr>
-        </a:solidFill>
-        <a:ln w="12700" cap="flat" cmpd="sng" algn="ctr">
-          <a:solidFill>
-            <a:schemeClr val="accent3">
-              <a:hueOff val="12522415"/>
-              <a:satOff val="-67259"/>
-              <a:lumOff val="1178"/>
-              <a:alphaOff val="0"/>
-            </a:schemeClr>
-          </a:solidFill>
-          <a:prstDash val="solid"/>
-          <a:miter lim="800000"/>
-        </a:ln>
-        <a:effectLst/>
-      </dsp:spPr>
-      <dsp:style>
-        <a:lnRef idx="2">
-          <a:scrgbClr r="0" g="0" b="0"/>
-        </a:lnRef>
-        <a:fillRef idx="1">
-          <a:scrgbClr r="0" g="0" b="0"/>
-        </a:fillRef>
-        <a:effectRef idx="0">
-          <a:scrgbClr r="0" g="0" b="0"/>
-        </a:effectRef>
-        <a:fontRef idx="minor"/>
-      </dsp:style>
-      <dsp:txBody>
-        <a:bodyPr spcFirstLastPara="0" vert="horz" wrap="square" lIns="370485" tIns="395732" rIns="370485" bIns="135128" numCol="1" spcCol="1270" anchor="t" anchorCtr="0">
-          <a:noAutofit/>
-        </a:bodyPr>
-        <a:lstStyle/>
-        <a:p>
-          <a:pPr marL="171450" lvl="1" indent="-171450" algn="l" defTabSz="844550">
-            <a:lnSpc>
-              <a:spcPct val="90000"/>
-            </a:lnSpc>
-            <a:spcBef>
-              <a:spcPct val="0"/>
-            </a:spcBef>
-            <a:spcAft>
-              <a:spcPct val="15000"/>
-            </a:spcAft>
-            <a:buChar char="•"/>
-          </a:pPr>
-          <a:r>
-            <a:rPr lang="en-US" sz="1900" kern="1200" dirty="0"/>
-            <a:t>Task 1</a:t>
-          </a:r>
-        </a:p>
-      </dsp:txBody>
-      <dsp:txXfrm>
-        <a:off x="0" y="3360097"/>
-        <a:ext cx="4773612" cy="807975"/>
-      </dsp:txXfrm>
-    </dsp:sp>
-    <dsp:sp modelId="{5B203A22-00AF-46E7-9415-C6DAFD7E01CC}">
-      <dsp:nvSpPr>
-        <dsp:cNvPr id="0" name=""/>
-        <dsp:cNvSpPr/>
-      </dsp:nvSpPr>
-      <dsp:spPr>
-        <a:xfrm>
-          <a:off x="238680" y="3079657"/>
-          <a:ext cx="3341528" cy="560880"/>
-        </a:xfrm>
-        <a:prstGeom prst="roundRect">
-          <a:avLst/>
-        </a:prstGeom>
-        <a:solidFill>
-          <a:schemeClr val="accent3">
-            <a:hueOff val="12522415"/>
-            <a:satOff val="-67259"/>
-            <a:lumOff val="1178"/>
-            <a:alphaOff val="0"/>
-          </a:schemeClr>
-        </a:solidFill>
-        <a:ln w="12700" cap="flat" cmpd="sng" algn="ctr">
-          <a:solidFill>
-            <a:schemeClr val="lt1">
-              <a:hueOff val="0"/>
-              <a:satOff val="0"/>
-              <a:lumOff val="0"/>
-              <a:alphaOff val="0"/>
-            </a:schemeClr>
-          </a:solidFill>
-          <a:prstDash val="solid"/>
-          <a:miter lim="800000"/>
-        </a:ln>
-        <a:effectLst/>
-      </dsp:spPr>
-      <dsp:style>
-        <a:lnRef idx="2">
-          <a:scrgbClr r="0" g="0" b="0"/>
-        </a:lnRef>
-        <a:fillRef idx="1">
-          <a:scrgbClr r="0" g="0" b="0"/>
-        </a:fillRef>
-        <a:effectRef idx="0">
-          <a:scrgbClr r="0" g="0" b="0"/>
-        </a:effectRef>
-        <a:fontRef idx="minor">
-          <a:schemeClr val="lt1"/>
-        </a:fontRef>
-      </dsp:style>
-      <dsp:txBody>
-        <a:bodyPr spcFirstLastPara="0" vert="horz" wrap="square" lIns="126302" tIns="0" rIns="126302" bIns="0" numCol="1" spcCol="1270" anchor="ctr" anchorCtr="0">
-          <a:noAutofit/>
-        </a:bodyPr>
-        <a:lstStyle/>
-        <a:p>
-          <a:pPr marL="0" lvl="0" indent="0" algn="l" defTabSz="844550">
-            <a:lnSpc>
-              <a:spcPct val="90000"/>
-            </a:lnSpc>
-            <a:spcBef>
-              <a:spcPct val="0"/>
-            </a:spcBef>
-            <a:spcAft>
-              <a:spcPct val="35000"/>
-            </a:spcAft>
-            <a:buNone/>
-          </a:pPr>
-          <a:r>
-            <a:rPr lang="en-US" sz="1900" kern="1200" dirty="0"/>
-            <a:t>Group C</a:t>
-          </a:r>
-        </a:p>
-      </dsp:txBody>
-      <dsp:txXfrm>
-        <a:off x="266060" y="3107037"/>
-        <a:ext cx="3286768" cy="506120"/>
-      </dsp:txXfrm>
-    </dsp:sp>
-  </dsp:spTree>
-</dsp:drawing>
-</file>
-
 <file path=ppt/diagrams/layout1.xml><?xml version="1.0" encoding="utf-8"?>
 <dgm:layoutDef xmlns:dgm="http://schemas.openxmlformats.org/drawingml/2006/diagram" xmlns:a="http://schemas.openxmlformats.org/drawingml/2006/main" uniqueId="urn:microsoft.com/office/officeart/2005/8/layout/radial5">
   <dgm:title val=""/>
@@ -5040,1266 +2296,7 @@
 </dgm:layoutDef>
 </file>
 
-<file path=ppt/diagrams/layout2.xml><?xml version="1.0" encoding="utf-8"?>
-<dgm:layoutDef xmlns:dgm="http://schemas.openxmlformats.org/drawingml/2006/diagram" xmlns:a="http://schemas.openxmlformats.org/drawingml/2006/main" uniqueId="urn:microsoft.com/office/officeart/2005/8/layout/list1">
-  <dgm:title val=""/>
-  <dgm:desc val=""/>
-  <dgm:catLst>
-    <dgm:cat type="list" pri="4000"/>
-  </dgm:catLst>
-  <dgm:sampData>
-    <dgm:dataModel>
-      <dgm:ptLst>
-        <dgm:pt modelId="0" type="doc"/>
-        <dgm:pt modelId="1">
-          <dgm:prSet phldr="1"/>
-        </dgm:pt>
-        <dgm:pt modelId="2">
-          <dgm:prSet phldr="1"/>
-        </dgm:pt>
-        <dgm:pt modelId="3">
-          <dgm:prSet phldr="1"/>
-        </dgm:pt>
-      </dgm:ptLst>
-      <dgm:cxnLst>
-        <dgm:cxn modelId="4" srcId="0" destId="1" srcOrd="0" destOrd="0"/>
-        <dgm:cxn modelId="5" srcId="0" destId="2" srcOrd="1" destOrd="0"/>
-        <dgm:cxn modelId="6" srcId="0" destId="3" srcOrd="2" destOrd="0"/>
-      </dgm:cxnLst>
-      <dgm:bg/>
-      <dgm:whole/>
-    </dgm:dataModel>
-  </dgm:sampData>
-  <dgm:styleData>
-    <dgm:dataModel>
-      <dgm:ptLst>
-        <dgm:pt modelId="0" type="doc"/>
-        <dgm:pt modelId="1"/>
-        <dgm:pt modelId="2"/>
-      </dgm:ptLst>
-      <dgm:cxnLst>
-        <dgm:cxn modelId="4" srcId="0" destId="1" srcOrd="0" destOrd="0"/>
-        <dgm:cxn modelId="5" srcId="0" destId="2" srcOrd="1" destOrd="0"/>
-      </dgm:cxnLst>
-      <dgm:bg/>
-      <dgm:whole/>
-    </dgm:dataModel>
-  </dgm:styleData>
-  <dgm:clrData>
-    <dgm:dataModel>
-      <dgm:ptLst>
-        <dgm:pt modelId="0" type="doc"/>
-        <dgm:pt modelId="1"/>
-        <dgm:pt modelId="2"/>
-        <dgm:pt modelId="3"/>
-        <dgm:pt modelId="4"/>
-      </dgm:ptLst>
-      <dgm:cxnLst>
-        <dgm:cxn modelId="5" srcId="0" destId="1" srcOrd="0" destOrd="0"/>
-        <dgm:cxn modelId="6" srcId="0" destId="2" srcOrd="1" destOrd="0"/>
-        <dgm:cxn modelId="7" srcId="0" destId="3" srcOrd="2" destOrd="0"/>
-        <dgm:cxn modelId="8" srcId="0" destId="4" srcOrd="3" destOrd="0"/>
-      </dgm:cxnLst>
-      <dgm:bg/>
-      <dgm:whole/>
-    </dgm:dataModel>
-  </dgm:clrData>
-  <dgm:layoutNode name="linear">
-    <dgm:varLst>
-      <dgm:dir/>
-      <dgm:animLvl val="lvl"/>
-      <dgm:resizeHandles val="exact"/>
-    </dgm:varLst>
-    <dgm:choose name="Name0">
-      <dgm:if name="Name1" func="var" arg="dir" op="equ" val="norm">
-        <dgm:alg type="lin">
-          <dgm:param type="linDir" val="fromT"/>
-          <dgm:param type="vertAlign" val="mid"/>
-          <dgm:param type="horzAlign" val="l"/>
-          <dgm:param type="nodeHorzAlign" val="l"/>
-        </dgm:alg>
-      </dgm:if>
-      <dgm:else name="Name2">
-        <dgm:alg type="lin">
-          <dgm:param type="linDir" val="fromT"/>
-          <dgm:param type="vertAlign" val="mid"/>
-          <dgm:param type="horzAlign" val="r"/>
-          <dgm:param type="nodeHorzAlign" val="r"/>
-        </dgm:alg>
-      </dgm:else>
-    </dgm:choose>
-    <dgm:shape xmlns:r="http://schemas.openxmlformats.org/officeDocument/2006/relationships" r:blip="">
-      <dgm:adjLst/>
-    </dgm:shape>
-    <dgm:presOf/>
-    <dgm:constrLst>
-      <dgm:constr type="w" for="ch" forName="parentLin" refType="w"/>
-      <dgm:constr type="h" for="ch" forName="parentLin" val="INF"/>
-      <dgm:constr type="w" for="des" forName="parentLeftMargin" refType="w" fact="0.05"/>
-      <dgm:constr type="w" for="des" forName="parentText" refType="w" fact="0.7"/>
-      <dgm:constr type="h" for="des" forName="parentText" refType="primFontSz" refFor="des" refForName="parentText" fact="0.82"/>
-      <dgm:constr type="h" for="ch" forName="negativeSpace" refType="primFontSz" refFor="des" refForName="parentText" fact="-0.41"/>
-      <dgm:constr type="h" for="ch" forName="negativeSpace" refType="h" refFor="des" refForName="parentText" op="lte" fact="-0.82"/>
-      <dgm:constr type="h" for="ch" forName="negativeSpace" refType="h" refFor="des" refForName="parentText" op="gte" fact="-0.82"/>
-      <dgm:constr type="w" for="ch" forName="childText" refType="w"/>
-      <dgm:constr type="h" for="ch" forName="childText" refType="primFontSz" refFor="des" refForName="parentText" fact="0.7"/>
-      <dgm:constr type="primFontSz" for="des" forName="parentText" val="65"/>
-      <dgm:constr type="primFontSz" for="ch" forName="childText" refType="primFontSz" refFor="des" refForName="parentText"/>
-      <dgm:constr type="tMarg" for="ch" forName="childText" refType="primFontSz" refFor="des" refForName="parentText" fact="1.64"/>
-      <dgm:constr type="tMarg" for="ch" forName="childText" refType="h" refFor="des" refForName="parentText" op="lte" fact="3.28"/>
-      <dgm:constr type="tMarg" for="ch" forName="childText" refType="h" refFor="des" refForName="parentText" op="gte" fact="3.28"/>
-      <dgm:constr type="lMarg" for="ch" forName="childText" refType="w" fact="0.22"/>
-      <dgm:constr type="rMarg" for="ch" forName="childText" refType="lMarg" refFor="ch" refForName="childText"/>
-      <dgm:constr type="lMarg" for="des" forName="parentText" refType="w" fact="0.075"/>
-      <dgm:constr type="rMarg" for="des" forName="parentText" refType="lMarg" refFor="des" refForName="parentText"/>
-      <dgm:constr type="h" for="ch" forName="spaceBetweenRectangles" refType="primFontSz" refFor="des" refForName="parentText" fact="0.15"/>
-    </dgm:constrLst>
-    <dgm:ruleLst>
-      <dgm:rule type="primFontSz" for="des" forName="parentText" val="5" fact="NaN" max="NaN"/>
-    </dgm:ruleLst>
-    <dgm:forEach name="Name3" axis="ch" ptType="node">
-      <dgm:layoutNode name="parentLin">
-        <dgm:choose name="Name4">
-          <dgm:if name="Name5" func="var" arg="dir" op="equ" val="norm">
-            <dgm:alg type="lin">
-              <dgm:param type="linDir" val="fromL"/>
-              <dgm:param type="horzAlign" val="l"/>
-              <dgm:param type="nodeHorzAlign" val="l"/>
-            </dgm:alg>
-          </dgm:if>
-          <dgm:else name="Name6">
-            <dgm:alg type="lin">
-              <dgm:param type="linDir" val="fromR"/>
-              <dgm:param type="horzAlign" val="r"/>
-              <dgm:param type="nodeHorzAlign" val="r"/>
-            </dgm:alg>
-          </dgm:else>
-        </dgm:choose>
-        <dgm:shape xmlns:r="http://schemas.openxmlformats.org/officeDocument/2006/relationships" r:blip="">
-          <dgm:adjLst/>
-        </dgm:shape>
-        <dgm:presOf/>
-        <dgm:constrLst/>
-        <dgm:ruleLst/>
-        <dgm:layoutNode name="parentLeftMargin">
-          <dgm:alg type="sp"/>
-          <dgm:shape xmlns:r="http://schemas.openxmlformats.org/officeDocument/2006/relationships" type="rect" r:blip="" hideGeom="1">
-            <dgm:adjLst/>
-          </dgm:shape>
-          <dgm:presOf axis="self"/>
-          <dgm:constrLst>
-            <dgm:constr type="h"/>
-          </dgm:constrLst>
-          <dgm:ruleLst/>
-        </dgm:layoutNode>
-        <dgm:layoutNode name="parentText" styleLbl="node1">
-          <dgm:varLst>
-            <dgm:chMax val="0"/>
-            <dgm:bulletEnabled val="1"/>
-          </dgm:varLst>
-          <dgm:choose name="Name7">
-            <dgm:if name="Name8" func="var" arg="dir" op="equ" val="norm">
-              <dgm:alg type="tx">
-                <dgm:param type="parTxLTRAlign" val="l"/>
-                <dgm:param type="parTxRTLAlign" val="l"/>
-              </dgm:alg>
-            </dgm:if>
-            <dgm:else name="Name9">
-              <dgm:alg type="tx">
-                <dgm:param type="parTxLTRAlign" val="r"/>
-                <dgm:param type="parTxRTLAlign" val="r"/>
-              </dgm:alg>
-            </dgm:else>
-          </dgm:choose>
-          <dgm:shape xmlns:r="http://schemas.openxmlformats.org/officeDocument/2006/relationships" type="roundRect" r:blip="">
-            <dgm:adjLst/>
-          </dgm:shape>
-          <dgm:presOf axis="self" ptType="node"/>
-          <dgm:constrLst>
-            <dgm:constr type="tMarg"/>
-            <dgm:constr type="bMarg"/>
-          </dgm:constrLst>
-          <dgm:ruleLst/>
-        </dgm:layoutNode>
-      </dgm:layoutNode>
-      <dgm:layoutNode name="negativeSpace">
-        <dgm:alg type="sp"/>
-        <dgm:shape xmlns:r="http://schemas.openxmlformats.org/officeDocument/2006/relationships" r:blip="">
-          <dgm:adjLst/>
-        </dgm:shape>
-        <dgm:presOf/>
-        <dgm:constrLst/>
-        <dgm:ruleLst/>
-      </dgm:layoutNode>
-      <dgm:layoutNode name="childText" styleLbl="conFgAcc1">
-        <dgm:varLst>
-          <dgm:bulletEnabled val="1"/>
-        </dgm:varLst>
-        <dgm:alg type="tx">
-          <dgm:param type="stBulletLvl" val="1"/>
-        </dgm:alg>
-        <dgm:shape xmlns:r="http://schemas.openxmlformats.org/officeDocument/2006/relationships" type="rect" r:blip="" zOrderOff="-2">
-          <dgm:adjLst/>
-        </dgm:shape>
-        <dgm:presOf axis="des" ptType="node"/>
-        <dgm:constrLst>
-          <dgm:constr type="secFontSz" refType="primFontSz"/>
-        </dgm:constrLst>
-        <dgm:ruleLst>
-          <dgm:rule type="h" val="INF" fact="NaN" max="NaN"/>
-        </dgm:ruleLst>
-      </dgm:layoutNode>
-      <dgm:forEach name="Name10" axis="followSib" ptType="sibTrans" cnt="1">
-        <dgm:layoutNode name="spaceBetweenRectangles">
-          <dgm:alg type="sp"/>
-          <dgm:shape xmlns:r="http://schemas.openxmlformats.org/officeDocument/2006/relationships" r:blip="">
-            <dgm:adjLst/>
-          </dgm:shape>
-          <dgm:presOf/>
-          <dgm:constrLst/>
-          <dgm:ruleLst/>
-        </dgm:layoutNode>
-      </dgm:forEach>
-    </dgm:forEach>
-  </dgm:layoutNode>
-</dgm:layoutDef>
-</file>
-
 <file path=ppt/diagrams/quickStyle1.xml><?xml version="1.0" encoding="utf-8"?>
-<dgm:styleDef xmlns:dgm="http://schemas.openxmlformats.org/drawingml/2006/diagram" xmlns:a="http://schemas.openxmlformats.org/drawingml/2006/main" uniqueId="urn:microsoft.com/office/officeart/2005/8/quickstyle/simple1">
-  <dgm:title val=""/>
-  <dgm:desc val=""/>
-  <dgm:catLst>
-    <dgm:cat type="simple" pri="10100"/>
-  </dgm:catLst>
-  <dgm:scene3d>
-    <a:camera prst="orthographicFront"/>
-    <a:lightRig rig="threePt" dir="t"/>
-  </dgm:scene3d>
-  <dgm:styleLbl name="node0">
-    <dgm:scene3d>
-      <a:camera prst="orthographicFront"/>
-      <a:lightRig rig="threePt" dir="t"/>
-    </dgm:scene3d>
-    <dgm:sp3d/>
-    <dgm:txPr/>
-    <dgm:style>
-      <a:lnRef idx="2">
-        <a:scrgbClr r="0" g="0" b="0"/>
-      </a:lnRef>
-      <a:fillRef idx="1">
-        <a:scrgbClr r="0" g="0" b="0"/>
-      </a:fillRef>
-      <a:effectRef idx="0">
-        <a:scrgbClr r="0" g="0" b="0"/>
-      </a:effectRef>
-      <a:fontRef idx="minor">
-        <a:schemeClr val="lt1"/>
-      </a:fontRef>
-    </dgm:style>
-  </dgm:styleLbl>
-  <dgm:styleLbl name="lnNode1">
-    <dgm:scene3d>
-      <a:camera prst="orthographicFront"/>
-      <a:lightRig rig="threePt" dir="t"/>
-    </dgm:scene3d>
-    <dgm:sp3d/>
-    <dgm:txPr/>
-    <dgm:style>
-      <a:lnRef idx="2">
-        <a:scrgbClr r="0" g="0" b="0"/>
-      </a:lnRef>
-      <a:fillRef idx="1">
-        <a:scrgbClr r="0" g="0" b="0"/>
-      </a:fillRef>
-      <a:effectRef idx="0">
-        <a:scrgbClr r="0" g="0" b="0"/>
-      </a:effectRef>
-      <a:fontRef idx="minor">
-        <a:schemeClr val="lt1"/>
-      </a:fontRef>
-    </dgm:style>
-  </dgm:styleLbl>
-  <dgm:styleLbl name="vennNode1">
-    <dgm:scene3d>
-      <a:camera prst="orthographicFront"/>
-      <a:lightRig rig="threePt" dir="t"/>
-    </dgm:scene3d>
-    <dgm:sp3d/>
-    <dgm:txPr/>
-    <dgm:style>
-      <a:lnRef idx="2">
-        <a:scrgbClr r="0" g="0" b="0"/>
-      </a:lnRef>
-      <a:fillRef idx="1">
-        <a:scrgbClr r="0" g="0" b="0"/>
-      </a:fillRef>
-      <a:effectRef idx="0">
-        <a:scrgbClr r="0" g="0" b="0"/>
-      </a:effectRef>
-      <a:fontRef idx="minor">
-        <a:schemeClr val="tx1"/>
-      </a:fontRef>
-    </dgm:style>
-  </dgm:styleLbl>
-  <dgm:styleLbl name="alignNode1">
-    <dgm:scene3d>
-      <a:camera prst="orthographicFront"/>
-      <a:lightRig rig="threePt" dir="t"/>
-    </dgm:scene3d>
-    <dgm:sp3d/>
-    <dgm:txPr/>
-    <dgm:style>
-      <a:lnRef idx="2">
-        <a:scrgbClr r="0" g="0" b="0"/>
-      </a:lnRef>
-      <a:fillRef idx="1">
-        <a:scrgbClr r="0" g="0" b="0"/>
-      </a:fillRef>
-      <a:effectRef idx="0">
-        <a:scrgbClr r="0" g="0" b="0"/>
-      </a:effectRef>
-      <a:fontRef idx="minor">
-        <a:schemeClr val="lt1"/>
-      </a:fontRef>
-    </dgm:style>
-  </dgm:styleLbl>
-  <dgm:styleLbl name="node1">
-    <dgm:scene3d>
-      <a:camera prst="orthographicFront"/>
-      <a:lightRig rig="threePt" dir="t"/>
-    </dgm:scene3d>
-    <dgm:sp3d/>
-    <dgm:txPr/>
-    <dgm:style>
-      <a:lnRef idx="2">
-        <a:scrgbClr r="0" g="0" b="0"/>
-      </a:lnRef>
-      <a:fillRef idx="1">
-        <a:scrgbClr r="0" g="0" b="0"/>
-      </a:fillRef>
-      <a:effectRef idx="0">
-        <a:scrgbClr r="0" g="0" b="0"/>
-      </a:effectRef>
-      <a:fontRef idx="minor">
-        <a:schemeClr val="lt1"/>
-      </a:fontRef>
-    </dgm:style>
-  </dgm:styleLbl>
-  <dgm:styleLbl name="node2">
-    <dgm:scene3d>
-      <a:camera prst="orthographicFront"/>
-      <a:lightRig rig="threePt" dir="t"/>
-    </dgm:scene3d>
-    <dgm:sp3d/>
-    <dgm:txPr/>
-    <dgm:style>
-      <a:lnRef idx="2">
-        <a:scrgbClr r="0" g="0" b="0"/>
-      </a:lnRef>
-      <a:fillRef idx="1">
-        <a:scrgbClr r="0" g="0" b="0"/>
-      </a:fillRef>
-      <a:effectRef idx="0">
-        <a:scrgbClr r="0" g="0" b="0"/>
-      </a:effectRef>
-      <a:fontRef idx="minor">
-        <a:schemeClr val="lt1"/>
-      </a:fontRef>
-    </dgm:style>
-  </dgm:styleLbl>
-  <dgm:styleLbl name="node3">
-    <dgm:scene3d>
-      <a:camera prst="orthographicFront"/>
-      <a:lightRig rig="threePt" dir="t"/>
-    </dgm:scene3d>
-    <dgm:sp3d/>
-    <dgm:txPr/>
-    <dgm:style>
-      <a:lnRef idx="2">
-        <a:scrgbClr r="0" g="0" b="0"/>
-      </a:lnRef>
-      <a:fillRef idx="1">
-        <a:scrgbClr r="0" g="0" b="0"/>
-      </a:fillRef>
-      <a:effectRef idx="0">
-        <a:scrgbClr r="0" g="0" b="0"/>
-      </a:effectRef>
-      <a:fontRef idx="minor">
-        <a:schemeClr val="lt1"/>
-      </a:fontRef>
-    </dgm:style>
-  </dgm:styleLbl>
-  <dgm:styleLbl name="node4">
-    <dgm:scene3d>
-      <a:camera prst="orthographicFront"/>
-      <a:lightRig rig="threePt" dir="t"/>
-    </dgm:scene3d>
-    <dgm:sp3d/>
-    <dgm:txPr/>
-    <dgm:style>
-      <a:lnRef idx="2">
-        <a:scrgbClr r="0" g="0" b="0"/>
-      </a:lnRef>
-      <a:fillRef idx="1">
-        <a:scrgbClr r="0" g="0" b="0"/>
-      </a:fillRef>
-      <a:effectRef idx="0">
-        <a:scrgbClr r="0" g="0" b="0"/>
-      </a:effectRef>
-      <a:fontRef idx="minor">
-        <a:schemeClr val="lt1"/>
-      </a:fontRef>
-    </dgm:style>
-  </dgm:styleLbl>
-  <dgm:styleLbl name="fgImgPlace1">
-    <dgm:scene3d>
-      <a:camera prst="orthographicFront"/>
-      <a:lightRig rig="threePt" dir="t"/>
-    </dgm:scene3d>
-    <dgm:sp3d/>
-    <dgm:txPr/>
-    <dgm:style>
-      <a:lnRef idx="2">
-        <a:scrgbClr r="0" g="0" b="0"/>
-      </a:lnRef>
-      <a:fillRef idx="1">
-        <a:scrgbClr r="0" g="0" b="0"/>
-      </a:fillRef>
-      <a:effectRef idx="0">
-        <a:scrgbClr r="0" g="0" b="0"/>
-      </a:effectRef>
-      <a:fontRef idx="minor"/>
-    </dgm:style>
-  </dgm:styleLbl>
-  <dgm:styleLbl name="alignImgPlace1">
-    <dgm:scene3d>
-      <a:camera prst="orthographicFront"/>
-      <a:lightRig rig="threePt" dir="t"/>
-    </dgm:scene3d>
-    <dgm:sp3d/>
-    <dgm:txPr/>
-    <dgm:style>
-      <a:lnRef idx="2">
-        <a:scrgbClr r="0" g="0" b="0"/>
-      </a:lnRef>
-      <a:fillRef idx="1">
-        <a:scrgbClr r="0" g="0" b="0"/>
-      </a:fillRef>
-      <a:effectRef idx="0">
-        <a:scrgbClr r="0" g="0" b="0"/>
-      </a:effectRef>
-      <a:fontRef idx="minor"/>
-    </dgm:style>
-  </dgm:styleLbl>
-  <dgm:styleLbl name="bgImgPlace1">
-    <dgm:scene3d>
-      <a:camera prst="orthographicFront"/>
-      <a:lightRig rig="threePt" dir="t"/>
-    </dgm:scene3d>
-    <dgm:sp3d/>
-    <dgm:txPr/>
-    <dgm:style>
-      <a:lnRef idx="2">
-        <a:scrgbClr r="0" g="0" b="0"/>
-      </a:lnRef>
-      <a:fillRef idx="1">
-        <a:scrgbClr r="0" g="0" b="0"/>
-      </a:fillRef>
-      <a:effectRef idx="0">
-        <a:scrgbClr r="0" g="0" b="0"/>
-      </a:effectRef>
-      <a:fontRef idx="minor"/>
-    </dgm:style>
-  </dgm:styleLbl>
-  <dgm:styleLbl name="sibTrans2D1">
-    <dgm:scene3d>
-      <a:camera prst="orthographicFront"/>
-      <a:lightRig rig="threePt" dir="t"/>
-    </dgm:scene3d>
-    <dgm:sp3d/>
-    <dgm:txPr/>
-    <dgm:style>
-      <a:lnRef idx="0">
-        <a:scrgbClr r="0" g="0" b="0"/>
-      </a:lnRef>
-      <a:fillRef idx="1">
-        <a:scrgbClr r="0" g="0" b="0"/>
-      </a:fillRef>
-      <a:effectRef idx="0">
-        <a:scrgbClr r="0" g="0" b="0"/>
-      </a:effectRef>
-      <a:fontRef idx="minor">
-        <a:schemeClr val="lt1"/>
-      </a:fontRef>
-    </dgm:style>
-  </dgm:styleLbl>
-  <dgm:styleLbl name="fgSibTrans2D1">
-    <dgm:scene3d>
-      <a:camera prst="orthographicFront"/>
-      <a:lightRig rig="threePt" dir="t"/>
-    </dgm:scene3d>
-    <dgm:sp3d/>
-    <dgm:txPr/>
-    <dgm:style>
-      <a:lnRef idx="0">
-        <a:scrgbClr r="0" g="0" b="0"/>
-      </a:lnRef>
-      <a:fillRef idx="1">
-        <a:scrgbClr r="0" g="0" b="0"/>
-      </a:fillRef>
-      <a:effectRef idx="0">
-        <a:scrgbClr r="0" g="0" b="0"/>
-      </a:effectRef>
-      <a:fontRef idx="minor">
-        <a:schemeClr val="lt1"/>
-      </a:fontRef>
-    </dgm:style>
-  </dgm:styleLbl>
-  <dgm:styleLbl name="bgSibTrans2D1">
-    <dgm:scene3d>
-      <a:camera prst="orthographicFront"/>
-      <a:lightRig rig="threePt" dir="t"/>
-    </dgm:scene3d>
-    <dgm:sp3d/>
-    <dgm:txPr/>
-    <dgm:style>
-      <a:lnRef idx="0">
-        <a:scrgbClr r="0" g="0" b="0"/>
-      </a:lnRef>
-      <a:fillRef idx="1">
-        <a:scrgbClr r="0" g="0" b="0"/>
-      </a:fillRef>
-      <a:effectRef idx="0">
-        <a:scrgbClr r="0" g="0" b="0"/>
-      </a:effectRef>
-      <a:fontRef idx="minor">
-        <a:schemeClr val="lt1"/>
-      </a:fontRef>
-    </dgm:style>
-  </dgm:styleLbl>
-  <dgm:styleLbl name="sibTrans1D1">
-    <dgm:scene3d>
-      <a:camera prst="orthographicFront"/>
-      <a:lightRig rig="threePt" dir="t"/>
-    </dgm:scene3d>
-    <dgm:sp3d/>
-    <dgm:txPr/>
-    <dgm:style>
-      <a:lnRef idx="1">
-        <a:scrgbClr r="0" g="0" b="0"/>
-      </a:lnRef>
-      <a:fillRef idx="0">
-        <a:scrgbClr r="0" g="0" b="0"/>
-      </a:fillRef>
-      <a:effectRef idx="0">
-        <a:scrgbClr r="0" g="0" b="0"/>
-      </a:effectRef>
-      <a:fontRef idx="minor"/>
-    </dgm:style>
-  </dgm:styleLbl>
-  <dgm:styleLbl name="callout">
-    <dgm:scene3d>
-      <a:camera prst="orthographicFront"/>
-      <a:lightRig rig="threePt" dir="t"/>
-    </dgm:scene3d>
-    <dgm:sp3d/>
-    <dgm:txPr/>
-    <dgm:style>
-      <a:lnRef idx="2">
-        <a:scrgbClr r="0" g="0" b="0"/>
-      </a:lnRef>
-      <a:fillRef idx="1">
-        <a:scrgbClr r="0" g="0" b="0"/>
-      </a:fillRef>
-      <a:effectRef idx="0">
-        <a:scrgbClr r="0" g="0" b="0"/>
-      </a:effectRef>
-      <a:fontRef idx="minor"/>
-    </dgm:style>
-  </dgm:styleLbl>
-  <dgm:styleLbl name="asst0">
-    <dgm:scene3d>
-      <a:camera prst="orthographicFront"/>
-      <a:lightRig rig="threePt" dir="t"/>
-    </dgm:scene3d>
-    <dgm:sp3d/>
-    <dgm:txPr/>
-    <dgm:style>
-      <a:lnRef idx="2">
-        <a:scrgbClr r="0" g="0" b="0"/>
-      </a:lnRef>
-      <a:fillRef idx="1">
-        <a:scrgbClr r="0" g="0" b="0"/>
-      </a:fillRef>
-      <a:effectRef idx="0">
-        <a:scrgbClr r="0" g="0" b="0"/>
-      </a:effectRef>
-      <a:fontRef idx="minor">
-        <a:schemeClr val="lt1"/>
-      </a:fontRef>
-    </dgm:style>
-  </dgm:styleLbl>
-  <dgm:styleLbl name="asst1">
-    <dgm:scene3d>
-      <a:camera prst="orthographicFront"/>
-      <a:lightRig rig="threePt" dir="t"/>
-    </dgm:scene3d>
-    <dgm:sp3d/>
-    <dgm:txPr/>
-    <dgm:style>
-      <a:lnRef idx="2">
-        <a:scrgbClr r="0" g="0" b="0"/>
-      </a:lnRef>
-      <a:fillRef idx="1">
-        <a:scrgbClr r="0" g="0" b="0"/>
-      </a:fillRef>
-      <a:effectRef idx="0">
-        <a:scrgbClr r="0" g="0" b="0"/>
-      </a:effectRef>
-      <a:fontRef idx="minor">
-        <a:schemeClr val="lt1"/>
-      </a:fontRef>
-    </dgm:style>
-  </dgm:styleLbl>
-  <dgm:styleLbl name="asst2">
-    <dgm:scene3d>
-      <a:camera prst="orthographicFront"/>
-      <a:lightRig rig="threePt" dir="t"/>
-    </dgm:scene3d>
-    <dgm:sp3d/>
-    <dgm:txPr/>
-    <dgm:style>
-      <a:lnRef idx="2">
-        <a:scrgbClr r="0" g="0" b="0"/>
-      </a:lnRef>
-      <a:fillRef idx="1">
-        <a:scrgbClr r="0" g="0" b="0"/>
-      </a:fillRef>
-      <a:effectRef idx="0">
-        <a:scrgbClr r="0" g="0" b="0"/>
-      </a:effectRef>
-      <a:fontRef idx="minor">
-        <a:schemeClr val="lt1"/>
-      </a:fontRef>
-    </dgm:style>
-  </dgm:styleLbl>
-  <dgm:styleLbl name="asst3">
-    <dgm:scene3d>
-      <a:camera prst="orthographicFront"/>
-      <a:lightRig rig="threePt" dir="t"/>
-    </dgm:scene3d>
-    <dgm:sp3d/>
-    <dgm:txPr/>
-    <dgm:style>
-      <a:lnRef idx="2">
-        <a:scrgbClr r="0" g="0" b="0"/>
-      </a:lnRef>
-      <a:fillRef idx="1">
-        <a:scrgbClr r="0" g="0" b="0"/>
-      </a:fillRef>
-      <a:effectRef idx="0">
-        <a:scrgbClr r="0" g="0" b="0"/>
-      </a:effectRef>
-      <a:fontRef idx="minor">
-        <a:schemeClr val="lt1"/>
-      </a:fontRef>
-    </dgm:style>
-  </dgm:styleLbl>
-  <dgm:styleLbl name="asst4">
-    <dgm:scene3d>
-      <a:camera prst="orthographicFront"/>
-      <a:lightRig rig="threePt" dir="t"/>
-    </dgm:scene3d>
-    <dgm:sp3d/>
-    <dgm:txPr/>
-    <dgm:style>
-      <a:lnRef idx="2">
-        <a:scrgbClr r="0" g="0" b="0"/>
-      </a:lnRef>
-      <a:fillRef idx="1">
-        <a:scrgbClr r="0" g="0" b="0"/>
-      </a:fillRef>
-      <a:effectRef idx="0">
-        <a:scrgbClr r="0" g="0" b="0"/>
-      </a:effectRef>
-      <a:fontRef idx="minor">
-        <a:schemeClr val="lt1"/>
-      </a:fontRef>
-    </dgm:style>
-  </dgm:styleLbl>
-  <dgm:styleLbl name="parChTrans2D1">
-    <dgm:scene3d>
-      <a:camera prst="orthographicFront"/>
-      <a:lightRig rig="threePt" dir="t"/>
-    </dgm:scene3d>
-    <dgm:sp3d/>
-    <dgm:txPr/>
-    <dgm:style>
-      <a:lnRef idx="2">
-        <a:scrgbClr r="0" g="0" b="0"/>
-      </a:lnRef>
-      <a:fillRef idx="1">
-        <a:scrgbClr r="0" g="0" b="0"/>
-      </a:fillRef>
-      <a:effectRef idx="0">
-        <a:scrgbClr r="0" g="0" b="0"/>
-      </a:effectRef>
-      <a:fontRef idx="minor">
-        <a:schemeClr val="lt1"/>
-      </a:fontRef>
-    </dgm:style>
-  </dgm:styleLbl>
-  <dgm:styleLbl name="parChTrans2D2">
-    <dgm:scene3d>
-      <a:camera prst="orthographicFront"/>
-      <a:lightRig rig="threePt" dir="t"/>
-    </dgm:scene3d>
-    <dgm:sp3d/>
-    <dgm:txPr/>
-    <dgm:style>
-      <a:lnRef idx="2">
-        <a:scrgbClr r="0" g="0" b="0"/>
-      </a:lnRef>
-      <a:fillRef idx="1">
-        <a:scrgbClr r="0" g="0" b="0"/>
-      </a:fillRef>
-      <a:effectRef idx="0">
-        <a:scrgbClr r="0" g="0" b="0"/>
-      </a:effectRef>
-      <a:fontRef idx="minor">
-        <a:schemeClr val="lt1"/>
-      </a:fontRef>
-    </dgm:style>
-  </dgm:styleLbl>
-  <dgm:styleLbl name="parChTrans2D3">
-    <dgm:scene3d>
-      <a:camera prst="orthographicFront"/>
-      <a:lightRig rig="threePt" dir="t"/>
-    </dgm:scene3d>
-    <dgm:sp3d/>
-    <dgm:txPr/>
-    <dgm:style>
-      <a:lnRef idx="2">
-        <a:scrgbClr r="0" g="0" b="0"/>
-      </a:lnRef>
-      <a:fillRef idx="1">
-        <a:scrgbClr r="0" g="0" b="0"/>
-      </a:fillRef>
-      <a:effectRef idx="0">
-        <a:scrgbClr r="0" g="0" b="0"/>
-      </a:effectRef>
-      <a:fontRef idx="minor">
-        <a:schemeClr val="lt1"/>
-      </a:fontRef>
-    </dgm:style>
-  </dgm:styleLbl>
-  <dgm:styleLbl name="parChTrans2D4">
-    <dgm:scene3d>
-      <a:camera prst="orthographicFront"/>
-      <a:lightRig rig="threePt" dir="t"/>
-    </dgm:scene3d>
-    <dgm:sp3d/>
-    <dgm:txPr/>
-    <dgm:style>
-      <a:lnRef idx="2">
-        <a:scrgbClr r="0" g="0" b="0"/>
-      </a:lnRef>
-      <a:fillRef idx="1">
-        <a:scrgbClr r="0" g="0" b="0"/>
-      </a:fillRef>
-      <a:effectRef idx="0">
-        <a:scrgbClr r="0" g="0" b="0"/>
-      </a:effectRef>
-      <a:fontRef idx="minor">
-        <a:schemeClr val="lt1"/>
-      </a:fontRef>
-    </dgm:style>
-  </dgm:styleLbl>
-  <dgm:styleLbl name="parChTrans1D1">
-    <dgm:scene3d>
-      <a:camera prst="orthographicFront"/>
-      <a:lightRig rig="threePt" dir="t"/>
-    </dgm:scene3d>
-    <dgm:sp3d/>
-    <dgm:txPr/>
-    <dgm:style>
-      <a:lnRef idx="2">
-        <a:scrgbClr r="0" g="0" b="0"/>
-      </a:lnRef>
-      <a:fillRef idx="0">
-        <a:scrgbClr r="0" g="0" b="0"/>
-      </a:fillRef>
-      <a:effectRef idx="0">
-        <a:scrgbClr r="0" g="0" b="0"/>
-      </a:effectRef>
-      <a:fontRef idx="minor"/>
-    </dgm:style>
-  </dgm:styleLbl>
-  <dgm:styleLbl name="parChTrans1D2">
-    <dgm:scene3d>
-      <a:camera prst="orthographicFront"/>
-      <a:lightRig rig="threePt" dir="t"/>
-    </dgm:scene3d>
-    <dgm:sp3d/>
-    <dgm:txPr/>
-    <dgm:style>
-      <a:lnRef idx="2">
-        <a:scrgbClr r="0" g="0" b="0"/>
-      </a:lnRef>
-      <a:fillRef idx="0">
-        <a:scrgbClr r="0" g="0" b="0"/>
-      </a:fillRef>
-      <a:effectRef idx="0">
-        <a:scrgbClr r="0" g="0" b="0"/>
-      </a:effectRef>
-      <a:fontRef idx="minor"/>
-    </dgm:style>
-  </dgm:styleLbl>
-  <dgm:styleLbl name="parChTrans1D3">
-    <dgm:scene3d>
-      <a:camera prst="orthographicFront"/>
-      <a:lightRig rig="threePt" dir="t"/>
-    </dgm:scene3d>
-    <dgm:sp3d/>
-    <dgm:txPr/>
-    <dgm:style>
-      <a:lnRef idx="2">
-        <a:scrgbClr r="0" g="0" b="0"/>
-      </a:lnRef>
-      <a:fillRef idx="0">
-        <a:scrgbClr r="0" g="0" b="0"/>
-      </a:fillRef>
-      <a:effectRef idx="0">
-        <a:scrgbClr r="0" g="0" b="0"/>
-      </a:effectRef>
-      <a:fontRef idx="minor"/>
-    </dgm:style>
-  </dgm:styleLbl>
-  <dgm:styleLbl name="parChTrans1D4">
-    <dgm:scene3d>
-      <a:camera prst="orthographicFront"/>
-      <a:lightRig rig="threePt" dir="t"/>
-    </dgm:scene3d>
-    <dgm:sp3d/>
-    <dgm:txPr/>
-    <dgm:style>
-      <a:lnRef idx="2">
-        <a:scrgbClr r="0" g="0" b="0"/>
-      </a:lnRef>
-      <a:fillRef idx="0">
-        <a:scrgbClr r="0" g="0" b="0"/>
-      </a:fillRef>
-      <a:effectRef idx="0">
-        <a:scrgbClr r="0" g="0" b="0"/>
-      </a:effectRef>
-      <a:fontRef idx="minor"/>
-    </dgm:style>
-  </dgm:styleLbl>
-  <dgm:styleLbl name="fgAcc1">
-    <dgm:scene3d>
-      <a:camera prst="orthographicFront"/>
-      <a:lightRig rig="threePt" dir="t"/>
-    </dgm:scene3d>
-    <dgm:sp3d/>
-    <dgm:txPr/>
-    <dgm:style>
-      <a:lnRef idx="2">
-        <a:scrgbClr r="0" g="0" b="0"/>
-      </a:lnRef>
-      <a:fillRef idx="1">
-        <a:scrgbClr r="0" g="0" b="0"/>
-      </a:fillRef>
-      <a:effectRef idx="0">
-        <a:scrgbClr r="0" g="0" b="0"/>
-      </a:effectRef>
-      <a:fontRef idx="minor"/>
-    </dgm:style>
-  </dgm:styleLbl>
-  <dgm:styleLbl name="conFgAcc1">
-    <dgm:scene3d>
-      <a:camera prst="orthographicFront"/>
-      <a:lightRig rig="threePt" dir="t"/>
-    </dgm:scene3d>
-    <dgm:sp3d/>
-    <dgm:txPr/>
-    <dgm:style>
-      <a:lnRef idx="2">
-        <a:scrgbClr r="0" g="0" b="0"/>
-      </a:lnRef>
-      <a:fillRef idx="1">
-        <a:scrgbClr r="0" g="0" b="0"/>
-      </a:fillRef>
-      <a:effectRef idx="0">
-        <a:scrgbClr r="0" g="0" b="0"/>
-      </a:effectRef>
-      <a:fontRef idx="minor"/>
-    </dgm:style>
-  </dgm:styleLbl>
-  <dgm:styleLbl name="alignAcc1">
-    <dgm:scene3d>
-      <a:camera prst="orthographicFront"/>
-      <a:lightRig rig="threePt" dir="t"/>
-    </dgm:scene3d>
-    <dgm:sp3d/>
-    <dgm:txPr/>
-    <dgm:style>
-      <a:lnRef idx="2">
-        <a:scrgbClr r="0" g="0" b="0"/>
-      </a:lnRef>
-      <a:fillRef idx="1">
-        <a:scrgbClr r="0" g="0" b="0"/>
-      </a:fillRef>
-      <a:effectRef idx="0">
-        <a:scrgbClr r="0" g="0" b="0"/>
-      </a:effectRef>
-      <a:fontRef idx="minor"/>
-    </dgm:style>
-  </dgm:styleLbl>
-  <dgm:styleLbl name="trAlignAcc1">
-    <dgm:scene3d>
-      <a:camera prst="orthographicFront"/>
-      <a:lightRig rig="threePt" dir="t"/>
-    </dgm:scene3d>
-    <dgm:sp3d/>
-    <dgm:txPr/>
-    <dgm:style>
-      <a:lnRef idx="1">
-        <a:scrgbClr r="0" g="0" b="0"/>
-      </a:lnRef>
-      <a:fillRef idx="1">
-        <a:scrgbClr r="0" g="0" b="0"/>
-      </a:fillRef>
-      <a:effectRef idx="0">
-        <a:scrgbClr r="0" g="0" b="0"/>
-      </a:effectRef>
-      <a:fontRef idx="minor"/>
-    </dgm:style>
-  </dgm:styleLbl>
-  <dgm:styleLbl name="bgAcc1">
-    <dgm:scene3d>
-      <a:camera prst="orthographicFront"/>
-      <a:lightRig rig="threePt" dir="t"/>
-    </dgm:scene3d>
-    <dgm:sp3d/>
-    <dgm:txPr/>
-    <dgm:style>
-      <a:lnRef idx="2">
-        <a:scrgbClr r="0" g="0" b="0"/>
-      </a:lnRef>
-      <a:fillRef idx="1">
-        <a:scrgbClr r="0" g="0" b="0"/>
-      </a:fillRef>
-      <a:effectRef idx="0">
-        <a:scrgbClr r="0" g="0" b="0"/>
-      </a:effectRef>
-      <a:fontRef idx="minor"/>
-    </dgm:style>
-  </dgm:styleLbl>
-  <dgm:styleLbl name="solidFgAcc1">
-    <dgm:scene3d>
-      <a:camera prst="orthographicFront"/>
-      <a:lightRig rig="threePt" dir="t"/>
-    </dgm:scene3d>
-    <dgm:sp3d/>
-    <dgm:txPr/>
-    <dgm:style>
-      <a:lnRef idx="2">
-        <a:scrgbClr r="0" g="0" b="0"/>
-      </a:lnRef>
-      <a:fillRef idx="1">
-        <a:scrgbClr r="0" g="0" b="0"/>
-      </a:fillRef>
-      <a:effectRef idx="0">
-        <a:scrgbClr r="0" g="0" b="0"/>
-      </a:effectRef>
-      <a:fontRef idx="minor"/>
-    </dgm:style>
-  </dgm:styleLbl>
-  <dgm:styleLbl name="solidAlignAcc1">
-    <dgm:scene3d>
-      <a:camera prst="orthographicFront"/>
-      <a:lightRig rig="threePt" dir="t"/>
-    </dgm:scene3d>
-    <dgm:sp3d/>
-    <dgm:txPr/>
-    <dgm:style>
-      <a:lnRef idx="2">
-        <a:scrgbClr r="0" g="0" b="0"/>
-      </a:lnRef>
-      <a:fillRef idx="1">
-        <a:scrgbClr r="0" g="0" b="0"/>
-      </a:fillRef>
-      <a:effectRef idx="0">
-        <a:scrgbClr r="0" g="0" b="0"/>
-      </a:effectRef>
-      <a:fontRef idx="minor"/>
-    </dgm:style>
-  </dgm:styleLbl>
-  <dgm:styleLbl name="solidBgAcc1">
-    <dgm:scene3d>
-      <a:camera prst="orthographicFront"/>
-      <a:lightRig rig="threePt" dir="t"/>
-    </dgm:scene3d>
-    <dgm:sp3d/>
-    <dgm:txPr/>
-    <dgm:style>
-      <a:lnRef idx="2">
-        <a:scrgbClr r="0" g="0" b="0"/>
-      </a:lnRef>
-      <a:fillRef idx="1">
-        <a:scrgbClr r="0" g="0" b="0"/>
-      </a:fillRef>
-      <a:effectRef idx="0">
-        <a:scrgbClr r="0" g="0" b="0"/>
-      </a:effectRef>
-      <a:fontRef idx="minor"/>
-    </dgm:style>
-  </dgm:styleLbl>
-  <dgm:styleLbl name="fgAccFollowNode1">
-    <dgm:scene3d>
-      <a:camera prst="orthographicFront"/>
-      <a:lightRig rig="threePt" dir="t"/>
-    </dgm:scene3d>
-    <dgm:sp3d/>
-    <dgm:txPr/>
-    <dgm:style>
-      <a:lnRef idx="2">
-        <a:scrgbClr r="0" g="0" b="0"/>
-      </a:lnRef>
-      <a:fillRef idx="1">
-        <a:scrgbClr r="0" g="0" b="0"/>
-      </a:fillRef>
-      <a:effectRef idx="0">
-        <a:scrgbClr r="0" g="0" b="0"/>
-      </a:effectRef>
-      <a:fontRef idx="minor"/>
-    </dgm:style>
-  </dgm:styleLbl>
-  <dgm:styleLbl name="alignAccFollowNode1">
-    <dgm:scene3d>
-      <a:camera prst="orthographicFront"/>
-      <a:lightRig rig="threePt" dir="t"/>
-    </dgm:scene3d>
-    <dgm:sp3d/>
-    <dgm:txPr/>
-    <dgm:style>
-      <a:lnRef idx="2">
-        <a:scrgbClr r="0" g="0" b="0"/>
-      </a:lnRef>
-      <a:fillRef idx="1">
-        <a:scrgbClr r="0" g="0" b="0"/>
-      </a:fillRef>
-      <a:effectRef idx="0">
-        <a:scrgbClr r="0" g="0" b="0"/>
-      </a:effectRef>
-      <a:fontRef idx="minor"/>
-    </dgm:style>
-  </dgm:styleLbl>
-  <dgm:styleLbl name="bgAccFollowNode1">
-    <dgm:scene3d>
-      <a:camera prst="orthographicFront"/>
-      <a:lightRig rig="threePt" dir="t"/>
-    </dgm:scene3d>
-    <dgm:sp3d/>
-    <dgm:txPr/>
-    <dgm:style>
-      <a:lnRef idx="2">
-        <a:scrgbClr r="0" g="0" b="0"/>
-      </a:lnRef>
-      <a:fillRef idx="1">
-        <a:scrgbClr r="0" g="0" b="0"/>
-      </a:fillRef>
-      <a:effectRef idx="0">
-        <a:scrgbClr r="0" g="0" b="0"/>
-      </a:effectRef>
-      <a:fontRef idx="minor"/>
-    </dgm:style>
-  </dgm:styleLbl>
-  <dgm:styleLbl name="fgAcc0">
-    <dgm:scene3d>
-      <a:camera prst="orthographicFront"/>
-      <a:lightRig rig="threePt" dir="t"/>
-    </dgm:scene3d>
-    <dgm:sp3d/>
-    <dgm:txPr/>
-    <dgm:style>
-      <a:lnRef idx="2">
-        <a:scrgbClr r="0" g="0" b="0"/>
-      </a:lnRef>
-      <a:fillRef idx="1">
-        <a:scrgbClr r="0" g="0" b="0"/>
-      </a:fillRef>
-      <a:effectRef idx="0">
-        <a:scrgbClr r="0" g="0" b="0"/>
-      </a:effectRef>
-      <a:fontRef idx="minor"/>
-    </dgm:style>
-  </dgm:styleLbl>
-  <dgm:styleLbl name="fgAcc2">
-    <dgm:scene3d>
-      <a:camera prst="orthographicFront"/>
-      <a:lightRig rig="threePt" dir="t"/>
-    </dgm:scene3d>
-    <dgm:sp3d/>
-    <dgm:txPr/>
-    <dgm:style>
-      <a:lnRef idx="2">
-        <a:scrgbClr r="0" g="0" b="0"/>
-      </a:lnRef>
-      <a:fillRef idx="1">
-        <a:scrgbClr r="0" g="0" b="0"/>
-      </a:fillRef>
-      <a:effectRef idx="0">
-        <a:scrgbClr r="0" g="0" b="0"/>
-      </a:effectRef>
-      <a:fontRef idx="minor"/>
-    </dgm:style>
-  </dgm:styleLbl>
-  <dgm:styleLbl name="fgAcc3">
-    <dgm:scene3d>
-      <a:camera prst="orthographicFront"/>
-      <a:lightRig rig="threePt" dir="t"/>
-    </dgm:scene3d>
-    <dgm:sp3d/>
-    <dgm:txPr/>
-    <dgm:style>
-      <a:lnRef idx="2">
-        <a:scrgbClr r="0" g="0" b="0"/>
-      </a:lnRef>
-      <a:fillRef idx="1">
-        <a:scrgbClr r="0" g="0" b="0"/>
-      </a:fillRef>
-      <a:effectRef idx="0">
-        <a:scrgbClr r="0" g="0" b="0"/>
-      </a:effectRef>
-      <a:fontRef idx="minor"/>
-    </dgm:style>
-  </dgm:styleLbl>
-  <dgm:styleLbl name="fgAcc4">
-    <dgm:scene3d>
-      <a:camera prst="orthographicFront"/>
-      <a:lightRig rig="threePt" dir="t"/>
-    </dgm:scene3d>
-    <dgm:sp3d/>
-    <dgm:txPr/>
-    <dgm:style>
-      <a:lnRef idx="2">
-        <a:scrgbClr r="0" g="0" b="0"/>
-      </a:lnRef>
-      <a:fillRef idx="1">
-        <a:scrgbClr r="0" g="0" b="0"/>
-      </a:fillRef>
-      <a:effectRef idx="0">
-        <a:scrgbClr r="0" g="0" b="0"/>
-      </a:effectRef>
-      <a:fontRef idx="minor"/>
-    </dgm:style>
-  </dgm:styleLbl>
-  <dgm:styleLbl name="bgShp">
-    <dgm:scene3d>
-      <a:camera prst="orthographicFront"/>
-      <a:lightRig rig="threePt" dir="t"/>
-    </dgm:scene3d>
-    <dgm:sp3d/>
-    <dgm:txPr/>
-    <dgm:style>
-      <a:lnRef idx="0">
-        <a:scrgbClr r="0" g="0" b="0"/>
-      </a:lnRef>
-      <a:fillRef idx="1">
-        <a:scrgbClr r="0" g="0" b="0"/>
-      </a:fillRef>
-      <a:effectRef idx="0">
-        <a:scrgbClr r="0" g="0" b="0"/>
-      </a:effectRef>
-      <a:fontRef idx="minor"/>
-    </dgm:style>
-  </dgm:styleLbl>
-  <dgm:styleLbl name="dkBgShp">
-    <dgm:scene3d>
-      <a:camera prst="orthographicFront"/>
-      <a:lightRig rig="threePt" dir="t"/>
-    </dgm:scene3d>
-    <dgm:sp3d/>
-    <dgm:txPr/>
-    <dgm:style>
-      <a:lnRef idx="0">
-        <a:scrgbClr r="0" g="0" b="0"/>
-      </a:lnRef>
-      <a:fillRef idx="1">
-        <a:scrgbClr r="0" g="0" b="0"/>
-      </a:fillRef>
-      <a:effectRef idx="0">
-        <a:scrgbClr r="0" g="0" b="0"/>
-      </a:effectRef>
-      <a:fontRef idx="minor"/>
-    </dgm:style>
-  </dgm:styleLbl>
-  <dgm:styleLbl name="trBgShp">
-    <dgm:scene3d>
-      <a:camera prst="orthographicFront"/>
-      <a:lightRig rig="threePt" dir="t"/>
-    </dgm:scene3d>
-    <dgm:sp3d/>
-    <dgm:txPr/>
-    <dgm:style>
-      <a:lnRef idx="0">
-        <a:scrgbClr r="0" g="0" b="0"/>
-      </a:lnRef>
-      <a:fillRef idx="1">
-        <a:scrgbClr r="0" g="0" b="0"/>
-      </a:fillRef>
-      <a:effectRef idx="0">
-        <a:scrgbClr r="0" g="0" b="0"/>
-      </a:effectRef>
-      <a:fontRef idx="minor"/>
-    </dgm:style>
-  </dgm:styleLbl>
-  <dgm:styleLbl name="fgShp">
-    <dgm:scene3d>
-      <a:camera prst="orthographicFront"/>
-      <a:lightRig rig="threePt" dir="t"/>
-    </dgm:scene3d>
-    <dgm:sp3d/>
-    <dgm:txPr/>
-    <dgm:style>
-      <a:lnRef idx="2">
-        <a:scrgbClr r="0" g="0" b="0"/>
-      </a:lnRef>
-      <a:fillRef idx="1">
-        <a:scrgbClr r="0" g="0" b="0"/>
-      </a:fillRef>
-      <a:effectRef idx="0">
-        <a:scrgbClr r="0" g="0" b="0"/>
-      </a:effectRef>
-      <a:fontRef idx="minor"/>
-    </dgm:style>
-  </dgm:styleLbl>
-  <dgm:styleLbl name="revTx">
-    <dgm:scene3d>
-      <a:camera prst="orthographicFront"/>
-      <a:lightRig rig="threePt" dir="t"/>
-    </dgm:scene3d>
-    <dgm:sp3d/>
-    <dgm:txPr/>
-    <dgm:style>
-      <a:lnRef idx="0">
-        <a:scrgbClr r="0" g="0" b="0"/>
-      </a:lnRef>
-      <a:fillRef idx="0">
-        <a:scrgbClr r="0" g="0" b="0"/>
-      </a:fillRef>
-      <a:effectRef idx="0">
-        <a:scrgbClr r="0" g="0" b="0"/>
-      </a:effectRef>
-      <a:fontRef idx="minor"/>
-    </dgm:style>
-  </dgm:styleLbl>
-</dgm:styleDef>
-</file>
-
-<file path=ppt/diagrams/quickStyle2.xml><?xml version="1.0" encoding="utf-8"?>
 <dgm:styleDef xmlns:dgm="http://schemas.openxmlformats.org/drawingml/2006/diagram" xmlns:a="http://schemas.openxmlformats.org/drawingml/2006/main" uniqueId="urn:microsoft.com/office/officeart/2005/8/quickstyle/simple1">
   <dgm:title val=""/>
   <dgm:desc val=""/>
@@ -7415,7 +3412,7 @@
           <a:p>
             <a:fld id="{30E6E22E-288A-414B-A8DE-E4DBD03D5FC0}" type="datetimeFigureOut">
               <a:rPr lang="en-US"/>
-              <a:t>4/23/2021</a:t>
+              <a:t>5/11/2021</a:t>
             </a:fld>
             <a:endParaRPr/>
           </a:p>
@@ -7580,7 +3577,7 @@
           <a:p>
             <a:fld id="{39A9AE7E-E0F9-4C51-AD9A-F4C3A6E23BBF}" type="datetimeFigureOut">
               <a:rPr lang="en-US"/>
-              <a:t>4/23/2021</a:t>
+              <a:t>5/11/2021</a:t>
             </a:fld>
             <a:endParaRPr/>
           </a:p>
@@ -8083,7 +4080,7 @@
           <a:p>
             <a:fld id="{17CD0F8A-9FF7-4EB3-B118-86F0343E9566}" type="datetime1">
               <a:rPr lang="en-US" smtClean="0"/>
-              <a:t>4/23/2021</a:t>
+              <a:t>5/11/2021</a:t>
             </a:fld>
             <a:endParaRPr/>
           </a:p>
@@ -8696,7 +4693,7 @@
           <a:p>
             <a:fld id="{62E4939C-1774-4023-84CA-A30DD8A77FF3}" type="datetime1">
               <a:rPr lang="en-US" smtClean="0"/>
-              <a:t>4/23/2021</a:t>
+              <a:t>5/11/2021</a:t>
             </a:fld>
             <a:endParaRPr/>
           </a:p>
@@ -8909,7 +4906,7 @@
           <a:p>
             <a:fld id="{29E5F887-A66A-4935-81E9-D3E439BAF584}" type="datetime1">
               <a:rPr lang="en-US" smtClean="0"/>
-              <a:t>4/23/2021</a:t>
+              <a:t>5/11/2021</a:t>
             </a:fld>
             <a:endParaRPr/>
           </a:p>
@@ -9112,7 +5109,7 @@
           <a:p>
             <a:fld id="{3CD96609-60BC-4F4C-9D35-7F6D27AF6672}" type="datetime1">
               <a:rPr lang="en-US" smtClean="0"/>
-              <a:t>4/23/2021</a:t>
+              <a:t>5/11/2021</a:t>
             </a:fld>
             <a:endParaRPr/>
           </a:p>
@@ -9381,7 +5378,7 @@
           <a:p>
             <a:fld id="{1C1BE19A-C53C-4DB8-A1EC-7731ABD05050}" type="datetime1">
               <a:rPr lang="en-US" smtClean="0"/>
-              <a:t>4/23/2021</a:t>
+              <a:t>5/11/2021</a:t>
             </a:fld>
             <a:endParaRPr/>
           </a:p>
@@ -9894,7 +5891,7 @@
           <a:p>
             <a:fld id="{683DA85E-C068-43C3-BC73-AF3CB6A94DA0}" type="datetime1">
               <a:rPr lang="en-US" smtClean="0"/>
-              <a:t>4/23/2021</a:t>
+              <a:t>5/11/2021</a:t>
             </a:fld>
             <a:endParaRPr/>
           </a:p>
@@ -10359,7 +6356,7 @@
           <a:p>
             <a:fld id="{3D0B33AE-27D8-4108-B4B3-12FE53C9F27F}" type="datetime1">
               <a:rPr lang="en-US" smtClean="0"/>
-              <a:t>4/23/2021</a:t>
+              <a:t>5/11/2021</a:t>
             </a:fld>
             <a:endParaRPr/>
           </a:p>
@@ -10494,7 +6491,7 @@
           <a:p>
             <a:fld id="{852B6595-6869-4BE1-8274-EE05E144C14E}" type="datetime1">
               <a:rPr lang="en-US" smtClean="0"/>
-              <a:t>4/23/2021</a:t>
+              <a:t>5/11/2021</a:t>
             </a:fld>
             <a:endParaRPr/>
           </a:p>
@@ -10606,7 +6603,7 @@
           <a:p>
             <a:fld id="{90498F3E-0458-4626-81EF-16902A3D3845}" type="datetime1">
               <a:rPr lang="en-US" smtClean="0"/>
-              <a:t>4/23/2021</a:t>
+              <a:t>5/11/2021</a:t>
             </a:fld>
             <a:endParaRPr/>
           </a:p>
@@ -10904,7 +6901,7 @@
           <a:p>
             <a:fld id="{7F4DC5C0-F963-4F95-A706-3B553B0B9A71}" type="datetime1">
               <a:rPr lang="en-US" smtClean="0"/>
-              <a:t>4/23/2021</a:t>
+              <a:t>5/11/2021</a:t>
             </a:fld>
             <a:endParaRPr/>
           </a:p>
@@ -11232,7 +7229,7 @@
           <a:p>
             <a:fld id="{36D46C41-B7D3-41CB-8EF8-76D2459F4956}" type="datetime1">
               <a:rPr lang="en-US" smtClean="0"/>
-              <a:t>4/23/2021</a:t>
+              <a:t>5/11/2021</a:t>
             </a:fld>
             <a:endParaRPr/>
           </a:p>
@@ -11580,7 +7577,7 @@
           <a:p>
             <a:fld id="{9EE19342-8F11-4753-9C2C-FEE4F0AC99FD}" type="datetime1">
               <a:rPr lang="en-US" smtClean="0"/>
-              <a:t>4/23/2021</a:t>
+              <a:t>5/11/2021</a:t>
             </a:fld>
             <a:endParaRPr/>
           </a:p>
@@ -12285,7 +8282,7 @@
           <a:p>
             <a:fld id="{BB4E3CD0-8781-4766-AFB6-A2377BFA0AD2}" type="datetime1">
               <a:rPr lang="en-US" smtClean="0"/>
-              <a:t>4/23/2021</a:t>
+              <a:t>5/11/2021</a:t>
             </a:fld>
             <a:endParaRPr lang="en-US"/>
           </a:p>
@@ -12547,7 +8544,7 @@
           <a:p>
             <a:fld id="{578B69DD-3F93-4D4B-B4FC-FDE83077B988}" type="datetime1">
               <a:rPr lang="en-US" smtClean="0"/>
-              <a:t>4/23/2021</a:t>
+              <a:t>5/11/2021</a:t>
             </a:fld>
             <a:endParaRPr lang="en-US"/>
           </a:p>
@@ -12815,7 +8812,7 @@
           <a:p>
             <a:fld id="{F653C2CD-7549-4045-9286-35F556C8E673}" type="datetime1">
               <a:rPr lang="en-US" smtClean="0"/>
-              <a:t>4/23/2021</a:t>
+              <a:t>5/11/2021</a:t>
             </a:fld>
             <a:endParaRPr lang="en-US"/>
           </a:p>
@@ -13046,7 +9043,7 @@
           <a:p>
             <a:fld id="{683B12F7-AFC4-4D33-A762-58FE474F2158}" type="datetime1">
               <a:rPr lang="en-US" smtClean="0"/>
-              <a:t>4/23/2021</a:t>
+              <a:t>5/11/2021</a:t>
             </a:fld>
             <a:endParaRPr lang="en-US"/>
           </a:p>
@@ -13354,7 +9351,7 @@
           <a:p>
             <a:fld id="{37209AC5-0E04-494C-BDFA-69321042D851}" type="datetime1">
               <a:rPr lang="en-US" smtClean="0"/>
-              <a:t>4/23/2021</a:t>
+              <a:t>5/11/2021</a:t>
             </a:fld>
             <a:endParaRPr lang="en-US"/>
           </a:p>
@@ -13601,7 +9598,7 @@
           <a:p>
             <a:fld id="{2FCD7435-19C5-4CEE-B14F-E7BA4CA397C9}" type="datetime1">
               <a:rPr lang="en-US" smtClean="0"/>
-              <a:t>4/23/2021</a:t>
+              <a:t>5/11/2021</a:t>
             </a:fld>
             <a:endParaRPr lang="en-US"/>
           </a:p>
@@ -13833,7 +9830,7 @@
           <a:p>
             <a:fld id="{D3C39A28-57ED-483C-B7E1-D303633E1EBA}" type="datetime1">
               <a:rPr lang="en-US" smtClean="0"/>
-              <a:t>4/23/2021</a:t>
+              <a:t>5/11/2021</a:t>
             </a:fld>
             <a:endParaRPr lang="en-US"/>
           </a:p>
@@ -14061,7 +10058,7 @@
           <a:p>
             <a:fld id="{915638F5-1EE1-4ABC-9A56-88311B149889}" type="datetime1">
               <a:rPr lang="en-US" smtClean="0"/>
-              <a:t>4/23/2021</a:t>
+              <a:t>5/11/2021</a:t>
             </a:fld>
             <a:endParaRPr lang="en-US"/>
           </a:p>
@@ -14589,7 +10586,7 @@
           <a:p>
             <a:fld id="{D30A3C1E-34EE-4584-A4D0-898EE21B566C}" type="datetime1">
               <a:rPr lang="en-US" smtClean="0"/>
-              <a:t>4/23/2021</a:t>
+              <a:t>5/11/2021</a:t>
             </a:fld>
             <a:endParaRPr lang="en-US"/>
           </a:p>
@@ -14829,7 +10826,7 @@
           <a:p>
             <a:fld id="{368665CA-B959-4ADE-8E30-BD2C6C23711D}" type="datetime1">
               <a:rPr lang="en-US" smtClean="0"/>
-              <a:t>4/23/2021</a:t>
+              <a:t>5/11/2021</a:t>
             </a:fld>
             <a:endParaRPr lang="en-US"/>
           </a:p>
@@ -15429,7 +11426,7 @@
           <a:p>
             <a:fld id="{77DB14D3-86C9-4B29-A2A2-9A23CC288BA9}" type="datetime1">
               <a:rPr lang="en-US" smtClean="0"/>
-              <a:t>4/23/2021</a:t>
+              <a:t>5/11/2021</a:t>
             </a:fld>
             <a:endParaRPr lang="en-US"/>
           </a:p>
@@ -15683,7 +11680,7 @@
           <a:p>
             <a:fld id="{63C80096-96B6-49FC-9A90-A1068137A4C8}" type="datetime1">
               <a:rPr lang="en-US" smtClean="0"/>
-              <a:t>4/23/2021</a:t>
+              <a:t>5/11/2021</a:t>
             </a:fld>
             <a:endParaRPr lang="en-US"/>
           </a:p>
@@ -15913,7 +11910,7 @@
           <a:p>
             <a:fld id="{27E9A560-1E3C-45BB-8AFD-EFA61FF6F1CB}" type="datetime1">
               <a:rPr lang="en-US" smtClean="0"/>
-              <a:t>4/23/2021</a:t>
+              <a:t>5/11/2021</a:t>
             </a:fld>
             <a:endParaRPr lang="en-US"/>
           </a:p>
@@ -16166,7 +12163,7 @@
           <a:p>
             <a:fld id="{AE953B05-7A49-43AC-A1CC-DF3079AB73E4}" type="datetime1">
               <a:rPr lang="en-US" smtClean="0"/>
-              <a:t>4/23/2021</a:t>
+              <a:t>5/11/2021</a:t>
             </a:fld>
             <a:endParaRPr lang="en-US"/>
           </a:p>
@@ -16438,7 +12435,7 @@
           <a:p>
             <a:fld id="{1C43BD23-DB44-45DB-82BB-DD89D3F363E1}" type="datetime1">
               <a:rPr lang="en-US" smtClean="0"/>
-              <a:t>4/23/2021</a:t>
+              <a:t>5/11/2021</a:t>
             </a:fld>
             <a:endParaRPr lang="en-US"/>
           </a:p>
@@ -16677,7 +12674,7 @@
           <a:p>
             <a:fld id="{AFA74C4B-EC86-45E8-91AF-99510CE8E93A}" type="datetime1">
               <a:rPr lang="en-US" smtClean="0"/>
-              <a:t>4/23/2021</a:t>
+              <a:t>5/11/2021</a:t>
             </a:fld>
             <a:endParaRPr lang="en-US"/>
           </a:p>
@@ -16950,7 +12947,7 @@
           <a:p>
             <a:fld id="{CAAA3C3D-06BB-4792-9135-C2B633862477}" type="datetime1">
               <a:rPr lang="en-US" smtClean="0"/>
-              <a:t>4/23/2021</a:t>
+              <a:t>5/11/2021</a:t>
             </a:fld>
             <a:endParaRPr lang="en-US"/>
           </a:p>
@@ -17197,7 +13194,7 @@
           <a:p>
             <a:fld id="{B4D6B58D-AF26-48E2-8107-AC5728FFB351}" type="datetime1">
               <a:rPr lang="en-US" smtClean="0"/>
-              <a:t>4/23/2021</a:t>
+              <a:t>5/11/2021</a:t>
             </a:fld>
             <a:endParaRPr lang="en-US"/>
           </a:p>
@@ -17430,7 +13427,7 @@
           <a:p>
             <a:fld id="{FC8F144B-AF36-4524-A2DB-BF5BAE474BB3}" type="datetime1">
               <a:rPr lang="en-US" smtClean="0"/>
-              <a:t>4/23/2021</a:t>
+              <a:t>5/11/2021</a:t>
             </a:fld>
             <a:endParaRPr lang="en-US"/>
           </a:p>
@@ -17679,7 +13676,7 @@
           <a:p>
             <a:fld id="{C4522661-35C3-448F-8C9E-46D1ECE2385A}" type="datetime1">
               <a:rPr lang="en-US" smtClean="0"/>
-              <a:t>4/23/2021</a:t>
+              <a:t>5/11/2021</a:t>
             </a:fld>
             <a:endParaRPr lang="en-US"/>
           </a:p>
@@ -17939,7 +13936,7 @@
           <a:p>
             <a:fld id="{BAD8E409-D040-460A-9DB1-66AE81CD52EB}" type="datetime1">
               <a:rPr lang="en-US" smtClean="0"/>
-              <a:t>4/23/2021</a:t>
+              <a:t>5/11/2021</a:t>
             </a:fld>
             <a:endParaRPr lang="en-US"/>
           </a:p>
@@ -18793,7 +14790,7 @@
           <a:p>
             <a:fld id="{ED235C29-D5BE-467C-A3D6-62A7A8A5D1B5}" type="datetime1">
               <a:rPr lang="en-US" smtClean="0"/>
-              <a:t>4/23/2021</a:t>
+              <a:t>5/11/2021</a:t>
             </a:fld>
             <a:endParaRPr lang="en-US"/>
           </a:p>
@@ -19067,7 +15064,7 @@
           <a:p>
             <a:fld id="{6CAE6929-C2A3-4F26-BA07-84FD6F68956D}" type="datetime1">
               <a:rPr lang="en-US" smtClean="0"/>
-              <a:t>4/23/2021</a:t>
+              <a:t>5/11/2021</a:t>
             </a:fld>
             <a:endParaRPr lang="en-US"/>
           </a:p>
@@ -19326,7 +15323,7 @@
           <a:p>
             <a:fld id="{C0C3FCB2-60F9-41D6-B236-A4115DB79D8E}" type="datetime1">
               <a:rPr lang="en-US" smtClean="0"/>
-              <a:t>4/23/2021</a:t>
+              <a:t>5/11/2021</a:t>
             </a:fld>
             <a:endParaRPr lang="en-US"/>
           </a:p>
@@ -19587,7 +15584,7 @@
           <a:p>
             <a:fld id="{C0C3FCB2-60F9-41D6-B236-A4115DB79D8E}" type="datetime1">
               <a:rPr lang="en-US" smtClean="0"/>
-              <a:t>4/23/2021</a:t>
+              <a:t>5/11/2021</a:t>
             </a:fld>
             <a:endParaRPr lang="en-US"/>
           </a:p>
@@ -19815,7 +15812,7 @@
           <a:p>
             <a:fld id="{DD3832EA-B856-4F2B-88F1-09CAF0EE025C}" type="datetime1">
               <a:rPr lang="en-US" smtClean="0"/>
-              <a:t>4/23/2021</a:t>
+              <a:t>5/11/2021</a:t>
             </a:fld>
             <a:endParaRPr lang="en-US"/>
           </a:p>
@@ -20073,7 +16070,7 @@
           <a:p>
             <a:fld id="{DD3832EA-B856-4F2B-88F1-09CAF0EE025C}" type="datetime1">
               <a:rPr lang="en-US" smtClean="0"/>
-              <a:t>4/23/2021</a:t>
+              <a:t>5/11/2021</a:t>
             </a:fld>
             <a:endParaRPr lang="en-US"/>
           </a:p>
@@ -20292,7 +16289,7 @@
           <a:p>
             <a:fld id="{DD3832EA-B856-4F2B-88F1-09CAF0EE025C}" type="datetime1">
               <a:rPr lang="en-US" smtClean="0"/>
-              <a:t>4/23/2021</a:t>
+              <a:t>5/11/2021</a:t>
             </a:fld>
             <a:endParaRPr lang="en-US"/>
           </a:p>
@@ -20819,7 +16816,7 @@
           <a:p>
             <a:fld id="{DD3832EA-B856-4F2B-88F1-09CAF0EE025C}" type="datetime1">
               <a:rPr lang="en-US" smtClean="0"/>
-              <a:t>4/23/2021</a:t>
+              <a:t>5/11/2021</a:t>
             </a:fld>
             <a:endParaRPr lang="en-US"/>
           </a:p>
@@ -21058,7 +17055,7 @@
           <a:p>
             <a:fld id="{DD3832EA-B856-4F2B-88F1-09CAF0EE025C}" type="datetime1">
               <a:rPr lang="en-US" smtClean="0"/>
-              <a:t>4/23/2021</a:t>
+              <a:t>5/11/2021</a:t>
             </a:fld>
             <a:endParaRPr lang="en-US"/>
           </a:p>
@@ -21126,409 +17123,6 @@
     <p:extLst>
       <p:ext uri="{BB962C8B-B14F-4D97-AF65-F5344CB8AC3E}">
         <p14:creationId xmlns:p14="http://schemas.microsoft.com/office/powerpoint/2010/main" val="1473819759"/>
-      </p:ext>
-    </p:extLst>
-  </p:cSld>
-  <p:clrMapOvr>
-    <a:masterClrMapping/>
-  </p:clrMapOvr>
-  <mc:AlternateContent xmlns:mc="http://schemas.openxmlformats.org/markup-compatibility/2006" xmlns:p14="http://schemas.microsoft.com/office/powerpoint/2010/main">
-    <mc:Choice Requires="p14">
-      <p:transition spd="med" p14:dur="700">
-        <p:fade/>
-      </p:transition>
-    </mc:Choice>
-    <mc:Fallback xmlns="">
-      <p:transition spd="med">
-        <p:fade/>
-      </p:transition>
-    </mc:Fallback>
-  </mc:AlternateContent>
-</p:sld>
-</file>
-
-<file path=ppt/slides/slide38.xml><?xml version="1.0" encoding="utf-8"?>
-<p:sld xmlns:a="http://schemas.openxmlformats.org/drawingml/2006/main" xmlns:r="http://schemas.openxmlformats.org/officeDocument/2006/relationships" xmlns:p="http://schemas.openxmlformats.org/presentationml/2006/main">
-  <p:cSld>
-    <p:spTree>
-      <p:nvGrpSpPr>
-        <p:cNvPr id="1" name=""/>
-        <p:cNvGrpSpPr/>
-        <p:nvPr/>
-      </p:nvGrpSpPr>
-      <p:grpSpPr>
-        <a:xfrm>
-          <a:off x="0" y="0"/>
-          <a:ext cx="0" cy="0"/>
-          <a:chOff x="0" y="0"/>
-          <a:chExt cx="0" cy="0"/>
-        </a:xfrm>
-      </p:grpSpPr>
-      <p:sp>
-        <p:nvSpPr>
-          <p:cNvPr id="2" name="Title 1">
-            <a:extLst>
-              <a:ext uri="{FF2B5EF4-FFF2-40B4-BE49-F238E27FC236}">
-                <a16:creationId xmlns:a16="http://schemas.microsoft.com/office/drawing/2014/main" id="{69A7DB9A-67A7-48B2-821D-A51FB7239519}"/>
-              </a:ext>
-            </a:extLst>
-          </p:cNvPr>
-          <p:cNvSpPr>
-            <a:spLocks noGrp="1"/>
-          </p:cNvSpPr>
-          <p:nvPr>
-            <p:ph type="title"/>
-          </p:nvPr>
-        </p:nvSpPr>
-        <p:spPr/>
-        <p:txBody>
-          <a:bodyPr/>
-          <a:lstStyle/>
-          <a:p>
-            <a:r>
-              <a:rPr lang="en-US" dirty="0"/>
-              <a:t>Characteristics </a:t>
-            </a:r>
-          </a:p>
-        </p:txBody>
-      </p:sp>
-      <p:sp>
-        <p:nvSpPr>
-          <p:cNvPr id="3" name="Content Placeholder 2">
-            <a:extLst>
-              <a:ext uri="{FF2B5EF4-FFF2-40B4-BE49-F238E27FC236}">
-                <a16:creationId xmlns:a16="http://schemas.microsoft.com/office/drawing/2014/main" id="{EA6F77A5-AC77-4CD9-9B46-52B2B08BBE51}"/>
-              </a:ext>
-            </a:extLst>
-          </p:cNvPr>
-          <p:cNvSpPr>
-            <a:spLocks noGrp="1"/>
-          </p:cNvSpPr>
-          <p:nvPr>
-            <p:ph idx="1"/>
-          </p:nvPr>
-        </p:nvSpPr>
-        <p:spPr/>
-        <p:txBody>
-          <a:bodyPr/>
-          <a:lstStyle/>
-          <a:p>
-            <a:r>
-              <a:rPr lang="en-US" dirty="0"/>
-              <a:t>Components difference </a:t>
-            </a:r>
-          </a:p>
-          <a:p>
-            <a:r>
-              <a:rPr lang="en-US" dirty="0"/>
-              <a:t>User and application can interact within the DS in consistent and uniform way, regardless of where and when interaction takes place </a:t>
-            </a:r>
-          </a:p>
-          <a:p>
-            <a:r>
-              <a:rPr lang="en-US" dirty="0"/>
-              <a:t>Easy to expand and scale </a:t>
-            </a:r>
-          </a:p>
-          <a:p>
-            <a:r>
-              <a:rPr lang="en-US" dirty="0"/>
-              <a:t>Continuous available even so parts are out </a:t>
-            </a:r>
-          </a:p>
-          <a:p>
-            <a:r>
-              <a:rPr lang="en-US" dirty="0"/>
-              <a:t>Hide how  the above takes place form users</a:t>
-            </a:r>
-          </a:p>
-          <a:p>
-            <a:r>
-              <a:rPr lang="en-US" dirty="0"/>
-              <a:t>Sometimes DS called as middleware </a:t>
-            </a:r>
-          </a:p>
-          <a:p>
-            <a:endParaRPr lang="en-US" dirty="0"/>
-          </a:p>
-          <a:p>
-            <a:endParaRPr lang="en-US" dirty="0"/>
-          </a:p>
-        </p:txBody>
-      </p:sp>
-      <p:sp>
-        <p:nvSpPr>
-          <p:cNvPr id="4" name="Date Placeholder 3">
-            <a:extLst>
-              <a:ext uri="{FF2B5EF4-FFF2-40B4-BE49-F238E27FC236}">
-                <a16:creationId xmlns:a16="http://schemas.microsoft.com/office/drawing/2014/main" id="{EFB00AA1-FD90-4642-9859-C6C71346F3B6}"/>
-              </a:ext>
-            </a:extLst>
-          </p:cNvPr>
-          <p:cNvSpPr>
-            <a:spLocks noGrp="1"/>
-          </p:cNvSpPr>
-          <p:nvPr>
-            <p:ph type="dt" sz="half" idx="10"/>
-          </p:nvPr>
-        </p:nvSpPr>
-        <p:spPr/>
-        <p:txBody>
-          <a:bodyPr/>
-          <a:lstStyle/>
-          <a:p>
-            <a:fld id="{44496157-8E71-42C5-AF57-258DE2C82B3C}" type="datetime1">
-              <a:rPr lang="en-US" smtClean="0"/>
-              <a:t>4/23/2021</a:t>
-            </a:fld>
-            <a:endParaRPr lang="en-US"/>
-          </a:p>
-        </p:txBody>
-      </p:sp>
-      <p:sp>
-        <p:nvSpPr>
-          <p:cNvPr id="5" name="Footer Placeholder 4">
-            <a:extLst>
-              <a:ext uri="{FF2B5EF4-FFF2-40B4-BE49-F238E27FC236}">
-                <a16:creationId xmlns:a16="http://schemas.microsoft.com/office/drawing/2014/main" id="{3FC6FDA4-AC68-4963-941B-49B07F16F93C}"/>
-              </a:ext>
-            </a:extLst>
-          </p:cNvPr>
-          <p:cNvSpPr>
-            <a:spLocks noGrp="1"/>
-          </p:cNvSpPr>
-          <p:nvPr>
-            <p:ph type="ftr" sz="quarter" idx="11"/>
-          </p:nvPr>
-        </p:nvSpPr>
-        <p:spPr/>
-        <p:txBody>
-          <a:bodyPr/>
-          <a:lstStyle/>
-          <a:p>
-            <a:r>
-              <a:rPr lang="en-US"/>
-              <a:t>Indroduction to distributed systems</a:t>
-            </a:r>
-          </a:p>
-        </p:txBody>
-      </p:sp>
-      <p:sp>
-        <p:nvSpPr>
-          <p:cNvPr id="6" name="Slide Number Placeholder 5">
-            <a:extLst>
-              <a:ext uri="{FF2B5EF4-FFF2-40B4-BE49-F238E27FC236}">
-                <a16:creationId xmlns:a16="http://schemas.microsoft.com/office/drawing/2014/main" id="{FE8C0125-3D29-4CD4-BFD5-CB748EA0B4E7}"/>
-              </a:ext>
-            </a:extLst>
-          </p:cNvPr>
-          <p:cNvSpPr>
-            <a:spLocks noGrp="1"/>
-          </p:cNvSpPr>
-          <p:nvPr>
-            <p:ph type="sldNum" sz="quarter" idx="12"/>
-          </p:nvPr>
-        </p:nvSpPr>
-        <p:spPr/>
-        <p:txBody>
-          <a:bodyPr/>
-          <a:lstStyle/>
-          <a:p>
-            <a:fld id="{DF28FB93-0A08-4E7D-8E63-9EFA29F1E093}" type="slidenum">
-              <a:rPr lang="en-US" smtClean="0"/>
-              <a:pPr/>
-              <a:t>38</a:t>
-            </a:fld>
-            <a:endParaRPr lang="en-US"/>
-          </a:p>
-        </p:txBody>
-      </p:sp>
-    </p:spTree>
-    <p:extLst>
-      <p:ext uri="{BB962C8B-B14F-4D97-AF65-F5344CB8AC3E}">
-        <p14:creationId xmlns:p14="http://schemas.microsoft.com/office/powerpoint/2010/main" val="1763801773"/>
-      </p:ext>
-    </p:extLst>
-  </p:cSld>
-  <p:clrMapOvr>
-    <a:masterClrMapping/>
-  </p:clrMapOvr>
-  <mc:AlternateContent xmlns:mc="http://schemas.openxmlformats.org/markup-compatibility/2006" xmlns:p14="http://schemas.microsoft.com/office/powerpoint/2010/main">
-    <mc:Choice Requires="p14">
-      <p:transition spd="med" p14:dur="700">
-        <p:fade/>
-      </p:transition>
-    </mc:Choice>
-    <mc:Fallback xmlns="">
-      <p:transition spd="med">
-        <p:fade/>
-      </p:transition>
-    </mc:Fallback>
-  </mc:AlternateContent>
-</p:sld>
-</file>
-
-<file path=ppt/slides/slide39.xml><?xml version="1.0" encoding="utf-8"?>
-<p:sld xmlns:a="http://schemas.openxmlformats.org/drawingml/2006/main" xmlns:r="http://schemas.openxmlformats.org/officeDocument/2006/relationships" xmlns:p="http://schemas.openxmlformats.org/presentationml/2006/main">
-  <p:cSld>
-    <p:spTree>
-      <p:nvGrpSpPr>
-        <p:cNvPr id="1" name=""/>
-        <p:cNvGrpSpPr/>
-        <p:nvPr/>
-      </p:nvGrpSpPr>
-      <p:grpSpPr>
-        <a:xfrm>
-          <a:off x="0" y="0"/>
-          <a:ext cx="0" cy="0"/>
-          <a:chOff x="0" y="0"/>
-          <a:chExt cx="0" cy="0"/>
-        </a:xfrm>
-      </p:grpSpPr>
-      <p:sp>
-        <p:nvSpPr>
-          <p:cNvPr id="2" name="Title 1">
-            <a:extLst>
-              <a:ext uri="{FF2B5EF4-FFF2-40B4-BE49-F238E27FC236}">
-                <a16:creationId xmlns:a16="http://schemas.microsoft.com/office/drawing/2014/main" id="{CD9FA55F-F66F-47BE-9290-64304F2243CE}"/>
-              </a:ext>
-            </a:extLst>
-          </p:cNvPr>
-          <p:cNvSpPr>
-            <a:spLocks noGrp="1"/>
-          </p:cNvSpPr>
-          <p:nvPr>
-            <p:ph type="title"/>
-          </p:nvPr>
-        </p:nvSpPr>
-        <p:spPr/>
-        <p:txBody>
-          <a:bodyPr/>
-          <a:lstStyle/>
-          <a:p>
-            <a:endParaRPr lang="en-US"/>
-          </a:p>
-        </p:txBody>
-      </p:sp>
-      <p:sp>
-        <p:nvSpPr>
-          <p:cNvPr id="3" name="Content Placeholder 2">
-            <a:extLst>
-              <a:ext uri="{FF2B5EF4-FFF2-40B4-BE49-F238E27FC236}">
-                <a16:creationId xmlns:a16="http://schemas.microsoft.com/office/drawing/2014/main" id="{716BA2B3-ED4B-4B56-82B9-E91E52502B62}"/>
-              </a:ext>
-            </a:extLst>
-          </p:cNvPr>
-          <p:cNvSpPr>
-            <a:spLocks noGrp="1"/>
-          </p:cNvSpPr>
-          <p:nvPr>
-            <p:ph idx="1"/>
-          </p:nvPr>
-        </p:nvSpPr>
-        <p:spPr/>
-        <p:txBody>
-          <a:bodyPr/>
-          <a:lstStyle/>
-          <a:p>
-            <a:r>
-              <a:rPr lang="en-US" dirty="0"/>
-              <a:t>DSs , particularly Web and Internet based applications and services, are of unprecedented interest and importance. </a:t>
-            </a:r>
-          </a:p>
-        </p:txBody>
-      </p:sp>
-      <p:sp>
-        <p:nvSpPr>
-          <p:cNvPr id="4" name="Date Placeholder 3">
-            <a:extLst>
-              <a:ext uri="{FF2B5EF4-FFF2-40B4-BE49-F238E27FC236}">
-                <a16:creationId xmlns:a16="http://schemas.microsoft.com/office/drawing/2014/main" id="{215F7F8D-9310-4CE0-B068-BBD52A45FF4F}"/>
-              </a:ext>
-            </a:extLst>
-          </p:cNvPr>
-          <p:cNvSpPr>
-            <a:spLocks noGrp="1"/>
-          </p:cNvSpPr>
-          <p:nvPr>
-            <p:ph type="dt" sz="half" idx="10"/>
-          </p:nvPr>
-        </p:nvSpPr>
-        <p:spPr/>
-        <p:txBody>
-          <a:bodyPr/>
-          <a:lstStyle/>
-          <a:p>
-            <a:fld id="{7C5EFC2F-76E4-4767-A090-DFD8675F1E42}" type="datetime1">
-              <a:rPr lang="en-US" smtClean="0"/>
-              <a:t>4/23/2021</a:t>
-            </a:fld>
-            <a:endParaRPr lang="en-US"/>
-          </a:p>
-        </p:txBody>
-      </p:sp>
-      <p:sp>
-        <p:nvSpPr>
-          <p:cNvPr id="5" name="Footer Placeholder 4">
-            <a:extLst>
-              <a:ext uri="{FF2B5EF4-FFF2-40B4-BE49-F238E27FC236}">
-                <a16:creationId xmlns:a16="http://schemas.microsoft.com/office/drawing/2014/main" id="{C8AFE752-BCC7-4FB2-BE26-2489F922D12D}"/>
-              </a:ext>
-            </a:extLst>
-          </p:cNvPr>
-          <p:cNvSpPr>
-            <a:spLocks noGrp="1"/>
-          </p:cNvSpPr>
-          <p:nvPr>
-            <p:ph type="ftr" sz="quarter" idx="11"/>
-          </p:nvPr>
-        </p:nvSpPr>
-        <p:spPr/>
-        <p:txBody>
-          <a:bodyPr/>
-          <a:lstStyle/>
-          <a:p>
-            <a:r>
-              <a:rPr lang="en-US"/>
-              <a:t>Indroduction to distributed systems</a:t>
-            </a:r>
-          </a:p>
-        </p:txBody>
-      </p:sp>
-      <p:sp>
-        <p:nvSpPr>
-          <p:cNvPr id="6" name="Slide Number Placeholder 5">
-            <a:extLst>
-              <a:ext uri="{FF2B5EF4-FFF2-40B4-BE49-F238E27FC236}">
-                <a16:creationId xmlns:a16="http://schemas.microsoft.com/office/drawing/2014/main" id="{C38424FE-E457-497B-BF6B-DCD031CB6113}"/>
-              </a:ext>
-            </a:extLst>
-          </p:cNvPr>
-          <p:cNvSpPr>
-            <a:spLocks noGrp="1"/>
-          </p:cNvSpPr>
-          <p:nvPr>
-            <p:ph type="sldNum" sz="quarter" idx="12"/>
-          </p:nvPr>
-        </p:nvSpPr>
-        <p:spPr/>
-        <p:txBody>
-          <a:bodyPr/>
-          <a:lstStyle/>
-          <a:p>
-            <a:fld id="{DF28FB93-0A08-4E7D-8E63-9EFA29F1E093}" type="slidenum">
-              <a:rPr lang="en-US" smtClean="0"/>
-              <a:pPr/>
-              <a:t>39</a:t>
-            </a:fld>
-            <a:endParaRPr lang="en-US"/>
-          </a:p>
-        </p:txBody>
-      </p:sp>
-    </p:spTree>
-    <p:extLst>
-      <p:ext uri="{BB962C8B-B14F-4D97-AF65-F5344CB8AC3E}">
-        <p14:creationId xmlns:p14="http://schemas.microsoft.com/office/powerpoint/2010/main" val="2574156807"/>
       </p:ext>
     </p:extLst>
   </p:cSld>
@@ -21719,7 +17313,7 @@
           <a:p>
             <a:fld id="{FCD4D40E-D457-405C-9C26-315A256EB33D}" type="datetime1">
               <a:rPr lang="en-US" smtClean="0"/>
-              <a:t>4/23/2021</a:t>
+              <a:t>5/11/2021</a:t>
             </a:fld>
             <a:endParaRPr lang="en-US"/>
           </a:p>
@@ -21787,2833 +17381,6 @@
     <p:extLst>
       <p:ext uri="{BB962C8B-B14F-4D97-AF65-F5344CB8AC3E}">
         <p14:creationId xmlns:p14="http://schemas.microsoft.com/office/powerpoint/2010/main" val="1828640781"/>
-      </p:ext>
-    </p:extLst>
-  </p:cSld>
-  <p:clrMapOvr>
-    <a:masterClrMapping/>
-  </p:clrMapOvr>
-  <mc:AlternateContent xmlns:mc="http://schemas.openxmlformats.org/markup-compatibility/2006" xmlns:p14="http://schemas.microsoft.com/office/powerpoint/2010/main">
-    <mc:Choice Requires="p14">
-      <p:transition spd="med" p14:dur="700">
-        <p:fade/>
-      </p:transition>
-    </mc:Choice>
-    <mc:Fallback xmlns="">
-      <p:transition spd="med">
-        <p:fade/>
-      </p:transition>
-    </mc:Fallback>
-  </mc:AlternateContent>
-</p:sld>
-</file>
-
-<file path=ppt/slides/slide40.xml><?xml version="1.0" encoding="utf-8"?>
-<p:sld xmlns:a="http://schemas.openxmlformats.org/drawingml/2006/main" xmlns:r="http://schemas.openxmlformats.org/officeDocument/2006/relationships" xmlns:p="http://schemas.openxmlformats.org/presentationml/2006/main">
-  <p:cSld>
-    <p:spTree>
-      <p:nvGrpSpPr>
-        <p:cNvPr id="1" name=""/>
-        <p:cNvGrpSpPr/>
-        <p:nvPr/>
-      </p:nvGrpSpPr>
-      <p:grpSpPr>
-        <a:xfrm>
-          <a:off x="0" y="0"/>
-          <a:ext cx="0" cy="0"/>
-          <a:chOff x="0" y="0"/>
-          <a:chExt cx="0" cy="0"/>
-        </a:xfrm>
-      </p:grpSpPr>
-      <p:sp>
-        <p:nvSpPr>
-          <p:cNvPr id="2" name="Title 1">
-            <a:extLst>
-              <a:ext uri="{FF2B5EF4-FFF2-40B4-BE49-F238E27FC236}">
-                <a16:creationId xmlns:a16="http://schemas.microsoft.com/office/drawing/2014/main" id="{CFBB15CB-66FC-40EE-9355-9A8DA1E7E4C3}"/>
-              </a:ext>
-            </a:extLst>
-          </p:cNvPr>
-          <p:cNvSpPr>
-            <a:spLocks noGrp="1"/>
-          </p:cNvSpPr>
-          <p:nvPr>
-            <p:ph type="title"/>
-          </p:nvPr>
-        </p:nvSpPr>
-        <p:spPr/>
-        <p:txBody>
-          <a:bodyPr/>
-          <a:lstStyle/>
-          <a:p>
-            <a:endParaRPr lang="en-US"/>
-          </a:p>
-        </p:txBody>
-      </p:sp>
-      <p:sp>
-        <p:nvSpPr>
-          <p:cNvPr id="3" name="Content Placeholder 2">
-            <a:extLst>
-              <a:ext uri="{FF2B5EF4-FFF2-40B4-BE49-F238E27FC236}">
-                <a16:creationId xmlns:a16="http://schemas.microsoft.com/office/drawing/2014/main" id="{C4C82789-7B3E-4AC4-8059-1FFE23AEE5D7}"/>
-              </a:ext>
-            </a:extLst>
-          </p:cNvPr>
-          <p:cNvSpPr>
-            <a:spLocks noGrp="1"/>
-          </p:cNvSpPr>
-          <p:nvPr>
-            <p:ph idx="1"/>
-          </p:nvPr>
-        </p:nvSpPr>
-        <p:spPr/>
-        <p:txBody>
-          <a:bodyPr>
-            <a:normAutofit fontScale="85000" lnSpcReduction="20000"/>
-          </a:bodyPr>
-          <a:lstStyle/>
-          <a:p>
-            <a:pPr lvl="1"/>
-            <a:r>
-              <a:rPr lang="en-US" dirty="0"/>
-              <a:t>Concurrency </a:t>
-            </a:r>
-          </a:p>
-          <a:p>
-            <a:pPr lvl="1"/>
-            <a:r>
-              <a:rPr lang="en-US" dirty="0"/>
-              <a:t>No global clock</a:t>
-            </a:r>
-          </a:p>
-          <a:p>
-            <a:pPr lvl="1"/>
-            <a:r>
-              <a:rPr lang="en-US" dirty="0"/>
-              <a:t>Independent failures </a:t>
-            </a:r>
-          </a:p>
-          <a:p>
-            <a:r>
-              <a:rPr lang="en-US" dirty="0"/>
-              <a:t>Examples </a:t>
-            </a:r>
-          </a:p>
-          <a:p>
-            <a:r>
-              <a:rPr lang="en-US" dirty="0"/>
-              <a:t>The Internet – communication mechanism (protocol)</a:t>
-            </a:r>
-          </a:p>
-          <a:p>
-            <a:r>
-              <a:rPr lang="en-US" dirty="0"/>
-              <a:t>An intranet – does it has Internet or not?</a:t>
-            </a:r>
-          </a:p>
-          <a:p>
-            <a:r>
-              <a:rPr lang="en-US" dirty="0"/>
-              <a:t>Mobile and ubiquitous computing – nomadic computing </a:t>
-            </a:r>
-          </a:p>
-          <a:p>
-            <a:pPr lvl="1"/>
-            <a:r>
-              <a:rPr lang="en-US" dirty="0"/>
-              <a:t>Technology advancement by miniaturization and wireless networking have led to integrating small and portable device to DS</a:t>
-            </a:r>
-          </a:p>
-          <a:p>
-            <a:pPr lvl="1"/>
-            <a:r>
-              <a:rPr lang="en-US" dirty="0"/>
-              <a:t>Laptop</a:t>
-            </a:r>
-          </a:p>
-          <a:p>
-            <a:pPr lvl="1"/>
-            <a:r>
-              <a:rPr lang="en-US" dirty="0"/>
-              <a:t>Handheld devices</a:t>
-            </a:r>
-          </a:p>
-          <a:p>
-            <a:pPr lvl="1"/>
-            <a:r>
-              <a:rPr lang="en-US" dirty="0"/>
-              <a:t>Wearable devices</a:t>
-            </a:r>
-          </a:p>
-          <a:p>
-            <a:pPr lvl="1"/>
-            <a:r>
-              <a:rPr lang="en-US" dirty="0"/>
-              <a:t>Embedded devices </a:t>
-            </a:r>
-          </a:p>
-          <a:p>
-            <a:pPr lvl="1"/>
-            <a:endParaRPr lang="en-US" dirty="0"/>
-          </a:p>
-          <a:p>
-            <a:endParaRPr lang="en-US" dirty="0"/>
-          </a:p>
-        </p:txBody>
-      </p:sp>
-      <p:sp>
-        <p:nvSpPr>
-          <p:cNvPr id="4" name="Right Brace 3">
-            <a:extLst>
-              <a:ext uri="{FF2B5EF4-FFF2-40B4-BE49-F238E27FC236}">
-                <a16:creationId xmlns:a16="http://schemas.microsoft.com/office/drawing/2014/main" id="{E4E71955-9D5A-452D-9844-CAC2A23E5D01}"/>
-              </a:ext>
-            </a:extLst>
-          </p:cNvPr>
-          <p:cNvSpPr/>
-          <p:nvPr/>
-        </p:nvSpPr>
-        <p:spPr>
-          <a:xfrm>
-            <a:off x="3983076" y="1803400"/>
-            <a:ext cx="381000" cy="723900"/>
-          </a:xfrm>
-          <a:prstGeom prst="rightBrace">
-            <a:avLst/>
-          </a:prstGeom>
-        </p:spPr>
-        <p:style>
-          <a:lnRef idx="1">
-            <a:schemeClr val="accent1"/>
-          </a:lnRef>
-          <a:fillRef idx="0">
-            <a:schemeClr val="accent1"/>
-          </a:fillRef>
-          <a:effectRef idx="0">
-            <a:schemeClr val="accent1"/>
-          </a:effectRef>
-          <a:fontRef idx="minor">
-            <a:schemeClr val="tx1"/>
-          </a:fontRef>
-        </p:style>
-        <p:txBody>
-          <a:bodyPr rtlCol="0" anchor="ctr"/>
-          <a:lstStyle/>
-          <a:p>
-            <a:pPr algn="ctr"/>
-            <a:endParaRPr lang="en-US"/>
-          </a:p>
-        </p:txBody>
-      </p:sp>
-      <p:sp>
-        <p:nvSpPr>
-          <p:cNvPr id="5" name="TextBox 4">
-            <a:extLst>
-              <a:ext uri="{FF2B5EF4-FFF2-40B4-BE49-F238E27FC236}">
-                <a16:creationId xmlns:a16="http://schemas.microsoft.com/office/drawing/2014/main" id="{6FA739AF-17DF-47B2-8FBC-94B2CB38D30E}"/>
-              </a:ext>
-            </a:extLst>
-          </p:cNvPr>
-          <p:cNvSpPr txBox="1"/>
-          <p:nvPr/>
-        </p:nvSpPr>
-        <p:spPr>
-          <a:xfrm>
-            <a:off x="4379519" y="1980684"/>
-            <a:ext cx="1714893" cy="369332"/>
-          </a:xfrm>
-          <a:prstGeom prst="rect">
-            <a:avLst/>
-          </a:prstGeom>
-          <a:noFill/>
-        </p:spPr>
-        <p:txBody>
-          <a:bodyPr wrap="none" rtlCol="0">
-            <a:spAutoFit/>
-          </a:bodyPr>
-          <a:lstStyle/>
-          <a:p>
-            <a:r>
-              <a:rPr lang="en-US" dirty="0"/>
-              <a:t>Characteristics </a:t>
-            </a:r>
-          </a:p>
-        </p:txBody>
-      </p:sp>
-      <p:sp>
-        <p:nvSpPr>
-          <p:cNvPr id="6" name="Date Placeholder 5">
-            <a:extLst>
-              <a:ext uri="{FF2B5EF4-FFF2-40B4-BE49-F238E27FC236}">
-                <a16:creationId xmlns:a16="http://schemas.microsoft.com/office/drawing/2014/main" id="{3F888C15-3862-4326-BA5E-A8D8D3C1DEAF}"/>
-              </a:ext>
-            </a:extLst>
-          </p:cNvPr>
-          <p:cNvSpPr>
-            <a:spLocks noGrp="1"/>
-          </p:cNvSpPr>
-          <p:nvPr>
-            <p:ph type="dt" sz="half" idx="10"/>
-          </p:nvPr>
-        </p:nvSpPr>
-        <p:spPr/>
-        <p:txBody>
-          <a:bodyPr/>
-          <a:lstStyle/>
-          <a:p>
-            <a:fld id="{5B66A3DD-B513-4C77-8C17-0C0ADC47FEDF}" type="datetime1">
-              <a:rPr lang="en-US" smtClean="0"/>
-              <a:t>4/23/2021</a:t>
-            </a:fld>
-            <a:endParaRPr lang="en-US"/>
-          </a:p>
-        </p:txBody>
-      </p:sp>
-      <p:sp>
-        <p:nvSpPr>
-          <p:cNvPr id="7" name="Footer Placeholder 6">
-            <a:extLst>
-              <a:ext uri="{FF2B5EF4-FFF2-40B4-BE49-F238E27FC236}">
-                <a16:creationId xmlns:a16="http://schemas.microsoft.com/office/drawing/2014/main" id="{A2F7FDAD-217A-4CB0-A068-81F140C6062A}"/>
-              </a:ext>
-            </a:extLst>
-          </p:cNvPr>
-          <p:cNvSpPr>
-            <a:spLocks noGrp="1"/>
-          </p:cNvSpPr>
-          <p:nvPr>
-            <p:ph type="ftr" sz="quarter" idx="11"/>
-          </p:nvPr>
-        </p:nvSpPr>
-        <p:spPr/>
-        <p:txBody>
-          <a:bodyPr/>
-          <a:lstStyle/>
-          <a:p>
-            <a:r>
-              <a:rPr lang="en-US"/>
-              <a:t>Indroduction to distributed systems</a:t>
-            </a:r>
-          </a:p>
-        </p:txBody>
-      </p:sp>
-      <p:sp>
-        <p:nvSpPr>
-          <p:cNvPr id="8" name="Slide Number Placeholder 7">
-            <a:extLst>
-              <a:ext uri="{FF2B5EF4-FFF2-40B4-BE49-F238E27FC236}">
-                <a16:creationId xmlns:a16="http://schemas.microsoft.com/office/drawing/2014/main" id="{5BC5BF0B-16D9-4B77-8CB8-48E1BF7D3DE4}"/>
-              </a:ext>
-            </a:extLst>
-          </p:cNvPr>
-          <p:cNvSpPr>
-            <a:spLocks noGrp="1"/>
-          </p:cNvSpPr>
-          <p:nvPr>
-            <p:ph type="sldNum" sz="quarter" idx="12"/>
-          </p:nvPr>
-        </p:nvSpPr>
-        <p:spPr/>
-        <p:txBody>
-          <a:bodyPr/>
-          <a:lstStyle/>
-          <a:p>
-            <a:fld id="{DF28FB93-0A08-4E7D-8E63-9EFA29F1E093}" type="slidenum">
-              <a:rPr lang="en-US" smtClean="0"/>
-              <a:pPr/>
-              <a:t>40</a:t>
-            </a:fld>
-            <a:endParaRPr lang="en-US"/>
-          </a:p>
-        </p:txBody>
-      </p:sp>
-    </p:spTree>
-    <p:extLst>
-      <p:ext uri="{BB962C8B-B14F-4D97-AF65-F5344CB8AC3E}">
-        <p14:creationId xmlns:p14="http://schemas.microsoft.com/office/powerpoint/2010/main" val="2920945033"/>
-      </p:ext>
-    </p:extLst>
-  </p:cSld>
-  <p:clrMapOvr>
-    <a:masterClrMapping/>
-  </p:clrMapOvr>
-  <mc:AlternateContent xmlns:mc="http://schemas.openxmlformats.org/markup-compatibility/2006" xmlns:p14="http://schemas.microsoft.com/office/powerpoint/2010/main">
-    <mc:Choice Requires="p14">
-      <p:transition spd="med" p14:dur="700">
-        <p:fade/>
-      </p:transition>
-    </mc:Choice>
-    <mc:Fallback xmlns="">
-      <p:transition spd="med">
-        <p:fade/>
-      </p:transition>
-    </mc:Fallback>
-  </mc:AlternateContent>
-</p:sld>
-</file>
-
-<file path=ppt/slides/slide41.xml><?xml version="1.0" encoding="utf-8"?>
-<p:sld xmlns:a="http://schemas.openxmlformats.org/drawingml/2006/main" xmlns:r="http://schemas.openxmlformats.org/officeDocument/2006/relationships" xmlns:p="http://schemas.openxmlformats.org/presentationml/2006/main">
-  <p:cSld>
-    <p:spTree>
-      <p:nvGrpSpPr>
-        <p:cNvPr id="1" name=""/>
-        <p:cNvGrpSpPr/>
-        <p:nvPr/>
-      </p:nvGrpSpPr>
-      <p:grpSpPr>
-        <a:xfrm>
-          <a:off x="0" y="0"/>
-          <a:ext cx="0" cy="0"/>
-          <a:chOff x="0" y="0"/>
-          <a:chExt cx="0" cy="0"/>
-        </a:xfrm>
-      </p:grpSpPr>
-      <p:sp>
-        <p:nvSpPr>
-          <p:cNvPr id="2" name="Title 1">
-            <a:extLst>
-              <a:ext uri="{FF2B5EF4-FFF2-40B4-BE49-F238E27FC236}">
-                <a16:creationId xmlns:a16="http://schemas.microsoft.com/office/drawing/2014/main" id="{58D4D73C-9E91-4113-9027-989858EBE775}"/>
-              </a:ext>
-            </a:extLst>
-          </p:cNvPr>
-          <p:cNvSpPr>
-            <a:spLocks noGrp="1"/>
-          </p:cNvSpPr>
-          <p:nvPr>
-            <p:ph type="title"/>
-          </p:nvPr>
-        </p:nvSpPr>
-        <p:spPr/>
-        <p:txBody>
-          <a:bodyPr/>
-          <a:lstStyle/>
-          <a:p>
-            <a:r>
-              <a:rPr lang="en-US" dirty="0"/>
-              <a:t>Motivation/ aim</a:t>
-            </a:r>
-          </a:p>
-        </p:txBody>
-      </p:sp>
-      <p:sp>
-        <p:nvSpPr>
-          <p:cNvPr id="3" name="Content Placeholder 2">
-            <a:extLst>
-              <a:ext uri="{FF2B5EF4-FFF2-40B4-BE49-F238E27FC236}">
-                <a16:creationId xmlns:a16="http://schemas.microsoft.com/office/drawing/2014/main" id="{52709789-DE21-41CF-BD0D-933F0066CA0F}"/>
-              </a:ext>
-            </a:extLst>
-          </p:cNvPr>
-          <p:cNvSpPr>
-            <a:spLocks noGrp="1"/>
-          </p:cNvSpPr>
-          <p:nvPr>
-            <p:ph idx="1"/>
-          </p:nvPr>
-        </p:nvSpPr>
-        <p:spPr/>
-        <p:txBody>
-          <a:bodyPr>
-            <a:normAutofit/>
-          </a:bodyPr>
-          <a:lstStyle/>
-          <a:p>
-            <a:r>
-              <a:rPr lang="en-US" dirty="0"/>
-              <a:t>To share resources managed buy servers and accessed by clients </a:t>
-            </a:r>
-          </a:p>
-          <a:p>
-            <a:pPr lvl="1"/>
-            <a:r>
-              <a:rPr lang="en-US" dirty="0"/>
-              <a:t>Disk, printer</a:t>
-            </a:r>
-          </a:p>
-          <a:p>
-            <a:pPr lvl="1"/>
-            <a:r>
-              <a:rPr lang="en-US" dirty="0"/>
-              <a:t>File, database, data objects </a:t>
-            </a:r>
-          </a:p>
-          <a:p>
-            <a:pPr marL="111125" lvl="1" indent="-55563"/>
-            <a:r>
-              <a:rPr lang="en-US" dirty="0"/>
-              <a:t>Challenges of DS construction</a:t>
-            </a:r>
-          </a:p>
-          <a:p>
-            <a:pPr marL="412877" lvl="2" indent="-55563"/>
-            <a:r>
-              <a:rPr lang="en-US" dirty="0"/>
-              <a:t>Heterogeneity of its components </a:t>
-            </a:r>
-          </a:p>
-          <a:p>
-            <a:pPr marL="412877" lvl="2" indent="-55563"/>
-            <a:r>
-              <a:rPr lang="en-US" dirty="0"/>
-              <a:t>Openness , which allows components to be added or replaced </a:t>
-            </a:r>
-          </a:p>
-          <a:p>
-            <a:pPr marL="412877" lvl="2" indent="-55563"/>
-            <a:r>
-              <a:rPr lang="en-US" dirty="0"/>
-              <a:t>Security</a:t>
-            </a:r>
-          </a:p>
-          <a:p>
-            <a:pPr marL="412877" lvl="2" indent="-55563"/>
-            <a:r>
-              <a:rPr lang="en-US" dirty="0"/>
-              <a:t>Scalability , the ability to work well when the </a:t>
-            </a:r>
-            <a:r>
-              <a:rPr lang="en-US"/>
-              <a:t>number of </a:t>
-            </a:r>
-            <a:r>
-              <a:rPr lang="en-US" dirty="0"/>
-              <a:t>users increases</a:t>
-            </a:r>
-          </a:p>
-          <a:p>
-            <a:pPr marL="412877" lvl="2" indent="-55563"/>
-            <a:r>
-              <a:rPr lang="en-US" dirty="0"/>
-              <a:t>Failure handling </a:t>
-            </a:r>
-          </a:p>
-          <a:p>
-            <a:pPr marL="412877" lvl="2" indent="-55563"/>
-            <a:r>
-              <a:rPr lang="en-US" dirty="0"/>
-              <a:t>Concurrency of components </a:t>
-            </a:r>
-          </a:p>
-          <a:p>
-            <a:pPr marL="412877" lvl="2" indent="-55563"/>
-            <a:r>
-              <a:rPr lang="en-US" dirty="0"/>
-              <a:t>Transparency </a:t>
-            </a:r>
-          </a:p>
-          <a:p>
-            <a:pPr marL="111125" lvl="1" indent="-55563"/>
-            <a:endParaRPr lang="en-US" dirty="0"/>
-          </a:p>
-          <a:p>
-            <a:pPr marL="111125" lvl="1" indent="-55563"/>
-            <a:endParaRPr lang="en-US" dirty="0"/>
-          </a:p>
-        </p:txBody>
-      </p:sp>
-      <p:sp>
-        <p:nvSpPr>
-          <p:cNvPr id="4" name="Date Placeholder 3">
-            <a:extLst>
-              <a:ext uri="{FF2B5EF4-FFF2-40B4-BE49-F238E27FC236}">
-                <a16:creationId xmlns:a16="http://schemas.microsoft.com/office/drawing/2014/main" id="{D565D256-855B-4D65-A59C-C1110097261D}"/>
-              </a:ext>
-            </a:extLst>
-          </p:cNvPr>
-          <p:cNvSpPr>
-            <a:spLocks noGrp="1"/>
-          </p:cNvSpPr>
-          <p:nvPr>
-            <p:ph type="dt" sz="half" idx="10"/>
-          </p:nvPr>
-        </p:nvSpPr>
-        <p:spPr/>
-        <p:txBody>
-          <a:bodyPr/>
-          <a:lstStyle/>
-          <a:p>
-            <a:fld id="{482CA71C-BFC5-4074-A37D-134FAB2943D2}" type="datetime1">
-              <a:rPr lang="en-US" smtClean="0"/>
-              <a:t>4/23/2021</a:t>
-            </a:fld>
-            <a:endParaRPr lang="en-US"/>
-          </a:p>
-        </p:txBody>
-      </p:sp>
-      <p:sp>
-        <p:nvSpPr>
-          <p:cNvPr id="5" name="Footer Placeholder 4">
-            <a:extLst>
-              <a:ext uri="{FF2B5EF4-FFF2-40B4-BE49-F238E27FC236}">
-                <a16:creationId xmlns:a16="http://schemas.microsoft.com/office/drawing/2014/main" id="{04652105-E2D1-457C-88D2-DCDB0F92F8BF}"/>
-              </a:ext>
-            </a:extLst>
-          </p:cNvPr>
-          <p:cNvSpPr>
-            <a:spLocks noGrp="1"/>
-          </p:cNvSpPr>
-          <p:nvPr>
-            <p:ph type="ftr" sz="quarter" idx="11"/>
-          </p:nvPr>
-        </p:nvSpPr>
-        <p:spPr/>
-        <p:txBody>
-          <a:bodyPr/>
-          <a:lstStyle/>
-          <a:p>
-            <a:r>
-              <a:rPr lang="en-US"/>
-              <a:t>Indroduction to distributed systems</a:t>
-            </a:r>
-          </a:p>
-        </p:txBody>
-      </p:sp>
-      <p:sp>
-        <p:nvSpPr>
-          <p:cNvPr id="6" name="Slide Number Placeholder 5">
-            <a:extLst>
-              <a:ext uri="{FF2B5EF4-FFF2-40B4-BE49-F238E27FC236}">
-                <a16:creationId xmlns:a16="http://schemas.microsoft.com/office/drawing/2014/main" id="{C819EE3B-8BAE-4F5F-BBC1-EB9655B40E63}"/>
-              </a:ext>
-            </a:extLst>
-          </p:cNvPr>
-          <p:cNvSpPr>
-            <a:spLocks noGrp="1"/>
-          </p:cNvSpPr>
-          <p:nvPr>
-            <p:ph type="sldNum" sz="quarter" idx="12"/>
-          </p:nvPr>
-        </p:nvSpPr>
-        <p:spPr/>
-        <p:txBody>
-          <a:bodyPr/>
-          <a:lstStyle/>
-          <a:p>
-            <a:fld id="{DF28FB93-0A08-4E7D-8E63-9EFA29F1E093}" type="slidenum">
-              <a:rPr lang="en-US" smtClean="0"/>
-              <a:pPr/>
-              <a:t>41</a:t>
-            </a:fld>
-            <a:endParaRPr lang="en-US"/>
-          </a:p>
-        </p:txBody>
-      </p:sp>
-    </p:spTree>
-    <p:extLst>
-      <p:ext uri="{BB962C8B-B14F-4D97-AF65-F5344CB8AC3E}">
-        <p14:creationId xmlns:p14="http://schemas.microsoft.com/office/powerpoint/2010/main" val="2325179926"/>
-      </p:ext>
-    </p:extLst>
-  </p:cSld>
-  <p:clrMapOvr>
-    <a:masterClrMapping/>
-  </p:clrMapOvr>
-  <mc:AlternateContent xmlns:mc="http://schemas.openxmlformats.org/markup-compatibility/2006" xmlns:p14="http://schemas.microsoft.com/office/powerpoint/2010/main">
-    <mc:Choice Requires="p14">
-      <p:transition spd="med" p14:dur="700">
-        <p:fade/>
-      </p:transition>
-    </mc:Choice>
-    <mc:Fallback xmlns="">
-      <p:transition spd="med">
-        <p:fade/>
-      </p:transition>
-    </mc:Fallback>
-  </mc:AlternateContent>
-</p:sld>
-</file>
-
-<file path=ppt/slides/slide42.xml><?xml version="1.0" encoding="utf-8"?>
-<p:sld xmlns:a="http://schemas.openxmlformats.org/drawingml/2006/main" xmlns:r="http://schemas.openxmlformats.org/officeDocument/2006/relationships" xmlns:p="http://schemas.openxmlformats.org/presentationml/2006/main">
-  <p:cSld>
-    <p:spTree>
-      <p:nvGrpSpPr>
-        <p:cNvPr id="1" name=""/>
-        <p:cNvGrpSpPr/>
-        <p:nvPr/>
-      </p:nvGrpSpPr>
-      <p:grpSpPr>
-        <a:xfrm>
-          <a:off x="0" y="0"/>
-          <a:ext cx="0" cy="0"/>
-          <a:chOff x="0" y="0"/>
-          <a:chExt cx="0" cy="0"/>
-        </a:xfrm>
-      </p:grpSpPr>
-      <p:sp>
-        <p:nvSpPr>
-          <p:cNvPr id="2" name="Title 1">
-            <a:extLst>
-              <a:ext uri="{FF2B5EF4-FFF2-40B4-BE49-F238E27FC236}">
-                <a16:creationId xmlns:a16="http://schemas.microsoft.com/office/drawing/2014/main" id="{A33A1E60-7AB3-4E4F-A951-749B44344F89}"/>
-              </a:ext>
-            </a:extLst>
-          </p:cNvPr>
-          <p:cNvSpPr>
-            <a:spLocks noGrp="1"/>
-          </p:cNvSpPr>
-          <p:nvPr>
-            <p:ph type="title"/>
-          </p:nvPr>
-        </p:nvSpPr>
-        <p:spPr/>
-        <p:txBody>
-          <a:bodyPr/>
-          <a:lstStyle/>
-          <a:p>
-            <a:endParaRPr lang="en-US"/>
-          </a:p>
-        </p:txBody>
-      </p:sp>
-      <p:sp>
-        <p:nvSpPr>
-          <p:cNvPr id="3" name="Content Placeholder 2">
-            <a:extLst>
-              <a:ext uri="{FF2B5EF4-FFF2-40B4-BE49-F238E27FC236}">
-                <a16:creationId xmlns:a16="http://schemas.microsoft.com/office/drawing/2014/main" id="{6A7DBD0D-C0CB-4A7E-A746-6795B72EBC7B}"/>
-              </a:ext>
-            </a:extLst>
-          </p:cNvPr>
-          <p:cNvSpPr>
-            <a:spLocks noGrp="1"/>
-          </p:cNvSpPr>
-          <p:nvPr>
-            <p:ph idx="1"/>
-          </p:nvPr>
-        </p:nvSpPr>
-        <p:spPr/>
-        <p:txBody>
-          <a:bodyPr/>
-          <a:lstStyle/>
-          <a:p>
-            <a:r>
-              <a:rPr lang="en-US" dirty="0"/>
-              <a:t>Concurrency in a single process, multiple threads in a single process</a:t>
-            </a:r>
-          </a:p>
-          <a:p>
-            <a:r>
-              <a:rPr lang="en-US" dirty="0"/>
-              <a:t>Threads sharing a single address space </a:t>
-            </a:r>
-          </a:p>
-          <a:p>
-            <a:r>
-              <a:rPr lang="en-US" dirty="0"/>
-              <a:t>DS concurrency , multiple process, multiple threads </a:t>
-            </a:r>
-          </a:p>
-          <a:p>
-            <a:r>
-              <a:rPr lang="en-US" dirty="0"/>
-              <a:t>Multiple programs running on multiple computers connected by network</a:t>
-            </a:r>
-          </a:p>
-          <a:p>
-            <a:r>
-              <a:rPr lang="en-US" dirty="0"/>
-              <a:t>“… a system in which the failure of a computer you didn’t even know existed can render your own computer unusable” </a:t>
-            </a:r>
-            <a:r>
-              <a:rPr lang="en-US" dirty="0" err="1"/>
-              <a:t>Lesile</a:t>
-            </a:r>
-            <a:r>
-              <a:rPr lang="en-US" dirty="0"/>
-              <a:t> </a:t>
-            </a:r>
-            <a:r>
-              <a:rPr lang="en-US" dirty="0" err="1"/>
-              <a:t>Lamport</a:t>
-            </a:r>
-            <a:r>
-              <a:rPr lang="en-US" dirty="0"/>
-              <a:t> </a:t>
-            </a:r>
-          </a:p>
-        </p:txBody>
-      </p:sp>
-      <p:sp>
-        <p:nvSpPr>
-          <p:cNvPr id="4" name="Date Placeholder 3">
-            <a:extLst>
-              <a:ext uri="{FF2B5EF4-FFF2-40B4-BE49-F238E27FC236}">
-                <a16:creationId xmlns:a16="http://schemas.microsoft.com/office/drawing/2014/main" id="{CDF6F08B-B8F2-4D6B-B620-A7B79723AF28}"/>
-              </a:ext>
-            </a:extLst>
-          </p:cNvPr>
-          <p:cNvSpPr>
-            <a:spLocks noGrp="1"/>
-          </p:cNvSpPr>
-          <p:nvPr>
-            <p:ph type="dt" sz="half" idx="10"/>
-          </p:nvPr>
-        </p:nvSpPr>
-        <p:spPr/>
-        <p:txBody>
-          <a:bodyPr/>
-          <a:lstStyle/>
-          <a:p>
-            <a:fld id="{7F51825D-95B0-4E1A-ADA8-303B655BF18D}" type="datetime1">
-              <a:rPr lang="en-US" smtClean="0"/>
-              <a:t>4/23/2021</a:t>
-            </a:fld>
-            <a:endParaRPr lang="en-US"/>
-          </a:p>
-        </p:txBody>
-      </p:sp>
-      <p:sp>
-        <p:nvSpPr>
-          <p:cNvPr id="5" name="Footer Placeholder 4">
-            <a:extLst>
-              <a:ext uri="{FF2B5EF4-FFF2-40B4-BE49-F238E27FC236}">
-                <a16:creationId xmlns:a16="http://schemas.microsoft.com/office/drawing/2014/main" id="{A17A6A8C-32A5-4846-AD9C-1B7D3FF6F2FA}"/>
-              </a:ext>
-            </a:extLst>
-          </p:cNvPr>
-          <p:cNvSpPr>
-            <a:spLocks noGrp="1"/>
-          </p:cNvSpPr>
-          <p:nvPr>
-            <p:ph type="ftr" sz="quarter" idx="11"/>
-          </p:nvPr>
-        </p:nvSpPr>
-        <p:spPr/>
-        <p:txBody>
-          <a:bodyPr/>
-          <a:lstStyle/>
-          <a:p>
-            <a:r>
-              <a:rPr lang="en-US"/>
-              <a:t>Indroduction to distributed systems</a:t>
-            </a:r>
-          </a:p>
-        </p:txBody>
-      </p:sp>
-      <p:sp>
-        <p:nvSpPr>
-          <p:cNvPr id="6" name="Slide Number Placeholder 5">
-            <a:extLst>
-              <a:ext uri="{FF2B5EF4-FFF2-40B4-BE49-F238E27FC236}">
-                <a16:creationId xmlns:a16="http://schemas.microsoft.com/office/drawing/2014/main" id="{2D64C5E0-F7FD-426B-B7EE-A3950D0E4FA7}"/>
-              </a:ext>
-            </a:extLst>
-          </p:cNvPr>
-          <p:cNvSpPr>
-            <a:spLocks noGrp="1"/>
-          </p:cNvSpPr>
-          <p:nvPr>
-            <p:ph type="sldNum" sz="quarter" idx="12"/>
-          </p:nvPr>
-        </p:nvSpPr>
-        <p:spPr/>
-        <p:txBody>
-          <a:bodyPr/>
-          <a:lstStyle/>
-          <a:p>
-            <a:fld id="{DF28FB93-0A08-4E7D-8E63-9EFA29F1E093}" type="slidenum">
-              <a:rPr lang="en-US" smtClean="0"/>
-              <a:pPr/>
-              <a:t>42</a:t>
-            </a:fld>
-            <a:endParaRPr lang="en-US"/>
-          </a:p>
-        </p:txBody>
-      </p:sp>
-    </p:spTree>
-    <p:extLst>
-      <p:ext uri="{BB962C8B-B14F-4D97-AF65-F5344CB8AC3E}">
-        <p14:creationId xmlns:p14="http://schemas.microsoft.com/office/powerpoint/2010/main" val="2461051064"/>
-      </p:ext>
-    </p:extLst>
-  </p:cSld>
-  <p:clrMapOvr>
-    <a:masterClrMapping/>
-  </p:clrMapOvr>
-  <mc:AlternateContent xmlns:mc="http://schemas.openxmlformats.org/markup-compatibility/2006" xmlns:p14="http://schemas.microsoft.com/office/powerpoint/2010/main">
-    <mc:Choice Requires="p14">
-      <p:transition spd="med" p14:dur="700">
-        <p:fade/>
-      </p:transition>
-    </mc:Choice>
-    <mc:Fallback xmlns="">
-      <p:transition spd="med">
-        <p:fade/>
-      </p:transition>
-    </mc:Fallback>
-  </mc:AlternateContent>
-</p:sld>
-</file>
-
-<file path=ppt/slides/slide43.xml><?xml version="1.0" encoding="utf-8"?>
-<p:sld xmlns:a="http://schemas.openxmlformats.org/drawingml/2006/main" xmlns:r="http://schemas.openxmlformats.org/officeDocument/2006/relationships" xmlns:p="http://schemas.openxmlformats.org/presentationml/2006/main">
-  <p:cSld>
-    <p:spTree>
-      <p:nvGrpSpPr>
-        <p:cNvPr id="1" name=""/>
-        <p:cNvGrpSpPr/>
-        <p:nvPr/>
-      </p:nvGrpSpPr>
-      <p:grpSpPr>
-        <a:xfrm>
-          <a:off x="0" y="0"/>
-          <a:ext cx="0" cy="0"/>
-          <a:chOff x="0" y="0"/>
-          <a:chExt cx="0" cy="0"/>
-        </a:xfrm>
-      </p:grpSpPr>
-      <p:sp>
-        <p:nvSpPr>
-          <p:cNvPr id="2" name="Title 1">
-            <a:extLst>
-              <a:ext uri="{FF2B5EF4-FFF2-40B4-BE49-F238E27FC236}">
-                <a16:creationId xmlns:a16="http://schemas.microsoft.com/office/drawing/2014/main" id="{4DFB7171-853B-4C96-ACDC-37B036E585E4}"/>
-              </a:ext>
-            </a:extLst>
-          </p:cNvPr>
-          <p:cNvSpPr>
-            <a:spLocks noGrp="1"/>
-          </p:cNvSpPr>
-          <p:nvPr>
-            <p:ph type="title"/>
-          </p:nvPr>
-        </p:nvSpPr>
-        <p:spPr/>
-        <p:txBody>
-          <a:bodyPr/>
-          <a:lstStyle/>
-          <a:p>
-            <a:endParaRPr lang="en-US"/>
-          </a:p>
-        </p:txBody>
-      </p:sp>
-      <p:sp>
-        <p:nvSpPr>
-          <p:cNvPr id="3" name="Content Placeholder 2">
-            <a:extLst>
-              <a:ext uri="{FF2B5EF4-FFF2-40B4-BE49-F238E27FC236}">
-                <a16:creationId xmlns:a16="http://schemas.microsoft.com/office/drawing/2014/main" id="{2B7A3369-EEE1-49FF-833C-A804996ABB6B}"/>
-              </a:ext>
-            </a:extLst>
-          </p:cNvPr>
-          <p:cNvSpPr>
-            <a:spLocks noGrp="1"/>
-          </p:cNvSpPr>
-          <p:nvPr>
-            <p:ph idx="1"/>
-          </p:nvPr>
-        </p:nvSpPr>
-        <p:spPr/>
-        <p:txBody>
-          <a:bodyPr/>
-          <a:lstStyle/>
-          <a:p>
-            <a:pPr marL="0" indent="0">
-              <a:buNone/>
-            </a:pPr>
-            <a:r>
-              <a:rPr lang="en-US" dirty="0"/>
-              <a:t>DS multiple computers connecting via network</a:t>
-            </a:r>
-          </a:p>
-          <a:p>
-            <a:pPr marL="0" indent="0">
-              <a:buNone/>
-            </a:pPr>
-            <a:r>
-              <a:rPr lang="en-US" dirty="0"/>
-              <a:t>Trying to achieve some task together </a:t>
-            </a:r>
-          </a:p>
-          <a:p>
-            <a:pPr marL="0" indent="0">
-              <a:buNone/>
-            </a:pPr>
-            <a:r>
-              <a:rPr lang="en-US" dirty="0"/>
-              <a:t>Consists of nodes (computer, phone , car, robot,…)</a:t>
-            </a:r>
-          </a:p>
-        </p:txBody>
-      </p:sp>
-      <p:sp>
-        <p:nvSpPr>
-          <p:cNvPr id="4" name="Date Placeholder 3">
-            <a:extLst>
-              <a:ext uri="{FF2B5EF4-FFF2-40B4-BE49-F238E27FC236}">
-                <a16:creationId xmlns:a16="http://schemas.microsoft.com/office/drawing/2014/main" id="{CFF1E97F-A720-4927-BA78-3BE4C7CA4A63}"/>
-              </a:ext>
-            </a:extLst>
-          </p:cNvPr>
-          <p:cNvSpPr>
-            <a:spLocks noGrp="1"/>
-          </p:cNvSpPr>
-          <p:nvPr>
-            <p:ph type="dt" sz="half" idx="10"/>
-          </p:nvPr>
-        </p:nvSpPr>
-        <p:spPr/>
-        <p:txBody>
-          <a:bodyPr/>
-          <a:lstStyle/>
-          <a:p>
-            <a:fld id="{FCB2AB85-EFF8-420D-ADF4-8CAB3A57C3C4}" type="datetime1">
-              <a:rPr lang="en-US" smtClean="0"/>
-              <a:t>4/23/2021</a:t>
-            </a:fld>
-            <a:endParaRPr lang="en-US"/>
-          </a:p>
-        </p:txBody>
-      </p:sp>
-      <p:sp>
-        <p:nvSpPr>
-          <p:cNvPr id="5" name="Footer Placeholder 4">
-            <a:extLst>
-              <a:ext uri="{FF2B5EF4-FFF2-40B4-BE49-F238E27FC236}">
-                <a16:creationId xmlns:a16="http://schemas.microsoft.com/office/drawing/2014/main" id="{1DBBEC22-9011-4DAE-A740-8BA27350E9BC}"/>
-              </a:ext>
-            </a:extLst>
-          </p:cNvPr>
-          <p:cNvSpPr>
-            <a:spLocks noGrp="1"/>
-          </p:cNvSpPr>
-          <p:nvPr>
-            <p:ph type="ftr" sz="quarter" idx="11"/>
-          </p:nvPr>
-        </p:nvSpPr>
-        <p:spPr/>
-        <p:txBody>
-          <a:bodyPr/>
-          <a:lstStyle/>
-          <a:p>
-            <a:r>
-              <a:rPr lang="en-US"/>
-              <a:t>Indroduction to distributed systems</a:t>
-            </a:r>
-          </a:p>
-        </p:txBody>
-      </p:sp>
-      <p:sp>
-        <p:nvSpPr>
-          <p:cNvPr id="6" name="Slide Number Placeholder 5">
-            <a:extLst>
-              <a:ext uri="{FF2B5EF4-FFF2-40B4-BE49-F238E27FC236}">
-                <a16:creationId xmlns:a16="http://schemas.microsoft.com/office/drawing/2014/main" id="{5B605957-20EB-426A-A5E2-67D518632B1D}"/>
-              </a:ext>
-            </a:extLst>
-          </p:cNvPr>
-          <p:cNvSpPr>
-            <a:spLocks noGrp="1"/>
-          </p:cNvSpPr>
-          <p:nvPr>
-            <p:ph type="sldNum" sz="quarter" idx="12"/>
-          </p:nvPr>
-        </p:nvSpPr>
-        <p:spPr/>
-        <p:txBody>
-          <a:bodyPr/>
-          <a:lstStyle/>
-          <a:p>
-            <a:fld id="{DF28FB93-0A08-4E7D-8E63-9EFA29F1E093}" type="slidenum">
-              <a:rPr lang="en-US" smtClean="0"/>
-              <a:pPr/>
-              <a:t>43</a:t>
-            </a:fld>
-            <a:endParaRPr lang="en-US"/>
-          </a:p>
-        </p:txBody>
-      </p:sp>
-    </p:spTree>
-    <p:extLst>
-      <p:ext uri="{BB962C8B-B14F-4D97-AF65-F5344CB8AC3E}">
-        <p14:creationId xmlns:p14="http://schemas.microsoft.com/office/powerpoint/2010/main" val="3350364583"/>
-      </p:ext>
-    </p:extLst>
-  </p:cSld>
-  <p:clrMapOvr>
-    <a:masterClrMapping/>
-  </p:clrMapOvr>
-  <mc:AlternateContent xmlns:mc="http://schemas.openxmlformats.org/markup-compatibility/2006" xmlns:p14="http://schemas.microsoft.com/office/powerpoint/2010/main">
-    <mc:Choice Requires="p14">
-      <p:transition spd="med" p14:dur="700">
-        <p:fade/>
-      </p:transition>
-    </mc:Choice>
-    <mc:Fallback xmlns="">
-      <p:transition spd="med">
-        <p:fade/>
-      </p:transition>
-    </mc:Fallback>
-  </mc:AlternateContent>
-</p:sld>
-</file>
-
-<file path=ppt/slides/slide44.xml><?xml version="1.0" encoding="utf-8"?>
-<p:sld xmlns:a="http://schemas.openxmlformats.org/drawingml/2006/main" xmlns:r="http://schemas.openxmlformats.org/officeDocument/2006/relationships" xmlns:p="http://schemas.openxmlformats.org/presentationml/2006/main">
-  <p:cSld>
-    <p:spTree>
-      <p:nvGrpSpPr>
-        <p:cNvPr id="1" name=""/>
-        <p:cNvGrpSpPr/>
-        <p:nvPr/>
-      </p:nvGrpSpPr>
-      <p:grpSpPr>
-        <a:xfrm>
-          <a:off x="0" y="0"/>
-          <a:ext cx="0" cy="0"/>
-          <a:chOff x="0" y="0"/>
-          <a:chExt cx="0" cy="0"/>
-        </a:xfrm>
-      </p:grpSpPr>
-      <p:sp>
-        <p:nvSpPr>
-          <p:cNvPr id="2" name="Title 1">
-            <a:extLst>
-              <a:ext uri="{FF2B5EF4-FFF2-40B4-BE49-F238E27FC236}">
-                <a16:creationId xmlns:a16="http://schemas.microsoft.com/office/drawing/2014/main" id="{C855E5BF-EC5B-4897-85C5-5F7900252633}"/>
-              </a:ext>
-            </a:extLst>
-          </p:cNvPr>
-          <p:cNvSpPr>
-            <a:spLocks noGrp="1"/>
-          </p:cNvSpPr>
-          <p:nvPr>
-            <p:ph type="title"/>
-          </p:nvPr>
-        </p:nvSpPr>
-        <p:spPr/>
-        <p:txBody>
-          <a:bodyPr/>
-          <a:lstStyle/>
-          <a:p>
-            <a:endParaRPr lang="en-US"/>
-          </a:p>
-        </p:txBody>
-      </p:sp>
-      <p:sp>
-        <p:nvSpPr>
-          <p:cNvPr id="3" name="Content Placeholder 2">
-            <a:extLst>
-              <a:ext uri="{FF2B5EF4-FFF2-40B4-BE49-F238E27FC236}">
-                <a16:creationId xmlns:a16="http://schemas.microsoft.com/office/drawing/2014/main" id="{9BD3CD0B-161A-4757-A303-CA86E5AD2F77}"/>
-              </a:ext>
-            </a:extLst>
-          </p:cNvPr>
-          <p:cNvSpPr>
-            <a:spLocks noGrp="1"/>
-          </p:cNvSpPr>
-          <p:nvPr>
-            <p:ph idx="1"/>
-          </p:nvPr>
-        </p:nvSpPr>
-        <p:spPr/>
-        <p:txBody>
-          <a:bodyPr/>
-          <a:lstStyle/>
-          <a:p>
-            <a:r>
-              <a:rPr lang="en-US" dirty="0"/>
-              <a:t>Concurrent system </a:t>
-            </a:r>
-          </a:p>
-          <a:p>
-            <a:r>
-              <a:rPr lang="en-US" dirty="0"/>
-              <a:t>OS (</a:t>
-            </a:r>
-            <a:r>
-              <a:rPr lang="en-US" dirty="0" err="1"/>
-              <a:t>interprocess</a:t>
-            </a:r>
-            <a:r>
-              <a:rPr lang="en-US" dirty="0"/>
-              <a:t> communication and scheduling )</a:t>
-            </a:r>
-          </a:p>
-          <a:p>
-            <a:r>
-              <a:rPr lang="en-US" dirty="0"/>
-              <a:t>Database</a:t>
-            </a:r>
-          </a:p>
-          <a:p>
-            <a:r>
-              <a:rPr lang="en-US" dirty="0"/>
-              <a:t>Computer Networking</a:t>
-            </a:r>
-          </a:p>
-          <a:p>
-            <a:r>
-              <a:rPr lang="en-US" dirty="0"/>
-              <a:t>Further java</a:t>
-            </a:r>
-          </a:p>
-          <a:p>
-            <a:r>
-              <a:rPr lang="en-US" dirty="0"/>
-              <a:t>Security </a:t>
-            </a:r>
-          </a:p>
-          <a:p>
-            <a:r>
-              <a:rPr lang="en-US" dirty="0"/>
-              <a:t>Cloud computing</a:t>
-            </a:r>
-          </a:p>
-        </p:txBody>
-      </p:sp>
-      <p:sp>
-        <p:nvSpPr>
-          <p:cNvPr id="4" name="Date Placeholder 3">
-            <a:extLst>
-              <a:ext uri="{FF2B5EF4-FFF2-40B4-BE49-F238E27FC236}">
-                <a16:creationId xmlns:a16="http://schemas.microsoft.com/office/drawing/2014/main" id="{4A69F5E9-525A-4570-892E-EB0C02F3D212}"/>
-              </a:ext>
-            </a:extLst>
-          </p:cNvPr>
-          <p:cNvSpPr>
-            <a:spLocks noGrp="1"/>
-          </p:cNvSpPr>
-          <p:nvPr>
-            <p:ph type="dt" sz="half" idx="10"/>
-          </p:nvPr>
-        </p:nvSpPr>
-        <p:spPr/>
-        <p:txBody>
-          <a:bodyPr/>
-          <a:lstStyle/>
-          <a:p>
-            <a:fld id="{6885CB0F-38D2-4CF2-94B7-25E07B6792C1}" type="datetime1">
-              <a:rPr lang="en-US" smtClean="0"/>
-              <a:t>4/23/2021</a:t>
-            </a:fld>
-            <a:endParaRPr lang="en-US"/>
-          </a:p>
-        </p:txBody>
-      </p:sp>
-      <p:sp>
-        <p:nvSpPr>
-          <p:cNvPr id="5" name="Footer Placeholder 4">
-            <a:extLst>
-              <a:ext uri="{FF2B5EF4-FFF2-40B4-BE49-F238E27FC236}">
-                <a16:creationId xmlns:a16="http://schemas.microsoft.com/office/drawing/2014/main" id="{45174023-8E1D-4074-BAA0-876E73472D00}"/>
-              </a:ext>
-            </a:extLst>
-          </p:cNvPr>
-          <p:cNvSpPr>
-            <a:spLocks noGrp="1"/>
-          </p:cNvSpPr>
-          <p:nvPr>
-            <p:ph type="ftr" sz="quarter" idx="11"/>
-          </p:nvPr>
-        </p:nvSpPr>
-        <p:spPr/>
-        <p:txBody>
-          <a:bodyPr/>
-          <a:lstStyle/>
-          <a:p>
-            <a:r>
-              <a:rPr lang="en-US"/>
-              <a:t>Indroduction to distributed systems</a:t>
-            </a:r>
-          </a:p>
-        </p:txBody>
-      </p:sp>
-      <p:sp>
-        <p:nvSpPr>
-          <p:cNvPr id="6" name="Slide Number Placeholder 5">
-            <a:extLst>
-              <a:ext uri="{FF2B5EF4-FFF2-40B4-BE49-F238E27FC236}">
-                <a16:creationId xmlns:a16="http://schemas.microsoft.com/office/drawing/2014/main" id="{FF775E7C-2B98-4677-87E5-502E2D5F0685}"/>
-              </a:ext>
-            </a:extLst>
-          </p:cNvPr>
-          <p:cNvSpPr>
-            <a:spLocks noGrp="1"/>
-          </p:cNvSpPr>
-          <p:nvPr>
-            <p:ph type="sldNum" sz="quarter" idx="12"/>
-          </p:nvPr>
-        </p:nvSpPr>
-        <p:spPr/>
-        <p:txBody>
-          <a:bodyPr/>
-          <a:lstStyle/>
-          <a:p>
-            <a:fld id="{DF28FB93-0A08-4E7D-8E63-9EFA29F1E093}" type="slidenum">
-              <a:rPr lang="en-US" smtClean="0"/>
-              <a:pPr/>
-              <a:t>44</a:t>
-            </a:fld>
-            <a:endParaRPr lang="en-US"/>
-          </a:p>
-        </p:txBody>
-      </p:sp>
-    </p:spTree>
-    <p:extLst>
-      <p:ext uri="{BB962C8B-B14F-4D97-AF65-F5344CB8AC3E}">
-        <p14:creationId xmlns:p14="http://schemas.microsoft.com/office/powerpoint/2010/main" val="965340761"/>
-      </p:ext>
-    </p:extLst>
-  </p:cSld>
-  <p:clrMapOvr>
-    <a:masterClrMapping/>
-  </p:clrMapOvr>
-  <mc:AlternateContent xmlns:mc="http://schemas.openxmlformats.org/markup-compatibility/2006" xmlns:p14="http://schemas.microsoft.com/office/powerpoint/2010/main">
-    <mc:Choice Requires="p14">
-      <p:transition spd="med" p14:dur="700">
-        <p:fade/>
-      </p:transition>
-    </mc:Choice>
-    <mc:Fallback xmlns="">
-      <p:transition spd="med">
-        <p:fade/>
-      </p:transition>
-    </mc:Fallback>
-  </mc:AlternateContent>
-</p:sld>
-</file>
-
-<file path=ppt/slides/slide45.xml><?xml version="1.0" encoding="utf-8"?>
-<p:sld xmlns:a="http://schemas.openxmlformats.org/drawingml/2006/main" xmlns:r="http://schemas.openxmlformats.org/officeDocument/2006/relationships" xmlns:p="http://schemas.openxmlformats.org/presentationml/2006/main">
-  <p:cSld>
-    <p:spTree>
-      <p:nvGrpSpPr>
-        <p:cNvPr id="1" name=""/>
-        <p:cNvGrpSpPr/>
-        <p:nvPr/>
-      </p:nvGrpSpPr>
-      <p:grpSpPr>
-        <a:xfrm>
-          <a:off x="0" y="0"/>
-          <a:ext cx="0" cy="0"/>
-          <a:chOff x="0" y="0"/>
-          <a:chExt cx="0" cy="0"/>
-        </a:xfrm>
-      </p:grpSpPr>
-      <p:sp>
-        <p:nvSpPr>
-          <p:cNvPr id="2" name="Title 1">
-            <a:extLst>
-              <a:ext uri="{FF2B5EF4-FFF2-40B4-BE49-F238E27FC236}">
-                <a16:creationId xmlns:a16="http://schemas.microsoft.com/office/drawing/2014/main" id="{CF1DAB1E-CE48-43D8-8FD5-770592B0C805}"/>
-              </a:ext>
-            </a:extLst>
-          </p:cNvPr>
-          <p:cNvSpPr>
-            <a:spLocks noGrp="1"/>
-          </p:cNvSpPr>
-          <p:nvPr>
-            <p:ph type="title"/>
-          </p:nvPr>
-        </p:nvSpPr>
-        <p:spPr/>
-        <p:txBody>
-          <a:bodyPr/>
-          <a:lstStyle/>
-          <a:p>
-            <a:r>
-              <a:rPr lang="en-US" dirty="0"/>
-              <a:t>Disadvantage of DS</a:t>
-            </a:r>
-          </a:p>
-        </p:txBody>
-      </p:sp>
-      <p:sp>
-        <p:nvSpPr>
-          <p:cNvPr id="3" name="Content Placeholder 2">
-            <a:extLst>
-              <a:ext uri="{FF2B5EF4-FFF2-40B4-BE49-F238E27FC236}">
-                <a16:creationId xmlns:a16="http://schemas.microsoft.com/office/drawing/2014/main" id="{8436CDD0-8F4B-4C70-A41C-1F9F1DF01AEC}"/>
-              </a:ext>
-            </a:extLst>
-          </p:cNvPr>
-          <p:cNvSpPr>
-            <a:spLocks noGrp="1"/>
-          </p:cNvSpPr>
-          <p:nvPr>
-            <p:ph idx="1"/>
-          </p:nvPr>
-        </p:nvSpPr>
-        <p:spPr/>
-        <p:txBody>
-          <a:bodyPr/>
-          <a:lstStyle/>
-          <a:p>
-            <a:r>
-              <a:rPr lang="en-US" dirty="0"/>
-              <a:t>Internet connection problem </a:t>
-            </a:r>
-          </a:p>
-        </p:txBody>
-      </p:sp>
-      <p:sp>
-        <p:nvSpPr>
-          <p:cNvPr id="4" name="Date Placeholder 3">
-            <a:extLst>
-              <a:ext uri="{FF2B5EF4-FFF2-40B4-BE49-F238E27FC236}">
-                <a16:creationId xmlns:a16="http://schemas.microsoft.com/office/drawing/2014/main" id="{4A9E22A9-3D0C-40F5-BE84-B2603ED8747F}"/>
-              </a:ext>
-            </a:extLst>
-          </p:cNvPr>
-          <p:cNvSpPr>
-            <a:spLocks noGrp="1"/>
-          </p:cNvSpPr>
-          <p:nvPr>
-            <p:ph type="dt" sz="half" idx="10"/>
-          </p:nvPr>
-        </p:nvSpPr>
-        <p:spPr/>
-        <p:txBody>
-          <a:bodyPr/>
-          <a:lstStyle/>
-          <a:p>
-            <a:fld id="{6F22C6AD-8E09-4B9C-841E-8838E4A61E85}" type="datetime1">
-              <a:rPr lang="en-US" smtClean="0"/>
-              <a:t>4/23/2021</a:t>
-            </a:fld>
-            <a:endParaRPr lang="en-US"/>
-          </a:p>
-        </p:txBody>
-      </p:sp>
-      <p:sp>
-        <p:nvSpPr>
-          <p:cNvPr id="5" name="Footer Placeholder 4">
-            <a:extLst>
-              <a:ext uri="{FF2B5EF4-FFF2-40B4-BE49-F238E27FC236}">
-                <a16:creationId xmlns:a16="http://schemas.microsoft.com/office/drawing/2014/main" id="{691093D8-D64B-4A01-9119-7B9ADCB3CB0D}"/>
-              </a:ext>
-            </a:extLst>
-          </p:cNvPr>
-          <p:cNvSpPr>
-            <a:spLocks noGrp="1"/>
-          </p:cNvSpPr>
-          <p:nvPr>
-            <p:ph type="ftr" sz="quarter" idx="11"/>
-          </p:nvPr>
-        </p:nvSpPr>
-        <p:spPr/>
-        <p:txBody>
-          <a:bodyPr/>
-          <a:lstStyle/>
-          <a:p>
-            <a:r>
-              <a:rPr lang="en-US"/>
-              <a:t>Indroduction to distributed systems</a:t>
-            </a:r>
-          </a:p>
-        </p:txBody>
-      </p:sp>
-      <p:sp>
-        <p:nvSpPr>
-          <p:cNvPr id="6" name="Slide Number Placeholder 5">
-            <a:extLst>
-              <a:ext uri="{FF2B5EF4-FFF2-40B4-BE49-F238E27FC236}">
-                <a16:creationId xmlns:a16="http://schemas.microsoft.com/office/drawing/2014/main" id="{AB929D08-1E8C-4C16-BB7B-686210904F13}"/>
-              </a:ext>
-            </a:extLst>
-          </p:cNvPr>
-          <p:cNvSpPr>
-            <a:spLocks noGrp="1"/>
-          </p:cNvSpPr>
-          <p:nvPr>
-            <p:ph type="sldNum" sz="quarter" idx="12"/>
-          </p:nvPr>
-        </p:nvSpPr>
-        <p:spPr/>
-        <p:txBody>
-          <a:bodyPr/>
-          <a:lstStyle/>
-          <a:p>
-            <a:fld id="{DF28FB93-0A08-4E7D-8E63-9EFA29F1E093}" type="slidenum">
-              <a:rPr lang="en-US" smtClean="0"/>
-              <a:pPr/>
-              <a:t>45</a:t>
-            </a:fld>
-            <a:endParaRPr lang="en-US"/>
-          </a:p>
-        </p:txBody>
-      </p:sp>
-    </p:spTree>
-    <p:extLst>
-      <p:ext uri="{BB962C8B-B14F-4D97-AF65-F5344CB8AC3E}">
-        <p14:creationId xmlns:p14="http://schemas.microsoft.com/office/powerpoint/2010/main" val="1175137765"/>
-      </p:ext>
-    </p:extLst>
-  </p:cSld>
-  <p:clrMapOvr>
-    <a:masterClrMapping/>
-  </p:clrMapOvr>
-  <mc:AlternateContent xmlns:mc="http://schemas.openxmlformats.org/markup-compatibility/2006" xmlns:p14="http://schemas.microsoft.com/office/powerpoint/2010/main">
-    <mc:Choice Requires="p14">
-      <p:transition spd="med" p14:dur="700">
-        <p:fade/>
-      </p:transition>
-    </mc:Choice>
-    <mc:Fallback xmlns="">
-      <p:transition spd="med">
-        <p:fade/>
-      </p:transition>
-    </mc:Fallback>
-  </mc:AlternateContent>
-</p:sld>
-</file>
-
-<file path=ppt/slides/slide46.xml><?xml version="1.0" encoding="utf-8"?>
-<p:sld xmlns:a="http://schemas.openxmlformats.org/drawingml/2006/main" xmlns:r="http://schemas.openxmlformats.org/officeDocument/2006/relationships" xmlns:p="http://schemas.openxmlformats.org/presentationml/2006/main">
-  <p:cSld>
-    <p:spTree>
-      <p:nvGrpSpPr>
-        <p:cNvPr id="1" name=""/>
-        <p:cNvGrpSpPr/>
-        <p:nvPr/>
-      </p:nvGrpSpPr>
-      <p:grpSpPr>
-        <a:xfrm>
-          <a:off x="0" y="0"/>
-          <a:ext cx="0" cy="0"/>
-          <a:chOff x="0" y="0"/>
-          <a:chExt cx="0" cy="0"/>
-        </a:xfrm>
-      </p:grpSpPr>
-      <p:sp>
-        <p:nvSpPr>
-          <p:cNvPr id="2" name="Title 1">
-            <a:extLst>
-              <a:ext uri="{FF2B5EF4-FFF2-40B4-BE49-F238E27FC236}">
-                <a16:creationId xmlns:a16="http://schemas.microsoft.com/office/drawing/2014/main" id="{80B2C9F8-FC2E-463C-A261-8FC2FDDB7637}"/>
-              </a:ext>
-            </a:extLst>
-          </p:cNvPr>
-          <p:cNvSpPr>
-            <a:spLocks noGrp="1"/>
-          </p:cNvSpPr>
-          <p:nvPr>
-            <p:ph type="title"/>
-          </p:nvPr>
-        </p:nvSpPr>
-        <p:spPr/>
-        <p:txBody>
-          <a:bodyPr/>
-          <a:lstStyle/>
-          <a:p>
-            <a:r>
-              <a:rPr lang="en-US" dirty="0"/>
-              <a:t>Why not make a system distributed?</a:t>
-            </a:r>
-          </a:p>
-        </p:txBody>
-      </p:sp>
-      <p:sp>
-        <p:nvSpPr>
-          <p:cNvPr id="3" name="Content Placeholder 2">
-            <a:extLst>
-              <a:ext uri="{FF2B5EF4-FFF2-40B4-BE49-F238E27FC236}">
-                <a16:creationId xmlns:a16="http://schemas.microsoft.com/office/drawing/2014/main" id="{7EC98826-21A7-4CF2-8C25-E0AC628AAFAA}"/>
-              </a:ext>
-            </a:extLst>
-          </p:cNvPr>
-          <p:cNvSpPr>
-            <a:spLocks noGrp="1"/>
-          </p:cNvSpPr>
-          <p:nvPr>
-            <p:ph idx="1"/>
-          </p:nvPr>
-        </p:nvSpPr>
-        <p:spPr/>
-        <p:txBody>
-          <a:bodyPr/>
-          <a:lstStyle/>
-          <a:p>
-            <a:r>
-              <a:rPr lang="en-US" dirty="0"/>
-              <a:t>The trouble with distributed systems:</a:t>
-            </a:r>
-          </a:p>
-          <a:p>
-            <a:r>
-              <a:rPr lang="en-US" dirty="0"/>
-              <a:t>Communication may fail(and we might not even know it has failed)</a:t>
-            </a:r>
-          </a:p>
-          <a:p>
-            <a:r>
-              <a:rPr lang="en-US" dirty="0"/>
-              <a:t>Process may crash(and we might not know)</a:t>
-            </a:r>
-          </a:p>
-          <a:p>
-            <a:r>
-              <a:rPr lang="en-US" dirty="0"/>
-              <a:t>All of this may happen nondeterministic ally</a:t>
-            </a:r>
-          </a:p>
-          <a:p>
-            <a:r>
-              <a:rPr lang="en-US" dirty="0"/>
-              <a:t>Fault tolerance : we want the system as a whole to continue working, even when some are faulty.</a:t>
-            </a:r>
-          </a:p>
-          <a:p>
-            <a:r>
-              <a:rPr lang="en-US" dirty="0"/>
-              <a:t>This is hard.</a:t>
-            </a:r>
-          </a:p>
-          <a:p>
-            <a:r>
-              <a:rPr lang="en-US" dirty="0"/>
-              <a:t>Writing a program to run on a single system is comparatively easy?!</a:t>
-            </a:r>
-          </a:p>
-        </p:txBody>
-      </p:sp>
-      <p:sp>
-        <p:nvSpPr>
-          <p:cNvPr id="4" name="Date Placeholder 3">
-            <a:extLst>
-              <a:ext uri="{FF2B5EF4-FFF2-40B4-BE49-F238E27FC236}">
-                <a16:creationId xmlns:a16="http://schemas.microsoft.com/office/drawing/2014/main" id="{A9D3C4FB-320D-4E4F-A033-A61DE53D3FCB}"/>
-              </a:ext>
-            </a:extLst>
-          </p:cNvPr>
-          <p:cNvSpPr>
-            <a:spLocks noGrp="1"/>
-          </p:cNvSpPr>
-          <p:nvPr>
-            <p:ph type="dt" sz="half" idx="10"/>
-          </p:nvPr>
-        </p:nvSpPr>
-        <p:spPr/>
-        <p:txBody>
-          <a:bodyPr/>
-          <a:lstStyle/>
-          <a:p>
-            <a:fld id="{121BF99B-BC48-40B8-BA4E-E319723D258C}" type="datetime1">
-              <a:rPr lang="en-US" smtClean="0"/>
-              <a:t>4/23/2021</a:t>
-            </a:fld>
-            <a:endParaRPr lang="en-US"/>
-          </a:p>
-        </p:txBody>
-      </p:sp>
-      <p:sp>
-        <p:nvSpPr>
-          <p:cNvPr id="5" name="Footer Placeholder 4">
-            <a:extLst>
-              <a:ext uri="{FF2B5EF4-FFF2-40B4-BE49-F238E27FC236}">
-                <a16:creationId xmlns:a16="http://schemas.microsoft.com/office/drawing/2014/main" id="{6AA39689-FB36-4D94-8C9D-F893DEBCC152}"/>
-              </a:ext>
-            </a:extLst>
-          </p:cNvPr>
-          <p:cNvSpPr>
-            <a:spLocks noGrp="1"/>
-          </p:cNvSpPr>
-          <p:nvPr>
-            <p:ph type="ftr" sz="quarter" idx="11"/>
-          </p:nvPr>
-        </p:nvSpPr>
-        <p:spPr/>
-        <p:txBody>
-          <a:bodyPr/>
-          <a:lstStyle/>
-          <a:p>
-            <a:r>
-              <a:rPr lang="en-US"/>
-              <a:t>Indroduction to distributed systems</a:t>
-            </a:r>
-          </a:p>
-        </p:txBody>
-      </p:sp>
-      <p:sp>
-        <p:nvSpPr>
-          <p:cNvPr id="6" name="Slide Number Placeholder 5">
-            <a:extLst>
-              <a:ext uri="{FF2B5EF4-FFF2-40B4-BE49-F238E27FC236}">
-                <a16:creationId xmlns:a16="http://schemas.microsoft.com/office/drawing/2014/main" id="{4132F314-D329-41F8-82C2-1113458894D5}"/>
-              </a:ext>
-            </a:extLst>
-          </p:cNvPr>
-          <p:cNvSpPr>
-            <a:spLocks noGrp="1"/>
-          </p:cNvSpPr>
-          <p:nvPr>
-            <p:ph type="sldNum" sz="quarter" idx="12"/>
-          </p:nvPr>
-        </p:nvSpPr>
-        <p:spPr/>
-        <p:txBody>
-          <a:bodyPr/>
-          <a:lstStyle/>
-          <a:p>
-            <a:fld id="{DF28FB93-0A08-4E7D-8E63-9EFA29F1E093}" type="slidenum">
-              <a:rPr lang="en-US" smtClean="0"/>
-              <a:pPr/>
-              <a:t>46</a:t>
-            </a:fld>
-            <a:endParaRPr lang="en-US"/>
-          </a:p>
-        </p:txBody>
-      </p:sp>
-    </p:spTree>
-    <p:extLst>
-      <p:ext uri="{BB962C8B-B14F-4D97-AF65-F5344CB8AC3E}">
-        <p14:creationId xmlns:p14="http://schemas.microsoft.com/office/powerpoint/2010/main" val="223199979"/>
-      </p:ext>
-    </p:extLst>
-  </p:cSld>
-  <p:clrMapOvr>
-    <a:masterClrMapping/>
-  </p:clrMapOvr>
-  <mc:AlternateContent xmlns:mc="http://schemas.openxmlformats.org/markup-compatibility/2006" xmlns:p14="http://schemas.microsoft.com/office/powerpoint/2010/main">
-    <mc:Choice Requires="p14">
-      <p:transition spd="med" p14:dur="700">
-        <p:fade/>
-      </p:transition>
-    </mc:Choice>
-    <mc:Fallback xmlns="">
-      <p:transition spd="med">
-        <p:fade/>
-      </p:transition>
-    </mc:Fallback>
-  </mc:AlternateContent>
-</p:sld>
-</file>
-
-<file path=ppt/slides/slide47.xml><?xml version="1.0" encoding="utf-8"?>
-<p:sld xmlns:a="http://schemas.openxmlformats.org/drawingml/2006/main" xmlns:r="http://schemas.openxmlformats.org/officeDocument/2006/relationships" xmlns:p="http://schemas.openxmlformats.org/presentationml/2006/main">
-  <p:cSld>
-    <p:spTree>
-      <p:nvGrpSpPr>
-        <p:cNvPr id="1" name=""/>
-        <p:cNvGrpSpPr/>
-        <p:nvPr/>
-      </p:nvGrpSpPr>
-      <p:grpSpPr>
-        <a:xfrm>
-          <a:off x="0" y="0"/>
-          <a:ext cx="0" cy="0"/>
-          <a:chOff x="0" y="0"/>
-          <a:chExt cx="0" cy="0"/>
-        </a:xfrm>
-      </p:grpSpPr>
-      <p:sp>
-        <p:nvSpPr>
-          <p:cNvPr id="2" name="Title 1">
-            <a:extLst>
-              <a:ext uri="{FF2B5EF4-FFF2-40B4-BE49-F238E27FC236}">
-                <a16:creationId xmlns:a16="http://schemas.microsoft.com/office/drawing/2014/main" id="{43C18552-D407-4324-A8EC-31AE18CD5978}"/>
-              </a:ext>
-            </a:extLst>
-          </p:cNvPr>
-          <p:cNvSpPr>
-            <a:spLocks noGrp="1"/>
-          </p:cNvSpPr>
-          <p:nvPr>
-            <p:ph type="title"/>
-          </p:nvPr>
-        </p:nvSpPr>
-        <p:spPr/>
-        <p:txBody>
-          <a:bodyPr/>
-          <a:lstStyle/>
-          <a:p>
-            <a:r>
-              <a:rPr lang="en-US" dirty="0"/>
-              <a:t>DS and CN</a:t>
-            </a:r>
-          </a:p>
-        </p:txBody>
-      </p:sp>
-      <p:sp>
-        <p:nvSpPr>
-          <p:cNvPr id="3" name="Content Placeholder 2">
-            <a:extLst>
-              <a:ext uri="{FF2B5EF4-FFF2-40B4-BE49-F238E27FC236}">
-                <a16:creationId xmlns:a16="http://schemas.microsoft.com/office/drawing/2014/main" id="{F5C3F38F-5806-48E7-9963-1899CF55F3BA}"/>
-              </a:ext>
-            </a:extLst>
-          </p:cNvPr>
-          <p:cNvSpPr>
-            <a:spLocks noGrp="1"/>
-          </p:cNvSpPr>
-          <p:nvPr>
-            <p:ph idx="1"/>
-          </p:nvPr>
-        </p:nvSpPr>
-        <p:spPr/>
-        <p:txBody>
-          <a:bodyPr>
-            <a:normAutofit fontScale="92500" lnSpcReduction="20000"/>
-          </a:bodyPr>
-          <a:lstStyle/>
-          <a:p>
-            <a:endParaRPr lang="en-US" dirty="0"/>
-          </a:p>
-          <a:p>
-            <a:endParaRPr lang="en-US" dirty="0"/>
-          </a:p>
-          <a:p>
-            <a:endParaRPr lang="en-US" dirty="0"/>
-          </a:p>
-          <a:p>
-            <a:endParaRPr lang="en-US" dirty="0"/>
-          </a:p>
-          <a:p>
-            <a:r>
-              <a:rPr lang="en-US" dirty="0"/>
-              <a:t>In  practice is much more complex :</a:t>
-            </a:r>
-          </a:p>
-          <a:p>
-            <a:r>
-              <a:rPr lang="en-US" b="1" dirty="0"/>
-              <a:t>Various network operators :</a:t>
-            </a:r>
-          </a:p>
-          <a:p>
-            <a:r>
-              <a:rPr lang="en-US" dirty="0" err="1"/>
-              <a:t>Eduroam</a:t>
-            </a:r>
-            <a:r>
-              <a:rPr lang="en-US" dirty="0"/>
-              <a:t>, home DSL, cellular data, coffee shop </a:t>
-            </a:r>
-            <a:r>
-              <a:rPr lang="en-US" dirty="0" err="1"/>
-              <a:t>wifi</a:t>
-            </a:r>
-            <a:r>
-              <a:rPr lang="en-US" dirty="0"/>
-              <a:t>, submarine cable, satellite </a:t>
-            </a:r>
-          </a:p>
-          <a:p>
-            <a:r>
-              <a:rPr lang="en-US" b="1" dirty="0"/>
-              <a:t>Physical communication :</a:t>
-            </a:r>
-          </a:p>
-          <a:p>
-            <a:r>
-              <a:rPr lang="en-US" dirty="0"/>
-              <a:t>Electric current , radio waves, laser, hard drives in a van…</a:t>
-            </a:r>
-          </a:p>
-          <a:p>
-            <a:endParaRPr lang="en-US" dirty="0"/>
-          </a:p>
-        </p:txBody>
-      </p:sp>
-      <p:sp>
-        <p:nvSpPr>
-          <p:cNvPr id="4" name="Oval 3">
-            <a:extLst>
-              <a:ext uri="{FF2B5EF4-FFF2-40B4-BE49-F238E27FC236}">
-                <a16:creationId xmlns:a16="http://schemas.microsoft.com/office/drawing/2014/main" id="{1A291F4F-9E06-4B9E-9750-149192071338}"/>
-              </a:ext>
-            </a:extLst>
-          </p:cNvPr>
-          <p:cNvSpPr/>
-          <p:nvPr/>
-        </p:nvSpPr>
-        <p:spPr>
-          <a:xfrm>
-            <a:off x="3351212" y="2419927"/>
-            <a:ext cx="1219836" cy="1168400"/>
-          </a:xfrm>
-          <a:prstGeom prst="ellipse">
-            <a:avLst/>
-          </a:prstGeom>
-        </p:spPr>
-        <p:style>
-          <a:lnRef idx="2">
-            <a:schemeClr val="accent6"/>
-          </a:lnRef>
-          <a:fillRef idx="1">
-            <a:schemeClr val="lt1"/>
-          </a:fillRef>
-          <a:effectRef idx="0">
-            <a:schemeClr val="accent6"/>
-          </a:effectRef>
-          <a:fontRef idx="minor">
-            <a:schemeClr val="dk1"/>
-          </a:fontRef>
-        </p:style>
-        <p:txBody>
-          <a:bodyPr rtlCol="0" anchor="ctr"/>
-          <a:lstStyle/>
-          <a:p>
-            <a:pPr algn="ctr"/>
-            <a:r>
-              <a:rPr lang="en-US" dirty="0"/>
-              <a:t>Node </a:t>
-            </a:r>
-            <a:r>
-              <a:rPr lang="en-US" i="1" dirty="0" err="1"/>
-              <a:t>i</a:t>
-            </a:r>
-            <a:endParaRPr lang="en-US" i="1" dirty="0"/>
-          </a:p>
-        </p:txBody>
-      </p:sp>
-      <p:sp>
-        <p:nvSpPr>
-          <p:cNvPr id="6" name="Oval 5">
-            <a:extLst>
-              <a:ext uri="{FF2B5EF4-FFF2-40B4-BE49-F238E27FC236}">
-                <a16:creationId xmlns:a16="http://schemas.microsoft.com/office/drawing/2014/main" id="{040423FD-E959-4E86-B66A-104D51555E4E}"/>
-              </a:ext>
-            </a:extLst>
-          </p:cNvPr>
-          <p:cNvSpPr/>
-          <p:nvPr/>
-        </p:nvSpPr>
-        <p:spPr>
-          <a:xfrm>
-            <a:off x="6780212" y="2438400"/>
-            <a:ext cx="1371600" cy="1168400"/>
-          </a:xfrm>
-          <a:prstGeom prst="ellipse">
-            <a:avLst/>
-          </a:prstGeom>
-        </p:spPr>
-        <p:style>
-          <a:lnRef idx="2">
-            <a:schemeClr val="accent6"/>
-          </a:lnRef>
-          <a:fillRef idx="1">
-            <a:schemeClr val="lt1"/>
-          </a:fillRef>
-          <a:effectRef idx="0">
-            <a:schemeClr val="accent6"/>
-          </a:effectRef>
-          <a:fontRef idx="minor">
-            <a:schemeClr val="dk1"/>
-          </a:fontRef>
-        </p:style>
-        <p:txBody>
-          <a:bodyPr rtlCol="0" anchor="ctr"/>
-          <a:lstStyle/>
-          <a:p>
-            <a:pPr algn="ctr"/>
-            <a:r>
-              <a:rPr lang="en-US" dirty="0"/>
-              <a:t>Node </a:t>
-            </a:r>
-            <a:r>
-              <a:rPr lang="en-US" i="1" dirty="0"/>
-              <a:t>j</a:t>
-            </a:r>
-          </a:p>
-        </p:txBody>
-      </p:sp>
-      <p:cxnSp>
-        <p:nvCxnSpPr>
-          <p:cNvPr id="8" name="Straight Arrow Connector 7">
-            <a:extLst>
-              <a:ext uri="{FF2B5EF4-FFF2-40B4-BE49-F238E27FC236}">
-                <a16:creationId xmlns:a16="http://schemas.microsoft.com/office/drawing/2014/main" id="{BA0E059D-56DA-407F-BF8E-AB970AB9BCDA}"/>
-              </a:ext>
-            </a:extLst>
-          </p:cNvPr>
-          <p:cNvCxnSpPr>
-            <a:cxnSpLocks/>
-            <a:endCxn id="6" idx="2"/>
-          </p:cNvCxnSpPr>
-          <p:nvPr/>
-        </p:nvCxnSpPr>
-        <p:spPr>
-          <a:xfrm>
-            <a:off x="4571048" y="3022600"/>
-            <a:ext cx="2209164" cy="0"/>
-          </a:xfrm>
-          <a:prstGeom prst="straightConnector1">
-            <a:avLst/>
-          </a:prstGeom>
-          <a:ln>
-            <a:tailEnd type="triangle"/>
-          </a:ln>
-        </p:spPr>
-        <p:style>
-          <a:lnRef idx="1">
-            <a:schemeClr val="accent1"/>
-          </a:lnRef>
-          <a:fillRef idx="0">
-            <a:schemeClr val="accent1"/>
-          </a:fillRef>
-          <a:effectRef idx="0">
-            <a:schemeClr val="accent1"/>
-          </a:effectRef>
-          <a:fontRef idx="minor">
-            <a:schemeClr val="tx1"/>
-          </a:fontRef>
-        </p:style>
-      </p:cxnSp>
-      <p:sp>
-        <p:nvSpPr>
-          <p:cNvPr id="13" name="TextBox 12">
-            <a:extLst>
-              <a:ext uri="{FF2B5EF4-FFF2-40B4-BE49-F238E27FC236}">
-                <a16:creationId xmlns:a16="http://schemas.microsoft.com/office/drawing/2014/main" id="{A2882326-F1C3-4819-B87B-E63E3C892ECA}"/>
-              </a:ext>
-            </a:extLst>
-          </p:cNvPr>
-          <p:cNvSpPr txBox="1"/>
-          <p:nvPr/>
-        </p:nvSpPr>
-        <p:spPr>
-          <a:xfrm>
-            <a:off x="4989830" y="2456874"/>
-            <a:ext cx="1371600" cy="369332"/>
-          </a:xfrm>
-          <a:prstGeom prst="rect">
-            <a:avLst/>
-          </a:prstGeom>
-          <a:noFill/>
-        </p:spPr>
-        <p:txBody>
-          <a:bodyPr wrap="square" rtlCol="0">
-            <a:spAutoFit/>
-          </a:bodyPr>
-          <a:lstStyle/>
-          <a:p>
-            <a:r>
-              <a:rPr lang="en-US" dirty="0"/>
-              <a:t>Message </a:t>
-            </a:r>
-            <a:r>
-              <a:rPr lang="en-US" i="1" dirty="0"/>
-              <a:t>m </a:t>
-            </a:r>
-          </a:p>
-        </p:txBody>
-      </p:sp>
-      <p:sp>
-        <p:nvSpPr>
-          <p:cNvPr id="5" name="Date Placeholder 4">
-            <a:extLst>
-              <a:ext uri="{FF2B5EF4-FFF2-40B4-BE49-F238E27FC236}">
-                <a16:creationId xmlns:a16="http://schemas.microsoft.com/office/drawing/2014/main" id="{949BEFE7-13A1-47E2-92EA-264B65974673}"/>
-              </a:ext>
-            </a:extLst>
-          </p:cNvPr>
-          <p:cNvSpPr>
-            <a:spLocks noGrp="1"/>
-          </p:cNvSpPr>
-          <p:nvPr>
-            <p:ph type="dt" sz="half" idx="10"/>
-          </p:nvPr>
-        </p:nvSpPr>
-        <p:spPr/>
-        <p:txBody>
-          <a:bodyPr/>
-          <a:lstStyle/>
-          <a:p>
-            <a:fld id="{857C0A13-E000-410C-87C2-9E7774616A34}" type="datetime1">
-              <a:rPr lang="en-US" smtClean="0"/>
-              <a:t>4/23/2021</a:t>
-            </a:fld>
-            <a:endParaRPr lang="en-US"/>
-          </a:p>
-        </p:txBody>
-      </p:sp>
-      <p:sp>
-        <p:nvSpPr>
-          <p:cNvPr id="7" name="Footer Placeholder 6">
-            <a:extLst>
-              <a:ext uri="{FF2B5EF4-FFF2-40B4-BE49-F238E27FC236}">
-                <a16:creationId xmlns:a16="http://schemas.microsoft.com/office/drawing/2014/main" id="{FB573609-E5D5-4321-B25A-6F2EED14B533}"/>
-              </a:ext>
-            </a:extLst>
-          </p:cNvPr>
-          <p:cNvSpPr>
-            <a:spLocks noGrp="1"/>
-          </p:cNvSpPr>
-          <p:nvPr>
-            <p:ph type="ftr" sz="quarter" idx="11"/>
-          </p:nvPr>
-        </p:nvSpPr>
-        <p:spPr/>
-        <p:txBody>
-          <a:bodyPr/>
-          <a:lstStyle/>
-          <a:p>
-            <a:r>
-              <a:rPr lang="en-US"/>
-              <a:t>Indroduction to distributed systems</a:t>
-            </a:r>
-          </a:p>
-        </p:txBody>
-      </p:sp>
-      <p:sp>
-        <p:nvSpPr>
-          <p:cNvPr id="9" name="Slide Number Placeholder 8">
-            <a:extLst>
-              <a:ext uri="{FF2B5EF4-FFF2-40B4-BE49-F238E27FC236}">
-                <a16:creationId xmlns:a16="http://schemas.microsoft.com/office/drawing/2014/main" id="{50A1125E-E219-4033-B274-3D9CD8E421DF}"/>
-              </a:ext>
-            </a:extLst>
-          </p:cNvPr>
-          <p:cNvSpPr>
-            <a:spLocks noGrp="1"/>
-          </p:cNvSpPr>
-          <p:nvPr>
-            <p:ph type="sldNum" sz="quarter" idx="12"/>
-          </p:nvPr>
-        </p:nvSpPr>
-        <p:spPr/>
-        <p:txBody>
-          <a:bodyPr/>
-          <a:lstStyle/>
-          <a:p>
-            <a:fld id="{DF28FB93-0A08-4E7D-8E63-9EFA29F1E093}" type="slidenum">
-              <a:rPr lang="en-US" smtClean="0"/>
-              <a:pPr/>
-              <a:t>47</a:t>
-            </a:fld>
-            <a:endParaRPr lang="en-US"/>
-          </a:p>
-        </p:txBody>
-      </p:sp>
-    </p:spTree>
-    <p:extLst>
-      <p:ext uri="{BB962C8B-B14F-4D97-AF65-F5344CB8AC3E}">
-        <p14:creationId xmlns:p14="http://schemas.microsoft.com/office/powerpoint/2010/main" val="2622792432"/>
-      </p:ext>
-    </p:extLst>
-  </p:cSld>
-  <p:clrMapOvr>
-    <a:masterClrMapping/>
-  </p:clrMapOvr>
-  <mc:AlternateContent xmlns:mc="http://schemas.openxmlformats.org/markup-compatibility/2006" xmlns:p14="http://schemas.microsoft.com/office/powerpoint/2010/main">
-    <mc:Choice Requires="p14">
-      <p:transition spd="med" p14:dur="700">
-        <p:fade/>
-      </p:transition>
-    </mc:Choice>
-    <mc:Fallback xmlns="">
-      <p:transition spd="med">
-        <p:fade/>
-      </p:transition>
-    </mc:Fallback>
-  </mc:AlternateContent>
-</p:sld>
-</file>
-
-<file path=ppt/slides/slide48.xml><?xml version="1.0" encoding="utf-8"?>
-<p:sld xmlns:a="http://schemas.openxmlformats.org/drawingml/2006/main" xmlns:r="http://schemas.openxmlformats.org/officeDocument/2006/relationships" xmlns:p="http://schemas.openxmlformats.org/presentationml/2006/main">
-  <p:cSld>
-    <p:spTree>
-      <p:nvGrpSpPr>
-        <p:cNvPr id="1" name=""/>
-        <p:cNvGrpSpPr/>
-        <p:nvPr/>
-      </p:nvGrpSpPr>
-      <p:grpSpPr>
-        <a:xfrm>
-          <a:off x="0" y="0"/>
-          <a:ext cx="0" cy="0"/>
-          <a:chOff x="0" y="0"/>
-          <a:chExt cx="0" cy="0"/>
-        </a:xfrm>
-      </p:grpSpPr>
-      <p:sp>
-        <p:nvSpPr>
-          <p:cNvPr id="2" name="Title 1">
-            <a:extLst>
-              <a:ext uri="{FF2B5EF4-FFF2-40B4-BE49-F238E27FC236}">
-                <a16:creationId xmlns:a16="http://schemas.microsoft.com/office/drawing/2014/main" id="{3C91D398-AF98-4BE7-874B-B353AD9502AB}"/>
-              </a:ext>
-            </a:extLst>
-          </p:cNvPr>
-          <p:cNvSpPr>
-            <a:spLocks noGrp="1"/>
-          </p:cNvSpPr>
-          <p:nvPr>
-            <p:ph type="title"/>
-          </p:nvPr>
-        </p:nvSpPr>
-        <p:spPr/>
-        <p:txBody>
-          <a:bodyPr/>
-          <a:lstStyle/>
-          <a:p>
-            <a:r>
-              <a:rPr lang="en-US" dirty="0"/>
-              <a:t>Latency and Bandwidth</a:t>
-            </a:r>
-          </a:p>
-        </p:txBody>
-      </p:sp>
-      <p:sp>
-        <p:nvSpPr>
-          <p:cNvPr id="3" name="Content Placeholder 2">
-            <a:extLst>
-              <a:ext uri="{FF2B5EF4-FFF2-40B4-BE49-F238E27FC236}">
-                <a16:creationId xmlns:a16="http://schemas.microsoft.com/office/drawing/2014/main" id="{E6399EBD-2FF2-436B-8F9C-8051F2D3532B}"/>
-              </a:ext>
-            </a:extLst>
-          </p:cNvPr>
-          <p:cNvSpPr>
-            <a:spLocks noGrp="1"/>
-          </p:cNvSpPr>
-          <p:nvPr>
-            <p:ph idx="1"/>
-          </p:nvPr>
-        </p:nvSpPr>
-        <p:spPr/>
-        <p:txBody>
-          <a:bodyPr>
-            <a:normAutofit fontScale="92500" lnSpcReduction="20000"/>
-          </a:bodyPr>
-          <a:lstStyle/>
-          <a:p>
-            <a:r>
-              <a:rPr lang="en-US" dirty="0"/>
-              <a:t>Latency : time until message arrives </a:t>
-            </a:r>
-          </a:p>
-          <a:p>
-            <a:r>
-              <a:rPr lang="en-US" dirty="0"/>
-              <a:t>In the same building/datacenter: ~ 1 </a:t>
-            </a:r>
-            <a:r>
-              <a:rPr lang="en-US" dirty="0" err="1"/>
-              <a:t>ms</a:t>
-            </a:r>
-            <a:endParaRPr lang="en-US" dirty="0"/>
-          </a:p>
-          <a:p>
-            <a:r>
-              <a:rPr lang="en-US" dirty="0"/>
-              <a:t>One continent to another :~ 100 </a:t>
-            </a:r>
-            <a:r>
-              <a:rPr lang="en-US" dirty="0" err="1"/>
-              <a:t>ms</a:t>
-            </a:r>
-            <a:endParaRPr lang="en-US" dirty="0"/>
-          </a:p>
-          <a:p>
-            <a:r>
-              <a:rPr lang="en-US" dirty="0"/>
-              <a:t>Hard drives in a van : ~ 1 day</a:t>
-            </a:r>
-          </a:p>
-          <a:p>
-            <a:r>
-              <a:rPr lang="en-US" dirty="0"/>
-              <a:t>Bandwidth : data volume per unit time</a:t>
-            </a:r>
-          </a:p>
-          <a:p>
-            <a:r>
-              <a:rPr lang="en-US" dirty="0"/>
-              <a:t>3G cellular data : ~ 1 Mbit/s</a:t>
-            </a:r>
-          </a:p>
-          <a:p>
-            <a:r>
-              <a:rPr lang="en-US" dirty="0"/>
-              <a:t>Home broadband : ~ 10 Mbit/s</a:t>
-            </a:r>
-          </a:p>
-          <a:p>
-            <a:r>
-              <a:rPr lang="en-US" dirty="0"/>
-              <a:t>Hard drives in a van : 50 TB/box ~1</a:t>
-            </a:r>
-          </a:p>
-          <a:p>
-            <a:r>
-              <a:rPr lang="en-US" dirty="0"/>
-              <a:t>(Very rough numbers , vary hugely in practice)</a:t>
-            </a:r>
-          </a:p>
-        </p:txBody>
-      </p:sp>
-      <p:sp>
-        <p:nvSpPr>
-          <p:cNvPr id="4" name="Date Placeholder 3">
-            <a:extLst>
-              <a:ext uri="{FF2B5EF4-FFF2-40B4-BE49-F238E27FC236}">
-                <a16:creationId xmlns:a16="http://schemas.microsoft.com/office/drawing/2014/main" id="{F4A01521-FEC0-4C26-A4D6-B3958A4C89F7}"/>
-              </a:ext>
-            </a:extLst>
-          </p:cNvPr>
-          <p:cNvSpPr>
-            <a:spLocks noGrp="1"/>
-          </p:cNvSpPr>
-          <p:nvPr>
-            <p:ph type="dt" sz="half" idx="10"/>
-          </p:nvPr>
-        </p:nvSpPr>
-        <p:spPr/>
-        <p:txBody>
-          <a:bodyPr/>
-          <a:lstStyle/>
-          <a:p>
-            <a:fld id="{AA334224-299D-4326-B413-D3D76F3596C0}" type="datetime1">
-              <a:rPr lang="en-US" smtClean="0"/>
-              <a:t>4/23/2021</a:t>
-            </a:fld>
-            <a:endParaRPr lang="en-US"/>
-          </a:p>
-        </p:txBody>
-      </p:sp>
-      <p:sp>
-        <p:nvSpPr>
-          <p:cNvPr id="5" name="Footer Placeholder 4">
-            <a:extLst>
-              <a:ext uri="{FF2B5EF4-FFF2-40B4-BE49-F238E27FC236}">
-                <a16:creationId xmlns:a16="http://schemas.microsoft.com/office/drawing/2014/main" id="{2C3BE68A-60C9-4A76-87DB-0FE9F4E3197B}"/>
-              </a:ext>
-            </a:extLst>
-          </p:cNvPr>
-          <p:cNvSpPr>
-            <a:spLocks noGrp="1"/>
-          </p:cNvSpPr>
-          <p:nvPr>
-            <p:ph type="ftr" sz="quarter" idx="11"/>
-          </p:nvPr>
-        </p:nvSpPr>
-        <p:spPr/>
-        <p:txBody>
-          <a:bodyPr/>
-          <a:lstStyle/>
-          <a:p>
-            <a:r>
-              <a:rPr lang="en-US"/>
-              <a:t>Indroduction to distributed systems</a:t>
-            </a:r>
-          </a:p>
-        </p:txBody>
-      </p:sp>
-      <p:sp>
-        <p:nvSpPr>
-          <p:cNvPr id="6" name="Slide Number Placeholder 5">
-            <a:extLst>
-              <a:ext uri="{FF2B5EF4-FFF2-40B4-BE49-F238E27FC236}">
-                <a16:creationId xmlns:a16="http://schemas.microsoft.com/office/drawing/2014/main" id="{534DC954-37C9-4C2D-9BB2-39CDE6D47F06}"/>
-              </a:ext>
-            </a:extLst>
-          </p:cNvPr>
-          <p:cNvSpPr>
-            <a:spLocks noGrp="1"/>
-          </p:cNvSpPr>
-          <p:nvPr>
-            <p:ph type="sldNum" sz="quarter" idx="12"/>
-          </p:nvPr>
-        </p:nvSpPr>
-        <p:spPr/>
-        <p:txBody>
-          <a:bodyPr/>
-          <a:lstStyle/>
-          <a:p>
-            <a:fld id="{DF28FB93-0A08-4E7D-8E63-9EFA29F1E093}" type="slidenum">
-              <a:rPr lang="en-US" smtClean="0"/>
-              <a:pPr/>
-              <a:t>48</a:t>
-            </a:fld>
-            <a:endParaRPr lang="en-US"/>
-          </a:p>
-        </p:txBody>
-      </p:sp>
-    </p:spTree>
-    <p:extLst>
-      <p:ext uri="{BB962C8B-B14F-4D97-AF65-F5344CB8AC3E}">
-        <p14:creationId xmlns:p14="http://schemas.microsoft.com/office/powerpoint/2010/main" val="492302997"/>
-      </p:ext>
-    </p:extLst>
-  </p:cSld>
-  <p:clrMapOvr>
-    <a:masterClrMapping/>
-  </p:clrMapOvr>
-  <mc:AlternateContent xmlns:mc="http://schemas.openxmlformats.org/markup-compatibility/2006" xmlns:p14="http://schemas.microsoft.com/office/powerpoint/2010/main">
-    <mc:Choice Requires="p14">
-      <p:transition spd="med" p14:dur="700">
-        <p:fade/>
-      </p:transition>
-    </mc:Choice>
-    <mc:Fallback xmlns="">
-      <p:transition spd="med">
-        <p:fade/>
-      </p:transition>
-    </mc:Fallback>
-  </mc:AlternateContent>
-</p:sld>
-</file>
-
-<file path=ppt/slides/slide49.xml><?xml version="1.0" encoding="utf-8"?>
-<p:sld xmlns:a="http://schemas.openxmlformats.org/drawingml/2006/main" xmlns:r="http://schemas.openxmlformats.org/officeDocument/2006/relationships" xmlns:p="http://schemas.openxmlformats.org/presentationml/2006/main">
-  <p:cSld>
-    <p:spTree>
-      <p:nvGrpSpPr>
-        <p:cNvPr id="1" name=""/>
-        <p:cNvGrpSpPr/>
-        <p:nvPr/>
-      </p:nvGrpSpPr>
-      <p:grpSpPr>
-        <a:xfrm>
-          <a:off x="0" y="0"/>
-          <a:ext cx="0" cy="0"/>
-          <a:chOff x="0" y="0"/>
-          <a:chExt cx="0" cy="0"/>
-        </a:xfrm>
-      </p:grpSpPr>
-      <p:sp>
-        <p:nvSpPr>
-          <p:cNvPr id="2" name="Title 1">
-            <a:extLst>
-              <a:ext uri="{FF2B5EF4-FFF2-40B4-BE49-F238E27FC236}">
-                <a16:creationId xmlns:a16="http://schemas.microsoft.com/office/drawing/2014/main" id="{1EAD5B1C-D2AA-45A9-B2CF-0FC06C460515}"/>
-              </a:ext>
-            </a:extLst>
-          </p:cNvPr>
-          <p:cNvSpPr>
-            <a:spLocks noGrp="1"/>
-          </p:cNvSpPr>
-          <p:nvPr>
-            <p:ph type="title"/>
-          </p:nvPr>
-        </p:nvSpPr>
-        <p:spPr/>
-        <p:txBody>
-          <a:bodyPr/>
-          <a:lstStyle/>
-          <a:p>
-            <a:r>
-              <a:rPr lang="en-US" dirty="0"/>
-              <a:t>DS example( WEB)</a:t>
-            </a:r>
-          </a:p>
-        </p:txBody>
-      </p:sp>
-      <p:sp>
-        <p:nvSpPr>
-          <p:cNvPr id="4" name="Rectangle 3">
-            <a:extLst>
-              <a:ext uri="{FF2B5EF4-FFF2-40B4-BE49-F238E27FC236}">
-                <a16:creationId xmlns:a16="http://schemas.microsoft.com/office/drawing/2014/main" id="{85050B1D-2139-4FF0-91B4-E6994B9813F7}"/>
-              </a:ext>
-            </a:extLst>
-          </p:cNvPr>
-          <p:cNvSpPr/>
-          <p:nvPr/>
-        </p:nvSpPr>
-        <p:spPr>
-          <a:xfrm>
-            <a:off x="1674812" y="1997718"/>
-            <a:ext cx="1752600" cy="618259"/>
-          </a:xfrm>
-          <a:prstGeom prst="rect">
-            <a:avLst/>
-          </a:prstGeom>
-        </p:spPr>
-        <p:style>
-          <a:lnRef idx="2">
-            <a:schemeClr val="accent6"/>
-          </a:lnRef>
-          <a:fillRef idx="1">
-            <a:schemeClr val="lt1"/>
-          </a:fillRef>
-          <a:effectRef idx="0">
-            <a:schemeClr val="accent6"/>
-          </a:effectRef>
-          <a:fontRef idx="minor">
-            <a:schemeClr val="dk1"/>
-          </a:fontRef>
-        </p:style>
-        <p:txBody>
-          <a:bodyPr rtlCol="0" anchor="ctr"/>
-          <a:lstStyle/>
-          <a:p>
-            <a:pPr algn="ctr"/>
-            <a:r>
-              <a:rPr lang="en-US" dirty="0"/>
-              <a:t>client</a:t>
-            </a:r>
-          </a:p>
-        </p:txBody>
-      </p:sp>
-      <p:sp>
-        <p:nvSpPr>
-          <p:cNvPr id="5" name="Rectangle 4">
-            <a:extLst>
-              <a:ext uri="{FF2B5EF4-FFF2-40B4-BE49-F238E27FC236}">
-                <a16:creationId xmlns:a16="http://schemas.microsoft.com/office/drawing/2014/main" id="{61C5DBFC-E3FC-4BA9-A86C-354FEF49BE2D}"/>
-              </a:ext>
-            </a:extLst>
-          </p:cNvPr>
-          <p:cNvSpPr/>
-          <p:nvPr/>
-        </p:nvSpPr>
-        <p:spPr>
-          <a:xfrm>
-            <a:off x="6426296" y="1997719"/>
-            <a:ext cx="3478115" cy="619458"/>
-          </a:xfrm>
-          <a:prstGeom prst="rect">
-            <a:avLst/>
-          </a:prstGeom>
-        </p:spPr>
-        <p:style>
-          <a:lnRef idx="2">
-            <a:schemeClr val="dk1"/>
-          </a:lnRef>
-          <a:fillRef idx="1">
-            <a:schemeClr val="lt1"/>
-          </a:fillRef>
-          <a:effectRef idx="0">
-            <a:schemeClr val="dk1"/>
-          </a:effectRef>
-          <a:fontRef idx="minor">
-            <a:schemeClr val="dk1"/>
-          </a:fontRef>
-        </p:style>
-        <p:txBody>
-          <a:bodyPr rtlCol="0" anchor="ctr"/>
-          <a:lstStyle/>
-          <a:p>
-            <a:pPr algn="ctr"/>
-            <a:r>
-              <a:rPr lang="en-US" dirty="0"/>
-              <a:t>Server https://www.cst.cam.ac.uk/</a:t>
-            </a:r>
-          </a:p>
-        </p:txBody>
-      </p:sp>
-      <p:cxnSp>
-        <p:nvCxnSpPr>
-          <p:cNvPr id="7" name="Straight Connector 6">
-            <a:extLst>
-              <a:ext uri="{FF2B5EF4-FFF2-40B4-BE49-F238E27FC236}">
-                <a16:creationId xmlns:a16="http://schemas.microsoft.com/office/drawing/2014/main" id="{88C4371E-9E50-4AAF-9C99-EB057456EF5B}"/>
-              </a:ext>
-            </a:extLst>
-          </p:cNvPr>
-          <p:cNvCxnSpPr>
-            <a:cxnSpLocks/>
-            <a:stCxn id="4" idx="2"/>
-          </p:cNvCxnSpPr>
-          <p:nvPr/>
-        </p:nvCxnSpPr>
-        <p:spPr>
-          <a:xfrm>
-            <a:off x="2551112" y="2615977"/>
-            <a:ext cx="0" cy="3327623"/>
-          </a:xfrm>
-          <a:prstGeom prst="line">
-            <a:avLst/>
-          </a:prstGeom>
-        </p:spPr>
-        <p:style>
-          <a:lnRef idx="1">
-            <a:schemeClr val="dk1"/>
-          </a:lnRef>
-          <a:fillRef idx="0">
-            <a:schemeClr val="dk1"/>
-          </a:fillRef>
-          <a:effectRef idx="0">
-            <a:schemeClr val="dk1"/>
-          </a:effectRef>
-          <a:fontRef idx="minor">
-            <a:schemeClr val="tx1"/>
-          </a:fontRef>
-        </p:style>
-      </p:cxnSp>
-      <p:cxnSp>
-        <p:nvCxnSpPr>
-          <p:cNvPr id="9" name="Straight Connector 8">
-            <a:extLst>
-              <a:ext uri="{FF2B5EF4-FFF2-40B4-BE49-F238E27FC236}">
-                <a16:creationId xmlns:a16="http://schemas.microsoft.com/office/drawing/2014/main" id="{D732BD8F-0B48-4B53-8ACF-14754A02902E}"/>
-              </a:ext>
-            </a:extLst>
-          </p:cNvPr>
-          <p:cNvCxnSpPr>
-            <a:cxnSpLocks/>
-            <a:stCxn id="5" idx="2"/>
-          </p:cNvCxnSpPr>
-          <p:nvPr/>
-        </p:nvCxnSpPr>
-        <p:spPr>
-          <a:xfrm>
-            <a:off x="8165354" y="2617177"/>
-            <a:ext cx="0" cy="3555023"/>
-          </a:xfrm>
-          <a:prstGeom prst="line">
-            <a:avLst/>
-          </a:prstGeom>
-        </p:spPr>
-        <p:style>
-          <a:lnRef idx="1">
-            <a:schemeClr val="accent1"/>
-          </a:lnRef>
-          <a:fillRef idx="0">
-            <a:schemeClr val="accent1"/>
-          </a:fillRef>
-          <a:effectRef idx="0">
-            <a:schemeClr val="accent1"/>
-          </a:effectRef>
-          <a:fontRef idx="minor">
-            <a:schemeClr val="tx1"/>
-          </a:fontRef>
-        </p:style>
-      </p:cxnSp>
-      <p:cxnSp>
-        <p:nvCxnSpPr>
-          <p:cNvPr id="11" name="Straight Arrow Connector 10">
-            <a:extLst>
-              <a:ext uri="{FF2B5EF4-FFF2-40B4-BE49-F238E27FC236}">
-                <a16:creationId xmlns:a16="http://schemas.microsoft.com/office/drawing/2014/main" id="{9B7CF76E-77FE-4A86-87C7-E67B566D9156}"/>
-              </a:ext>
-            </a:extLst>
-          </p:cNvPr>
-          <p:cNvCxnSpPr>
-            <a:cxnSpLocks/>
-          </p:cNvCxnSpPr>
-          <p:nvPr/>
-        </p:nvCxnSpPr>
-        <p:spPr>
-          <a:xfrm>
-            <a:off x="2551111" y="3289300"/>
-            <a:ext cx="5614242" cy="1193800"/>
-          </a:xfrm>
-          <a:prstGeom prst="straightConnector1">
-            <a:avLst/>
-          </a:prstGeom>
-          <a:ln>
-            <a:tailEnd type="triangle"/>
-          </a:ln>
-        </p:spPr>
-        <p:style>
-          <a:lnRef idx="1">
-            <a:schemeClr val="accent1"/>
-          </a:lnRef>
-          <a:fillRef idx="0">
-            <a:schemeClr val="accent1"/>
-          </a:fillRef>
-          <a:effectRef idx="0">
-            <a:schemeClr val="accent1"/>
-          </a:effectRef>
-          <a:fontRef idx="minor">
-            <a:schemeClr val="tx1"/>
-          </a:fontRef>
-        </p:style>
-      </p:cxnSp>
-      <p:cxnSp>
-        <p:nvCxnSpPr>
-          <p:cNvPr id="14" name="Straight Arrow Connector 13">
-            <a:extLst>
-              <a:ext uri="{FF2B5EF4-FFF2-40B4-BE49-F238E27FC236}">
-                <a16:creationId xmlns:a16="http://schemas.microsoft.com/office/drawing/2014/main" id="{5EFE910C-49AC-408F-A4FE-0A37CF9A6D50}"/>
-              </a:ext>
-            </a:extLst>
-          </p:cNvPr>
-          <p:cNvCxnSpPr>
-            <a:cxnSpLocks/>
-          </p:cNvCxnSpPr>
-          <p:nvPr/>
-        </p:nvCxnSpPr>
-        <p:spPr>
-          <a:xfrm flipH="1">
-            <a:off x="2551112" y="4457700"/>
-            <a:ext cx="5614242" cy="1143000"/>
-          </a:xfrm>
-          <a:prstGeom prst="straightConnector1">
-            <a:avLst/>
-          </a:prstGeom>
-          <a:ln>
-            <a:tailEnd type="triangle"/>
-          </a:ln>
-        </p:spPr>
-        <p:style>
-          <a:lnRef idx="1">
-            <a:schemeClr val="accent1"/>
-          </a:lnRef>
-          <a:fillRef idx="0">
-            <a:schemeClr val="accent1"/>
-          </a:fillRef>
-          <a:effectRef idx="0">
-            <a:schemeClr val="accent1"/>
-          </a:effectRef>
-          <a:fontRef idx="minor">
-            <a:schemeClr val="tx1"/>
-          </a:fontRef>
-        </p:style>
-      </p:cxnSp>
-      <p:sp>
-        <p:nvSpPr>
-          <p:cNvPr id="15" name="TextBox 14">
-            <a:extLst>
-              <a:ext uri="{FF2B5EF4-FFF2-40B4-BE49-F238E27FC236}">
-                <a16:creationId xmlns:a16="http://schemas.microsoft.com/office/drawing/2014/main" id="{E0140A66-85F7-459E-A2B8-AF38D013D46C}"/>
-              </a:ext>
-            </a:extLst>
-          </p:cNvPr>
-          <p:cNvSpPr txBox="1"/>
-          <p:nvPr/>
-        </p:nvSpPr>
-        <p:spPr>
-          <a:xfrm rot="10008164" flipH="1" flipV="1">
-            <a:off x="2753726" y="4702325"/>
-            <a:ext cx="3522709" cy="369332"/>
-          </a:xfrm>
-          <a:prstGeom prst="rect">
-            <a:avLst/>
-          </a:prstGeom>
-          <a:noFill/>
-        </p:spPr>
-        <p:txBody>
-          <a:bodyPr wrap="square" rtlCol="0">
-            <a:spAutoFit/>
-          </a:bodyPr>
-          <a:lstStyle/>
-          <a:p>
-            <a:r>
-              <a:rPr lang="en-US" dirty="0"/>
-              <a:t>&lt;!DOCTYPE  html&gt; &lt;html&gt;…..</a:t>
-            </a:r>
-          </a:p>
-        </p:txBody>
-      </p:sp>
-      <p:sp>
-        <p:nvSpPr>
-          <p:cNvPr id="21" name="TextBox 20">
-            <a:extLst>
-              <a:ext uri="{FF2B5EF4-FFF2-40B4-BE49-F238E27FC236}">
-                <a16:creationId xmlns:a16="http://schemas.microsoft.com/office/drawing/2014/main" id="{F5C2ABA3-B712-4ECA-A932-956F90A6CE33}"/>
-              </a:ext>
-            </a:extLst>
-          </p:cNvPr>
-          <p:cNvSpPr txBox="1"/>
-          <p:nvPr/>
-        </p:nvSpPr>
-        <p:spPr>
-          <a:xfrm rot="11501610" flipH="1" flipV="1">
-            <a:off x="3430986" y="3431948"/>
-            <a:ext cx="3162292" cy="369332"/>
-          </a:xfrm>
-          <a:prstGeom prst="rect">
-            <a:avLst/>
-          </a:prstGeom>
-          <a:noFill/>
-        </p:spPr>
-        <p:txBody>
-          <a:bodyPr wrap="square" rtlCol="0">
-            <a:spAutoFit/>
-          </a:bodyPr>
-          <a:lstStyle/>
-          <a:p>
-            <a:r>
-              <a:rPr lang="en-US" dirty="0"/>
-              <a:t>GET /teaching/2021/</a:t>
-            </a:r>
-            <a:r>
-              <a:rPr lang="en-US" dirty="0" err="1"/>
-              <a:t>DisCur</a:t>
-            </a:r>
-            <a:endParaRPr lang="en-US" dirty="0"/>
-          </a:p>
-        </p:txBody>
-      </p:sp>
-      <p:sp>
-        <p:nvSpPr>
-          <p:cNvPr id="3" name="Date Placeholder 2">
-            <a:extLst>
-              <a:ext uri="{FF2B5EF4-FFF2-40B4-BE49-F238E27FC236}">
-                <a16:creationId xmlns:a16="http://schemas.microsoft.com/office/drawing/2014/main" id="{B75D7485-C187-4F6E-8599-3D71768D98BB}"/>
-              </a:ext>
-            </a:extLst>
-          </p:cNvPr>
-          <p:cNvSpPr>
-            <a:spLocks noGrp="1"/>
-          </p:cNvSpPr>
-          <p:nvPr>
-            <p:ph type="dt" sz="half" idx="10"/>
-          </p:nvPr>
-        </p:nvSpPr>
-        <p:spPr/>
-        <p:txBody>
-          <a:bodyPr/>
-          <a:lstStyle/>
-          <a:p>
-            <a:fld id="{20AEFCCA-6088-49D8-A0B3-C4DD36E29A63}" type="datetime1">
-              <a:rPr lang="en-US" smtClean="0"/>
-              <a:t>4/23/2021</a:t>
-            </a:fld>
-            <a:endParaRPr lang="en-US"/>
-          </a:p>
-        </p:txBody>
-      </p:sp>
-      <p:sp>
-        <p:nvSpPr>
-          <p:cNvPr id="6" name="Footer Placeholder 5">
-            <a:extLst>
-              <a:ext uri="{FF2B5EF4-FFF2-40B4-BE49-F238E27FC236}">
-                <a16:creationId xmlns:a16="http://schemas.microsoft.com/office/drawing/2014/main" id="{0F96A11A-DD20-4DAC-98BA-BE471046470C}"/>
-              </a:ext>
-            </a:extLst>
-          </p:cNvPr>
-          <p:cNvSpPr>
-            <a:spLocks noGrp="1"/>
-          </p:cNvSpPr>
-          <p:nvPr>
-            <p:ph type="ftr" sz="quarter" idx="11"/>
-          </p:nvPr>
-        </p:nvSpPr>
-        <p:spPr/>
-        <p:txBody>
-          <a:bodyPr/>
-          <a:lstStyle/>
-          <a:p>
-            <a:r>
-              <a:rPr lang="en-US"/>
-              <a:t>Indroduction to distributed systems</a:t>
-            </a:r>
-          </a:p>
-        </p:txBody>
-      </p:sp>
-      <p:sp>
-        <p:nvSpPr>
-          <p:cNvPr id="8" name="Slide Number Placeholder 7">
-            <a:extLst>
-              <a:ext uri="{FF2B5EF4-FFF2-40B4-BE49-F238E27FC236}">
-                <a16:creationId xmlns:a16="http://schemas.microsoft.com/office/drawing/2014/main" id="{05FA7D88-6872-43E4-B1FD-82F913971511}"/>
-              </a:ext>
-            </a:extLst>
-          </p:cNvPr>
-          <p:cNvSpPr>
-            <a:spLocks noGrp="1"/>
-          </p:cNvSpPr>
-          <p:nvPr>
-            <p:ph type="sldNum" sz="quarter" idx="12"/>
-          </p:nvPr>
-        </p:nvSpPr>
-        <p:spPr/>
-        <p:txBody>
-          <a:bodyPr/>
-          <a:lstStyle/>
-          <a:p>
-            <a:fld id="{DF28FB93-0A08-4E7D-8E63-9EFA29F1E093}" type="slidenum">
-              <a:rPr lang="en-US" smtClean="0"/>
-              <a:pPr/>
-              <a:t>49</a:t>
-            </a:fld>
-            <a:endParaRPr lang="en-US"/>
-          </a:p>
-        </p:txBody>
-      </p:sp>
-    </p:spTree>
-    <p:extLst>
-      <p:ext uri="{BB962C8B-B14F-4D97-AF65-F5344CB8AC3E}">
-        <p14:creationId xmlns:p14="http://schemas.microsoft.com/office/powerpoint/2010/main" val="540030941"/>
       </p:ext>
     </p:extLst>
   </p:cSld>
@@ -24863,7 +17630,7 @@
           <a:p>
             <a:fld id="{DC975EC2-4D0D-4917-9E08-0A0B5C6302EA}" type="datetime1">
               <a:rPr lang="en-US" smtClean="0"/>
-              <a:t>4/23/2021</a:t>
+              <a:t>5/11/2021</a:t>
             </a:fld>
             <a:endParaRPr lang="en-US"/>
           </a:p>
@@ -24931,2034 +17698,6 @@
     <p:extLst>
       <p:ext uri="{BB962C8B-B14F-4D97-AF65-F5344CB8AC3E}">
         <p14:creationId xmlns:p14="http://schemas.microsoft.com/office/powerpoint/2010/main" val="1791321161"/>
-      </p:ext>
-    </p:extLst>
-  </p:cSld>
-  <p:clrMapOvr>
-    <a:masterClrMapping/>
-  </p:clrMapOvr>
-  <mc:AlternateContent xmlns:mc="http://schemas.openxmlformats.org/markup-compatibility/2006" xmlns:p14="http://schemas.microsoft.com/office/powerpoint/2010/main">
-    <mc:Choice Requires="p14">
-      <p:transition spd="med" p14:dur="700">
-        <p:fade/>
-      </p:transition>
-    </mc:Choice>
-    <mc:Fallback xmlns="">
-      <p:transition spd="med">
-        <p:fade/>
-      </p:transition>
-    </mc:Fallback>
-  </mc:AlternateContent>
-</p:sld>
-</file>
-
-<file path=ppt/slides/slide50.xml><?xml version="1.0" encoding="utf-8"?>
-<p:sld xmlns:a="http://schemas.openxmlformats.org/drawingml/2006/main" xmlns:r="http://schemas.openxmlformats.org/officeDocument/2006/relationships" xmlns:p="http://schemas.openxmlformats.org/presentationml/2006/main">
-  <p:cSld>
-    <p:spTree>
-      <p:nvGrpSpPr>
-        <p:cNvPr id="1" name=""/>
-        <p:cNvGrpSpPr/>
-        <p:nvPr/>
-      </p:nvGrpSpPr>
-      <p:grpSpPr>
-        <a:xfrm>
-          <a:off x="0" y="0"/>
-          <a:ext cx="0" cy="0"/>
-          <a:chOff x="0" y="0"/>
-          <a:chExt cx="0" cy="0"/>
-        </a:xfrm>
-      </p:grpSpPr>
-      <p:sp>
-        <p:nvSpPr>
-          <p:cNvPr id="2" name="Title 1">
-            <a:extLst>
-              <a:ext uri="{FF2B5EF4-FFF2-40B4-BE49-F238E27FC236}">
-                <a16:creationId xmlns:a16="http://schemas.microsoft.com/office/drawing/2014/main" id="{1EAD5B1C-D2AA-45A9-B2CF-0FC06C460515}"/>
-              </a:ext>
-            </a:extLst>
-          </p:cNvPr>
-          <p:cNvSpPr>
-            <a:spLocks noGrp="1"/>
-          </p:cNvSpPr>
-          <p:nvPr>
-            <p:ph type="title"/>
-          </p:nvPr>
-        </p:nvSpPr>
-        <p:spPr/>
-        <p:txBody>
-          <a:bodyPr/>
-          <a:lstStyle/>
-          <a:p>
-            <a:r>
-              <a:rPr lang="en-US" dirty="0"/>
-              <a:t>DS example( RPC)</a:t>
-            </a:r>
-          </a:p>
-        </p:txBody>
-      </p:sp>
-      <p:sp>
-        <p:nvSpPr>
-          <p:cNvPr id="4" name="Rectangle 3">
-            <a:extLst>
-              <a:ext uri="{FF2B5EF4-FFF2-40B4-BE49-F238E27FC236}">
-                <a16:creationId xmlns:a16="http://schemas.microsoft.com/office/drawing/2014/main" id="{85050B1D-2139-4FF0-91B4-E6994B9813F7}"/>
-              </a:ext>
-            </a:extLst>
-          </p:cNvPr>
-          <p:cNvSpPr/>
-          <p:nvPr/>
-        </p:nvSpPr>
-        <p:spPr>
-          <a:xfrm>
-            <a:off x="1674812" y="1997718"/>
-            <a:ext cx="1752600" cy="618259"/>
-          </a:xfrm>
-          <a:prstGeom prst="rect">
-            <a:avLst/>
-          </a:prstGeom>
-        </p:spPr>
-        <p:style>
-          <a:lnRef idx="2">
-            <a:schemeClr val="accent6"/>
-          </a:lnRef>
-          <a:fillRef idx="1">
-            <a:schemeClr val="lt1"/>
-          </a:fillRef>
-          <a:effectRef idx="0">
-            <a:schemeClr val="accent6"/>
-          </a:effectRef>
-          <a:fontRef idx="minor">
-            <a:schemeClr val="dk1"/>
-          </a:fontRef>
-        </p:style>
-        <p:txBody>
-          <a:bodyPr rtlCol="0" anchor="ctr"/>
-          <a:lstStyle/>
-          <a:p>
-            <a:pPr algn="ctr"/>
-            <a:r>
-              <a:rPr lang="en-US" dirty="0"/>
-              <a:t>Online shop</a:t>
-            </a:r>
-          </a:p>
-        </p:txBody>
-      </p:sp>
-      <p:sp>
-        <p:nvSpPr>
-          <p:cNvPr id="5" name="Rectangle 4">
-            <a:extLst>
-              <a:ext uri="{FF2B5EF4-FFF2-40B4-BE49-F238E27FC236}">
-                <a16:creationId xmlns:a16="http://schemas.microsoft.com/office/drawing/2014/main" id="{61C5DBFC-E3FC-4BA9-A86C-354FEF49BE2D}"/>
-              </a:ext>
-            </a:extLst>
-          </p:cNvPr>
-          <p:cNvSpPr/>
-          <p:nvPr/>
-        </p:nvSpPr>
-        <p:spPr>
-          <a:xfrm>
-            <a:off x="6426296" y="1997719"/>
-            <a:ext cx="3478115" cy="619458"/>
-          </a:xfrm>
-          <a:prstGeom prst="rect">
-            <a:avLst/>
-          </a:prstGeom>
-        </p:spPr>
-        <p:style>
-          <a:lnRef idx="2">
-            <a:schemeClr val="dk1"/>
-          </a:lnRef>
-          <a:fillRef idx="1">
-            <a:schemeClr val="lt1"/>
-          </a:fillRef>
-          <a:effectRef idx="0">
-            <a:schemeClr val="dk1"/>
-          </a:effectRef>
-          <a:fontRef idx="minor">
-            <a:schemeClr val="dk1"/>
-          </a:fontRef>
-        </p:style>
-        <p:txBody>
-          <a:bodyPr rtlCol="0" anchor="ctr"/>
-          <a:lstStyle/>
-          <a:p>
-            <a:pPr algn="ctr"/>
-            <a:r>
-              <a:rPr lang="en-US" dirty="0"/>
-              <a:t>Payments service</a:t>
-            </a:r>
-          </a:p>
-        </p:txBody>
-      </p:sp>
-      <p:cxnSp>
-        <p:nvCxnSpPr>
-          <p:cNvPr id="7" name="Straight Connector 6">
-            <a:extLst>
-              <a:ext uri="{FF2B5EF4-FFF2-40B4-BE49-F238E27FC236}">
-                <a16:creationId xmlns:a16="http://schemas.microsoft.com/office/drawing/2014/main" id="{88C4371E-9E50-4AAF-9C99-EB057456EF5B}"/>
-              </a:ext>
-            </a:extLst>
-          </p:cNvPr>
-          <p:cNvCxnSpPr>
-            <a:cxnSpLocks/>
-            <a:stCxn id="4" idx="2"/>
-          </p:cNvCxnSpPr>
-          <p:nvPr/>
-        </p:nvCxnSpPr>
-        <p:spPr>
-          <a:xfrm>
-            <a:off x="2551112" y="2615977"/>
-            <a:ext cx="0" cy="3327623"/>
-          </a:xfrm>
-          <a:prstGeom prst="line">
-            <a:avLst/>
-          </a:prstGeom>
-        </p:spPr>
-        <p:style>
-          <a:lnRef idx="1">
-            <a:schemeClr val="dk1"/>
-          </a:lnRef>
-          <a:fillRef idx="0">
-            <a:schemeClr val="dk1"/>
-          </a:fillRef>
-          <a:effectRef idx="0">
-            <a:schemeClr val="dk1"/>
-          </a:effectRef>
-          <a:fontRef idx="minor">
-            <a:schemeClr val="tx1"/>
-          </a:fontRef>
-        </p:style>
-      </p:cxnSp>
-      <p:cxnSp>
-        <p:nvCxnSpPr>
-          <p:cNvPr id="9" name="Straight Connector 8">
-            <a:extLst>
-              <a:ext uri="{FF2B5EF4-FFF2-40B4-BE49-F238E27FC236}">
-                <a16:creationId xmlns:a16="http://schemas.microsoft.com/office/drawing/2014/main" id="{D732BD8F-0B48-4B53-8ACF-14754A02902E}"/>
-              </a:ext>
-            </a:extLst>
-          </p:cNvPr>
-          <p:cNvCxnSpPr>
-            <a:cxnSpLocks/>
-            <a:stCxn id="5" idx="2"/>
-          </p:cNvCxnSpPr>
-          <p:nvPr/>
-        </p:nvCxnSpPr>
-        <p:spPr>
-          <a:xfrm>
-            <a:off x="8165354" y="2617177"/>
-            <a:ext cx="0" cy="3555023"/>
-          </a:xfrm>
-          <a:prstGeom prst="line">
-            <a:avLst/>
-          </a:prstGeom>
-        </p:spPr>
-        <p:style>
-          <a:lnRef idx="1">
-            <a:schemeClr val="accent1"/>
-          </a:lnRef>
-          <a:fillRef idx="0">
-            <a:schemeClr val="accent1"/>
-          </a:fillRef>
-          <a:effectRef idx="0">
-            <a:schemeClr val="accent1"/>
-          </a:effectRef>
-          <a:fontRef idx="minor">
-            <a:schemeClr val="tx1"/>
-          </a:fontRef>
-        </p:style>
-      </p:cxnSp>
-      <p:cxnSp>
-        <p:nvCxnSpPr>
-          <p:cNvPr id="11" name="Straight Arrow Connector 10">
-            <a:extLst>
-              <a:ext uri="{FF2B5EF4-FFF2-40B4-BE49-F238E27FC236}">
-                <a16:creationId xmlns:a16="http://schemas.microsoft.com/office/drawing/2014/main" id="{9B7CF76E-77FE-4A86-87C7-E67B566D9156}"/>
-              </a:ext>
-            </a:extLst>
-          </p:cNvPr>
-          <p:cNvCxnSpPr>
-            <a:cxnSpLocks/>
-          </p:cNvCxnSpPr>
-          <p:nvPr/>
-        </p:nvCxnSpPr>
-        <p:spPr>
-          <a:xfrm>
-            <a:off x="2551111" y="3289300"/>
-            <a:ext cx="5614242" cy="1193800"/>
-          </a:xfrm>
-          <a:prstGeom prst="straightConnector1">
-            <a:avLst/>
-          </a:prstGeom>
-          <a:ln>
-            <a:tailEnd type="triangle"/>
-          </a:ln>
-        </p:spPr>
-        <p:style>
-          <a:lnRef idx="1">
-            <a:schemeClr val="accent1"/>
-          </a:lnRef>
-          <a:fillRef idx="0">
-            <a:schemeClr val="accent1"/>
-          </a:fillRef>
-          <a:effectRef idx="0">
-            <a:schemeClr val="accent1"/>
-          </a:effectRef>
-          <a:fontRef idx="minor">
-            <a:schemeClr val="tx1"/>
-          </a:fontRef>
-        </p:style>
-      </p:cxnSp>
-      <p:cxnSp>
-        <p:nvCxnSpPr>
-          <p:cNvPr id="14" name="Straight Arrow Connector 13">
-            <a:extLst>
-              <a:ext uri="{FF2B5EF4-FFF2-40B4-BE49-F238E27FC236}">
-                <a16:creationId xmlns:a16="http://schemas.microsoft.com/office/drawing/2014/main" id="{5EFE910C-49AC-408F-A4FE-0A37CF9A6D50}"/>
-              </a:ext>
-            </a:extLst>
-          </p:cNvPr>
-          <p:cNvCxnSpPr>
-            <a:cxnSpLocks/>
-          </p:cNvCxnSpPr>
-          <p:nvPr/>
-        </p:nvCxnSpPr>
-        <p:spPr>
-          <a:xfrm flipH="1">
-            <a:off x="2551112" y="4457700"/>
-            <a:ext cx="5614242" cy="1143000"/>
-          </a:xfrm>
-          <a:prstGeom prst="straightConnector1">
-            <a:avLst/>
-          </a:prstGeom>
-          <a:ln>
-            <a:tailEnd type="triangle"/>
-          </a:ln>
-        </p:spPr>
-        <p:style>
-          <a:lnRef idx="1">
-            <a:schemeClr val="accent1"/>
-          </a:lnRef>
-          <a:fillRef idx="0">
-            <a:schemeClr val="accent1"/>
-          </a:fillRef>
-          <a:effectRef idx="0">
-            <a:schemeClr val="accent1"/>
-          </a:effectRef>
-          <a:fontRef idx="minor">
-            <a:schemeClr val="tx1"/>
-          </a:fontRef>
-        </p:style>
-      </p:cxnSp>
-      <p:sp>
-        <p:nvSpPr>
-          <p:cNvPr id="15" name="TextBox 14">
-            <a:extLst>
-              <a:ext uri="{FF2B5EF4-FFF2-40B4-BE49-F238E27FC236}">
-                <a16:creationId xmlns:a16="http://schemas.microsoft.com/office/drawing/2014/main" id="{E0140A66-85F7-459E-A2B8-AF38D013D46C}"/>
-              </a:ext>
-            </a:extLst>
-          </p:cNvPr>
-          <p:cNvSpPr txBox="1"/>
-          <p:nvPr/>
-        </p:nvSpPr>
-        <p:spPr>
-          <a:xfrm rot="10008164" flipH="1" flipV="1">
-            <a:off x="2753726" y="4702325"/>
-            <a:ext cx="3522709" cy="369332"/>
-          </a:xfrm>
-          <a:prstGeom prst="rect">
-            <a:avLst/>
-          </a:prstGeom>
-          <a:noFill/>
-        </p:spPr>
-        <p:txBody>
-          <a:bodyPr wrap="square" rtlCol="0">
-            <a:spAutoFit/>
-          </a:bodyPr>
-          <a:lstStyle/>
-          <a:p>
-            <a:r>
-              <a:rPr lang="en-US" dirty="0"/>
-              <a:t>success</a:t>
-            </a:r>
-          </a:p>
-        </p:txBody>
-      </p:sp>
-      <p:sp>
-        <p:nvSpPr>
-          <p:cNvPr id="21" name="TextBox 20">
-            <a:extLst>
-              <a:ext uri="{FF2B5EF4-FFF2-40B4-BE49-F238E27FC236}">
-                <a16:creationId xmlns:a16="http://schemas.microsoft.com/office/drawing/2014/main" id="{F5C2ABA3-B712-4ECA-A932-956F90A6CE33}"/>
-              </a:ext>
-            </a:extLst>
-          </p:cNvPr>
-          <p:cNvSpPr txBox="1"/>
-          <p:nvPr/>
-        </p:nvSpPr>
-        <p:spPr>
-          <a:xfrm rot="11501610" flipH="1" flipV="1">
-            <a:off x="3420424" y="3535080"/>
-            <a:ext cx="4180001" cy="369332"/>
-          </a:xfrm>
-          <a:prstGeom prst="rect">
-            <a:avLst/>
-          </a:prstGeom>
-          <a:noFill/>
-        </p:spPr>
-        <p:txBody>
-          <a:bodyPr wrap="square" rtlCol="0">
-            <a:spAutoFit/>
-          </a:bodyPr>
-          <a:lstStyle/>
-          <a:p>
-            <a:r>
-              <a:rPr lang="en-US" dirty="0"/>
-              <a:t>Charge $3.99 to credit card 1234</a:t>
-            </a:r>
-          </a:p>
-        </p:txBody>
-      </p:sp>
-      <p:sp>
-        <p:nvSpPr>
-          <p:cNvPr id="3" name="Date Placeholder 2">
-            <a:extLst>
-              <a:ext uri="{FF2B5EF4-FFF2-40B4-BE49-F238E27FC236}">
-                <a16:creationId xmlns:a16="http://schemas.microsoft.com/office/drawing/2014/main" id="{E12E6EF0-F1BE-4F8E-916D-62BEEA3BB941}"/>
-              </a:ext>
-            </a:extLst>
-          </p:cNvPr>
-          <p:cNvSpPr>
-            <a:spLocks noGrp="1"/>
-          </p:cNvSpPr>
-          <p:nvPr>
-            <p:ph type="dt" sz="half" idx="10"/>
-          </p:nvPr>
-        </p:nvSpPr>
-        <p:spPr/>
-        <p:txBody>
-          <a:bodyPr/>
-          <a:lstStyle/>
-          <a:p>
-            <a:fld id="{88EBF2FD-BB98-4A61-B68E-A47E30A0DF78}" type="datetime1">
-              <a:rPr lang="en-US" smtClean="0"/>
-              <a:t>4/23/2021</a:t>
-            </a:fld>
-            <a:endParaRPr lang="en-US"/>
-          </a:p>
-        </p:txBody>
-      </p:sp>
-      <p:sp>
-        <p:nvSpPr>
-          <p:cNvPr id="6" name="Footer Placeholder 5">
-            <a:extLst>
-              <a:ext uri="{FF2B5EF4-FFF2-40B4-BE49-F238E27FC236}">
-                <a16:creationId xmlns:a16="http://schemas.microsoft.com/office/drawing/2014/main" id="{6BDC8F33-3ADC-437A-BE4F-A58238947EF0}"/>
-              </a:ext>
-            </a:extLst>
-          </p:cNvPr>
-          <p:cNvSpPr>
-            <a:spLocks noGrp="1"/>
-          </p:cNvSpPr>
-          <p:nvPr>
-            <p:ph type="ftr" sz="quarter" idx="11"/>
-          </p:nvPr>
-        </p:nvSpPr>
-        <p:spPr/>
-        <p:txBody>
-          <a:bodyPr/>
-          <a:lstStyle/>
-          <a:p>
-            <a:r>
-              <a:rPr lang="en-US"/>
-              <a:t>Indroduction to distributed systems</a:t>
-            </a:r>
-          </a:p>
-        </p:txBody>
-      </p:sp>
-      <p:sp>
-        <p:nvSpPr>
-          <p:cNvPr id="8" name="Slide Number Placeholder 7">
-            <a:extLst>
-              <a:ext uri="{FF2B5EF4-FFF2-40B4-BE49-F238E27FC236}">
-                <a16:creationId xmlns:a16="http://schemas.microsoft.com/office/drawing/2014/main" id="{D5182AE7-9275-4E7C-8BCF-B42BDC551B74}"/>
-              </a:ext>
-            </a:extLst>
-          </p:cNvPr>
-          <p:cNvSpPr>
-            <a:spLocks noGrp="1"/>
-          </p:cNvSpPr>
-          <p:nvPr>
-            <p:ph type="sldNum" sz="quarter" idx="12"/>
-          </p:nvPr>
-        </p:nvSpPr>
-        <p:spPr/>
-        <p:txBody>
-          <a:bodyPr/>
-          <a:lstStyle/>
-          <a:p>
-            <a:fld id="{DF28FB93-0A08-4E7D-8E63-9EFA29F1E093}" type="slidenum">
-              <a:rPr lang="en-US" smtClean="0"/>
-              <a:pPr/>
-              <a:t>50</a:t>
-            </a:fld>
-            <a:endParaRPr lang="en-US"/>
-          </a:p>
-        </p:txBody>
-      </p:sp>
-    </p:spTree>
-    <p:extLst>
-      <p:ext uri="{BB962C8B-B14F-4D97-AF65-F5344CB8AC3E}">
-        <p14:creationId xmlns:p14="http://schemas.microsoft.com/office/powerpoint/2010/main" val="3826030628"/>
-      </p:ext>
-    </p:extLst>
-  </p:cSld>
-  <p:clrMapOvr>
-    <a:masterClrMapping/>
-  </p:clrMapOvr>
-  <mc:AlternateContent xmlns:mc="http://schemas.openxmlformats.org/markup-compatibility/2006" xmlns:p14="http://schemas.microsoft.com/office/powerpoint/2010/main">
-    <mc:Choice Requires="p14">
-      <p:transition spd="med" p14:dur="700">
-        <p:fade/>
-      </p:transition>
-    </mc:Choice>
-    <mc:Fallback xmlns="">
-      <p:transition spd="med">
-        <p:fade/>
-      </p:transition>
-    </mc:Fallback>
-  </mc:AlternateContent>
-</p:sld>
-</file>
-
-<file path=ppt/slides/slide51.xml><?xml version="1.0" encoding="utf-8"?>
-<p:sld xmlns:a="http://schemas.openxmlformats.org/drawingml/2006/main" xmlns:r="http://schemas.openxmlformats.org/officeDocument/2006/relationships" xmlns:p="http://schemas.openxmlformats.org/presentationml/2006/main">
-  <p:cSld>
-    <p:spTree>
-      <p:nvGrpSpPr>
-        <p:cNvPr id="1" name=""/>
-        <p:cNvGrpSpPr/>
-        <p:nvPr/>
-      </p:nvGrpSpPr>
-      <p:grpSpPr>
-        <a:xfrm>
-          <a:off x="0" y="0"/>
-          <a:ext cx="0" cy="0"/>
-          <a:chOff x="0" y="0"/>
-          <a:chExt cx="0" cy="0"/>
-        </a:xfrm>
-      </p:grpSpPr>
-      <p:sp>
-        <p:nvSpPr>
-          <p:cNvPr id="2" name="Title 1">
-            <a:extLst>
-              <a:ext uri="{FF2B5EF4-FFF2-40B4-BE49-F238E27FC236}">
-                <a16:creationId xmlns:a16="http://schemas.microsoft.com/office/drawing/2014/main" id="{F647E386-D944-40A2-B2D5-E2EEAB3AAA4B}"/>
-              </a:ext>
-            </a:extLst>
-          </p:cNvPr>
-          <p:cNvSpPr>
-            <a:spLocks noGrp="1"/>
-          </p:cNvSpPr>
-          <p:nvPr>
-            <p:ph type="title"/>
-          </p:nvPr>
-        </p:nvSpPr>
-        <p:spPr/>
-        <p:txBody>
-          <a:bodyPr/>
-          <a:lstStyle/>
-          <a:p>
-            <a:endParaRPr lang="en-US"/>
-          </a:p>
-        </p:txBody>
-      </p:sp>
-      <p:sp>
-        <p:nvSpPr>
-          <p:cNvPr id="3" name="Content Placeholder 2">
-            <a:extLst>
-              <a:ext uri="{FF2B5EF4-FFF2-40B4-BE49-F238E27FC236}">
-                <a16:creationId xmlns:a16="http://schemas.microsoft.com/office/drawing/2014/main" id="{ABB3DA68-21AC-4C9C-A636-297C02789CA5}"/>
-              </a:ext>
-            </a:extLst>
-          </p:cNvPr>
-          <p:cNvSpPr>
-            <a:spLocks noGrp="1"/>
-          </p:cNvSpPr>
-          <p:nvPr>
-            <p:ph idx="1"/>
-          </p:nvPr>
-        </p:nvSpPr>
-        <p:spPr/>
-        <p:txBody>
-          <a:bodyPr/>
-          <a:lstStyle/>
-          <a:p>
-            <a:endParaRPr lang="en-US" dirty="0"/>
-          </a:p>
-        </p:txBody>
-      </p:sp>
-      <p:sp>
-        <p:nvSpPr>
-          <p:cNvPr id="4" name="Date Placeholder 3">
-            <a:extLst>
-              <a:ext uri="{FF2B5EF4-FFF2-40B4-BE49-F238E27FC236}">
-                <a16:creationId xmlns:a16="http://schemas.microsoft.com/office/drawing/2014/main" id="{A907C65B-7773-42C2-A412-24AD8A480373}"/>
-              </a:ext>
-            </a:extLst>
-          </p:cNvPr>
-          <p:cNvSpPr>
-            <a:spLocks noGrp="1"/>
-          </p:cNvSpPr>
-          <p:nvPr>
-            <p:ph type="dt" sz="half" idx="10"/>
-          </p:nvPr>
-        </p:nvSpPr>
-        <p:spPr/>
-        <p:txBody>
-          <a:bodyPr/>
-          <a:lstStyle/>
-          <a:p>
-            <a:fld id="{7F1678CD-E2DC-4F9F-80EC-FB866C3D59F7}" type="datetime1">
-              <a:rPr lang="en-US" smtClean="0"/>
-              <a:t>4/23/2021</a:t>
-            </a:fld>
-            <a:endParaRPr lang="en-US"/>
-          </a:p>
-        </p:txBody>
-      </p:sp>
-      <p:sp>
-        <p:nvSpPr>
-          <p:cNvPr id="5" name="Footer Placeholder 4">
-            <a:extLst>
-              <a:ext uri="{FF2B5EF4-FFF2-40B4-BE49-F238E27FC236}">
-                <a16:creationId xmlns:a16="http://schemas.microsoft.com/office/drawing/2014/main" id="{C65AE8A2-DAC7-48DC-8AAA-983A428F6E53}"/>
-              </a:ext>
-            </a:extLst>
-          </p:cNvPr>
-          <p:cNvSpPr>
-            <a:spLocks noGrp="1"/>
-          </p:cNvSpPr>
-          <p:nvPr>
-            <p:ph type="ftr" sz="quarter" idx="11"/>
-          </p:nvPr>
-        </p:nvSpPr>
-        <p:spPr/>
-        <p:txBody>
-          <a:bodyPr/>
-          <a:lstStyle/>
-          <a:p>
-            <a:r>
-              <a:rPr lang="en-US"/>
-              <a:t>Indroduction to distributed systems</a:t>
-            </a:r>
-          </a:p>
-        </p:txBody>
-      </p:sp>
-      <p:sp>
-        <p:nvSpPr>
-          <p:cNvPr id="6" name="Slide Number Placeholder 5">
-            <a:extLst>
-              <a:ext uri="{FF2B5EF4-FFF2-40B4-BE49-F238E27FC236}">
-                <a16:creationId xmlns:a16="http://schemas.microsoft.com/office/drawing/2014/main" id="{4A3C07DB-F0D5-48A2-8439-0F55E649D63E}"/>
-              </a:ext>
-            </a:extLst>
-          </p:cNvPr>
-          <p:cNvSpPr>
-            <a:spLocks noGrp="1"/>
-          </p:cNvSpPr>
-          <p:nvPr>
-            <p:ph type="sldNum" sz="quarter" idx="12"/>
-          </p:nvPr>
-        </p:nvSpPr>
-        <p:spPr/>
-        <p:txBody>
-          <a:bodyPr/>
-          <a:lstStyle/>
-          <a:p>
-            <a:fld id="{DF28FB93-0A08-4E7D-8E63-9EFA29F1E093}" type="slidenum">
-              <a:rPr lang="en-US" smtClean="0"/>
-              <a:pPr/>
-              <a:t>51</a:t>
-            </a:fld>
-            <a:endParaRPr lang="en-US"/>
-          </a:p>
-        </p:txBody>
-      </p:sp>
-    </p:spTree>
-    <p:extLst>
-      <p:ext uri="{BB962C8B-B14F-4D97-AF65-F5344CB8AC3E}">
-        <p14:creationId xmlns:p14="http://schemas.microsoft.com/office/powerpoint/2010/main" val="1412122872"/>
-      </p:ext>
-    </p:extLst>
-  </p:cSld>
-  <p:clrMapOvr>
-    <a:masterClrMapping/>
-  </p:clrMapOvr>
-  <mc:AlternateContent xmlns:mc="http://schemas.openxmlformats.org/markup-compatibility/2006" xmlns:p14="http://schemas.microsoft.com/office/powerpoint/2010/main">
-    <mc:Choice Requires="p14">
-      <p:transition spd="med" p14:dur="700">
-        <p:fade/>
-      </p:transition>
-    </mc:Choice>
-    <mc:Fallback xmlns="">
-      <p:transition spd="med">
-        <p:fade/>
-      </p:transition>
-    </mc:Fallback>
-  </mc:AlternateContent>
-</p:sld>
-</file>
-
-<file path=ppt/slides/slide52.xml><?xml version="1.0" encoding="utf-8"?>
-<p:sld xmlns:a="http://schemas.openxmlformats.org/drawingml/2006/main" xmlns:r="http://schemas.openxmlformats.org/officeDocument/2006/relationships" xmlns:p="http://schemas.openxmlformats.org/presentationml/2006/main">
-  <p:cSld>
-    <p:spTree>
-      <p:nvGrpSpPr>
-        <p:cNvPr id="1" name=""/>
-        <p:cNvGrpSpPr/>
-        <p:nvPr/>
-      </p:nvGrpSpPr>
-      <p:grpSpPr>
-        <a:xfrm>
-          <a:off x="0" y="0"/>
-          <a:ext cx="0" cy="0"/>
-          <a:chOff x="0" y="0"/>
-          <a:chExt cx="0" cy="0"/>
-        </a:xfrm>
-      </p:grpSpPr>
-      <p:sp>
-        <p:nvSpPr>
-          <p:cNvPr id="2" name="Title 1">
-            <a:extLst>
-              <a:ext uri="{FF2B5EF4-FFF2-40B4-BE49-F238E27FC236}">
-                <a16:creationId xmlns:a16="http://schemas.microsoft.com/office/drawing/2014/main" id="{94714E3F-5AA6-4E8C-94F5-C3AC2A73D857}"/>
-              </a:ext>
-            </a:extLst>
-          </p:cNvPr>
-          <p:cNvSpPr>
-            <a:spLocks noGrp="1"/>
-          </p:cNvSpPr>
-          <p:nvPr>
-            <p:ph type="title"/>
-          </p:nvPr>
-        </p:nvSpPr>
-        <p:spPr/>
-        <p:txBody>
-          <a:bodyPr/>
-          <a:lstStyle/>
-          <a:p>
-            <a:r>
-              <a:rPr lang="en-US" dirty="0"/>
-              <a:t>RPC</a:t>
-            </a:r>
-          </a:p>
-        </p:txBody>
-      </p:sp>
-      <p:sp>
-        <p:nvSpPr>
-          <p:cNvPr id="3" name="Content Placeholder 2">
-            <a:extLst>
-              <a:ext uri="{FF2B5EF4-FFF2-40B4-BE49-F238E27FC236}">
-                <a16:creationId xmlns:a16="http://schemas.microsoft.com/office/drawing/2014/main" id="{66D78C42-E740-4354-95BA-B23F7BF71F65}"/>
-              </a:ext>
-            </a:extLst>
-          </p:cNvPr>
-          <p:cNvSpPr>
-            <a:spLocks noGrp="1"/>
-          </p:cNvSpPr>
-          <p:nvPr>
-            <p:ph idx="1"/>
-          </p:nvPr>
-        </p:nvSpPr>
-        <p:spPr/>
-        <p:txBody>
-          <a:bodyPr/>
-          <a:lstStyle/>
-          <a:p>
-            <a:endParaRPr lang="en-US"/>
-          </a:p>
-        </p:txBody>
-      </p:sp>
-      <p:sp>
-        <p:nvSpPr>
-          <p:cNvPr id="4" name="Date Placeholder 3">
-            <a:extLst>
-              <a:ext uri="{FF2B5EF4-FFF2-40B4-BE49-F238E27FC236}">
-                <a16:creationId xmlns:a16="http://schemas.microsoft.com/office/drawing/2014/main" id="{DA9368C5-9C75-48AA-8087-5EBACCFB9735}"/>
-              </a:ext>
-            </a:extLst>
-          </p:cNvPr>
-          <p:cNvSpPr>
-            <a:spLocks noGrp="1"/>
-          </p:cNvSpPr>
-          <p:nvPr>
-            <p:ph type="dt" sz="half" idx="10"/>
-          </p:nvPr>
-        </p:nvSpPr>
-        <p:spPr/>
-        <p:txBody>
-          <a:bodyPr/>
-          <a:lstStyle/>
-          <a:p>
-            <a:fld id="{EFD4E469-D3A4-474A-AEB3-20611791237C}" type="datetime1">
-              <a:rPr lang="en-US" smtClean="0"/>
-              <a:t>4/23/2021</a:t>
-            </a:fld>
-            <a:endParaRPr lang="en-US"/>
-          </a:p>
-        </p:txBody>
-      </p:sp>
-      <p:sp>
-        <p:nvSpPr>
-          <p:cNvPr id="5" name="Footer Placeholder 4">
-            <a:extLst>
-              <a:ext uri="{FF2B5EF4-FFF2-40B4-BE49-F238E27FC236}">
-                <a16:creationId xmlns:a16="http://schemas.microsoft.com/office/drawing/2014/main" id="{98133A1C-B590-411C-8FF9-936837F0ECBB}"/>
-              </a:ext>
-            </a:extLst>
-          </p:cNvPr>
-          <p:cNvSpPr>
-            <a:spLocks noGrp="1"/>
-          </p:cNvSpPr>
-          <p:nvPr>
-            <p:ph type="ftr" sz="quarter" idx="11"/>
-          </p:nvPr>
-        </p:nvSpPr>
-        <p:spPr/>
-        <p:txBody>
-          <a:bodyPr/>
-          <a:lstStyle/>
-          <a:p>
-            <a:r>
-              <a:rPr lang="en-US"/>
-              <a:t>Indroduction to distributed systems</a:t>
-            </a:r>
-          </a:p>
-        </p:txBody>
-      </p:sp>
-      <p:sp>
-        <p:nvSpPr>
-          <p:cNvPr id="6" name="Slide Number Placeholder 5">
-            <a:extLst>
-              <a:ext uri="{FF2B5EF4-FFF2-40B4-BE49-F238E27FC236}">
-                <a16:creationId xmlns:a16="http://schemas.microsoft.com/office/drawing/2014/main" id="{0351DEE1-67F6-4244-873F-394F78A0955F}"/>
-              </a:ext>
-            </a:extLst>
-          </p:cNvPr>
-          <p:cNvSpPr>
-            <a:spLocks noGrp="1"/>
-          </p:cNvSpPr>
-          <p:nvPr>
-            <p:ph type="sldNum" sz="quarter" idx="12"/>
-          </p:nvPr>
-        </p:nvSpPr>
-        <p:spPr/>
-        <p:txBody>
-          <a:bodyPr/>
-          <a:lstStyle/>
-          <a:p>
-            <a:fld id="{DF28FB93-0A08-4E7D-8E63-9EFA29F1E093}" type="slidenum">
-              <a:rPr lang="en-US" smtClean="0"/>
-              <a:pPr/>
-              <a:t>52</a:t>
-            </a:fld>
-            <a:endParaRPr lang="en-US"/>
-          </a:p>
-        </p:txBody>
-      </p:sp>
-    </p:spTree>
-    <p:extLst>
-      <p:ext uri="{BB962C8B-B14F-4D97-AF65-F5344CB8AC3E}">
-        <p14:creationId xmlns:p14="http://schemas.microsoft.com/office/powerpoint/2010/main" val="1594287526"/>
-      </p:ext>
-    </p:extLst>
-  </p:cSld>
-  <p:clrMapOvr>
-    <a:masterClrMapping/>
-  </p:clrMapOvr>
-  <mc:AlternateContent xmlns:mc="http://schemas.openxmlformats.org/markup-compatibility/2006" xmlns:p14="http://schemas.microsoft.com/office/powerpoint/2010/main">
-    <mc:Choice Requires="p14">
-      <p:transition spd="med" p14:dur="700">
-        <p:fade/>
-      </p:transition>
-    </mc:Choice>
-    <mc:Fallback xmlns="">
-      <p:transition spd="med">
-        <p:fade/>
-      </p:transition>
-    </mc:Fallback>
-  </mc:AlternateContent>
-</p:sld>
-</file>
-
-<file path=ppt/slides/slide53.xml><?xml version="1.0" encoding="utf-8"?>
-<p:sld xmlns:a="http://schemas.openxmlformats.org/drawingml/2006/main" xmlns:r="http://schemas.openxmlformats.org/officeDocument/2006/relationships" xmlns:p="http://schemas.openxmlformats.org/presentationml/2006/main">
-  <p:cSld>
-    <p:spTree>
-      <p:nvGrpSpPr>
-        <p:cNvPr id="1" name=""/>
-        <p:cNvGrpSpPr/>
-        <p:nvPr/>
-      </p:nvGrpSpPr>
-      <p:grpSpPr>
-        <a:xfrm>
-          <a:off x="0" y="0"/>
-          <a:ext cx="0" cy="0"/>
-          <a:chOff x="0" y="0"/>
-          <a:chExt cx="0" cy="0"/>
-        </a:xfrm>
-      </p:grpSpPr>
-      <p:sp>
-        <p:nvSpPr>
-          <p:cNvPr id="2" name="Title 1"/>
-          <p:cNvSpPr>
-            <a:spLocks noGrp="1"/>
-          </p:cNvSpPr>
-          <p:nvPr>
-            <p:ph type="title"/>
-          </p:nvPr>
-        </p:nvSpPr>
-        <p:spPr/>
-        <p:txBody>
-          <a:bodyPr/>
-          <a:lstStyle/>
-          <a:p>
-            <a:r>
-              <a:rPr lang="en-US" dirty="0"/>
-              <a:t>Title and Content Layout with Chart</a:t>
-            </a:r>
-          </a:p>
-        </p:txBody>
-      </p:sp>
-      <p:graphicFrame>
-        <p:nvGraphicFramePr>
-          <p:cNvPr id="6" name="Content Placeholder 5" descr="Clustered column chart showing the values of 3 series for 4 categories"/>
-          <p:cNvGraphicFramePr>
-            <a:graphicFrameLocks noGrp="1"/>
-          </p:cNvGraphicFramePr>
-          <p:nvPr>
-            <p:ph idx="1"/>
-            <p:extLst>
-              <p:ext uri="{D42A27DB-BD31-4B8C-83A1-F6EECF244321}">
-                <p14:modId xmlns:p14="http://schemas.microsoft.com/office/powerpoint/2010/main" val="2360841904"/>
-              </p:ext>
-            </p:extLst>
-          </p:nvPr>
-        </p:nvGraphicFramePr>
-        <p:xfrm>
-          <a:off x="1219200" y="1803400"/>
-          <a:ext cx="9750425" cy="4267200"/>
-        </p:xfrm>
-        <a:graphic>
-          <a:graphicData uri="http://schemas.openxmlformats.org/drawingml/2006/chart">
-            <c:chart xmlns:c="http://schemas.openxmlformats.org/drawingml/2006/chart" xmlns:r="http://schemas.openxmlformats.org/officeDocument/2006/relationships" r:id="rId2"/>
-          </a:graphicData>
-        </a:graphic>
-      </p:graphicFrame>
-      <p:sp>
-        <p:nvSpPr>
-          <p:cNvPr id="3" name="Date Placeholder 2">
-            <a:extLst>
-              <a:ext uri="{FF2B5EF4-FFF2-40B4-BE49-F238E27FC236}">
-                <a16:creationId xmlns:a16="http://schemas.microsoft.com/office/drawing/2014/main" id="{B25B8EA5-E553-4A08-9F47-721CC39FA67C}"/>
-              </a:ext>
-            </a:extLst>
-          </p:cNvPr>
-          <p:cNvSpPr>
-            <a:spLocks noGrp="1"/>
-          </p:cNvSpPr>
-          <p:nvPr>
-            <p:ph type="dt" sz="half" idx="10"/>
-          </p:nvPr>
-        </p:nvSpPr>
-        <p:spPr/>
-        <p:txBody>
-          <a:bodyPr/>
-          <a:lstStyle/>
-          <a:p>
-            <a:fld id="{950C7957-C279-45F3-AE4C-435F0F27D9A8}" type="datetime1">
-              <a:rPr lang="en-US" smtClean="0"/>
-              <a:t>4/23/2021</a:t>
-            </a:fld>
-            <a:endParaRPr lang="en-US"/>
-          </a:p>
-        </p:txBody>
-      </p:sp>
-      <p:sp>
-        <p:nvSpPr>
-          <p:cNvPr id="4" name="Footer Placeholder 3">
-            <a:extLst>
-              <a:ext uri="{FF2B5EF4-FFF2-40B4-BE49-F238E27FC236}">
-                <a16:creationId xmlns:a16="http://schemas.microsoft.com/office/drawing/2014/main" id="{4BAA9A73-AE8B-48D6-AC31-C4C54FE027B9}"/>
-              </a:ext>
-            </a:extLst>
-          </p:cNvPr>
-          <p:cNvSpPr>
-            <a:spLocks noGrp="1"/>
-          </p:cNvSpPr>
-          <p:nvPr>
-            <p:ph type="ftr" sz="quarter" idx="11"/>
-          </p:nvPr>
-        </p:nvSpPr>
-        <p:spPr/>
-        <p:txBody>
-          <a:bodyPr/>
-          <a:lstStyle/>
-          <a:p>
-            <a:r>
-              <a:rPr lang="en-US"/>
-              <a:t>Indroduction to distributed systems</a:t>
-            </a:r>
-          </a:p>
-        </p:txBody>
-      </p:sp>
-      <p:sp>
-        <p:nvSpPr>
-          <p:cNvPr id="5" name="Slide Number Placeholder 4">
-            <a:extLst>
-              <a:ext uri="{FF2B5EF4-FFF2-40B4-BE49-F238E27FC236}">
-                <a16:creationId xmlns:a16="http://schemas.microsoft.com/office/drawing/2014/main" id="{89B27841-BD1F-4A27-ADE5-581B59BA2B92}"/>
-              </a:ext>
-            </a:extLst>
-          </p:cNvPr>
-          <p:cNvSpPr>
-            <a:spLocks noGrp="1"/>
-          </p:cNvSpPr>
-          <p:nvPr>
-            <p:ph type="sldNum" sz="quarter" idx="12"/>
-          </p:nvPr>
-        </p:nvSpPr>
-        <p:spPr/>
-        <p:txBody>
-          <a:bodyPr/>
-          <a:lstStyle/>
-          <a:p>
-            <a:fld id="{DF28FB93-0A08-4E7D-8E63-9EFA29F1E093}" type="slidenum">
-              <a:rPr lang="en-US" smtClean="0"/>
-              <a:pPr/>
-              <a:t>53</a:t>
-            </a:fld>
-            <a:endParaRPr lang="en-US"/>
-          </a:p>
-        </p:txBody>
-      </p:sp>
-    </p:spTree>
-    <p:extLst>
-      <p:ext uri="{BB962C8B-B14F-4D97-AF65-F5344CB8AC3E}">
-        <p14:creationId xmlns:p14="http://schemas.microsoft.com/office/powerpoint/2010/main" val="1711846402"/>
-      </p:ext>
-    </p:extLst>
-  </p:cSld>
-  <p:clrMapOvr>
-    <a:masterClrMapping/>
-  </p:clrMapOvr>
-  <mc:AlternateContent xmlns:mc="http://schemas.openxmlformats.org/markup-compatibility/2006" xmlns:p14="http://schemas.microsoft.com/office/powerpoint/2010/main">
-    <mc:Choice Requires="p14">
-      <p:transition spd="med" p14:dur="700">
-        <p:fade/>
-      </p:transition>
-    </mc:Choice>
-    <mc:Fallback xmlns="">
-      <p:transition spd="med">
-        <p:fade/>
-      </p:transition>
-    </mc:Fallback>
-  </mc:AlternateContent>
-</p:sld>
-</file>
-
-<file path=ppt/slides/slide54.xml><?xml version="1.0" encoding="utf-8"?>
-<p:sld xmlns:a="http://schemas.openxmlformats.org/drawingml/2006/main" xmlns:r="http://schemas.openxmlformats.org/officeDocument/2006/relationships" xmlns:p="http://schemas.openxmlformats.org/presentationml/2006/main">
-  <p:cSld>
-    <p:spTree>
-      <p:nvGrpSpPr>
-        <p:cNvPr id="1" name=""/>
-        <p:cNvGrpSpPr/>
-        <p:nvPr/>
-      </p:nvGrpSpPr>
-      <p:grpSpPr>
-        <a:xfrm>
-          <a:off x="0" y="0"/>
-          <a:ext cx="0" cy="0"/>
-          <a:chOff x="0" y="0"/>
-          <a:chExt cx="0" cy="0"/>
-        </a:xfrm>
-      </p:grpSpPr>
-      <p:sp>
-        <p:nvSpPr>
-          <p:cNvPr id="2" name="Title 1"/>
-          <p:cNvSpPr>
-            <a:spLocks noGrp="1"/>
-          </p:cNvSpPr>
-          <p:nvPr>
-            <p:ph type="title"/>
-          </p:nvPr>
-        </p:nvSpPr>
-        <p:spPr/>
-        <p:txBody>
-          <a:bodyPr/>
-          <a:lstStyle/>
-          <a:p>
-            <a:r>
-              <a:rPr lang="en-US" dirty="0"/>
-              <a:t>Two Content Layout with Table</a:t>
-            </a:r>
-          </a:p>
-        </p:txBody>
-      </p:sp>
-      <p:graphicFrame>
-        <p:nvGraphicFramePr>
-          <p:cNvPr id="4" name="Content Placeholder 3"/>
-          <p:cNvGraphicFramePr>
-            <a:graphicFrameLocks noGrp="1"/>
-          </p:cNvGraphicFramePr>
-          <p:nvPr>
-            <p:ph sz="half" idx="1"/>
-            <p:extLst>
-              <p:ext uri="{D42A27DB-BD31-4B8C-83A1-F6EECF244321}">
-                <p14:modId xmlns:p14="http://schemas.microsoft.com/office/powerpoint/2010/main" val="1475416969"/>
-              </p:ext>
-            </p:extLst>
-          </p:nvPr>
-        </p:nvGraphicFramePr>
-        <p:xfrm>
-          <a:off x="1219200" y="1803400"/>
-          <a:ext cx="4773612" cy="2082800"/>
-        </p:xfrm>
-        <a:graphic>
-          <a:graphicData uri="http://schemas.openxmlformats.org/drawingml/2006/table">
-            <a:tbl>
-              <a:tblPr firstRow="1" bandRow="1">
-                <a:tableStyleId>{5C22544A-7EE6-4342-B048-85BDC9FD1C3A}</a:tableStyleId>
-              </a:tblPr>
-              <a:tblGrid>
-                <a:gridCol w="1591204">
-                  <a:extLst>
-                    <a:ext uri="{9D8B030D-6E8A-4147-A177-3AD203B41FA5}">
-                      <a16:colId xmlns:a16="http://schemas.microsoft.com/office/drawing/2014/main" val="20000"/>
-                    </a:ext>
-                  </a:extLst>
-                </a:gridCol>
-                <a:gridCol w="1591204">
-                  <a:extLst>
-                    <a:ext uri="{9D8B030D-6E8A-4147-A177-3AD203B41FA5}">
-                      <a16:colId xmlns:a16="http://schemas.microsoft.com/office/drawing/2014/main" val="20001"/>
-                    </a:ext>
-                  </a:extLst>
-                </a:gridCol>
-                <a:gridCol w="1591204">
-                  <a:extLst>
-                    <a:ext uri="{9D8B030D-6E8A-4147-A177-3AD203B41FA5}">
-                      <a16:colId xmlns:a16="http://schemas.microsoft.com/office/drawing/2014/main" val="20002"/>
-                    </a:ext>
-                  </a:extLst>
-                </a:gridCol>
-              </a:tblGrid>
-              <a:tr h="520700">
-                <a:tc>
-                  <a:txBody>
-                    <a:bodyPr/>
-                    <a:lstStyle/>
-                    <a:p>
-                      <a:r>
-                        <a:rPr lang="en-US" dirty="0"/>
-                        <a:t>Class</a:t>
-                      </a:r>
-                    </a:p>
-                  </a:txBody>
-                  <a:tcPr anchor="ctr"/>
-                </a:tc>
-                <a:tc>
-                  <a:txBody>
-                    <a:bodyPr/>
-                    <a:lstStyle/>
-                    <a:p>
-                      <a:pPr algn="ctr"/>
-                      <a:r>
-                        <a:rPr lang="en-US" dirty="0"/>
-                        <a:t>Group A</a:t>
-                      </a:r>
-                    </a:p>
-                  </a:txBody>
-                  <a:tcPr anchor="ctr"/>
-                </a:tc>
-                <a:tc>
-                  <a:txBody>
-                    <a:bodyPr/>
-                    <a:lstStyle/>
-                    <a:p>
-                      <a:pPr algn="ctr"/>
-                      <a:r>
-                        <a:rPr lang="en-US" dirty="0"/>
-                        <a:t>Group B</a:t>
-                      </a:r>
-                    </a:p>
-                  </a:txBody>
-                  <a:tcPr anchor="ctr"/>
-                </a:tc>
-                <a:extLst>
-                  <a:ext uri="{0D108BD9-81ED-4DB2-BD59-A6C34878D82A}">
-                    <a16:rowId xmlns:a16="http://schemas.microsoft.com/office/drawing/2014/main" val="10000"/>
-                  </a:ext>
-                </a:extLst>
-              </a:tr>
-              <a:tr h="520700">
-                <a:tc>
-                  <a:txBody>
-                    <a:bodyPr/>
-                    <a:lstStyle/>
-                    <a:p>
-                      <a:r>
-                        <a:rPr lang="en-US" dirty="0"/>
-                        <a:t>Class 1</a:t>
-                      </a:r>
-                    </a:p>
-                  </a:txBody>
-                  <a:tcPr anchor="ctr"/>
-                </a:tc>
-                <a:tc>
-                  <a:txBody>
-                    <a:bodyPr/>
-                    <a:lstStyle/>
-                    <a:p>
-                      <a:pPr algn="ctr"/>
-                      <a:r>
-                        <a:rPr lang="en-US" dirty="0"/>
-                        <a:t>82</a:t>
-                      </a:r>
-                    </a:p>
-                  </a:txBody>
-                  <a:tcPr anchor="ctr"/>
-                </a:tc>
-                <a:tc>
-                  <a:txBody>
-                    <a:bodyPr/>
-                    <a:lstStyle/>
-                    <a:p>
-                      <a:pPr algn="ctr"/>
-                      <a:r>
-                        <a:rPr lang="en-US" dirty="0"/>
-                        <a:t>85</a:t>
-                      </a:r>
-                    </a:p>
-                  </a:txBody>
-                  <a:tcPr anchor="ctr"/>
-                </a:tc>
-                <a:extLst>
-                  <a:ext uri="{0D108BD9-81ED-4DB2-BD59-A6C34878D82A}">
-                    <a16:rowId xmlns:a16="http://schemas.microsoft.com/office/drawing/2014/main" val="10001"/>
-                  </a:ext>
-                </a:extLst>
-              </a:tr>
-              <a:tr h="520700">
-                <a:tc>
-                  <a:txBody>
-                    <a:bodyPr/>
-                    <a:lstStyle/>
-                    <a:p>
-                      <a:r>
-                        <a:rPr lang="en-US" dirty="0"/>
-                        <a:t>Class 2</a:t>
-                      </a:r>
-                    </a:p>
-                  </a:txBody>
-                  <a:tcPr anchor="ctr"/>
-                </a:tc>
-                <a:tc>
-                  <a:txBody>
-                    <a:bodyPr/>
-                    <a:lstStyle/>
-                    <a:p>
-                      <a:pPr algn="ctr"/>
-                      <a:r>
-                        <a:rPr lang="en-US" dirty="0"/>
-                        <a:t>76</a:t>
-                      </a:r>
-                    </a:p>
-                  </a:txBody>
-                  <a:tcPr anchor="ctr"/>
-                </a:tc>
-                <a:tc>
-                  <a:txBody>
-                    <a:bodyPr/>
-                    <a:lstStyle/>
-                    <a:p>
-                      <a:pPr algn="ctr"/>
-                      <a:r>
-                        <a:rPr lang="en-US" dirty="0"/>
-                        <a:t>88</a:t>
-                      </a:r>
-                    </a:p>
-                  </a:txBody>
-                  <a:tcPr anchor="ctr"/>
-                </a:tc>
-                <a:extLst>
-                  <a:ext uri="{0D108BD9-81ED-4DB2-BD59-A6C34878D82A}">
-                    <a16:rowId xmlns:a16="http://schemas.microsoft.com/office/drawing/2014/main" val="10002"/>
-                  </a:ext>
-                </a:extLst>
-              </a:tr>
-              <a:tr h="520700">
-                <a:tc>
-                  <a:txBody>
-                    <a:bodyPr/>
-                    <a:lstStyle/>
-                    <a:p>
-                      <a:r>
-                        <a:rPr lang="en-US" dirty="0"/>
-                        <a:t>Class 3</a:t>
-                      </a:r>
-                    </a:p>
-                  </a:txBody>
-                  <a:tcPr anchor="ctr"/>
-                </a:tc>
-                <a:tc>
-                  <a:txBody>
-                    <a:bodyPr/>
-                    <a:lstStyle/>
-                    <a:p>
-                      <a:pPr algn="ctr"/>
-                      <a:r>
-                        <a:rPr lang="en-US" dirty="0"/>
-                        <a:t>84</a:t>
-                      </a:r>
-                    </a:p>
-                  </a:txBody>
-                  <a:tcPr anchor="ctr"/>
-                </a:tc>
-                <a:tc>
-                  <a:txBody>
-                    <a:bodyPr/>
-                    <a:lstStyle/>
-                    <a:p>
-                      <a:pPr algn="ctr"/>
-                      <a:r>
-                        <a:rPr lang="en-US" dirty="0"/>
-                        <a:t>90</a:t>
-                      </a:r>
-                    </a:p>
-                  </a:txBody>
-                  <a:tcPr anchor="ctr"/>
-                </a:tc>
-                <a:extLst>
-                  <a:ext uri="{0D108BD9-81ED-4DB2-BD59-A6C34878D82A}">
-                    <a16:rowId xmlns:a16="http://schemas.microsoft.com/office/drawing/2014/main" val="10003"/>
-                  </a:ext>
-                </a:extLst>
-              </a:tr>
-            </a:tbl>
-          </a:graphicData>
-        </a:graphic>
-      </p:graphicFrame>
-      <p:sp>
-        <p:nvSpPr>
-          <p:cNvPr id="11" name="Content Placeholder 10"/>
-          <p:cNvSpPr>
-            <a:spLocks noGrp="1"/>
-          </p:cNvSpPr>
-          <p:nvPr>
-            <p:ph sz="half" idx="2"/>
-          </p:nvPr>
-        </p:nvSpPr>
-        <p:spPr/>
-        <p:txBody>
-          <a:bodyPr/>
-          <a:lstStyle/>
-          <a:p>
-            <a:r>
-              <a:rPr lang="en-US" dirty="0"/>
-              <a:t>First bullet point here</a:t>
-            </a:r>
-          </a:p>
-          <a:p>
-            <a:r>
-              <a:rPr lang="en-US" dirty="0"/>
-              <a:t>Second bullet point here</a:t>
-            </a:r>
-          </a:p>
-          <a:p>
-            <a:r>
-              <a:rPr lang="en-US" dirty="0"/>
-              <a:t>Third bullet point here</a:t>
-            </a:r>
-          </a:p>
-        </p:txBody>
-      </p:sp>
-      <p:sp>
-        <p:nvSpPr>
-          <p:cNvPr id="3" name="Date Placeholder 2">
-            <a:extLst>
-              <a:ext uri="{FF2B5EF4-FFF2-40B4-BE49-F238E27FC236}">
-                <a16:creationId xmlns:a16="http://schemas.microsoft.com/office/drawing/2014/main" id="{6C8412D0-61DB-47EF-B0D3-07D7147C1DC8}"/>
-              </a:ext>
-            </a:extLst>
-          </p:cNvPr>
-          <p:cNvSpPr>
-            <a:spLocks noGrp="1"/>
-          </p:cNvSpPr>
-          <p:nvPr>
-            <p:ph type="dt" sz="half" idx="10"/>
-          </p:nvPr>
-        </p:nvSpPr>
-        <p:spPr/>
-        <p:txBody>
-          <a:bodyPr/>
-          <a:lstStyle/>
-          <a:p>
-            <a:fld id="{410B9ECF-2074-4830-A247-BF7868550EBC}" type="datetime1">
-              <a:rPr lang="en-US" smtClean="0"/>
-              <a:t>4/23/2021</a:t>
-            </a:fld>
-            <a:endParaRPr lang="en-US"/>
-          </a:p>
-        </p:txBody>
-      </p:sp>
-      <p:sp>
-        <p:nvSpPr>
-          <p:cNvPr id="5" name="Footer Placeholder 4">
-            <a:extLst>
-              <a:ext uri="{FF2B5EF4-FFF2-40B4-BE49-F238E27FC236}">
-                <a16:creationId xmlns:a16="http://schemas.microsoft.com/office/drawing/2014/main" id="{B996A7EA-22D1-4ECF-8A92-24DF7AA36047}"/>
-              </a:ext>
-            </a:extLst>
-          </p:cNvPr>
-          <p:cNvSpPr>
-            <a:spLocks noGrp="1"/>
-          </p:cNvSpPr>
-          <p:nvPr>
-            <p:ph type="ftr" sz="quarter" idx="11"/>
-          </p:nvPr>
-        </p:nvSpPr>
-        <p:spPr/>
-        <p:txBody>
-          <a:bodyPr/>
-          <a:lstStyle/>
-          <a:p>
-            <a:r>
-              <a:rPr lang="en-US"/>
-              <a:t>Indroduction to distributed systems</a:t>
-            </a:r>
-          </a:p>
-        </p:txBody>
-      </p:sp>
-      <p:sp>
-        <p:nvSpPr>
-          <p:cNvPr id="6" name="Slide Number Placeholder 5">
-            <a:extLst>
-              <a:ext uri="{FF2B5EF4-FFF2-40B4-BE49-F238E27FC236}">
-                <a16:creationId xmlns:a16="http://schemas.microsoft.com/office/drawing/2014/main" id="{C50A484A-B004-4CA3-976E-E43C109BCD90}"/>
-              </a:ext>
-            </a:extLst>
-          </p:cNvPr>
-          <p:cNvSpPr>
-            <a:spLocks noGrp="1"/>
-          </p:cNvSpPr>
-          <p:nvPr>
-            <p:ph type="sldNum" sz="quarter" idx="12"/>
-          </p:nvPr>
-        </p:nvSpPr>
-        <p:spPr/>
-        <p:txBody>
-          <a:bodyPr/>
-          <a:lstStyle/>
-          <a:p>
-            <a:fld id="{DF28FB93-0A08-4E7D-8E63-9EFA29F1E093}" type="slidenum">
-              <a:rPr lang="en-US" smtClean="0"/>
-              <a:pPr/>
-              <a:t>54</a:t>
-            </a:fld>
-            <a:endParaRPr lang="en-US"/>
-          </a:p>
-        </p:txBody>
-      </p:sp>
-    </p:spTree>
-    <p:extLst>
-      <p:ext uri="{BB962C8B-B14F-4D97-AF65-F5344CB8AC3E}">
-        <p14:creationId xmlns:p14="http://schemas.microsoft.com/office/powerpoint/2010/main" val="2908023704"/>
-      </p:ext>
-    </p:extLst>
-  </p:cSld>
-  <p:clrMapOvr>
-    <a:masterClrMapping/>
-  </p:clrMapOvr>
-  <mc:AlternateContent xmlns:mc="http://schemas.openxmlformats.org/markup-compatibility/2006" xmlns:p14="http://schemas.microsoft.com/office/powerpoint/2010/main">
-    <mc:Choice Requires="p14">
-      <p:transition spd="med" p14:dur="700">
-        <p:fade/>
-      </p:transition>
-    </mc:Choice>
-    <mc:Fallback xmlns="">
-      <p:transition spd="med">
-        <p:fade/>
-      </p:transition>
-    </mc:Fallback>
-  </mc:AlternateContent>
-</p:sld>
-</file>
-
-<file path=ppt/slides/slide55.xml><?xml version="1.0" encoding="utf-8"?>
-<p:sld xmlns:a="http://schemas.openxmlformats.org/drawingml/2006/main" xmlns:r="http://schemas.openxmlformats.org/officeDocument/2006/relationships" xmlns:p="http://schemas.openxmlformats.org/presentationml/2006/main">
-  <p:cSld>
-    <p:spTree>
-      <p:nvGrpSpPr>
-        <p:cNvPr id="1" name=""/>
-        <p:cNvGrpSpPr/>
-        <p:nvPr/>
-      </p:nvGrpSpPr>
-      <p:grpSpPr>
-        <a:xfrm>
-          <a:off x="0" y="0"/>
-          <a:ext cx="0" cy="0"/>
-          <a:chOff x="0" y="0"/>
-          <a:chExt cx="0" cy="0"/>
-        </a:xfrm>
-      </p:grpSpPr>
-      <p:sp>
-        <p:nvSpPr>
-          <p:cNvPr id="2" name="Title 1"/>
-          <p:cNvSpPr>
-            <a:spLocks noGrp="1"/>
-          </p:cNvSpPr>
-          <p:nvPr>
-            <p:ph type="title"/>
-          </p:nvPr>
-        </p:nvSpPr>
-        <p:spPr/>
-        <p:txBody>
-          <a:bodyPr/>
-          <a:lstStyle/>
-          <a:p>
-            <a:r>
-              <a:rPr lang="en-US" dirty="0"/>
-              <a:t>Two Content Layout with SmartArt</a:t>
-            </a:r>
-          </a:p>
-        </p:txBody>
-      </p:sp>
-      <p:sp>
-        <p:nvSpPr>
-          <p:cNvPr id="10" name="Content Placeholder 9"/>
-          <p:cNvSpPr>
-            <a:spLocks noGrp="1"/>
-          </p:cNvSpPr>
-          <p:nvPr>
-            <p:ph sz="half" idx="1"/>
-          </p:nvPr>
-        </p:nvSpPr>
-        <p:spPr/>
-        <p:txBody>
-          <a:bodyPr/>
-          <a:lstStyle/>
-          <a:p>
-            <a:r>
-              <a:rPr lang="en-US" dirty="0"/>
-              <a:t>First bullet point here</a:t>
-            </a:r>
-          </a:p>
-          <a:p>
-            <a:r>
-              <a:rPr lang="en-US" dirty="0"/>
-              <a:t>Second bullet point here</a:t>
-            </a:r>
-          </a:p>
-          <a:p>
-            <a:r>
-              <a:rPr lang="en-US" dirty="0"/>
-              <a:t>Third bullet point here</a:t>
-            </a:r>
-          </a:p>
-        </p:txBody>
-      </p:sp>
-      <p:graphicFrame>
-        <p:nvGraphicFramePr>
-          <p:cNvPr id="9" name="Content Placeholder 8" descr="Vertical Box List showing 3 groups arranged one below the other and bullet points are present under each group."/>
-          <p:cNvGraphicFramePr>
-            <a:graphicFrameLocks noGrp="1"/>
-          </p:cNvGraphicFramePr>
-          <p:nvPr>
-            <p:ph sz="half" idx="2"/>
-            <p:extLst>
-              <p:ext uri="{D42A27DB-BD31-4B8C-83A1-F6EECF244321}">
-                <p14:modId xmlns:p14="http://schemas.microsoft.com/office/powerpoint/2010/main" val="3853444386"/>
-              </p:ext>
-            </p:extLst>
-          </p:nvPr>
-        </p:nvGraphicFramePr>
-        <p:xfrm>
-          <a:off x="6196013" y="1803400"/>
-          <a:ext cx="4773612" cy="4267200"/>
-        </p:xfrm>
-        <a:graphic>
-          <a:graphicData uri="http://schemas.openxmlformats.org/drawingml/2006/diagram">
-            <dgm:relIds xmlns:dgm="http://schemas.openxmlformats.org/drawingml/2006/diagram" xmlns:r="http://schemas.openxmlformats.org/officeDocument/2006/relationships" r:dm="rId2" r:lo="rId3" r:qs="rId4" r:cs="rId5"/>
-          </a:graphicData>
-        </a:graphic>
-      </p:graphicFrame>
-      <p:sp>
-        <p:nvSpPr>
-          <p:cNvPr id="3" name="Date Placeholder 2">
-            <a:extLst>
-              <a:ext uri="{FF2B5EF4-FFF2-40B4-BE49-F238E27FC236}">
-                <a16:creationId xmlns:a16="http://schemas.microsoft.com/office/drawing/2014/main" id="{486F8FAD-2F09-4E03-8FCF-A30DC4CED3A5}"/>
-              </a:ext>
-            </a:extLst>
-          </p:cNvPr>
-          <p:cNvSpPr>
-            <a:spLocks noGrp="1"/>
-          </p:cNvSpPr>
-          <p:nvPr>
-            <p:ph type="dt" sz="half" idx="10"/>
-          </p:nvPr>
-        </p:nvSpPr>
-        <p:spPr/>
-        <p:txBody>
-          <a:bodyPr/>
-          <a:lstStyle/>
-          <a:p>
-            <a:fld id="{3C53DAA6-5D79-49A0-A5D6-3BD535FAB42A}" type="datetime1">
-              <a:rPr lang="en-US" smtClean="0"/>
-              <a:t>4/23/2021</a:t>
-            </a:fld>
-            <a:endParaRPr lang="en-US"/>
-          </a:p>
-        </p:txBody>
-      </p:sp>
-      <p:sp>
-        <p:nvSpPr>
-          <p:cNvPr id="4" name="Footer Placeholder 3">
-            <a:extLst>
-              <a:ext uri="{FF2B5EF4-FFF2-40B4-BE49-F238E27FC236}">
-                <a16:creationId xmlns:a16="http://schemas.microsoft.com/office/drawing/2014/main" id="{A211DD5B-A8EC-4389-B102-388A1A567B73}"/>
-              </a:ext>
-            </a:extLst>
-          </p:cNvPr>
-          <p:cNvSpPr>
-            <a:spLocks noGrp="1"/>
-          </p:cNvSpPr>
-          <p:nvPr>
-            <p:ph type="ftr" sz="quarter" idx="11"/>
-          </p:nvPr>
-        </p:nvSpPr>
-        <p:spPr/>
-        <p:txBody>
-          <a:bodyPr/>
-          <a:lstStyle/>
-          <a:p>
-            <a:r>
-              <a:rPr lang="en-US"/>
-              <a:t>Indroduction to distributed systems</a:t>
-            </a:r>
-          </a:p>
-        </p:txBody>
-      </p:sp>
-      <p:sp>
-        <p:nvSpPr>
-          <p:cNvPr id="5" name="Slide Number Placeholder 4">
-            <a:extLst>
-              <a:ext uri="{FF2B5EF4-FFF2-40B4-BE49-F238E27FC236}">
-                <a16:creationId xmlns:a16="http://schemas.microsoft.com/office/drawing/2014/main" id="{F9CE64CA-6452-4DFF-AD91-3EF1458FE9FD}"/>
-              </a:ext>
-            </a:extLst>
-          </p:cNvPr>
-          <p:cNvSpPr>
-            <a:spLocks noGrp="1"/>
-          </p:cNvSpPr>
-          <p:nvPr>
-            <p:ph type="sldNum" sz="quarter" idx="12"/>
-          </p:nvPr>
-        </p:nvSpPr>
-        <p:spPr/>
-        <p:txBody>
-          <a:bodyPr/>
-          <a:lstStyle/>
-          <a:p>
-            <a:fld id="{DF28FB93-0A08-4E7D-8E63-9EFA29F1E093}" type="slidenum">
-              <a:rPr lang="en-US" smtClean="0"/>
-              <a:pPr/>
-              <a:t>55</a:t>
-            </a:fld>
-            <a:endParaRPr lang="en-US"/>
-          </a:p>
-        </p:txBody>
-      </p:sp>
-    </p:spTree>
-    <p:extLst>
-      <p:ext uri="{BB962C8B-B14F-4D97-AF65-F5344CB8AC3E}">
-        <p14:creationId xmlns:p14="http://schemas.microsoft.com/office/powerpoint/2010/main" val="3507259872"/>
-      </p:ext>
-    </p:extLst>
-  </p:cSld>
-  <p:clrMapOvr>
-    <a:masterClrMapping/>
-  </p:clrMapOvr>
-  <mc:AlternateContent xmlns:mc="http://schemas.openxmlformats.org/markup-compatibility/2006" xmlns:p14="http://schemas.microsoft.com/office/powerpoint/2010/main">
-    <mc:Choice Requires="p14">
-      <p:transition spd="med" p14:dur="700">
-        <p:fade/>
-      </p:transition>
-    </mc:Choice>
-    <mc:Fallback xmlns="">
-      <p:transition spd="med">
-        <p:fade/>
-      </p:transition>
-    </mc:Fallback>
-  </mc:AlternateContent>
-</p:sld>
-</file>
-
-<file path=ppt/slides/slide56.xml><?xml version="1.0" encoding="utf-8"?>
-<p:sld xmlns:a="http://schemas.openxmlformats.org/drawingml/2006/main" xmlns:r="http://schemas.openxmlformats.org/officeDocument/2006/relationships" xmlns:p="http://schemas.openxmlformats.org/presentationml/2006/main">
-  <p:cSld>
-    <p:spTree>
-      <p:nvGrpSpPr>
-        <p:cNvPr id="1" name=""/>
-        <p:cNvGrpSpPr/>
-        <p:nvPr/>
-      </p:nvGrpSpPr>
-      <p:grpSpPr>
-        <a:xfrm>
-          <a:off x="0" y="0"/>
-          <a:ext cx="0" cy="0"/>
-          <a:chOff x="0" y="0"/>
-          <a:chExt cx="0" cy="0"/>
-        </a:xfrm>
-      </p:grpSpPr>
-      <p:sp>
-        <p:nvSpPr>
-          <p:cNvPr id="2" name="Title 1"/>
-          <p:cNvSpPr>
-            <a:spLocks noGrp="1"/>
-          </p:cNvSpPr>
-          <p:nvPr>
-            <p:ph type="title"/>
-          </p:nvPr>
-        </p:nvSpPr>
-        <p:spPr/>
-        <p:txBody>
-          <a:bodyPr/>
-          <a:lstStyle/>
-          <a:p>
-            <a:r>
-              <a:rPr lang="en-US" dirty="0"/>
-              <a:t>Add a Slide Title - 4</a:t>
-            </a:r>
-          </a:p>
-        </p:txBody>
-      </p:sp>
-      <p:sp>
-        <p:nvSpPr>
-          <p:cNvPr id="3" name="Content Placeholder 2"/>
-          <p:cNvSpPr>
-            <a:spLocks noGrp="1"/>
-          </p:cNvSpPr>
-          <p:nvPr>
-            <p:ph idx="1"/>
-          </p:nvPr>
-        </p:nvSpPr>
-        <p:spPr/>
-        <p:txBody>
-          <a:bodyPr/>
-          <a:lstStyle/>
-          <a:p>
-            <a:endParaRPr lang="en-US"/>
-          </a:p>
-        </p:txBody>
-      </p:sp>
-      <p:sp>
-        <p:nvSpPr>
-          <p:cNvPr id="4" name="Text Placeholder 3"/>
-          <p:cNvSpPr>
-            <a:spLocks noGrp="1"/>
-          </p:cNvSpPr>
-          <p:nvPr>
-            <p:ph type="body" sz="half" idx="2"/>
-          </p:nvPr>
-        </p:nvSpPr>
-        <p:spPr/>
-        <p:txBody>
-          <a:bodyPr/>
-          <a:lstStyle/>
-          <a:p>
-            <a:endParaRPr lang="en-US"/>
-          </a:p>
-        </p:txBody>
-      </p:sp>
-      <p:sp>
-        <p:nvSpPr>
-          <p:cNvPr id="5" name="Date Placeholder 4">
-            <a:extLst>
-              <a:ext uri="{FF2B5EF4-FFF2-40B4-BE49-F238E27FC236}">
-                <a16:creationId xmlns:a16="http://schemas.microsoft.com/office/drawing/2014/main" id="{203AB907-D1F1-4DBF-91AD-5BC413A29AF9}"/>
-              </a:ext>
-            </a:extLst>
-          </p:cNvPr>
-          <p:cNvSpPr>
-            <a:spLocks noGrp="1"/>
-          </p:cNvSpPr>
-          <p:nvPr>
-            <p:ph type="dt" sz="half" idx="10"/>
-          </p:nvPr>
-        </p:nvSpPr>
-        <p:spPr/>
-        <p:txBody>
-          <a:bodyPr/>
-          <a:lstStyle/>
-          <a:p>
-            <a:fld id="{FCED364E-E460-4B6C-8E25-59617AD4E9BE}" type="datetime1">
-              <a:rPr lang="en-US" smtClean="0"/>
-              <a:t>4/23/2021</a:t>
-            </a:fld>
-            <a:endParaRPr lang="en-US"/>
-          </a:p>
-        </p:txBody>
-      </p:sp>
-      <p:sp>
-        <p:nvSpPr>
-          <p:cNvPr id="6" name="Footer Placeholder 5">
-            <a:extLst>
-              <a:ext uri="{FF2B5EF4-FFF2-40B4-BE49-F238E27FC236}">
-                <a16:creationId xmlns:a16="http://schemas.microsoft.com/office/drawing/2014/main" id="{9A127448-2C62-42CE-BAFB-F1147394F474}"/>
-              </a:ext>
-            </a:extLst>
-          </p:cNvPr>
-          <p:cNvSpPr>
-            <a:spLocks noGrp="1"/>
-          </p:cNvSpPr>
-          <p:nvPr>
-            <p:ph type="ftr" sz="quarter" idx="11"/>
-          </p:nvPr>
-        </p:nvSpPr>
-        <p:spPr/>
-        <p:txBody>
-          <a:bodyPr/>
-          <a:lstStyle/>
-          <a:p>
-            <a:r>
-              <a:rPr lang="en-US"/>
-              <a:t>Indroduction to distributed systems</a:t>
-            </a:r>
-          </a:p>
-        </p:txBody>
-      </p:sp>
-      <p:sp>
-        <p:nvSpPr>
-          <p:cNvPr id="7" name="Slide Number Placeholder 6">
-            <a:extLst>
-              <a:ext uri="{FF2B5EF4-FFF2-40B4-BE49-F238E27FC236}">
-                <a16:creationId xmlns:a16="http://schemas.microsoft.com/office/drawing/2014/main" id="{8FB8C1AD-1616-437D-9D7F-33D7B709B851}"/>
-              </a:ext>
-            </a:extLst>
-          </p:cNvPr>
-          <p:cNvSpPr>
-            <a:spLocks noGrp="1"/>
-          </p:cNvSpPr>
-          <p:nvPr>
-            <p:ph type="sldNum" sz="quarter" idx="12"/>
-          </p:nvPr>
-        </p:nvSpPr>
-        <p:spPr/>
-        <p:txBody>
-          <a:bodyPr/>
-          <a:lstStyle/>
-          <a:p>
-            <a:fld id="{DF28FB93-0A08-4E7D-8E63-9EFA29F1E093}" type="slidenum">
-              <a:rPr lang="en-US" smtClean="0"/>
-              <a:pPr/>
-              <a:t>56</a:t>
-            </a:fld>
-            <a:endParaRPr lang="en-US"/>
-          </a:p>
-        </p:txBody>
-      </p:sp>
-    </p:spTree>
-    <p:extLst>
-      <p:ext uri="{BB962C8B-B14F-4D97-AF65-F5344CB8AC3E}">
-        <p14:creationId xmlns:p14="http://schemas.microsoft.com/office/powerpoint/2010/main" val="4237772798"/>
-      </p:ext>
-    </p:extLst>
-  </p:cSld>
-  <p:clrMapOvr>
-    <a:masterClrMapping/>
-  </p:clrMapOvr>
-  <mc:AlternateContent xmlns:mc="http://schemas.openxmlformats.org/markup-compatibility/2006" xmlns:p14="http://schemas.microsoft.com/office/powerpoint/2010/main">
-    <mc:Choice Requires="p14">
-      <p:transition spd="med" p14:dur="700">
-        <p:fade/>
-      </p:transition>
-    </mc:Choice>
-    <mc:Fallback xmlns="">
-      <p:transition spd="med">
-        <p:fade/>
-      </p:transition>
-    </mc:Fallback>
-  </mc:AlternateContent>
-</p:sld>
-</file>
-
-<file path=ppt/slides/slide57.xml><?xml version="1.0" encoding="utf-8"?>
-<p:sld xmlns:a="http://schemas.openxmlformats.org/drawingml/2006/main" xmlns:r="http://schemas.openxmlformats.org/officeDocument/2006/relationships" xmlns:p="http://schemas.openxmlformats.org/presentationml/2006/main">
-  <p:cSld>
-    <p:spTree>
-      <p:nvGrpSpPr>
-        <p:cNvPr id="1" name=""/>
-        <p:cNvGrpSpPr/>
-        <p:nvPr/>
-      </p:nvGrpSpPr>
-      <p:grpSpPr>
-        <a:xfrm>
-          <a:off x="0" y="0"/>
-          <a:ext cx="0" cy="0"/>
-          <a:chOff x="0" y="0"/>
-          <a:chExt cx="0" cy="0"/>
-        </a:xfrm>
-      </p:grpSpPr>
-      <p:sp>
-        <p:nvSpPr>
-          <p:cNvPr id="2" name="Title 1"/>
-          <p:cNvSpPr>
-            <a:spLocks noGrp="1"/>
-          </p:cNvSpPr>
-          <p:nvPr>
-            <p:ph type="title"/>
-          </p:nvPr>
-        </p:nvSpPr>
-        <p:spPr/>
-        <p:txBody>
-          <a:bodyPr/>
-          <a:lstStyle/>
-          <a:p>
-            <a:r>
-              <a:rPr lang="en-US" dirty="0"/>
-              <a:t>Add a Slide Title - 5</a:t>
-            </a:r>
-          </a:p>
-        </p:txBody>
-      </p:sp>
-      <p:sp>
-        <p:nvSpPr>
-          <p:cNvPr id="5" name="Picture Placeholder 4" descr="An empty placeholder to add an image. Click on the placeholder and select the image that you wish to add."/>
-          <p:cNvSpPr>
-            <a:spLocks noGrp="1"/>
-          </p:cNvSpPr>
-          <p:nvPr>
-            <p:ph type="pic" idx="1"/>
-          </p:nvPr>
-        </p:nvSpPr>
-        <p:spPr/>
-      </p:sp>
-      <p:sp>
-        <p:nvSpPr>
-          <p:cNvPr id="4" name="Text Placeholder 3"/>
-          <p:cNvSpPr>
-            <a:spLocks noGrp="1"/>
-          </p:cNvSpPr>
-          <p:nvPr>
-            <p:ph type="body" sz="half" idx="2"/>
-          </p:nvPr>
-        </p:nvSpPr>
-        <p:spPr/>
-        <p:txBody>
-          <a:bodyPr/>
-          <a:lstStyle/>
-          <a:p>
-            <a:endParaRPr lang="en-US" dirty="0"/>
-          </a:p>
-        </p:txBody>
-      </p:sp>
-      <p:sp>
-        <p:nvSpPr>
-          <p:cNvPr id="3" name="Date Placeholder 2">
-            <a:extLst>
-              <a:ext uri="{FF2B5EF4-FFF2-40B4-BE49-F238E27FC236}">
-                <a16:creationId xmlns:a16="http://schemas.microsoft.com/office/drawing/2014/main" id="{7001B9F5-6CC6-407D-8445-3EB366CCBD6B}"/>
-              </a:ext>
-            </a:extLst>
-          </p:cNvPr>
-          <p:cNvSpPr>
-            <a:spLocks noGrp="1"/>
-          </p:cNvSpPr>
-          <p:nvPr>
-            <p:ph type="dt" sz="half" idx="10"/>
-          </p:nvPr>
-        </p:nvSpPr>
-        <p:spPr/>
-        <p:txBody>
-          <a:bodyPr/>
-          <a:lstStyle/>
-          <a:p>
-            <a:fld id="{7DADED11-EE21-46B4-B0F0-45CB8A30EEC3}" type="datetime1">
-              <a:rPr lang="en-US" smtClean="0"/>
-              <a:t>4/23/2021</a:t>
-            </a:fld>
-            <a:endParaRPr lang="en-US"/>
-          </a:p>
-        </p:txBody>
-      </p:sp>
-      <p:sp>
-        <p:nvSpPr>
-          <p:cNvPr id="6" name="Footer Placeholder 5">
-            <a:extLst>
-              <a:ext uri="{FF2B5EF4-FFF2-40B4-BE49-F238E27FC236}">
-                <a16:creationId xmlns:a16="http://schemas.microsoft.com/office/drawing/2014/main" id="{1755F2AC-10C3-4BD3-A820-D91C4F72E492}"/>
-              </a:ext>
-            </a:extLst>
-          </p:cNvPr>
-          <p:cNvSpPr>
-            <a:spLocks noGrp="1"/>
-          </p:cNvSpPr>
-          <p:nvPr>
-            <p:ph type="ftr" sz="quarter" idx="11"/>
-          </p:nvPr>
-        </p:nvSpPr>
-        <p:spPr/>
-        <p:txBody>
-          <a:bodyPr/>
-          <a:lstStyle/>
-          <a:p>
-            <a:r>
-              <a:rPr lang="en-US"/>
-              <a:t>Indroduction to distributed systems</a:t>
-            </a:r>
-          </a:p>
-        </p:txBody>
-      </p:sp>
-      <p:sp>
-        <p:nvSpPr>
-          <p:cNvPr id="7" name="Slide Number Placeholder 6">
-            <a:extLst>
-              <a:ext uri="{FF2B5EF4-FFF2-40B4-BE49-F238E27FC236}">
-                <a16:creationId xmlns:a16="http://schemas.microsoft.com/office/drawing/2014/main" id="{3DF9D7CF-6AD3-4E6B-9E72-3BEBD5D7A892}"/>
-              </a:ext>
-            </a:extLst>
-          </p:cNvPr>
-          <p:cNvSpPr>
-            <a:spLocks noGrp="1"/>
-          </p:cNvSpPr>
-          <p:nvPr>
-            <p:ph type="sldNum" sz="quarter" idx="12"/>
-          </p:nvPr>
-        </p:nvSpPr>
-        <p:spPr/>
-        <p:txBody>
-          <a:bodyPr/>
-          <a:lstStyle/>
-          <a:p>
-            <a:fld id="{DF28FB93-0A08-4E7D-8E63-9EFA29F1E093}" type="slidenum">
-              <a:rPr lang="en-US" smtClean="0"/>
-              <a:pPr/>
-              <a:t>57</a:t>
-            </a:fld>
-            <a:endParaRPr lang="en-US"/>
-          </a:p>
-        </p:txBody>
-      </p:sp>
-    </p:spTree>
-    <p:extLst>
-      <p:ext uri="{BB962C8B-B14F-4D97-AF65-F5344CB8AC3E}">
-        <p14:creationId xmlns:p14="http://schemas.microsoft.com/office/powerpoint/2010/main" val="849448384"/>
       </p:ext>
     </p:extLst>
   </p:cSld>
@@ -27163,7 +17902,7 @@
           <a:p>
             <a:fld id="{EB9EC3D2-1C14-405E-A165-55A54A9C7606}" type="datetime1">
               <a:rPr lang="en-US" smtClean="0"/>
-              <a:t>4/23/2021</a:t>
+              <a:t>5/11/2021</a:t>
             </a:fld>
             <a:endParaRPr lang="en-US"/>
           </a:p>
@@ -27445,7 +18184,7 @@
           <a:p>
             <a:fld id="{6B31730F-ED19-40A1-827F-CE4E0CCEC552}" type="datetime1">
               <a:rPr lang="en-US" smtClean="0"/>
-              <a:t>4/23/2021</a:t>
+              <a:t>5/11/2021</a:t>
             </a:fld>
             <a:endParaRPr lang="en-US"/>
           </a:p>
@@ -27676,7 +18415,7 @@
           <a:p>
             <a:fld id="{8C3F6699-EE3F-47A9-A4CF-1DCFD1BC18AA}" type="datetime1">
               <a:rPr lang="en-US" smtClean="0"/>
-              <a:t>4/23/2021</a:t>
+              <a:t>5/11/2021</a:t>
             </a:fld>
             <a:endParaRPr lang="en-US"/>
           </a:p>
@@ -27944,7 +18683,7 @@
           <a:p>
             <a:fld id="{11F9147A-5E7C-441E-9BC1-3B327A2CEF96}" type="datetime1">
               <a:rPr lang="en-US" smtClean="0"/>
-              <a:t>4/23/2021</a:t>
+              <a:t>5/11/2021</a:t>
             </a:fld>
             <a:endParaRPr lang="en-US"/>
           </a:p>
@@ -28804,6 +19543,15 @@
 </file>
 
 <file path=customXml/item1.xml><?xml version="1.0" encoding="utf-8"?>
+<?mso-contentType ?>
+<FormTemplates xmlns="http://schemas.microsoft.com/sharepoint/v3/contenttype/forms">
+  <Display>DocumentLibraryForm</Display>
+  <Edit>AssetEditForm</Edit>
+  <New>DocumentLibraryForm</New>
+</FormTemplates>
+</file>
+
+<file path=customXml/item2.xml><?xml version="1.0" encoding="utf-8"?>
 <p:properties xmlns:p="http://schemas.microsoft.com/office/2006/metadata/properties" xmlns:xsi="http://www.w3.org/2001/XMLSchema-instance" xmlns:pc="http://schemas.microsoft.com/office/infopath/2007/PartnerControls">
   <documentManagement>
     <DirectSourceMarket xmlns="4873beb7-5857-4685-be1f-d57550cc96cc" xsi:nil="true"/>
@@ -28929,7 +19677,7 @@
 </p:properties>
 </file>
 
-<file path=customXml/item2.xml><?xml version="1.0" encoding="utf-8"?>
+<file path=customXml/item3.xml><?xml version="1.0" encoding="utf-8"?>
 <ct:contentTypeSchema xmlns:ct="http://schemas.microsoft.com/office/2006/metadata/contentType" xmlns:ma="http://schemas.microsoft.com/office/2006/metadata/properties/metaAttributes" ct:_="" ma:_="" ma:contentTypeName="TemplateFile" ma:contentTypeID="0x0101006EDDDB5EE6D98C44930B742096920B300400F5B6D36B3EF94B4E9A635CDF2A18F5B8" ma:contentTypeVersion="72" ma:contentTypeDescription="Create a new document." ma:contentTypeScope="" ma:versionID="a23e56308344d904b51738559c3d67c9">
   <xsd:schema xmlns:xsd="http://www.w3.org/2001/XMLSchema" xmlns:xs="http://www.w3.org/2001/XMLSchema" xmlns:p="http://schemas.microsoft.com/office/2006/metadata/properties" xmlns:ns2="4873beb7-5857-4685-be1f-d57550cc96cc" targetNamespace="http://schemas.microsoft.com/office/2006/metadata/properties" ma:root="true" ma:fieldsID="cd0908cc4600e77bf5da051303e00c8d" ns2:_="">
     <xsd:import namespace="4873beb7-5857-4685-be1f-d57550cc96cc"/>
@@ -29969,16 +20717,15 @@
 </ct:contentTypeSchema>
 </file>
 
-<file path=customXml/item3.xml><?xml version="1.0" encoding="utf-8"?>
-<?mso-contentType ?>
-<FormTemplates xmlns="http://schemas.microsoft.com/sharepoint/v3/contenttype/forms">
-  <Display>DocumentLibraryForm</Display>
-  <Edit>AssetEditForm</Edit>
-  <New>DocumentLibraryForm</New>
-</FormTemplates>
+<file path=customXml/itemProps1.xml><?xml version="1.0" encoding="utf-8"?>
+<ds:datastoreItem xmlns:ds="http://schemas.openxmlformats.org/officeDocument/2006/customXml" ds:itemID="{8D003AC8-209A-4321-A17C-1B7A20643390}">
+  <ds:schemaRefs>
+    <ds:schemaRef ds:uri="http://schemas.microsoft.com/sharepoint/v3/contenttype/forms"/>
+  </ds:schemaRefs>
+</ds:datastoreItem>
 </file>
 
-<file path=customXml/itemProps1.xml><?xml version="1.0" encoding="utf-8"?>
+<file path=customXml/itemProps2.xml><?xml version="1.0" encoding="utf-8"?>
 <ds:datastoreItem xmlns:ds="http://schemas.openxmlformats.org/officeDocument/2006/customXml" ds:itemID="{4ED80E12-3BE9-4746-820E-FFB249F467F2}">
   <ds:schemaRefs>
     <ds:schemaRef ds:uri="http://schemas.microsoft.com/office/2006/documentManagement/types"/>
@@ -29994,7 +20741,7 @@
 </ds:datastoreItem>
 </file>
 
-<file path=customXml/itemProps2.xml><?xml version="1.0" encoding="utf-8"?>
+<file path=customXml/itemProps3.xml><?xml version="1.0" encoding="utf-8"?>
 <ds:datastoreItem xmlns:ds="http://schemas.openxmlformats.org/officeDocument/2006/customXml" ds:itemID="{83ED4759-CFDD-43F0-817C-11D9197192BA}">
   <ds:schemaRefs>
     <ds:schemaRef ds:uri="http://schemas.microsoft.com/office/2006/metadata/contentType"/>
@@ -30010,12 +20757,4 @@
     <ds:schemaRef ds:uri="http://schemas.microsoft.com/internal/obd"/>
   </ds:schemaRefs>
 </ds:datastoreItem>
-</file>
-
-<file path=customXml/itemProps3.xml><?xml version="1.0" encoding="utf-8"?>
-<ds:datastoreItem xmlns:ds="http://schemas.openxmlformats.org/officeDocument/2006/customXml" ds:itemID="{8D003AC8-209A-4321-A17C-1B7A20643390}">
-  <ds:schemaRefs>
-    <ds:schemaRef ds:uri="http://schemas.microsoft.com/sharepoint/v3/contenttype/forms"/>
-  </ds:schemaRefs>
-</ds:datastoreItem>
 </file>